--- a/nl2ml.pptx
+++ b/nl2ml.pptx
@@ -5,7 +5,7 @@
     <p:sldMasterId id="2147483648" r:id="rId4"/>
   </p:sldMasterIdLst>
   <p:notesMasterIdLst>
-    <p:notesMasterId r:id="rId27"/>
+    <p:notesMasterId r:id="rId28"/>
   </p:notesMasterIdLst>
   <p:sldIdLst>
     <p:sldId id="265" r:id="rId5"/>
@@ -17,19 +17,20 @@
     <p:sldId id="267" r:id="rId11"/>
     <p:sldId id="268" r:id="rId12"/>
     <p:sldId id="269" r:id="rId13"/>
-    <p:sldId id="270" r:id="rId14"/>
-    <p:sldId id="281" r:id="rId15"/>
-    <p:sldId id="271" r:id="rId16"/>
-    <p:sldId id="272" r:id="rId17"/>
-    <p:sldId id="278" r:id="rId18"/>
-    <p:sldId id="275" r:id="rId19"/>
-    <p:sldId id="283" r:id="rId20"/>
-    <p:sldId id="279" r:id="rId21"/>
-    <p:sldId id="280" r:id="rId22"/>
-    <p:sldId id="273" r:id="rId23"/>
-    <p:sldId id="263" r:id="rId24"/>
-    <p:sldId id="274" r:id="rId25"/>
-    <p:sldId id="282" r:id="rId26"/>
+    <p:sldId id="284" r:id="rId14"/>
+    <p:sldId id="270" r:id="rId15"/>
+    <p:sldId id="281" r:id="rId16"/>
+    <p:sldId id="271" r:id="rId17"/>
+    <p:sldId id="272" r:id="rId18"/>
+    <p:sldId id="278" r:id="rId19"/>
+    <p:sldId id="275" r:id="rId20"/>
+    <p:sldId id="283" r:id="rId21"/>
+    <p:sldId id="279" r:id="rId22"/>
+    <p:sldId id="280" r:id="rId23"/>
+    <p:sldId id="273" r:id="rId24"/>
+    <p:sldId id="263" r:id="rId25"/>
+    <p:sldId id="274" r:id="rId26"/>
+    <p:sldId id="282" r:id="rId27"/>
   </p:sldIdLst>
   <p:sldSz cx="12192000" cy="6858000"/>
   <p:notesSz cx="6858000" cy="9144000"/>
@@ -218,7 +219,7 @@
           <a:p>
             <a:fld id="{7AEFDAB0-3815-DE40-98A0-D4748ED7AB6C}" type="datetimeFigureOut">
               <a:rPr lang="en-RU" smtClean="0"/>
-              <a:t>09/29/2020</a:t>
+              <a:t>01/10/2020</a:t>
             </a:fld>
             <a:endParaRPr lang="en-RU"/>
           </a:p>
@@ -4618,7 +4619,32 @@
               <a:rPr lang="en-US" sz="1800" dirty="0">
                 <a:latin typeface="Myriad Pro" panose="020B0503030403020204" pitchFamily="34" charset="0"/>
               </a:rPr>
-              <a:t>Tigran Ramazyan, Alexander Levin</a:t>
+              <a:t>Tigran Ramazyan, Alexander Levin, Leyla </a:t>
+            </a:r>
+            <a:r>
+              <a:rPr lang="en-US" sz="1800" dirty="0" err="1">
+                <a:latin typeface="Myriad Pro" panose="020B0503030403020204" pitchFamily="34" charset="0"/>
+              </a:rPr>
+              <a:t>Hatbullina</a:t>
+            </a:r>
+            <a:r>
+              <a:rPr lang="en-US" sz="1800" dirty="0">
+                <a:latin typeface="Myriad Pro" panose="020B0503030403020204" pitchFamily="34" charset="0"/>
+              </a:rPr>
+              <a:t>,</a:t>
+            </a:r>
+          </a:p>
+          <a:p>
+            <a:pPr algn="l">
+              <a:lnSpc>
+                <a:spcPct val="125000"/>
+              </a:lnSpc>
+            </a:pPr>
+            <a:r>
+              <a:rPr lang="en-US" sz="1800" dirty="0">
+                <a:latin typeface="Myriad Pro" panose="020B0503030403020204" pitchFamily="34" charset="0"/>
+              </a:rPr>
+              <a:t>Kirill Gelvan, Mikhail Kuznetsov</a:t>
             </a:r>
             <a:r>
               <a:rPr lang="en-US" sz="1800" baseline="30000" dirty="0">
@@ -4626,9 +4652,6 @@
               </a:rPr>
               <a:t>1</a:t>
             </a:r>
-            <a:endParaRPr lang="ru-RU" sz="1800" baseline="30000" dirty="0">
-              <a:latin typeface="Myriad Pro" panose="020B0503030403020204" pitchFamily="34" charset="0"/>
-            </a:endParaRPr>
           </a:p>
         </p:txBody>
       </p:sp>
@@ -4853,13 +4876,6 @@
   <p:clrMapOvr>
     <a:masterClrMapping/>
   </p:clrMapOvr>
-  <p:timing>
-    <p:tnLst>
-      <p:par>
-        <p:cTn id="1" dur="indefinite" restart="never" nodeType="tmRoot"/>
-      </p:par>
-    </p:tnLst>
-  </p:timing>
 </p:sld>
 </file>
 
@@ -4882,24 +4898,24 @@
       </p:grpSpPr>
       <p:sp>
         <p:nvSpPr>
-          <p:cNvPr id="2" name="Content Placeholder 1">
-            <a:extLst>
-              <a:ext uri="{FF2B5EF4-FFF2-40B4-BE49-F238E27FC236}">
-                <a16:creationId xmlns:a16="http://schemas.microsoft.com/office/drawing/2014/main" id="{885F3CD7-32E3-F14F-A50C-3604D7BB3B71}"/>
-              </a:ext>
-            </a:extLst>
-          </p:cNvPr>
-          <p:cNvSpPr>
-            <a:spLocks noGrp="1"/>
-          </p:cNvSpPr>
-          <p:nvPr>
-            <p:ph idx="1"/>
-          </p:nvPr>
-        </p:nvSpPr>
-        <p:spPr>
-          <a:xfrm>
-            <a:off x="838200" y="939338"/>
-            <a:ext cx="10515600" cy="5237625"/>
+          <p:cNvPr id="3" name="Title 2">
+            <a:extLst>
+              <a:ext uri="{FF2B5EF4-FFF2-40B4-BE49-F238E27FC236}">
+                <a16:creationId xmlns:a16="http://schemas.microsoft.com/office/drawing/2014/main" id="{D482727E-8510-5F4B-8904-4D776FCF3B82}"/>
+              </a:ext>
+            </a:extLst>
+          </p:cNvPr>
+          <p:cNvSpPr>
+            <a:spLocks noGrp="1"/>
+          </p:cNvSpPr>
+          <p:nvPr>
+            <p:ph type="title"/>
+          </p:nvPr>
+        </p:nvSpPr>
+        <p:spPr>
+          <a:xfrm>
+            <a:off x="192505" y="278670"/>
+            <a:ext cx="11806990" cy="765843"/>
           </a:xfrm>
         </p:spPr>
         <p:txBody>
@@ -4908,183 +4924,8 @@
           <a:p>
             <a:r>
               <a:rPr lang="en-RU" dirty="0"/>
-              <a:t>Parser pulls out code-description pairs.</a:t>
-            </a:r>
-          </a:p>
-          <a:p>
-            <a:r>
-              <a:rPr lang="en-RU" dirty="0"/>
-              <a:t>Each instance has the following features:</a:t>
-            </a:r>
-          </a:p>
-          <a:p>
-            <a:pPr lvl="1">
-              <a:buClr>
-                <a:schemeClr val="tx2"/>
-              </a:buClr>
-              <a:buFont typeface="Wingdings" pitchFamily="2" charset="2"/>
-              <a:buChar char="§"/>
-            </a:pPr>
-            <a:r>
-              <a:rPr lang="en-US" dirty="0"/>
-              <a:t>User</a:t>
-            </a:r>
-          </a:p>
-          <a:p>
-            <a:pPr lvl="1">
-              <a:buClr>
-                <a:schemeClr val="tx2"/>
-              </a:buClr>
-              <a:buFont typeface="Wingdings" pitchFamily="2" charset="2"/>
-              <a:buChar char="§"/>
-            </a:pPr>
-            <a:r>
-              <a:rPr lang="en-US" dirty="0"/>
-              <a:t>Repo</a:t>
-            </a:r>
-          </a:p>
-          <a:p>
-            <a:pPr lvl="1">
-              <a:buClr>
-                <a:schemeClr val="tx2"/>
-              </a:buClr>
-              <a:buFont typeface="Wingdings" pitchFamily="2" charset="2"/>
-              <a:buChar char="§"/>
-            </a:pPr>
-            <a:r>
-              <a:rPr lang="en-US" dirty="0"/>
-              <a:t>File path</a:t>
-            </a:r>
-          </a:p>
-          <a:p>
-            <a:pPr lvl="1">
-              <a:buClr>
-                <a:schemeClr val="tx2"/>
-              </a:buClr>
-              <a:buFont typeface="Wingdings" pitchFamily="2" charset="2"/>
-              <a:buChar char="§"/>
-            </a:pPr>
-            <a:r>
-              <a:rPr lang="en-US" dirty="0"/>
-              <a:t>Code</a:t>
-            </a:r>
-            <a:endParaRPr lang="en-RU" dirty="0"/>
-          </a:p>
-          <a:p>
-            <a:pPr lvl="1">
-              <a:buClr>
-                <a:schemeClr val="tx2"/>
-              </a:buClr>
-              <a:buFont typeface="Wingdings" pitchFamily="2" charset="2"/>
-              <a:buChar char="§"/>
-            </a:pPr>
-            <a:r>
-              <a:rPr lang="en-US" dirty="0" smtClean="0"/>
-              <a:t>In-code </a:t>
-            </a:r>
-            <a:r>
-              <a:rPr lang="en-RU" dirty="0" smtClean="0"/>
-              <a:t>Comments</a:t>
-            </a:r>
-            <a:endParaRPr lang="en-RU" dirty="0"/>
-          </a:p>
-          <a:p>
-            <a:r>
-              <a:rPr lang="en-US" dirty="0"/>
-              <a:t>Number of instances: overall – </a:t>
-            </a:r>
-            <a:r>
-              <a:rPr lang="en-RU" dirty="0"/>
-              <a:t>249542, unique – </a:t>
-            </a:r>
-            <a:r>
-              <a:rPr lang="en-RU" dirty="0" smtClean="0"/>
-              <a:t>167353</a:t>
-            </a:r>
-            <a:endParaRPr lang="en-US" dirty="0" smtClean="0"/>
-          </a:p>
-          <a:p>
-            <a:r>
-              <a:rPr lang="en-US" dirty="0" smtClean="0"/>
-              <a:t>Final dataset - github_raw.csv</a:t>
-            </a:r>
-            <a:endParaRPr lang="en-RU" dirty="0"/>
-          </a:p>
-        </p:txBody>
-      </p:sp>
-      <p:sp>
-        <p:nvSpPr>
-          <p:cNvPr id="3" name="Title 2">
-            <a:extLst>
-              <a:ext uri="{FF2B5EF4-FFF2-40B4-BE49-F238E27FC236}">
-                <a16:creationId xmlns:a16="http://schemas.microsoft.com/office/drawing/2014/main" id="{D482727E-8510-5F4B-8904-4D776FCF3B82}"/>
-              </a:ext>
-            </a:extLst>
-          </p:cNvPr>
-          <p:cNvSpPr>
-            <a:spLocks noGrp="1"/>
-          </p:cNvSpPr>
-          <p:nvPr>
-            <p:ph type="title"/>
-          </p:nvPr>
-        </p:nvSpPr>
-        <p:spPr/>
-        <p:txBody>
-          <a:bodyPr/>
-          <a:lstStyle/>
-          <a:p>
-            <a:r>
-              <a:rPr lang="en-US" dirty="0" smtClean="0">
-                <a:cs typeface="Myanmar Text" panose="020B0502040204020203" pitchFamily="34" charset="0"/>
-              </a:rPr>
-              <a:t>Code </a:t>
-            </a:r>
-            <a:r>
-              <a:rPr lang="en-US" dirty="0"/>
-              <a:t>snippets</a:t>
-            </a:r>
-            <a:r>
-              <a:rPr lang="en-US" dirty="0" smtClean="0">
-                <a:cs typeface="Myanmar Text" panose="020B0502040204020203" pitchFamily="34" charset="0"/>
-              </a:rPr>
-              <a:t> from </a:t>
-            </a:r>
-            <a:r>
-              <a:rPr lang="en-US" dirty="0" err="1">
-                <a:cs typeface="Myanmar Text" panose="020B0502040204020203" pitchFamily="34" charset="0"/>
-              </a:rPr>
-              <a:t>Github</a:t>
-            </a:r>
-            <a:endParaRPr lang="en-RU" dirty="0"/>
-          </a:p>
-        </p:txBody>
-      </p:sp>
-      <p:sp>
-        <p:nvSpPr>
-          <p:cNvPr id="5" name="Footer Placeholder 4">
-            <a:extLst>
-              <a:ext uri="{FF2B5EF4-FFF2-40B4-BE49-F238E27FC236}">
-                <a16:creationId xmlns:a16="http://schemas.microsoft.com/office/drawing/2014/main" id="{2245831C-8ED2-6B41-B3D1-67B8994A1381}"/>
-              </a:ext>
-            </a:extLst>
-          </p:cNvPr>
-          <p:cNvSpPr>
-            <a:spLocks noGrp="1"/>
-          </p:cNvSpPr>
-          <p:nvPr>
-            <p:ph type="ftr" sz="quarter" idx="11"/>
-          </p:nvPr>
-        </p:nvSpPr>
-        <p:spPr/>
-        <p:txBody>
-          <a:bodyPr/>
-          <a:lstStyle/>
-          <a:p>
-            <a:r>
-              <a:rPr lang="en-GB" dirty="0"/>
-              <a:t>T. Ramazyan, A. Levin, NRU HSE</a:t>
-            </a:r>
-            <a:endParaRPr lang="ru-RU" dirty="0"/>
+              <a:t>Kaggle Dataset Statistics</a:t>
+            </a:r>
           </a:p>
         </p:txBody>
       </p:sp>
@@ -5120,10 +4961,10 @@
       </p:sp>
       <p:sp>
         <p:nvSpPr>
-          <p:cNvPr id="7" name="Date Placeholder 3">
-            <a:extLst>
-              <a:ext uri="{FF2B5EF4-FFF2-40B4-BE49-F238E27FC236}">
-                <a16:creationId xmlns:a16="http://schemas.microsoft.com/office/drawing/2014/main" id="{4E959F51-7FF2-7645-B32D-F1C0A864942B}"/>
+          <p:cNvPr id="8" name="Date Placeholder 3">
+            <a:extLst>
+              <a:ext uri="{FF2B5EF4-FFF2-40B4-BE49-F238E27FC236}">
+                <a16:creationId xmlns:a16="http://schemas.microsoft.com/office/drawing/2014/main" id="{D18FF25E-8221-5141-89E1-2596A04BEFED}"/>
               </a:ext>
             </a:extLst>
           </p:cNvPr>
@@ -5160,13 +5001,729 @@
               <a:rPr lang="ru-RU" dirty="0"/>
               <a:t>.2020</a:t>
             </a:r>
+          </a:p>
+        </p:txBody>
+      </p:sp>
+      <p:graphicFrame>
+        <p:nvGraphicFramePr>
+          <p:cNvPr id="9" name="Table 9">
+            <a:extLst>
+              <a:ext uri="{FF2B5EF4-FFF2-40B4-BE49-F238E27FC236}">
+                <a16:creationId xmlns:a16="http://schemas.microsoft.com/office/drawing/2014/main" id="{11F1F09F-7B46-F449-8B42-A50591499B56}"/>
+              </a:ext>
+            </a:extLst>
+          </p:cNvPr>
+          <p:cNvGraphicFramePr>
+            <a:graphicFrameLocks noGrp="1"/>
+          </p:cNvGraphicFramePr>
+          <p:nvPr>
+            <p:ph idx="1"/>
+            <p:extLst>
+              <p:ext uri="{D42A27DB-BD31-4B8C-83A1-F6EECF244321}">
+                <p14:modId xmlns:p14="http://schemas.microsoft.com/office/powerpoint/2010/main" val="2164847659"/>
+              </p:ext>
+            </p:extLst>
+          </p:nvPr>
+        </p:nvGraphicFramePr>
+        <p:xfrm>
+          <a:off x="838200" y="1417638"/>
+          <a:ext cx="10515597" cy="4079240"/>
+        </p:xfrm>
+        <a:graphic>
+          <a:graphicData uri="http://schemas.openxmlformats.org/drawingml/2006/table">
+            <a:tbl>
+              <a:tblPr firstRow="1" bandRow="1">
+                <a:tableStyleId>{7DF18680-E054-41AD-8BC1-D1AEF772440D}</a:tableStyleId>
+              </a:tblPr>
+              <a:tblGrid>
+                <a:gridCol w="3505199">
+                  <a:extLst>
+                    <a:ext uri="{9D8B030D-6E8A-4147-A177-3AD203B41FA5}">
+                      <a16:colId xmlns:a16="http://schemas.microsoft.com/office/drawing/2014/main" val="3732392670"/>
+                    </a:ext>
+                  </a:extLst>
+                </a:gridCol>
+                <a:gridCol w="3505199">
+                  <a:extLst>
+                    <a:ext uri="{9D8B030D-6E8A-4147-A177-3AD203B41FA5}">
+                      <a16:colId xmlns:a16="http://schemas.microsoft.com/office/drawing/2014/main" val="1346372866"/>
+                    </a:ext>
+                  </a:extLst>
+                </a:gridCol>
+                <a:gridCol w="3505199">
+                  <a:extLst>
+                    <a:ext uri="{9D8B030D-6E8A-4147-A177-3AD203B41FA5}">
+                      <a16:colId xmlns:a16="http://schemas.microsoft.com/office/drawing/2014/main" val="66223244"/>
+                    </a:ext>
+                  </a:extLst>
+                </a:gridCol>
+              </a:tblGrid>
+              <a:tr h="370840">
+                <a:tc>
+                  <a:txBody>
+                    <a:bodyPr/>
+                    <a:lstStyle/>
+                    <a:p>
+                      <a:pPr algn="ctr"/>
+                      <a:r>
+                        <a:rPr lang="en-RU" dirty="0"/>
+                        <a:t>Class</a:t>
+                      </a:r>
+                    </a:p>
+                  </a:txBody>
+                  <a:tcPr/>
+                </a:tc>
+                <a:tc>
+                  <a:txBody>
+                    <a:bodyPr/>
+                    <a:lstStyle/>
+                    <a:p>
+                      <a:pPr algn="ctr"/>
+                      <a:r>
+                        <a:rPr lang="en-RU" dirty="0"/>
+                        <a:t>Number of Instances</a:t>
+                      </a:r>
+                    </a:p>
+                  </a:txBody>
+                  <a:tcPr/>
+                </a:tc>
+                <a:tc>
+                  <a:txBody>
+                    <a:bodyPr/>
+                    <a:lstStyle/>
+                    <a:p>
+                      <a:pPr algn="ctr"/>
+                      <a:r>
+                        <a:rPr lang="en-RU" dirty="0"/>
+                        <a:t>Precentage </a:t>
+                      </a:r>
+                      <a:r>
+                        <a:rPr lang="en-US" dirty="0"/>
+                        <a:t>in the Dataset (%)</a:t>
+                      </a:r>
+                      <a:endParaRPr lang="en-RU" dirty="0"/>
+                    </a:p>
+                  </a:txBody>
+                  <a:tcPr/>
+                </a:tc>
+                <a:extLst>
+                  <a:ext uri="{0D108BD9-81ED-4DB2-BD59-A6C34878D82A}">
+                    <a16:rowId xmlns:a16="http://schemas.microsoft.com/office/drawing/2014/main" val="1287140076"/>
+                  </a:ext>
+                </a:extLst>
+              </a:tr>
+              <a:tr h="370840">
+                <a:tc>
+                  <a:txBody>
+                    <a:bodyPr/>
+                    <a:lstStyle/>
+                    <a:p>
+                      <a:pPr algn="ctr"/>
+                      <a:r>
+                        <a:rPr lang="en-RU" dirty="0"/>
+                        <a:t>import</a:t>
+                      </a:r>
+                    </a:p>
+                  </a:txBody>
+                  <a:tcPr/>
+                </a:tc>
+                <a:tc>
+                  <a:txBody>
+                    <a:bodyPr/>
+                    <a:lstStyle/>
+                    <a:p>
+                      <a:pPr algn="ctr"/>
+                      <a:r>
+                        <a:rPr lang="en-RU" dirty="0"/>
+                        <a:t>28`910</a:t>
+                      </a:r>
+                    </a:p>
+                  </a:txBody>
+                  <a:tcPr/>
+                </a:tc>
+                <a:tc>
+                  <a:txBody>
+                    <a:bodyPr/>
+                    <a:lstStyle/>
+                    <a:p>
+                      <a:pPr algn="ctr"/>
+                      <a:r>
+                        <a:rPr lang="en-RU" dirty="0"/>
+                        <a:t>12.82</a:t>
+                      </a:r>
+                    </a:p>
+                  </a:txBody>
+                  <a:tcPr/>
+                </a:tc>
+                <a:extLst>
+                  <a:ext uri="{0D108BD9-81ED-4DB2-BD59-A6C34878D82A}">
+                    <a16:rowId xmlns:a16="http://schemas.microsoft.com/office/drawing/2014/main" val="23860152"/>
+                  </a:ext>
+                </a:extLst>
+              </a:tr>
+              <a:tr h="370840">
+                <a:tc>
+                  <a:txBody>
+                    <a:bodyPr/>
+                    <a:lstStyle/>
+                    <a:p>
+                      <a:pPr algn="ctr"/>
+                      <a:r>
+                        <a:rPr lang="en-RU" dirty="0"/>
+                        <a:t>data_import</a:t>
+                      </a:r>
+                    </a:p>
+                  </a:txBody>
+                  <a:tcPr/>
+                </a:tc>
+                <a:tc>
+                  <a:txBody>
+                    <a:bodyPr/>
+                    <a:lstStyle/>
+                    <a:p>
+                      <a:pPr algn="ctr"/>
+                      <a:r>
+                        <a:rPr lang="en-RU" dirty="0"/>
+                        <a:t>17`152</a:t>
+                      </a:r>
+                    </a:p>
+                  </a:txBody>
+                  <a:tcPr/>
+                </a:tc>
+                <a:tc>
+                  <a:txBody>
+                    <a:bodyPr/>
+                    <a:lstStyle/>
+                    <a:p>
+                      <a:pPr algn="ctr"/>
+                      <a:r>
+                        <a:rPr lang="en-RU" dirty="0"/>
+                        <a:t>7.60</a:t>
+                      </a:r>
+                    </a:p>
+                  </a:txBody>
+                  <a:tcPr/>
+                </a:tc>
+                <a:extLst>
+                  <a:ext uri="{0D108BD9-81ED-4DB2-BD59-A6C34878D82A}">
+                    <a16:rowId xmlns:a16="http://schemas.microsoft.com/office/drawing/2014/main" val="3051890598"/>
+                  </a:ext>
+                </a:extLst>
+              </a:tr>
+              <a:tr h="370840">
+                <a:tc>
+                  <a:txBody>
+                    <a:bodyPr/>
+                    <a:lstStyle/>
+                    <a:p>
+                      <a:pPr algn="ctr"/>
+                      <a:r>
+                        <a:rPr lang="en-RU" dirty="0"/>
+                        <a:t>data_export</a:t>
+                      </a:r>
+                    </a:p>
+                  </a:txBody>
+                  <a:tcPr/>
+                </a:tc>
+                <a:tc>
+                  <a:txBody>
+                    <a:bodyPr/>
+                    <a:lstStyle/>
+                    <a:p>
+                      <a:pPr algn="ctr"/>
+                      <a:r>
+                        <a:rPr lang="en-RU" dirty="0"/>
+                        <a:t>4`239</a:t>
+                      </a:r>
+                    </a:p>
+                  </a:txBody>
+                  <a:tcPr/>
+                </a:tc>
+                <a:tc>
+                  <a:txBody>
+                    <a:bodyPr/>
+                    <a:lstStyle/>
+                    <a:p>
+                      <a:pPr algn="ctr"/>
+                      <a:r>
+                        <a:rPr lang="en-RU" dirty="0"/>
+                        <a:t>1.88</a:t>
+                      </a:r>
+                    </a:p>
+                  </a:txBody>
+                  <a:tcPr/>
+                </a:tc>
+                <a:extLst>
+                  <a:ext uri="{0D108BD9-81ED-4DB2-BD59-A6C34878D82A}">
+                    <a16:rowId xmlns:a16="http://schemas.microsoft.com/office/drawing/2014/main" val="3612209365"/>
+                  </a:ext>
+                </a:extLst>
+              </a:tr>
+              <a:tr h="370840">
+                <a:tc>
+                  <a:txBody>
+                    <a:bodyPr/>
+                    <a:lstStyle/>
+                    <a:p>
+                      <a:pPr algn="ctr"/>
+                      <a:r>
+                        <a:rPr lang="en-RU" dirty="0"/>
+                        <a:t>preprocessing</a:t>
+                      </a:r>
+                    </a:p>
+                  </a:txBody>
+                  <a:tcPr/>
+                </a:tc>
+                <a:tc>
+                  <a:txBody>
+                    <a:bodyPr/>
+                    <a:lstStyle/>
+                    <a:p>
+                      <a:pPr algn="ctr"/>
+                      <a:r>
+                        <a:rPr lang="en-RU" dirty="0"/>
+                        <a:t>63`543</a:t>
+                      </a:r>
+                    </a:p>
+                  </a:txBody>
+                  <a:tcPr/>
+                </a:tc>
+                <a:tc>
+                  <a:txBody>
+                    <a:bodyPr/>
+                    <a:lstStyle/>
+                    <a:p>
+                      <a:pPr algn="ctr"/>
+                      <a:r>
+                        <a:rPr lang="en-RU" dirty="0"/>
+                        <a:t>28.17</a:t>
+                      </a:r>
+                    </a:p>
+                  </a:txBody>
+                  <a:tcPr/>
+                </a:tc>
+                <a:extLst>
+                  <a:ext uri="{0D108BD9-81ED-4DB2-BD59-A6C34878D82A}">
+                    <a16:rowId xmlns:a16="http://schemas.microsoft.com/office/drawing/2014/main" val="2164315824"/>
+                  </a:ext>
+                </a:extLst>
+              </a:tr>
+              <a:tr h="370840">
+                <a:tc>
+                  <a:txBody>
+                    <a:bodyPr/>
+                    <a:lstStyle/>
+                    <a:p>
+                      <a:pPr algn="ctr"/>
+                      <a:r>
+                        <a:rPr lang="en-RU" dirty="0"/>
+                        <a:t>visualization</a:t>
+                      </a:r>
+                    </a:p>
+                  </a:txBody>
+                  <a:tcPr/>
+                </a:tc>
+                <a:tc>
+                  <a:txBody>
+                    <a:bodyPr/>
+                    <a:lstStyle/>
+                    <a:p>
+                      <a:pPr algn="ctr"/>
+                      <a:r>
+                        <a:rPr lang="en-RU" dirty="0"/>
+                        <a:t>43`285</a:t>
+                      </a:r>
+                    </a:p>
+                  </a:txBody>
+                  <a:tcPr/>
+                </a:tc>
+                <a:tc>
+                  <a:txBody>
+                    <a:bodyPr/>
+                    <a:lstStyle/>
+                    <a:p>
+                      <a:pPr algn="ctr"/>
+                      <a:r>
+                        <a:rPr lang="en-RU" dirty="0"/>
+                        <a:t>19.19</a:t>
+                      </a:r>
+                    </a:p>
+                  </a:txBody>
+                  <a:tcPr/>
+                </a:tc>
+                <a:extLst>
+                  <a:ext uri="{0D108BD9-81ED-4DB2-BD59-A6C34878D82A}">
+                    <a16:rowId xmlns:a16="http://schemas.microsoft.com/office/drawing/2014/main" val="2092649071"/>
+                  </a:ext>
+                </a:extLst>
+              </a:tr>
+              <a:tr h="370840">
+                <a:tc>
+                  <a:txBody>
+                    <a:bodyPr/>
+                    <a:lstStyle/>
+                    <a:p>
+                      <a:pPr algn="ctr"/>
+                      <a:r>
+                        <a:rPr lang="en-RU" dirty="0"/>
+                        <a:t>model</a:t>
+                      </a:r>
+                    </a:p>
+                  </a:txBody>
+                  <a:tcPr/>
+                </a:tc>
+                <a:tc>
+                  <a:txBody>
+                    <a:bodyPr/>
+                    <a:lstStyle/>
+                    <a:p>
+                      <a:pPr marL="0" marR="0" lvl="0" indent="0" algn="ctr" defTabSz="914400" rtl="0" eaLnBrk="1" fontAlgn="auto" latinLnBrk="0" hangingPunct="1">
+                        <a:lnSpc>
+                          <a:spcPct val="100000"/>
+                        </a:lnSpc>
+                        <a:spcBef>
+                          <a:spcPts val="0"/>
+                        </a:spcBef>
+                        <a:spcAft>
+                          <a:spcPts val="0"/>
+                        </a:spcAft>
+                        <a:buClrTx/>
+                        <a:buSzTx/>
+                        <a:buFontTx/>
+                        <a:buNone/>
+                        <a:tabLst/>
+                        <a:defRPr/>
+                      </a:pPr>
+                      <a:r>
+                        <a:rPr lang="en-RU" dirty="0"/>
+                        <a:t>6`049</a:t>
+                      </a:r>
+                    </a:p>
+                  </a:txBody>
+                  <a:tcPr/>
+                </a:tc>
+                <a:tc>
+                  <a:txBody>
+                    <a:bodyPr/>
+                    <a:lstStyle/>
+                    <a:p>
+                      <a:pPr algn="ctr"/>
+                      <a:r>
+                        <a:rPr lang="en-RU" dirty="0"/>
+                        <a:t>2.68</a:t>
+                      </a:r>
+                    </a:p>
+                  </a:txBody>
+                  <a:tcPr/>
+                </a:tc>
+                <a:extLst>
+                  <a:ext uri="{0D108BD9-81ED-4DB2-BD59-A6C34878D82A}">
+                    <a16:rowId xmlns:a16="http://schemas.microsoft.com/office/drawing/2014/main" val="4080533512"/>
+                  </a:ext>
+                </a:extLst>
+              </a:tr>
+              <a:tr h="370840">
+                <a:tc>
+                  <a:txBody>
+                    <a:bodyPr/>
+                    <a:lstStyle/>
+                    <a:p>
+                      <a:pPr algn="ctr"/>
+                      <a:r>
+                        <a:rPr lang="en-RU" dirty="0"/>
+                        <a:t>deep_learning_model</a:t>
+                      </a:r>
+                    </a:p>
+                  </a:txBody>
+                  <a:tcPr/>
+                </a:tc>
+                <a:tc>
+                  <a:txBody>
+                    <a:bodyPr/>
+                    <a:lstStyle/>
+                    <a:p>
+                      <a:pPr marL="0" marR="0" lvl="0" indent="0" algn="ctr" defTabSz="914400" rtl="0" eaLnBrk="1" fontAlgn="auto" latinLnBrk="0" hangingPunct="1">
+                        <a:lnSpc>
+                          <a:spcPct val="100000"/>
+                        </a:lnSpc>
+                        <a:spcBef>
+                          <a:spcPts val="0"/>
+                        </a:spcBef>
+                        <a:spcAft>
+                          <a:spcPts val="0"/>
+                        </a:spcAft>
+                        <a:buClrTx/>
+                        <a:buSzTx/>
+                        <a:buFontTx/>
+                        <a:buNone/>
+                        <a:tabLst/>
+                        <a:defRPr/>
+                      </a:pPr>
+                      <a:r>
+                        <a:rPr lang="en-RU" dirty="0"/>
+                        <a:t>2`946</a:t>
+                      </a:r>
+                    </a:p>
+                  </a:txBody>
+                  <a:tcPr/>
+                </a:tc>
+                <a:tc>
+                  <a:txBody>
+                    <a:bodyPr/>
+                    <a:lstStyle/>
+                    <a:p>
+                      <a:pPr algn="ctr"/>
+                      <a:r>
+                        <a:rPr lang="en-RU" dirty="0"/>
+                        <a:t>1.31</a:t>
+                      </a:r>
+                    </a:p>
+                  </a:txBody>
+                  <a:tcPr/>
+                </a:tc>
+                <a:extLst>
+                  <a:ext uri="{0D108BD9-81ED-4DB2-BD59-A6C34878D82A}">
+                    <a16:rowId xmlns:a16="http://schemas.microsoft.com/office/drawing/2014/main" val="1054781596"/>
+                  </a:ext>
+                </a:extLst>
+              </a:tr>
+              <a:tr h="370840">
+                <a:tc>
+                  <a:txBody>
+                    <a:bodyPr/>
+                    <a:lstStyle/>
+                    <a:p>
+                      <a:pPr algn="ctr"/>
+                      <a:r>
+                        <a:rPr lang="en-RU" dirty="0"/>
+                        <a:t>train</a:t>
+                      </a:r>
+                    </a:p>
+                  </a:txBody>
+                  <a:tcPr/>
+                </a:tc>
+                <a:tc>
+                  <a:txBody>
+                    <a:bodyPr/>
+                    <a:lstStyle/>
+                    <a:p>
+                      <a:pPr marL="0" marR="0" lvl="0" indent="0" algn="ctr" defTabSz="914400" rtl="0" eaLnBrk="1" fontAlgn="auto" latinLnBrk="0" hangingPunct="1">
+                        <a:lnSpc>
+                          <a:spcPct val="100000"/>
+                        </a:lnSpc>
+                        <a:spcBef>
+                          <a:spcPts val="0"/>
+                        </a:spcBef>
+                        <a:spcAft>
+                          <a:spcPts val="0"/>
+                        </a:spcAft>
+                        <a:buClrTx/>
+                        <a:buSzTx/>
+                        <a:buFontTx/>
+                        <a:buNone/>
+                        <a:tabLst/>
+                        <a:defRPr/>
+                      </a:pPr>
+                      <a:r>
+                        <a:rPr lang="en-RU" dirty="0"/>
+                        <a:t>15`857</a:t>
+                      </a:r>
+                    </a:p>
+                  </a:txBody>
+                  <a:tcPr/>
+                </a:tc>
+                <a:tc>
+                  <a:txBody>
+                    <a:bodyPr/>
+                    <a:lstStyle/>
+                    <a:p>
+                      <a:pPr algn="ctr"/>
+                      <a:r>
+                        <a:rPr lang="en-RU" dirty="0"/>
+                        <a:t>7.03</a:t>
+                      </a:r>
+                    </a:p>
+                  </a:txBody>
+                  <a:tcPr/>
+                </a:tc>
+                <a:extLst>
+                  <a:ext uri="{0D108BD9-81ED-4DB2-BD59-A6C34878D82A}">
+                    <a16:rowId xmlns:a16="http://schemas.microsoft.com/office/drawing/2014/main" val="3177445337"/>
+                  </a:ext>
+                </a:extLst>
+              </a:tr>
+              <a:tr h="370840">
+                <a:tc>
+                  <a:txBody>
+                    <a:bodyPr/>
+                    <a:lstStyle/>
+                    <a:p>
+                      <a:pPr algn="ctr"/>
+                      <a:r>
+                        <a:rPr lang="en-RU" dirty="0"/>
+                        <a:t>predict</a:t>
+                      </a:r>
+                    </a:p>
+                  </a:txBody>
+                  <a:tcPr/>
+                </a:tc>
+                <a:tc>
+                  <a:txBody>
+                    <a:bodyPr/>
+                    <a:lstStyle/>
+                    <a:p>
+                      <a:pPr marL="0" marR="0" lvl="0" indent="0" algn="ctr" defTabSz="914400" rtl="0" eaLnBrk="1" fontAlgn="auto" latinLnBrk="0" hangingPunct="1">
+                        <a:lnSpc>
+                          <a:spcPct val="100000"/>
+                        </a:lnSpc>
+                        <a:spcBef>
+                          <a:spcPts val="0"/>
+                        </a:spcBef>
+                        <a:spcAft>
+                          <a:spcPts val="0"/>
+                        </a:spcAft>
+                        <a:buClrTx/>
+                        <a:buSzTx/>
+                        <a:buFontTx/>
+                        <a:buNone/>
+                        <a:tabLst/>
+                        <a:defRPr/>
+                      </a:pPr>
+                      <a:r>
+                        <a:rPr lang="en-RU" dirty="0"/>
+                        <a:t>12`993</a:t>
+                      </a:r>
+                    </a:p>
+                  </a:txBody>
+                  <a:tcPr/>
+                </a:tc>
+                <a:tc>
+                  <a:txBody>
+                    <a:bodyPr/>
+                    <a:lstStyle/>
+                    <a:p>
+                      <a:pPr algn="ctr"/>
+                      <a:r>
+                        <a:rPr lang="en-RU" dirty="0"/>
+                        <a:t>5.76</a:t>
+                      </a:r>
+                    </a:p>
+                  </a:txBody>
+                  <a:tcPr/>
+                </a:tc>
+                <a:extLst>
+                  <a:ext uri="{0D108BD9-81ED-4DB2-BD59-A6C34878D82A}">
+                    <a16:rowId xmlns:a16="http://schemas.microsoft.com/office/drawing/2014/main" val="3687800046"/>
+                  </a:ext>
+                </a:extLst>
+              </a:tr>
+              <a:tr h="370840">
+                <a:tc>
+                  <a:txBody>
+                    <a:bodyPr/>
+                    <a:lstStyle/>
+                    <a:p>
+                      <a:pPr algn="ctr"/>
+                      <a:r>
+                        <a:rPr lang="en-RU" dirty="0"/>
+                        <a:t>∑</a:t>
+                      </a:r>
+                    </a:p>
+                  </a:txBody>
+                  <a:tcPr/>
+                </a:tc>
+                <a:tc>
+                  <a:txBody>
+                    <a:bodyPr/>
+                    <a:lstStyle/>
+                    <a:p>
+                      <a:pPr marL="0" marR="0" lvl="0" indent="0" algn="ctr" defTabSz="914400" rtl="0" eaLnBrk="1" fontAlgn="auto" latinLnBrk="0" hangingPunct="1">
+                        <a:lnSpc>
+                          <a:spcPct val="100000"/>
+                        </a:lnSpc>
+                        <a:spcBef>
+                          <a:spcPts val="0"/>
+                        </a:spcBef>
+                        <a:spcAft>
+                          <a:spcPts val="0"/>
+                        </a:spcAft>
+                        <a:buClrTx/>
+                        <a:buSzTx/>
+                        <a:buFontTx/>
+                        <a:buNone/>
+                        <a:tabLst/>
+                        <a:defRPr/>
+                      </a:pPr>
+                      <a:r>
+                        <a:rPr lang="en-RU" dirty="0"/>
+                        <a:t>194`974</a:t>
+                      </a:r>
+                    </a:p>
+                  </a:txBody>
+                  <a:tcPr/>
+                </a:tc>
+                <a:tc>
+                  <a:txBody>
+                    <a:bodyPr/>
+                    <a:lstStyle/>
+                    <a:p>
+                      <a:pPr algn="ctr"/>
+                      <a:r>
+                        <a:rPr lang="en-RU" dirty="0"/>
+                        <a:t>86.44</a:t>
+                      </a:r>
+                    </a:p>
+                  </a:txBody>
+                  <a:tcPr/>
+                </a:tc>
+                <a:extLst>
+                  <a:ext uri="{0D108BD9-81ED-4DB2-BD59-A6C34878D82A}">
+                    <a16:rowId xmlns:a16="http://schemas.microsoft.com/office/drawing/2014/main" val="1587283863"/>
+                  </a:ext>
+                </a:extLst>
+              </a:tr>
+            </a:tbl>
+          </a:graphicData>
+        </a:graphic>
+      </p:graphicFrame>
+      <p:sp>
+        <p:nvSpPr>
+          <p:cNvPr id="10" name="Footer Placeholder 4">
+            <a:extLst>
+              <a:ext uri="{FF2B5EF4-FFF2-40B4-BE49-F238E27FC236}">
+                <a16:creationId xmlns:a16="http://schemas.microsoft.com/office/drawing/2014/main" id="{CC70383F-67BB-A147-8B41-271BEED0CB00}"/>
+              </a:ext>
+            </a:extLst>
+          </p:cNvPr>
+          <p:cNvSpPr>
+            <a:spLocks noGrp="1"/>
+          </p:cNvSpPr>
+          <p:nvPr>
+            <p:ph type="ftr" sz="quarter" idx="11"/>
+          </p:nvPr>
+        </p:nvSpPr>
+        <p:spPr>
+          <a:xfrm>
+            <a:off x="192505" y="6492875"/>
+            <a:ext cx="3767667" cy="365125"/>
+          </a:xfrm>
+        </p:spPr>
+        <p:txBody>
+          <a:bodyPr/>
+          <a:lstStyle/>
+          <a:p>
+            <a:r>
+              <a:rPr lang="en-GB" dirty="0"/>
+              <a:t>T. Ramazyan, A. Levin, et al., NRU HSE</a:t>
+            </a:r>
+            <a:endParaRPr lang="ru-RU" dirty="0"/>
           </a:p>
         </p:txBody>
       </p:sp>
     </p:spTree>
     <p:extLst>
       <p:ext uri="{BB962C8B-B14F-4D97-AF65-F5344CB8AC3E}">
-        <p14:creationId xmlns:p14="http://schemas.microsoft.com/office/powerpoint/2010/main" val="386230205"/>
+        <p14:creationId xmlns:p14="http://schemas.microsoft.com/office/powerpoint/2010/main" val="2775083533"/>
       </p:ext>
     </p:extLst>
   </p:cSld>
@@ -5209,57 +5766,112 @@
             <p:ph idx="1"/>
           </p:nvPr>
         </p:nvSpPr>
-        <p:spPr/>
+        <p:spPr>
+          <a:xfrm>
+            <a:off x="838200" y="939338"/>
+            <a:ext cx="10515600" cy="5237625"/>
+          </a:xfrm>
+        </p:spPr>
         <p:txBody>
           <a:bodyPr/>
           <a:lstStyle/>
           <a:p>
             <a:r>
-              <a:rPr lang="en-US" dirty="0" smtClean="0"/>
-              <a:t>Ground truth labelling</a:t>
-            </a:r>
-          </a:p>
-          <a:p>
-            <a:r>
-              <a:rPr lang="en-US" dirty="0" smtClean="0"/>
-              <a:t>Validation set labeled by hand based on </a:t>
-            </a:r>
-            <a:r>
-              <a:rPr lang="en-US" dirty="0" err="1" smtClean="0"/>
-              <a:t>Kaggle</a:t>
-            </a:r>
-            <a:endParaRPr lang="en-US" dirty="0" smtClean="0"/>
-          </a:p>
-          <a:p>
-            <a:r>
-              <a:rPr lang="en-US" dirty="0" smtClean="0"/>
-              <a:t>Number of instances – 884 snippets</a:t>
-            </a:r>
-          </a:p>
-          <a:p>
-            <a:r>
-              <a:rPr lang="en-US" dirty="0" smtClean="0"/>
-              <a:t>Each snippet belongs to only 1 vertex of the KG</a:t>
-            </a:r>
-          </a:p>
-          <a:p>
-            <a:r>
-              <a:rPr lang="en-US" dirty="0" smtClean="0"/>
-              <a:t>100 snippets for every vertex (84 for “</a:t>
-            </a:r>
-            <a:r>
-              <a:rPr lang="en-US" dirty="0" err="1" smtClean="0"/>
-              <a:t>data_export</a:t>
-            </a:r>
-            <a:r>
-              <a:rPr lang="en-US" dirty="0" smtClean="0"/>
-              <a:t>”)</a:t>
-            </a:r>
-          </a:p>
-          <a:p>
-            <a:r>
-              <a:rPr lang="en-US" dirty="0" smtClean="0"/>
-              <a:t>Final dataset - golden_884_set.csv</a:t>
+              <a:rPr lang="en-RU" dirty="0"/>
+              <a:t>Parser pulls out code-description pairs.</a:t>
+            </a:r>
+          </a:p>
+          <a:p>
+            <a:r>
+              <a:rPr lang="en-RU" dirty="0"/>
+              <a:t>Each instance has the following features:</a:t>
+            </a:r>
+          </a:p>
+          <a:p>
+            <a:pPr lvl="1">
+              <a:buClr>
+                <a:schemeClr val="tx2"/>
+              </a:buClr>
+              <a:buFont typeface="Wingdings" pitchFamily="2" charset="2"/>
+              <a:buChar char="§"/>
+            </a:pPr>
+            <a:r>
+              <a:rPr lang="en-US" dirty="0"/>
+              <a:t>User</a:t>
+            </a:r>
+          </a:p>
+          <a:p>
+            <a:pPr lvl="1">
+              <a:buClr>
+                <a:schemeClr val="tx2"/>
+              </a:buClr>
+              <a:buFont typeface="Wingdings" pitchFamily="2" charset="2"/>
+              <a:buChar char="§"/>
+            </a:pPr>
+            <a:r>
+              <a:rPr lang="en-US" dirty="0"/>
+              <a:t>Repo</a:t>
+            </a:r>
+          </a:p>
+          <a:p>
+            <a:pPr lvl="1">
+              <a:buClr>
+                <a:schemeClr val="tx2"/>
+              </a:buClr>
+              <a:buFont typeface="Wingdings" pitchFamily="2" charset="2"/>
+              <a:buChar char="§"/>
+            </a:pPr>
+            <a:r>
+              <a:rPr lang="en-US" dirty="0"/>
+              <a:t>File path</a:t>
+            </a:r>
+          </a:p>
+          <a:p>
+            <a:pPr lvl="1">
+              <a:buClr>
+                <a:schemeClr val="tx2"/>
+              </a:buClr>
+              <a:buFont typeface="Wingdings" pitchFamily="2" charset="2"/>
+              <a:buChar char="§"/>
+            </a:pPr>
+            <a:r>
+              <a:rPr lang="en-US" dirty="0"/>
+              <a:t>Code</a:t>
+            </a:r>
+            <a:endParaRPr lang="en-RU" dirty="0"/>
+          </a:p>
+          <a:p>
+            <a:pPr lvl="1">
+              <a:buClr>
+                <a:schemeClr val="tx2"/>
+              </a:buClr>
+              <a:buFont typeface="Wingdings" pitchFamily="2" charset="2"/>
+              <a:buChar char="§"/>
+            </a:pPr>
+            <a:r>
+              <a:rPr lang="en-US" dirty="0"/>
+              <a:t>In-code </a:t>
+            </a:r>
+            <a:r>
+              <a:rPr lang="en-RU" dirty="0"/>
+              <a:t>Comments</a:t>
+            </a:r>
+          </a:p>
+          <a:p>
+            <a:r>
+              <a:rPr lang="en-US" dirty="0"/>
+              <a:t>Number of instances: overall – </a:t>
+            </a:r>
+            <a:r>
+              <a:rPr lang="en-RU" dirty="0"/>
+              <a:t>249542, unique – 167353</a:t>
+            </a:r>
+            <a:endParaRPr lang="en-US" dirty="0"/>
+          </a:p>
+          <a:p>
+            <a:r>
+              <a:rPr lang="en-US" dirty="0"/>
+              <a:t>Final dataset - github_raw.csv</a:t>
             </a:r>
             <a:endParaRPr lang="en-RU" dirty="0"/>
           </a:p>
@@ -5287,41 +5899,28 @@
           <a:lstStyle/>
           <a:p>
             <a:r>
-              <a:rPr lang="en-US" dirty="0" smtClean="0">
+              <a:rPr lang="en-US" dirty="0">
                 <a:cs typeface="Myanmar Text" panose="020B0502040204020203" pitchFamily="34" charset="0"/>
               </a:rPr>
-              <a:t>Golden Set</a:t>
+              <a:t>Code </a:t>
+            </a:r>
+            <a:r>
+              <a:rPr lang="en-US" dirty="0"/>
+              <a:t>snippets</a:t>
+            </a:r>
+            <a:r>
+              <a:rPr lang="en-US" dirty="0">
+                <a:cs typeface="Myanmar Text" panose="020B0502040204020203" pitchFamily="34" charset="0"/>
+              </a:rPr>
+              <a:t> from </a:t>
+            </a:r>
+            <a:r>
+              <a:rPr lang="en-US" dirty="0" err="1">
+                <a:cs typeface="Myanmar Text" panose="020B0502040204020203" pitchFamily="34" charset="0"/>
+              </a:rPr>
+              <a:t>Github</a:t>
             </a:r>
             <a:endParaRPr lang="en-RU" dirty="0"/>
-          </a:p>
-        </p:txBody>
-      </p:sp>
-      <p:sp>
-        <p:nvSpPr>
-          <p:cNvPr id="5" name="Footer Placeholder 4">
-            <a:extLst>
-              <a:ext uri="{FF2B5EF4-FFF2-40B4-BE49-F238E27FC236}">
-                <a16:creationId xmlns:a16="http://schemas.microsoft.com/office/drawing/2014/main" id="{2245831C-8ED2-6B41-B3D1-67B8994A1381}"/>
-              </a:ext>
-            </a:extLst>
-          </p:cNvPr>
-          <p:cNvSpPr>
-            <a:spLocks noGrp="1"/>
-          </p:cNvSpPr>
-          <p:nvPr>
-            <p:ph type="ftr" sz="quarter" idx="11"/>
-          </p:nvPr>
-        </p:nvSpPr>
-        <p:spPr/>
-        <p:txBody>
-          <a:bodyPr/>
-          <a:lstStyle/>
-          <a:p>
-            <a:r>
-              <a:rPr lang="en-GB" dirty="0"/>
-              <a:t>T. Ramazyan, A. Levin, NRU HSE</a:t>
-            </a:r>
-            <a:endParaRPr lang="ru-RU" dirty="0"/>
           </a:p>
         </p:txBody>
       </p:sp>
@@ -5400,10 +5999,44 @@
           </a:p>
         </p:txBody>
       </p:sp>
+      <p:sp>
+        <p:nvSpPr>
+          <p:cNvPr id="8" name="Footer Placeholder 4">
+            <a:extLst>
+              <a:ext uri="{FF2B5EF4-FFF2-40B4-BE49-F238E27FC236}">
+                <a16:creationId xmlns:a16="http://schemas.microsoft.com/office/drawing/2014/main" id="{C685D8EF-2851-D540-BBD0-631DDE2659A0}"/>
+              </a:ext>
+            </a:extLst>
+          </p:cNvPr>
+          <p:cNvSpPr>
+            <a:spLocks noGrp="1"/>
+          </p:cNvSpPr>
+          <p:nvPr>
+            <p:ph type="ftr" sz="quarter" idx="11"/>
+          </p:nvPr>
+        </p:nvSpPr>
+        <p:spPr>
+          <a:xfrm>
+            <a:off x="192505" y="6492875"/>
+            <a:ext cx="3767667" cy="365125"/>
+          </a:xfrm>
+        </p:spPr>
+        <p:txBody>
+          <a:bodyPr/>
+          <a:lstStyle/>
+          <a:p>
+            <a:r>
+              <a:rPr lang="en-GB" dirty="0"/>
+              <a:t>T. Ramazyan, A. Levin, et al., NRU HSE</a:t>
+            </a:r>
+            <a:endParaRPr lang="ru-RU" dirty="0"/>
+          </a:p>
+        </p:txBody>
+      </p:sp>
     </p:spTree>
     <p:extLst>
       <p:ext uri="{BB962C8B-B14F-4D97-AF65-F5344CB8AC3E}">
-        <p14:creationId xmlns:p14="http://schemas.microsoft.com/office/powerpoint/2010/main" val="1504268718"/>
+        <p14:creationId xmlns:p14="http://schemas.microsoft.com/office/powerpoint/2010/main" val="386230205"/>
       </p:ext>
     </p:extLst>
   </p:cSld>
@@ -5432,10 +6065,82 @@
       </p:grpSpPr>
       <p:sp>
         <p:nvSpPr>
-          <p:cNvPr id="2" name="Title 1">
-            <a:extLst>
-              <a:ext uri="{FF2B5EF4-FFF2-40B4-BE49-F238E27FC236}">
-                <a16:creationId xmlns:a16="http://schemas.microsoft.com/office/drawing/2014/main" id="{A0D79D22-7949-6544-A49E-361186E06450}"/>
+          <p:cNvPr id="2" name="Content Placeholder 1">
+            <a:extLst>
+              <a:ext uri="{FF2B5EF4-FFF2-40B4-BE49-F238E27FC236}">
+                <a16:creationId xmlns:a16="http://schemas.microsoft.com/office/drawing/2014/main" id="{885F3CD7-32E3-F14F-A50C-3604D7BB3B71}"/>
+              </a:ext>
+            </a:extLst>
+          </p:cNvPr>
+          <p:cNvSpPr>
+            <a:spLocks noGrp="1"/>
+          </p:cNvSpPr>
+          <p:nvPr>
+            <p:ph idx="1"/>
+          </p:nvPr>
+        </p:nvSpPr>
+        <p:spPr/>
+        <p:txBody>
+          <a:bodyPr/>
+          <a:lstStyle/>
+          <a:p>
+            <a:r>
+              <a:rPr lang="en-US" dirty="0"/>
+              <a:t>Ground truth labelling</a:t>
+            </a:r>
+          </a:p>
+          <a:p>
+            <a:r>
+              <a:rPr lang="en-US" dirty="0"/>
+              <a:t>Validation set labeled by hand based on </a:t>
+            </a:r>
+            <a:r>
+              <a:rPr lang="en-US" dirty="0" err="1"/>
+              <a:t>Kaggle</a:t>
+            </a:r>
+            <a:endParaRPr lang="en-US" dirty="0"/>
+          </a:p>
+          <a:p>
+            <a:r>
+              <a:rPr lang="en-US" dirty="0"/>
+              <a:t>Number of instances – 884 snippets</a:t>
+            </a:r>
+          </a:p>
+          <a:p>
+            <a:r>
+              <a:rPr lang="en-US" dirty="0"/>
+              <a:t>Each snippet belongs to only 1 vertex of the KG</a:t>
+            </a:r>
+          </a:p>
+          <a:p>
+            <a:r>
+              <a:rPr lang="en-US" dirty="0"/>
+              <a:t>100 snippets for every vertex (84 for “</a:t>
+            </a:r>
+            <a:r>
+              <a:rPr lang="en-US" dirty="0" err="1"/>
+              <a:t>data_export</a:t>
+            </a:r>
+            <a:r>
+              <a:rPr lang="en-US" dirty="0"/>
+              <a:t>”)</a:t>
+            </a:r>
+          </a:p>
+          <a:p>
+            <a:r>
+              <a:rPr lang="en-US" dirty="0"/>
+              <a:t>Final dataset - golden_884_set.csv</a:t>
+            </a:r>
+            <a:endParaRPr lang="en-RU" dirty="0"/>
+          </a:p>
+        </p:txBody>
+      </p:sp>
+      <p:sp>
+        <p:nvSpPr>
+          <p:cNvPr id="3" name="Title 2">
+            <a:extLst>
+              <a:ext uri="{FF2B5EF4-FFF2-40B4-BE49-F238E27FC236}">
+                <a16:creationId xmlns:a16="http://schemas.microsoft.com/office/drawing/2014/main" id="{D482727E-8510-5F4B-8904-4D776FCF3B82}"/>
               </a:ext>
             </a:extLst>
           </p:cNvPr>
@@ -5448,38 +6153,132 @@
         </p:nvSpPr>
         <p:spPr/>
         <p:txBody>
-          <a:bodyPr>
-            <a:normAutofit fontScale="90000"/>
-          </a:bodyPr>
+          <a:bodyPr/>
           <a:lstStyle/>
           <a:p>
             <a:r>
-              <a:rPr lang="en-RU" dirty="0"/>
-              <a:t>Code </a:t>
-            </a:r>
-            <a:r>
-              <a:rPr lang="en-RU" dirty="0" smtClean="0"/>
-              <a:t>Classification</a:t>
-            </a:r>
-            <a:r>
-              <a:rPr lang="en-US" dirty="0" smtClean="0"/>
-              <a:t/>
-            </a:r>
-            <a:br>
-              <a:rPr lang="en-US" dirty="0" smtClean="0"/>
-            </a:br>
-            <a:r>
-              <a:rPr lang="en-US" dirty="0" smtClean="0"/>
-              <a:t>(auto-labelling)</a:t>
+              <a:rPr lang="en-US" dirty="0">
+                <a:cs typeface="Myanmar Text" panose="020B0502040204020203" pitchFamily="34" charset="0"/>
+              </a:rPr>
+              <a:t>Golden Set</a:t>
             </a:r>
             <a:endParaRPr lang="en-RU" dirty="0"/>
+          </a:p>
+        </p:txBody>
+      </p:sp>
+      <p:sp>
+        <p:nvSpPr>
+          <p:cNvPr id="6" name="Slide Number Placeholder 5">
+            <a:extLst>
+              <a:ext uri="{FF2B5EF4-FFF2-40B4-BE49-F238E27FC236}">
+                <a16:creationId xmlns:a16="http://schemas.microsoft.com/office/drawing/2014/main" id="{1B345C92-D62A-F244-BEA6-C1F0B7F0F79B}"/>
+              </a:ext>
+            </a:extLst>
+          </p:cNvPr>
+          <p:cNvSpPr>
+            <a:spLocks noGrp="1"/>
+          </p:cNvSpPr>
+          <p:nvPr>
+            <p:ph type="sldNum" sz="quarter" idx="12"/>
+          </p:nvPr>
+        </p:nvSpPr>
+        <p:spPr/>
+        <p:txBody>
+          <a:bodyPr/>
+          <a:lstStyle/>
+          <a:p>
+            <a:fld id="{21ABC42C-C6CC-47FC-904E-31573FDBB029}" type="slidenum">
+              <a:rPr lang="ru-RU" smtClean="0"/>
+              <a:pPr/>
+              <a:t>12</a:t>
+            </a:fld>
+            <a:endParaRPr lang="ru-RU"/>
+          </a:p>
+        </p:txBody>
+      </p:sp>
+      <p:sp>
+        <p:nvSpPr>
+          <p:cNvPr id="7" name="Date Placeholder 3">
+            <a:extLst>
+              <a:ext uri="{FF2B5EF4-FFF2-40B4-BE49-F238E27FC236}">
+                <a16:creationId xmlns:a16="http://schemas.microsoft.com/office/drawing/2014/main" id="{4E959F51-7FF2-7645-B32D-F1C0A864942B}"/>
+              </a:ext>
+            </a:extLst>
+          </p:cNvPr>
+          <p:cNvSpPr>
+            <a:spLocks noGrp="1"/>
+          </p:cNvSpPr>
+          <p:nvPr>
+            <p:ph type="dt" sz="half" idx="10"/>
+          </p:nvPr>
+        </p:nvSpPr>
+        <p:spPr>
+          <a:xfrm>
+            <a:off x="5220393" y="6492875"/>
+            <a:ext cx="1751214" cy="365125"/>
+          </a:xfrm>
+        </p:spPr>
+        <p:txBody>
+          <a:bodyPr/>
+          <a:lstStyle/>
+          <a:p>
+            <a:r>
+              <a:rPr lang="en-US" dirty="0"/>
+              <a:t>01</a:t>
+            </a:r>
+            <a:r>
+              <a:rPr lang="ru-RU" dirty="0"/>
+              <a:t>.</a:t>
+            </a:r>
+            <a:r>
+              <a:rPr lang="en-US" dirty="0"/>
+              <a:t>10</a:t>
+            </a:r>
+            <a:r>
+              <a:rPr lang="ru-RU" dirty="0"/>
+              <a:t>.2020</a:t>
+            </a:r>
+          </a:p>
+        </p:txBody>
+      </p:sp>
+      <p:sp>
+        <p:nvSpPr>
+          <p:cNvPr id="8" name="Footer Placeholder 4">
+            <a:extLst>
+              <a:ext uri="{FF2B5EF4-FFF2-40B4-BE49-F238E27FC236}">
+                <a16:creationId xmlns:a16="http://schemas.microsoft.com/office/drawing/2014/main" id="{4F52C3E2-F359-734F-96C1-D9D38D3026E3}"/>
+              </a:ext>
+            </a:extLst>
+          </p:cNvPr>
+          <p:cNvSpPr>
+            <a:spLocks noGrp="1"/>
+          </p:cNvSpPr>
+          <p:nvPr>
+            <p:ph type="ftr" sz="quarter" idx="11"/>
+          </p:nvPr>
+        </p:nvSpPr>
+        <p:spPr>
+          <a:xfrm>
+            <a:off x="192505" y="6492875"/>
+            <a:ext cx="3767667" cy="365125"/>
+          </a:xfrm>
+        </p:spPr>
+        <p:txBody>
+          <a:bodyPr/>
+          <a:lstStyle/>
+          <a:p>
+            <a:r>
+              <a:rPr lang="en-GB" dirty="0"/>
+              <a:t>T. Ramazyan, A. Levin, et al., NRU HSE</a:t>
+            </a:r>
+            <a:endParaRPr lang="ru-RU" dirty="0"/>
           </a:p>
         </p:txBody>
       </p:sp>
     </p:spTree>
     <p:extLst>
       <p:ext uri="{BB962C8B-B14F-4D97-AF65-F5344CB8AC3E}">
-        <p14:creationId xmlns:p14="http://schemas.microsoft.com/office/powerpoint/2010/main" val="811290956"/>
+        <p14:creationId xmlns:p14="http://schemas.microsoft.com/office/powerpoint/2010/main" val="1504268718"/>
       </p:ext>
     </p:extLst>
   </p:cSld>
@@ -5508,403 +6307,46 @@
       </p:grpSpPr>
       <p:sp>
         <p:nvSpPr>
-          <p:cNvPr id="2" name="Content Placeholder 1">
-            <a:extLst>
-              <a:ext uri="{FF2B5EF4-FFF2-40B4-BE49-F238E27FC236}">
-                <a16:creationId xmlns:a16="http://schemas.microsoft.com/office/drawing/2014/main" id="{840F111B-D3AF-9C44-A9FF-CCAD09FB2394}"/>
-              </a:ext>
-            </a:extLst>
-          </p:cNvPr>
-          <p:cNvSpPr>
-            <a:spLocks noGrp="1"/>
-          </p:cNvSpPr>
-          <p:nvPr>
-            <p:ph idx="1"/>
-          </p:nvPr>
-        </p:nvSpPr>
-        <p:spPr>
-          <a:xfrm>
-            <a:off x="396663" y="1348110"/>
-            <a:ext cx="6359438" cy="5509890"/>
-          </a:xfrm>
-        </p:spPr>
+          <p:cNvPr id="2" name="Title 1">
+            <a:extLst>
+              <a:ext uri="{FF2B5EF4-FFF2-40B4-BE49-F238E27FC236}">
+                <a16:creationId xmlns:a16="http://schemas.microsoft.com/office/drawing/2014/main" id="{A0D79D22-7949-6544-A49E-361186E06450}"/>
+              </a:ext>
+            </a:extLst>
+          </p:cNvPr>
+          <p:cNvSpPr>
+            <a:spLocks noGrp="1"/>
+          </p:cNvSpPr>
+          <p:nvPr>
+            <p:ph type="title"/>
+          </p:nvPr>
+        </p:nvSpPr>
+        <p:spPr/>
         <p:txBody>
           <a:bodyPr>
-            <a:normAutofit/>
+            <a:normAutofit fontScale="90000"/>
           </a:bodyPr>
           <a:lstStyle/>
           <a:p>
             <a:r>
-              <a:rPr lang="en-US" dirty="0" smtClean="0"/>
-              <a:t>Targets – regex-labels</a:t>
-            </a:r>
-          </a:p>
-          <a:p>
-            <a:r>
-              <a:rPr lang="en-RU" dirty="0" smtClean="0"/>
-              <a:t>Models</a:t>
-            </a:r>
-            <a:r>
               <a:rPr lang="en-RU" dirty="0"/>
-              <a:t>: SVM and </a:t>
-            </a:r>
-            <a:r>
-              <a:rPr lang="en-RU" dirty="0" smtClean="0"/>
-              <a:t>Log</a:t>
-            </a:r>
-            <a:r>
-              <a:rPr lang="en-US" dirty="0" err="1" smtClean="0"/>
-              <a:t>istic</a:t>
-            </a:r>
-            <a:r>
-              <a:rPr lang="en-US" dirty="0"/>
-              <a:t> </a:t>
-            </a:r>
-            <a:r>
-              <a:rPr lang="en-RU" dirty="0" smtClean="0"/>
-              <a:t>Reg</a:t>
-            </a:r>
-            <a:r>
-              <a:rPr lang="en-US" dirty="0" err="1" smtClean="0"/>
-              <a:t>ression</a:t>
+              <a:t>Code Classification</a:t>
+            </a:r>
+            <a:br>
+              <a:rPr lang="en-US" dirty="0"/>
+            </a:br>
+            <a:r>
+              <a:rPr lang="en-US" dirty="0"/>
+              <a:t>(auto-labelling)</a:t>
             </a:r>
             <a:endParaRPr lang="en-RU" dirty="0"/>
-          </a:p>
-          <a:p>
-            <a:r>
-              <a:rPr lang="en-RU" dirty="0"/>
-              <a:t>Metric: </a:t>
-            </a:r>
-            <a:r>
-              <a:rPr lang="en-US" dirty="0" smtClean="0"/>
-              <a:t>Accuracy, </a:t>
-            </a:r>
-            <a:r>
-              <a:rPr lang="en-RU" dirty="0" smtClean="0"/>
-              <a:t>F1</a:t>
-            </a:r>
-            <a:r>
-              <a:rPr lang="en-US" dirty="0" smtClean="0"/>
-              <a:t>-</a:t>
-            </a:r>
-            <a:r>
-              <a:rPr lang="en-RU" dirty="0" smtClean="0"/>
-              <a:t>score</a:t>
-            </a:r>
-            <a:r>
-              <a:rPr lang="en-US" dirty="0" smtClean="0"/>
-              <a:t> (weighted)</a:t>
-            </a:r>
-            <a:endParaRPr lang="en-RU" dirty="0"/>
-          </a:p>
-          <a:p>
-            <a:r>
-              <a:rPr lang="en-RU" dirty="0"/>
-              <a:t>Vectorizer: </a:t>
-            </a:r>
-            <a:r>
-              <a:rPr lang="en-US" dirty="0" smtClean="0"/>
-              <a:t>TF-IDF</a:t>
-            </a:r>
-            <a:endParaRPr lang="en-RU" dirty="0"/>
-          </a:p>
-          <a:p>
-            <a:endParaRPr lang="en-RU" dirty="0"/>
-          </a:p>
-          <a:p>
-            <a:pPr marL="309600" indent="0">
-              <a:buNone/>
-            </a:pPr>
-            <a:endParaRPr lang="en-US" dirty="0" smtClean="0"/>
-          </a:p>
-          <a:p>
-            <a:pPr marL="309600" indent="0">
-              <a:buNone/>
-            </a:pPr>
-            <a:r>
-              <a:rPr lang="en-US" dirty="0" smtClean="0"/>
-              <a:t>Scores on the test set (targets – regex-labels)</a:t>
-            </a:r>
-          </a:p>
-          <a:p>
-            <a:r>
-              <a:rPr lang="en-RU" dirty="0" smtClean="0"/>
-              <a:t>SVM</a:t>
-            </a:r>
-            <a:r>
-              <a:rPr lang="en-US" dirty="0" smtClean="0"/>
-              <a:t> v6</a:t>
-            </a:r>
-            <a:r>
-              <a:rPr lang="en-RU" dirty="0" smtClean="0"/>
-              <a:t>: 0.885</a:t>
-            </a:r>
-            <a:endParaRPr lang="en-RU" dirty="0"/>
-          </a:p>
-          <a:p>
-            <a:r>
-              <a:rPr lang="en-RU" dirty="0" smtClean="0"/>
-              <a:t>LogReg</a:t>
-            </a:r>
-            <a:r>
-              <a:rPr lang="en-US" dirty="0" smtClean="0"/>
-              <a:t> v6</a:t>
-            </a:r>
-            <a:r>
-              <a:rPr lang="en-RU" dirty="0" smtClean="0"/>
-              <a:t>: </a:t>
-            </a:r>
-            <a:r>
-              <a:rPr lang="en-RU" dirty="0"/>
-              <a:t>0.908</a:t>
-            </a:r>
-          </a:p>
-          <a:p>
-            <a:endParaRPr lang="en-RU" dirty="0"/>
-          </a:p>
-          <a:p>
-            <a:endParaRPr lang="en-RU" dirty="0"/>
-          </a:p>
-        </p:txBody>
-      </p:sp>
-      <p:sp>
-        <p:nvSpPr>
-          <p:cNvPr id="3" name="Title 2">
-            <a:extLst>
-              <a:ext uri="{FF2B5EF4-FFF2-40B4-BE49-F238E27FC236}">
-                <a16:creationId xmlns:a16="http://schemas.microsoft.com/office/drawing/2014/main" id="{44321D2C-1D1D-2949-B6EB-DA2484D754D4}"/>
-              </a:ext>
-            </a:extLst>
-          </p:cNvPr>
-          <p:cNvSpPr>
-            <a:spLocks noGrp="1"/>
-          </p:cNvSpPr>
-          <p:nvPr>
-            <p:ph type="title"/>
-          </p:nvPr>
-        </p:nvSpPr>
-        <p:spPr>
-          <a:xfrm>
-            <a:off x="192505" y="368723"/>
-            <a:ext cx="11806990" cy="765843"/>
-          </a:xfrm>
-        </p:spPr>
-        <p:txBody>
-          <a:bodyPr>
-            <a:normAutofit/>
-          </a:bodyPr>
-          <a:lstStyle/>
-          <a:p>
-            <a:r>
-              <a:rPr lang="en-RU" dirty="0"/>
-              <a:t>Code </a:t>
-            </a:r>
-            <a:r>
-              <a:rPr lang="en-RU" dirty="0" smtClean="0"/>
-              <a:t>Classification</a:t>
-            </a:r>
-            <a:r>
-              <a:rPr lang="en-US" dirty="0"/>
-              <a:t> (auto-labelling)</a:t>
-            </a:r>
-            <a:endParaRPr lang="en-RU" dirty="0"/>
-          </a:p>
-        </p:txBody>
-      </p:sp>
-      <p:sp>
-        <p:nvSpPr>
-          <p:cNvPr id="6" name="Slide Number Placeholder 5">
-            <a:extLst>
-              <a:ext uri="{FF2B5EF4-FFF2-40B4-BE49-F238E27FC236}">
-                <a16:creationId xmlns:a16="http://schemas.microsoft.com/office/drawing/2014/main" id="{A95B88FF-E53E-9545-8CDF-71E8E96C9EA9}"/>
-              </a:ext>
-            </a:extLst>
-          </p:cNvPr>
-          <p:cNvSpPr>
-            <a:spLocks noGrp="1"/>
-          </p:cNvSpPr>
-          <p:nvPr>
-            <p:ph type="sldNum" sz="quarter" idx="12"/>
-          </p:nvPr>
-        </p:nvSpPr>
-        <p:spPr/>
-        <p:txBody>
-          <a:bodyPr/>
-          <a:lstStyle/>
-          <a:p>
-            <a:fld id="{21ABC42C-C6CC-47FC-904E-31573FDBB029}" type="slidenum">
-              <a:rPr lang="ru-RU" smtClean="0"/>
-              <a:pPr/>
-              <a:t>13</a:t>
-            </a:fld>
-            <a:endParaRPr lang="ru-RU"/>
-          </a:p>
-        </p:txBody>
-      </p:sp>
-      <p:sp>
-        <p:nvSpPr>
-          <p:cNvPr id="8" name="Rectangle 7">
-            <a:extLst>
-              <a:ext uri="{FF2B5EF4-FFF2-40B4-BE49-F238E27FC236}">
-                <a16:creationId xmlns:a16="http://schemas.microsoft.com/office/drawing/2014/main" id="{AE2A29E9-9673-5543-ABBC-6767A0517169}"/>
-              </a:ext>
-            </a:extLst>
-          </p:cNvPr>
-          <p:cNvSpPr/>
-          <p:nvPr/>
-        </p:nvSpPr>
-        <p:spPr>
-          <a:xfrm>
-            <a:off x="192505" y="3818404"/>
-            <a:ext cx="4900829" cy="769441"/>
-          </a:xfrm>
-          <a:prstGeom prst="rect">
-            <a:avLst/>
-          </a:prstGeom>
-        </p:spPr>
-        <p:txBody>
-          <a:bodyPr wrap="none">
-            <a:spAutoFit/>
-          </a:bodyPr>
-          <a:lstStyle/>
-          <a:p>
-            <a:r>
-              <a:rPr lang="en-RU" sz="4400" dirty="0">
-                <a:solidFill>
-                  <a:schemeClr val="tx2"/>
-                </a:solidFill>
-              </a:rPr>
-              <a:t>Classification </a:t>
-            </a:r>
-            <a:r>
-              <a:rPr lang="en-US" sz="4400" dirty="0" smtClean="0">
-                <a:solidFill>
-                  <a:schemeClr val="tx2"/>
-                </a:solidFill>
-              </a:rPr>
-              <a:t>Scores</a:t>
-            </a:r>
-            <a:endParaRPr lang="en-RU" sz="4400" dirty="0">
-              <a:solidFill>
-                <a:schemeClr val="tx2"/>
-              </a:solidFill>
-            </a:endParaRPr>
-          </a:p>
-        </p:txBody>
-      </p:sp>
-      <p:pic>
-        <p:nvPicPr>
-          <p:cNvPr id="10" name="Picture 9" descr="Diagram, shape&#10;&#10;Description automatically generated">
-            <a:extLst>
-              <a:ext uri="{FF2B5EF4-FFF2-40B4-BE49-F238E27FC236}">
-                <a16:creationId xmlns:a16="http://schemas.microsoft.com/office/drawing/2014/main" id="{D1A2318C-6294-314C-9BDA-7FEA4D6340E4}"/>
-              </a:ext>
-            </a:extLst>
-          </p:cNvPr>
-          <p:cNvPicPr>
-            <a:picLocks noChangeAspect="1"/>
-          </p:cNvPicPr>
-          <p:nvPr/>
-        </p:nvPicPr>
-        <p:blipFill>
-          <a:blip r:embed="rId2"/>
-          <a:stretch>
-            <a:fillRect/>
-          </a:stretch>
-        </p:blipFill>
-        <p:spPr>
-          <a:xfrm>
-            <a:off x="8593174" y="142756"/>
-            <a:ext cx="2605177" cy="6350119"/>
-          </a:xfrm>
-          <a:prstGeom prst="rect">
-            <a:avLst/>
-          </a:prstGeom>
-        </p:spPr>
-      </p:pic>
-      <p:sp>
-        <p:nvSpPr>
-          <p:cNvPr id="12" name="Footer Placeholder 4">
-            <a:extLst>
-              <a:ext uri="{FF2B5EF4-FFF2-40B4-BE49-F238E27FC236}">
-                <a16:creationId xmlns:a16="http://schemas.microsoft.com/office/drawing/2014/main" id="{201FF059-8AC8-674A-8327-1F90C932AD0D}"/>
-              </a:ext>
-            </a:extLst>
-          </p:cNvPr>
-          <p:cNvSpPr>
-            <a:spLocks noGrp="1"/>
-          </p:cNvSpPr>
-          <p:nvPr>
-            <p:ph type="ftr" sz="quarter" idx="11"/>
-          </p:nvPr>
-        </p:nvSpPr>
-        <p:spPr>
-          <a:xfrm>
-            <a:off x="192505" y="6492875"/>
-            <a:ext cx="3767667" cy="365125"/>
-          </a:xfrm>
-        </p:spPr>
-        <p:txBody>
-          <a:bodyPr/>
-          <a:lstStyle/>
-          <a:p>
-            <a:r>
-              <a:rPr lang="en-GB" dirty="0"/>
-              <a:t>T. Ramazyan, A. Levin, NRU HSE</a:t>
-            </a:r>
-            <a:endParaRPr lang="ru-RU" dirty="0"/>
-          </a:p>
-        </p:txBody>
-      </p:sp>
-      <p:sp>
-        <p:nvSpPr>
-          <p:cNvPr id="13" name="Date Placeholder 3">
-            <a:extLst>
-              <a:ext uri="{FF2B5EF4-FFF2-40B4-BE49-F238E27FC236}">
-                <a16:creationId xmlns:a16="http://schemas.microsoft.com/office/drawing/2014/main" id="{49239392-86EB-5144-A598-85DB177980C6}"/>
-              </a:ext>
-            </a:extLst>
-          </p:cNvPr>
-          <p:cNvSpPr>
-            <a:spLocks noGrp="1"/>
-          </p:cNvSpPr>
-          <p:nvPr>
-            <p:ph type="dt" sz="half" idx="10"/>
-          </p:nvPr>
-        </p:nvSpPr>
-        <p:spPr>
-          <a:xfrm>
-            <a:off x="5220393" y="6492875"/>
-            <a:ext cx="1751214" cy="365125"/>
-          </a:xfrm>
-        </p:spPr>
-        <p:txBody>
-          <a:bodyPr/>
-          <a:lstStyle/>
-          <a:p>
-            <a:r>
-              <a:rPr lang="en-US" dirty="0"/>
-              <a:t>01</a:t>
-            </a:r>
-            <a:r>
-              <a:rPr lang="ru-RU" dirty="0"/>
-              <a:t>.</a:t>
-            </a:r>
-            <a:r>
-              <a:rPr lang="en-US" dirty="0"/>
-              <a:t>10</a:t>
-            </a:r>
-            <a:r>
-              <a:rPr lang="ru-RU" dirty="0"/>
-              <a:t>.2020</a:t>
-            </a:r>
           </a:p>
         </p:txBody>
       </p:sp>
     </p:spTree>
     <p:extLst>
       <p:ext uri="{BB962C8B-B14F-4D97-AF65-F5344CB8AC3E}">
-        <p14:creationId xmlns:p14="http://schemas.microsoft.com/office/powerpoint/2010/main" val="643880559"/>
+        <p14:creationId xmlns:p14="http://schemas.microsoft.com/office/powerpoint/2010/main" val="811290956"/>
       </p:ext>
     </p:extLst>
   </p:cSld>
@@ -5933,21 +6375,26 @@
       </p:grpSpPr>
       <p:sp>
         <p:nvSpPr>
-          <p:cNvPr id="2" name="Title 1">
-            <a:extLst>
-              <a:ext uri="{FF2B5EF4-FFF2-40B4-BE49-F238E27FC236}">
-                <a16:creationId xmlns:a16="http://schemas.microsoft.com/office/drawing/2014/main" id="{A0D79D22-7949-6544-A49E-361186E06450}"/>
-              </a:ext>
-            </a:extLst>
-          </p:cNvPr>
-          <p:cNvSpPr>
-            <a:spLocks noGrp="1"/>
-          </p:cNvSpPr>
-          <p:nvPr>
-            <p:ph type="title"/>
-          </p:nvPr>
-        </p:nvSpPr>
-        <p:spPr/>
+          <p:cNvPr id="2" name="Content Placeholder 1">
+            <a:extLst>
+              <a:ext uri="{FF2B5EF4-FFF2-40B4-BE49-F238E27FC236}">
+                <a16:creationId xmlns:a16="http://schemas.microsoft.com/office/drawing/2014/main" id="{840F111B-D3AF-9C44-A9FF-CCAD09FB2394}"/>
+              </a:ext>
+            </a:extLst>
+          </p:cNvPr>
+          <p:cNvSpPr>
+            <a:spLocks noGrp="1"/>
+          </p:cNvSpPr>
+          <p:nvPr>
+            <p:ph idx="1"/>
+          </p:nvPr>
+        </p:nvSpPr>
+        <p:spPr>
+          <a:xfrm>
+            <a:off x="312146" y="979387"/>
+            <a:ext cx="6359438" cy="5509890"/>
+          </a:xfrm>
+        </p:spPr>
         <p:txBody>
           <a:bodyPr>
             <a:normAutofit/>
@@ -5955,7 +6402,410 @@
           <a:lstStyle/>
           <a:p>
             <a:r>
-              <a:rPr lang="en-US" dirty="0" smtClean="0"/>
+              <a:rPr lang="en-US" dirty="0"/>
+              <a:t>Targets – regex-labels</a:t>
+            </a:r>
+          </a:p>
+          <a:p>
+            <a:r>
+              <a:rPr lang="en-RU" dirty="0"/>
+              <a:t>Models: SVM and Log</a:t>
+            </a:r>
+            <a:r>
+              <a:rPr lang="en-US" dirty="0" err="1"/>
+              <a:t>istic</a:t>
+            </a:r>
+            <a:r>
+              <a:rPr lang="en-US" dirty="0"/>
+              <a:t> </a:t>
+            </a:r>
+            <a:r>
+              <a:rPr lang="en-RU" dirty="0"/>
+              <a:t>Reg</a:t>
+            </a:r>
+            <a:r>
+              <a:rPr lang="en-US" dirty="0" err="1"/>
+              <a:t>ression</a:t>
+            </a:r>
+            <a:endParaRPr lang="en-RU" dirty="0"/>
+          </a:p>
+          <a:p>
+            <a:r>
+              <a:rPr lang="en-RU" dirty="0"/>
+              <a:t>Metric: </a:t>
+            </a:r>
+            <a:r>
+              <a:rPr lang="en-US" dirty="0"/>
+              <a:t>Accuracy, </a:t>
+            </a:r>
+            <a:r>
+              <a:rPr lang="en-RU" dirty="0"/>
+              <a:t>F1</a:t>
+            </a:r>
+            <a:r>
+              <a:rPr lang="en-US" dirty="0"/>
+              <a:t>-</a:t>
+            </a:r>
+            <a:r>
+              <a:rPr lang="en-RU" dirty="0"/>
+              <a:t>score</a:t>
+            </a:r>
+            <a:r>
+              <a:rPr lang="en-US" dirty="0"/>
+              <a:t> (weighted)</a:t>
+            </a:r>
+            <a:endParaRPr lang="en-RU" dirty="0"/>
+          </a:p>
+          <a:p>
+            <a:r>
+              <a:rPr lang="en-RU" dirty="0"/>
+              <a:t>Vectorizer: </a:t>
+            </a:r>
+            <a:r>
+              <a:rPr lang="en-US" dirty="0"/>
+              <a:t>TF-IDF</a:t>
+            </a:r>
+            <a:endParaRPr lang="en-RU" dirty="0"/>
+          </a:p>
+          <a:p>
+            <a:endParaRPr lang="en-RU" dirty="0"/>
+          </a:p>
+          <a:p>
+            <a:pPr marL="309600" indent="0">
+              <a:buNone/>
+            </a:pPr>
+            <a:endParaRPr lang="en-US" dirty="0"/>
+          </a:p>
+          <a:p>
+            <a:pPr marL="309600" indent="0">
+              <a:buNone/>
+            </a:pPr>
+            <a:r>
+              <a:rPr lang="en-US" dirty="0"/>
+              <a:t>Scores on the test set (targets – regex-labels)</a:t>
+            </a:r>
+          </a:p>
+          <a:p>
+            <a:r>
+              <a:rPr lang="en-RU" dirty="0"/>
+              <a:t>SVM</a:t>
+            </a:r>
+            <a:r>
+              <a:rPr lang="en-US" dirty="0"/>
+              <a:t> v6</a:t>
+            </a:r>
+            <a:r>
+              <a:rPr lang="en-RU" dirty="0"/>
+              <a:t>: 0.885</a:t>
+            </a:r>
+          </a:p>
+          <a:p>
+            <a:r>
+              <a:rPr lang="en-RU" dirty="0"/>
+              <a:t>LogReg</a:t>
+            </a:r>
+            <a:r>
+              <a:rPr lang="en-US" dirty="0"/>
+              <a:t> v6</a:t>
+            </a:r>
+            <a:r>
+              <a:rPr lang="en-RU" dirty="0"/>
+              <a:t>: 0.908</a:t>
+            </a:r>
+          </a:p>
+          <a:p>
+            <a:endParaRPr lang="en-RU" dirty="0"/>
+          </a:p>
+          <a:p>
+            <a:endParaRPr lang="en-RU" dirty="0"/>
+          </a:p>
+        </p:txBody>
+      </p:sp>
+      <p:sp>
+        <p:nvSpPr>
+          <p:cNvPr id="3" name="Title 2">
+            <a:extLst>
+              <a:ext uri="{FF2B5EF4-FFF2-40B4-BE49-F238E27FC236}">
+                <a16:creationId xmlns:a16="http://schemas.microsoft.com/office/drawing/2014/main" id="{44321D2C-1D1D-2949-B6EB-DA2484D754D4}"/>
+              </a:ext>
+            </a:extLst>
+          </p:cNvPr>
+          <p:cNvSpPr>
+            <a:spLocks noGrp="1"/>
+          </p:cNvSpPr>
+          <p:nvPr>
+            <p:ph type="title"/>
+          </p:nvPr>
+        </p:nvSpPr>
+        <p:spPr>
+          <a:xfrm>
+            <a:off x="192505" y="368723"/>
+            <a:ext cx="11806990" cy="765843"/>
+          </a:xfrm>
+        </p:spPr>
+        <p:txBody>
+          <a:bodyPr>
+            <a:normAutofit/>
+          </a:bodyPr>
+          <a:lstStyle/>
+          <a:p>
+            <a:r>
+              <a:rPr lang="en-RU" dirty="0"/>
+              <a:t>Code Classification</a:t>
+            </a:r>
+            <a:r>
+              <a:rPr lang="en-US" dirty="0"/>
+              <a:t> (auto-labelling)</a:t>
+            </a:r>
+            <a:endParaRPr lang="en-RU" dirty="0"/>
+          </a:p>
+        </p:txBody>
+      </p:sp>
+      <p:sp>
+        <p:nvSpPr>
+          <p:cNvPr id="6" name="Slide Number Placeholder 5">
+            <a:extLst>
+              <a:ext uri="{FF2B5EF4-FFF2-40B4-BE49-F238E27FC236}">
+                <a16:creationId xmlns:a16="http://schemas.microsoft.com/office/drawing/2014/main" id="{A95B88FF-E53E-9545-8CDF-71E8E96C9EA9}"/>
+              </a:ext>
+            </a:extLst>
+          </p:cNvPr>
+          <p:cNvSpPr>
+            <a:spLocks noGrp="1"/>
+          </p:cNvSpPr>
+          <p:nvPr>
+            <p:ph type="sldNum" sz="quarter" idx="12"/>
+          </p:nvPr>
+        </p:nvSpPr>
+        <p:spPr/>
+        <p:txBody>
+          <a:bodyPr/>
+          <a:lstStyle/>
+          <a:p>
+            <a:fld id="{21ABC42C-C6CC-47FC-904E-31573FDBB029}" type="slidenum">
+              <a:rPr lang="ru-RU" smtClean="0"/>
+              <a:pPr/>
+              <a:t>14</a:t>
+            </a:fld>
+            <a:endParaRPr lang="ru-RU"/>
+          </a:p>
+        </p:txBody>
+      </p:sp>
+      <p:sp>
+        <p:nvSpPr>
+          <p:cNvPr id="8" name="Rectangle 7">
+            <a:extLst>
+              <a:ext uri="{FF2B5EF4-FFF2-40B4-BE49-F238E27FC236}">
+                <a16:creationId xmlns:a16="http://schemas.microsoft.com/office/drawing/2014/main" id="{AE2A29E9-9673-5543-ABBC-6767A0517169}"/>
+              </a:ext>
+            </a:extLst>
+          </p:cNvPr>
+          <p:cNvSpPr/>
+          <p:nvPr/>
+        </p:nvSpPr>
+        <p:spPr>
+          <a:xfrm>
+            <a:off x="192505" y="3504790"/>
+            <a:ext cx="4900829" cy="769441"/>
+          </a:xfrm>
+          <a:prstGeom prst="rect">
+            <a:avLst/>
+          </a:prstGeom>
+        </p:spPr>
+        <p:txBody>
+          <a:bodyPr wrap="none">
+            <a:spAutoFit/>
+          </a:bodyPr>
+          <a:lstStyle/>
+          <a:p>
+            <a:r>
+              <a:rPr lang="en-RU" sz="4400" dirty="0">
+                <a:solidFill>
+                  <a:schemeClr val="tx2"/>
+                </a:solidFill>
+              </a:rPr>
+              <a:t>Classification </a:t>
+            </a:r>
+            <a:r>
+              <a:rPr lang="en-US" sz="4400" dirty="0">
+                <a:solidFill>
+                  <a:schemeClr val="tx2"/>
+                </a:solidFill>
+              </a:rPr>
+              <a:t>Scores</a:t>
+            </a:r>
+            <a:endParaRPr lang="en-RU" sz="4400" dirty="0">
+              <a:solidFill>
+                <a:schemeClr val="tx2"/>
+              </a:solidFill>
+            </a:endParaRPr>
+          </a:p>
+        </p:txBody>
+      </p:sp>
+      <p:pic>
+        <p:nvPicPr>
+          <p:cNvPr id="10" name="Picture 9" descr="Diagram, shape&#10;&#10;Description automatically generated">
+            <a:extLst>
+              <a:ext uri="{FF2B5EF4-FFF2-40B4-BE49-F238E27FC236}">
+                <a16:creationId xmlns:a16="http://schemas.microsoft.com/office/drawing/2014/main" id="{D1A2318C-6294-314C-9BDA-7FEA4D6340E4}"/>
+              </a:ext>
+            </a:extLst>
+          </p:cNvPr>
+          <p:cNvPicPr>
+            <a:picLocks noChangeAspect="1"/>
+          </p:cNvPicPr>
+          <p:nvPr/>
+        </p:nvPicPr>
+        <p:blipFill>
+          <a:blip r:embed="rId2"/>
+          <a:stretch>
+            <a:fillRect/>
+          </a:stretch>
+        </p:blipFill>
+        <p:spPr>
+          <a:xfrm>
+            <a:off x="8593174" y="142756"/>
+            <a:ext cx="2605177" cy="6350119"/>
+          </a:xfrm>
+          <a:prstGeom prst="rect">
+            <a:avLst/>
+          </a:prstGeom>
+        </p:spPr>
+      </p:pic>
+      <p:sp>
+        <p:nvSpPr>
+          <p:cNvPr id="13" name="Date Placeholder 3">
+            <a:extLst>
+              <a:ext uri="{FF2B5EF4-FFF2-40B4-BE49-F238E27FC236}">
+                <a16:creationId xmlns:a16="http://schemas.microsoft.com/office/drawing/2014/main" id="{49239392-86EB-5144-A598-85DB177980C6}"/>
+              </a:ext>
+            </a:extLst>
+          </p:cNvPr>
+          <p:cNvSpPr>
+            <a:spLocks noGrp="1"/>
+          </p:cNvSpPr>
+          <p:nvPr>
+            <p:ph type="dt" sz="half" idx="10"/>
+          </p:nvPr>
+        </p:nvSpPr>
+        <p:spPr>
+          <a:xfrm>
+            <a:off x="5220393" y="6492875"/>
+            <a:ext cx="1751214" cy="365125"/>
+          </a:xfrm>
+        </p:spPr>
+        <p:txBody>
+          <a:bodyPr/>
+          <a:lstStyle/>
+          <a:p>
+            <a:r>
+              <a:rPr lang="en-US" dirty="0"/>
+              <a:t>01</a:t>
+            </a:r>
+            <a:r>
+              <a:rPr lang="ru-RU" dirty="0"/>
+              <a:t>.</a:t>
+            </a:r>
+            <a:r>
+              <a:rPr lang="en-US" dirty="0"/>
+              <a:t>10</a:t>
+            </a:r>
+            <a:r>
+              <a:rPr lang="ru-RU" dirty="0"/>
+              <a:t>.2020</a:t>
+            </a:r>
+          </a:p>
+        </p:txBody>
+      </p:sp>
+      <p:sp>
+        <p:nvSpPr>
+          <p:cNvPr id="9" name="Footer Placeholder 4">
+            <a:extLst>
+              <a:ext uri="{FF2B5EF4-FFF2-40B4-BE49-F238E27FC236}">
+                <a16:creationId xmlns:a16="http://schemas.microsoft.com/office/drawing/2014/main" id="{C5B6C92D-357C-CC4D-8D94-A1764E367F2C}"/>
+              </a:ext>
+            </a:extLst>
+          </p:cNvPr>
+          <p:cNvSpPr>
+            <a:spLocks noGrp="1"/>
+          </p:cNvSpPr>
+          <p:nvPr>
+            <p:ph type="ftr" sz="quarter" idx="11"/>
+          </p:nvPr>
+        </p:nvSpPr>
+        <p:spPr>
+          <a:xfrm>
+            <a:off x="192505" y="6492875"/>
+            <a:ext cx="3767667" cy="365125"/>
+          </a:xfrm>
+        </p:spPr>
+        <p:txBody>
+          <a:bodyPr/>
+          <a:lstStyle/>
+          <a:p>
+            <a:r>
+              <a:rPr lang="en-GB" dirty="0"/>
+              <a:t>T. Ramazyan, A. Levin, et al., NRU HSE</a:t>
+            </a:r>
+            <a:endParaRPr lang="ru-RU" dirty="0"/>
+          </a:p>
+        </p:txBody>
+      </p:sp>
+    </p:spTree>
+    <p:extLst>
+      <p:ext uri="{BB962C8B-B14F-4D97-AF65-F5344CB8AC3E}">
+        <p14:creationId xmlns:p14="http://schemas.microsoft.com/office/powerpoint/2010/main" val="643880559"/>
+      </p:ext>
+    </p:extLst>
+  </p:cSld>
+  <p:clrMapOvr>
+    <a:masterClrMapping/>
+  </p:clrMapOvr>
+</p:sld>
+</file>
+
+<file path=ppt/slides/slide15.xml><?xml version="1.0" encoding="utf-8"?>
+<p:sld xmlns:a="http://schemas.openxmlformats.org/drawingml/2006/main" xmlns:r="http://schemas.openxmlformats.org/officeDocument/2006/relationships" xmlns:p="http://schemas.openxmlformats.org/presentationml/2006/main">
+  <p:cSld>
+    <p:spTree>
+      <p:nvGrpSpPr>
+        <p:cNvPr id="1" name=""/>
+        <p:cNvGrpSpPr/>
+        <p:nvPr/>
+      </p:nvGrpSpPr>
+      <p:grpSpPr>
+        <a:xfrm>
+          <a:off x="0" y="0"/>
+          <a:ext cx="0" cy="0"/>
+          <a:chOff x="0" y="0"/>
+          <a:chExt cx="0" cy="0"/>
+        </a:xfrm>
+      </p:grpSpPr>
+      <p:sp>
+        <p:nvSpPr>
+          <p:cNvPr id="2" name="Title 1">
+            <a:extLst>
+              <a:ext uri="{FF2B5EF4-FFF2-40B4-BE49-F238E27FC236}">
+                <a16:creationId xmlns:a16="http://schemas.microsoft.com/office/drawing/2014/main" id="{A0D79D22-7949-6544-A49E-361186E06450}"/>
+              </a:ext>
+            </a:extLst>
+          </p:cNvPr>
+          <p:cNvSpPr>
+            <a:spLocks noGrp="1"/>
+          </p:cNvSpPr>
+          <p:nvPr>
+            <p:ph type="title"/>
+          </p:nvPr>
+        </p:nvSpPr>
+        <p:spPr/>
+        <p:txBody>
+          <a:bodyPr>
+            <a:normAutofit/>
+          </a:bodyPr>
+          <a:lstStyle/>
+          <a:p>
+            <a:r>
+              <a:rPr lang="en-US" dirty="0"/>
               <a:t>Models Results</a:t>
             </a:r>
             <a:endParaRPr lang="en-RU" dirty="0"/>
@@ -5975,7 +6825,7 @@
 </p:sld>
 </file>
 
-<file path=ppt/slides/slide15.xml><?xml version="1.0" encoding="utf-8"?>
+<file path=ppt/slides/slide16.xml><?xml version="1.0" encoding="utf-8"?>
 <p:sld xmlns:a="http://schemas.openxmlformats.org/drawingml/2006/main" xmlns:r="http://schemas.openxmlformats.org/officeDocument/2006/relationships" xmlns:p="http://schemas.openxmlformats.org/presentationml/2006/main">
   <p:cSld>
     <p:spTree>
@@ -6085,7 +6935,7 @@
                     <a:lstStyle/>
                     <a:p>
                       <a:r>
-                        <a:rPr lang="en-US" sz="1400" dirty="0" smtClean="0"/>
+                        <a:rPr lang="en-US" sz="1400" dirty="0"/>
                         <a:t>Dataset</a:t>
                       </a:r>
                       <a:endParaRPr lang="ru-RU" sz="1400" dirty="0"/>
@@ -6099,7 +6949,7 @@
                     <a:lstStyle/>
                     <a:p>
                       <a:r>
-                        <a:rPr lang="en-US" sz="1400" dirty="0" smtClean="0"/>
+                        <a:rPr lang="en-US" sz="1400" dirty="0"/>
                         <a:t>Number of snippets</a:t>
                       </a:r>
                       <a:endParaRPr lang="ru-RU" sz="1400" dirty="0"/>
@@ -6113,7 +6963,7 @@
                     <a:lstStyle/>
                     <a:p>
                       <a:r>
-                        <a:rPr lang="en-US" sz="1400" dirty="0" smtClean="0"/>
+                        <a:rPr lang="en-US" sz="1400" dirty="0"/>
                         <a:t>Accuracy</a:t>
                       </a:r>
                       <a:endParaRPr lang="ru-RU" sz="1400" dirty="0"/>
@@ -6127,7 +6977,7 @@
                     <a:lstStyle/>
                     <a:p>
                       <a:r>
-                        <a:rPr lang="en-US" sz="1400" dirty="0" smtClean="0"/>
+                        <a:rPr lang="en-US" sz="1400" dirty="0"/>
                         <a:t>F1-score (weighted)</a:t>
                       </a:r>
                       <a:endParaRPr lang="ru-RU" sz="1400" dirty="0"/>
@@ -6141,7 +6991,7 @@
                     <a:lstStyle/>
                     <a:p>
                       <a:r>
-                        <a:rPr lang="en-US" sz="1400" dirty="0" smtClean="0"/>
+                        <a:rPr lang="en-US" sz="1400" dirty="0"/>
                         <a:t>Precision</a:t>
                       </a:r>
                       <a:endParaRPr lang="ru-RU" sz="1400" dirty="0"/>
@@ -6155,7 +7005,7 @@
                     <a:lstStyle/>
                     <a:p>
                       <a:r>
-                        <a:rPr lang="en-US" sz="1400" dirty="0" smtClean="0"/>
+                        <a:rPr lang="en-US" sz="1400" dirty="0"/>
                         <a:t>Recall</a:t>
                       </a:r>
                       <a:endParaRPr lang="ru-RU" sz="1400" dirty="0"/>
@@ -6176,7 +7026,7 @@
                     <a:lstStyle/>
                     <a:p>
                       <a:r>
-                        <a:rPr lang="en-US" sz="1400" dirty="0" smtClean="0"/>
+                        <a:rPr lang="en-US" sz="1400" dirty="0"/>
                         <a:t>Regex_v5</a:t>
                       </a:r>
                     </a:p>
@@ -6189,7 +7039,7 @@
                     <a:lstStyle/>
                     <a:p>
                       <a:r>
-                        <a:rPr lang="en-US" sz="1400" dirty="0" smtClean="0"/>
+                        <a:rPr lang="en-US" sz="1400" dirty="0"/>
                         <a:t>golden_884_set.csv</a:t>
                       </a:r>
                       <a:endParaRPr lang="ru-RU" sz="1400" dirty="0"/>
@@ -6203,7 +7053,7 @@
                     <a:lstStyle/>
                     <a:p>
                       <a:r>
-                        <a:rPr lang="en-US" sz="1400" dirty="0" smtClean="0"/>
+                        <a:rPr lang="en-US" sz="1400" dirty="0"/>
                         <a:t>884</a:t>
                       </a:r>
                       <a:endParaRPr lang="ru-RU" sz="1400" dirty="0"/>
@@ -6217,7 +7067,7 @@
                     <a:lstStyle/>
                     <a:p>
                       <a:r>
-                        <a:rPr lang="en-US" sz="1400" dirty="0" smtClean="0"/>
+                        <a:rPr lang="en-US" sz="1400" dirty="0"/>
                         <a:t>-</a:t>
                       </a:r>
                       <a:endParaRPr lang="ru-RU" sz="1400" dirty="0"/>
@@ -6231,7 +7081,7 @@
                     <a:lstStyle/>
                     <a:p>
                       <a:r>
-                        <a:rPr lang="ru-RU" sz="1800" b="0" i="0" kern="1200" dirty="0" smtClean="0">
+                        <a:rPr lang="ru-RU" sz="1800" b="0" i="0" kern="1200" dirty="0">
                           <a:solidFill>
                             <a:schemeClr val="dk1"/>
                           </a:solidFill>
@@ -6243,7 +7093,7 @@
                         <a:t>0.75</a:t>
                       </a:r>
                       <a:r>
-                        <a:rPr lang="en-US" sz="1800" b="0" i="0" kern="1200" dirty="0" smtClean="0">
+                        <a:rPr lang="en-US" sz="1800" b="0" i="0" kern="1200" dirty="0">
                           <a:solidFill>
                             <a:schemeClr val="dk1"/>
                           </a:solidFill>
@@ -6265,7 +7115,7 @@
                     <a:lstStyle/>
                     <a:p>
                       <a:r>
-                        <a:rPr lang="ru-RU" sz="1800" b="0" i="0" kern="1200" dirty="0" smtClean="0">
+                        <a:rPr lang="ru-RU" sz="1800" b="0" i="0" kern="1200" dirty="0">
                           <a:solidFill>
                             <a:schemeClr val="dk1"/>
                           </a:solidFill>
@@ -6277,7 +7127,7 @@
                         <a:t>0.92</a:t>
                       </a:r>
                       <a:r>
-                        <a:rPr lang="en-US" sz="1800" b="0" i="0" kern="1200" dirty="0" smtClean="0">
+                        <a:rPr lang="en-US" sz="1800" b="0" i="0" kern="1200" dirty="0">
                           <a:solidFill>
                             <a:schemeClr val="dk1"/>
                           </a:solidFill>
@@ -6299,7 +7149,7 @@
                     <a:lstStyle/>
                     <a:p>
                       <a:r>
-                        <a:rPr lang="ru-RU" sz="1800" b="0" i="0" kern="1200" dirty="0" smtClean="0">
+                        <a:rPr lang="ru-RU" sz="1800" b="0" i="0" kern="1200" dirty="0">
                           <a:solidFill>
                             <a:schemeClr val="dk1"/>
                           </a:solidFill>
@@ -6328,7 +7178,7 @@
                     <a:lstStyle/>
                     <a:p>
                       <a:r>
-                        <a:rPr lang="en-US" sz="1400" dirty="0" smtClean="0"/>
+                        <a:rPr lang="en-US" sz="1400" dirty="0"/>
                         <a:t>LogReg_v5</a:t>
                       </a:r>
                     </a:p>
@@ -6358,7 +7208,7 @@
                         <a:defRPr/>
                       </a:pPr>
                       <a:r>
-                        <a:rPr kumimoji="0" lang="en-US" sz="1400" b="0" i="0" u="none" strike="noStrike" kern="1200" cap="none" spc="0" normalizeH="0" baseline="0" noProof="0" smtClean="0">
+                        <a:rPr kumimoji="0" lang="en-US" sz="1400" b="0" i="0" u="none" strike="noStrike" kern="1200" cap="none" spc="0" normalizeH="0" baseline="0" noProof="0">
                           <a:ln>
                             <a:noFill/>
                           </a:ln>
@@ -6398,7 +7248,7 @@
                     <a:lstStyle/>
                     <a:p>
                       <a:r>
-                        <a:rPr lang="en-US" sz="1400" dirty="0" smtClean="0"/>
+                        <a:rPr lang="en-US" sz="1400" dirty="0"/>
                         <a:t>884</a:t>
                       </a:r>
                       <a:endParaRPr lang="ru-RU" sz="1400" dirty="0"/>
@@ -6412,7 +7262,7 @@
                     <a:lstStyle/>
                     <a:p>
                       <a:r>
-                        <a:rPr lang="ru-RU" sz="1800" b="0" i="0" kern="1200" dirty="0" smtClean="0">
+                        <a:rPr lang="ru-RU" sz="1800" b="0" i="0" kern="1200" dirty="0">
                           <a:solidFill>
                             <a:schemeClr val="dk1"/>
                           </a:solidFill>
@@ -6434,7 +7284,7 @@
                     <a:lstStyle/>
                     <a:p>
                       <a:r>
-                        <a:rPr lang="ru-RU" sz="1800" b="0" i="0" kern="1200" dirty="0" smtClean="0">
+                        <a:rPr lang="ru-RU" sz="1800" b="0" i="0" kern="1200" dirty="0">
                           <a:solidFill>
                             <a:schemeClr val="dk1"/>
                           </a:solidFill>
@@ -6456,7 +7306,7 @@
                     <a:lstStyle/>
                     <a:p>
                       <a:r>
-                        <a:rPr lang="en-US" sz="1400" dirty="0" smtClean="0"/>
+                        <a:rPr lang="en-US" sz="1400" dirty="0"/>
                         <a:t>-</a:t>
                       </a:r>
                       <a:endParaRPr lang="ru-RU" sz="1400" dirty="0"/>
@@ -6470,7 +7320,7 @@
                     <a:lstStyle/>
                     <a:p>
                       <a:r>
-                        <a:rPr lang="en-US" sz="1400" dirty="0" smtClean="0"/>
+                        <a:rPr lang="en-US" sz="1400" dirty="0"/>
                         <a:t>-</a:t>
                       </a:r>
                       <a:endParaRPr lang="ru-RU" sz="1400" dirty="0"/>
@@ -6491,7 +7341,7 @@
                     <a:lstStyle/>
                     <a:p>
                       <a:r>
-                        <a:rPr lang="en-US" sz="1400" dirty="0" smtClean="0"/>
+                        <a:rPr lang="en-US" sz="1400" dirty="0"/>
                         <a:t>SVM_v5</a:t>
                       </a:r>
                     </a:p>
@@ -6521,7 +7371,7 @@
                         <a:defRPr/>
                       </a:pPr>
                       <a:r>
-                        <a:rPr kumimoji="0" lang="en-US" sz="1400" b="0" i="0" u="none" strike="noStrike" kern="1200" cap="none" spc="0" normalizeH="0" baseline="0" noProof="0" smtClean="0">
+                        <a:rPr kumimoji="0" lang="en-US" sz="1400" b="0" i="0" u="none" strike="noStrike" kern="1200" cap="none" spc="0" normalizeH="0" baseline="0" noProof="0">
                           <a:ln>
                             <a:noFill/>
                           </a:ln>
@@ -6561,7 +7411,7 @@
                     <a:lstStyle/>
                     <a:p>
                       <a:r>
-                        <a:rPr lang="en-US" sz="1400" dirty="0" smtClean="0"/>
+                        <a:rPr lang="en-US" sz="1400" dirty="0"/>
                         <a:t>884</a:t>
                       </a:r>
                       <a:endParaRPr lang="ru-RU" sz="1400" dirty="0"/>
@@ -6575,7 +7425,7 @@
                     <a:lstStyle/>
                     <a:p>
                       <a:r>
-                        <a:rPr lang="en-US" sz="1800" b="0" i="0" kern="1200" dirty="0" smtClean="0">
+                        <a:rPr lang="en-US" sz="1800" b="0" i="0" kern="1200" dirty="0">
                           <a:solidFill>
                             <a:schemeClr val="dk1"/>
                           </a:solidFill>
@@ -6587,7 +7437,7 @@
                         <a:t>0.</a:t>
                       </a:r>
                       <a:r>
-                        <a:rPr lang="ru-RU" sz="1800" b="0" i="0" kern="1200" dirty="0" smtClean="0">
+                        <a:rPr lang="ru-RU" sz="1800" b="0" i="0" kern="1200" dirty="0">
                           <a:solidFill>
                             <a:schemeClr val="dk1"/>
                           </a:solidFill>
@@ -6599,7 +7449,7 @@
                         <a:t>31</a:t>
                       </a:r>
                       <a:r>
-                        <a:rPr lang="en-US" sz="1800" b="0" i="0" kern="1200" dirty="0" smtClean="0">
+                        <a:rPr lang="en-US" sz="1800" b="0" i="0" kern="1200" dirty="0">
                           <a:solidFill>
                             <a:schemeClr val="dk1"/>
                           </a:solidFill>
@@ -6621,7 +7471,7 @@
                     <a:lstStyle/>
                     <a:p>
                       <a:r>
-                        <a:rPr lang="ru-RU" sz="1800" b="0" i="0" kern="1200" dirty="0" smtClean="0">
+                        <a:rPr lang="ru-RU" sz="1800" b="0" i="0" kern="1200" dirty="0">
                           <a:solidFill>
                             <a:schemeClr val="dk1"/>
                           </a:solidFill>
@@ -6633,7 +7483,7 @@
                         <a:t>0.58</a:t>
                       </a:r>
                       <a:r>
-                        <a:rPr lang="en-US" sz="1800" b="0" i="0" kern="1200" dirty="0" smtClean="0">
+                        <a:rPr lang="en-US" sz="1800" b="0" i="0" kern="1200" dirty="0">
                           <a:solidFill>
                             <a:schemeClr val="dk1"/>
                           </a:solidFill>
@@ -6655,7 +7505,7 @@
                     <a:lstStyle/>
                     <a:p>
                       <a:r>
-                        <a:rPr lang="en-US" sz="1400" dirty="0" smtClean="0"/>
+                        <a:rPr lang="en-US" sz="1400" dirty="0"/>
                         <a:t>-</a:t>
                       </a:r>
                       <a:endParaRPr lang="ru-RU" sz="1400" dirty="0"/>
@@ -6669,7 +7519,7 @@
                     <a:lstStyle/>
                     <a:p>
                       <a:r>
-                        <a:rPr lang="en-US" sz="1400" dirty="0" smtClean="0"/>
+                        <a:rPr lang="en-US" sz="1400" dirty="0"/>
                         <a:t>-</a:t>
                       </a:r>
                       <a:endParaRPr lang="ru-RU" sz="1400" dirty="0"/>
@@ -6690,10 +7540,9 @@
                     <a:lstStyle/>
                     <a:p>
                       <a:r>
-                        <a:rPr lang="en-US" sz="1400" dirty="0" smtClean="0"/>
+                        <a:rPr lang="en-US" sz="1400" dirty="0"/>
                         <a:t>Regex_v6</a:t>
                       </a:r>
-                      <a:endParaRPr lang="en-US" sz="1400" dirty="0" smtClean="0"/>
                     </a:p>
                   </a:txBody>
                   <a:tcPr/>
@@ -6721,7 +7570,7 @@
                         <a:defRPr/>
                       </a:pPr>
                       <a:r>
-                        <a:rPr kumimoji="0" lang="en-US" sz="1400" b="0" i="0" u="none" strike="noStrike" kern="1200" cap="none" spc="0" normalizeH="0" baseline="0" noProof="0" dirty="0" smtClean="0">
+                        <a:rPr kumimoji="0" lang="en-US" sz="1400" b="0" i="0" u="none" strike="noStrike" kern="1200" cap="none" spc="0" normalizeH="0" baseline="0" noProof="0" dirty="0">
                           <a:ln>
                             <a:noFill/>
                           </a:ln>
@@ -6761,7 +7610,7 @@
                     <a:lstStyle/>
                     <a:p>
                       <a:r>
-                        <a:rPr lang="en-US" sz="1400" dirty="0" smtClean="0"/>
+                        <a:rPr lang="en-US" sz="1400" dirty="0"/>
                         <a:t>884</a:t>
                       </a:r>
                       <a:endParaRPr lang="ru-RU" sz="1400" dirty="0"/>
@@ -6775,7 +7624,7 @@
                     <a:lstStyle/>
                     <a:p>
                       <a:r>
-                        <a:rPr lang="en-US" sz="1400" dirty="0" smtClean="0"/>
+                        <a:rPr lang="en-US" sz="1400" dirty="0"/>
                         <a:t>-</a:t>
                       </a:r>
                       <a:endParaRPr lang="ru-RU" sz="1400" dirty="0"/>
@@ -6789,7 +7638,7 @@
                     <a:lstStyle/>
                     <a:p>
                       <a:r>
-                        <a:rPr lang="ru-RU" sz="1800" b="0" i="0" kern="1200" dirty="0" smtClean="0">
+                        <a:rPr lang="ru-RU" sz="1800" b="0" i="0" kern="1200" dirty="0">
                           <a:solidFill>
                             <a:schemeClr val="dk1"/>
                           </a:solidFill>
@@ -6801,7 +7650,7 @@
                         <a:t>0.74</a:t>
                       </a:r>
                       <a:r>
-                        <a:rPr lang="en-US" sz="1800" b="0" i="0" kern="1200" dirty="0" smtClean="0">
+                        <a:rPr lang="en-US" sz="1800" b="0" i="0" kern="1200" dirty="0">
                           <a:solidFill>
                             <a:schemeClr val="dk1"/>
                           </a:solidFill>
@@ -6823,7 +7672,7 @@
                     <a:lstStyle/>
                     <a:p>
                       <a:r>
-                        <a:rPr lang="en-US" sz="1800" b="0" i="0" kern="1200" dirty="0" smtClean="0">
+                        <a:rPr lang="en-US" sz="1800" b="0" i="0" kern="1200" dirty="0">
                           <a:solidFill>
                             <a:schemeClr val="dk1"/>
                           </a:solidFill>
@@ -6835,7 +7684,7 @@
                         <a:t>0</a:t>
                       </a:r>
                       <a:r>
-                        <a:rPr lang="ru-RU" sz="1800" b="0" i="0" kern="1200" dirty="0" smtClean="0">
+                        <a:rPr lang="ru-RU" sz="1800" b="0" i="0" kern="1200" dirty="0">
                           <a:solidFill>
                             <a:schemeClr val="dk1"/>
                           </a:solidFill>
@@ -6847,7 +7696,7 @@
                         <a:t>.74</a:t>
                       </a:r>
                       <a:r>
-                        <a:rPr lang="en-US" sz="1800" b="0" i="0" kern="1200" dirty="0" smtClean="0">
+                        <a:rPr lang="en-US" sz="1800" b="0" i="0" kern="1200" dirty="0">
                           <a:solidFill>
                             <a:schemeClr val="dk1"/>
                           </a:solidFill>
@@ -6869,7 +7718,7 @@
                     <a:lstStyle/>
                     <a:p>
                       <a:r>
-                        <a:rPr lang="ru-RU" sz="1800" b="0" i="0" kern="1200" dirty="0" smtClean="0">
+                        <a:rPr lang="ru-RU" sz="1800" b="0" i="0" kern="1200" dirty="0">
                           <a:solidFill>
                             <a:schemeClr val="dk1"/>
                           </a:solidFill>
@@ -6898,10 +7747,9 @@
                     <a:lstStyle/>
                     <a:p>
                       <a:r>
-                        <a:rPr lang="en-US" sz="1400" dirty="0" smtClean="0"/>
+                        <a:rPr lang="en-US" sz="1400" dirty="0"/>
                         <a:t>LogReg_v6</a:t>
                       </a:r>
-                      <a:endParaRPr lang="en-US" sz="1400" dirty="0" smtClean="0"/>
                     </a:p>
                   </a:txBody>
                   <a:tcPr/>
@@ -6929,7 +7777,7 @@
                         <a:defRPr/>
                       </a:pPr>
                       <a:r>
-                        <a:rPr kumimoji="0" lang="en-US" sz="1400" b="0" i="0" u="none" strike="noStrike" kern="1200" cap="none" spc="0" normalizeH="0" baseline="0" noProof="0" smtClean="0">
+                        <a:rPr kumimoji="0" lang="en-US" sz="1400" b="0" i="0" u="none" strike="noStrike" kern="1200" cap="none" spc="0" normalizeH="0" baseline="0" noProof="0">
                           <a:ln>
                             <a:noFill/>
                           </a:ln>
@@ -6969,7 +7817,7 @@
                     <a:lstStyle/>
                     <a:p>
                       <a:r>
-                        <a:rPr lang="en-US" sz="1400" dirty="0" smtClean="0"/>
+                        <a:rPr lang="en-US" sz="1400" dirty="0"/>
                         <a:t>884</a:t>
                       </a:r>
                       <a:endParaRPr lang="ru-RU" sz="1400" dirty="0"/>
@@ -6983,7 +7831,7 @@
                     <a:lstStyle/>
                     <a:p>
                       <a:r>
-                        <a:rPr lang="ru-RU" sz="1800" b="0" i="0" kern="1200" dirty="0" smtClean="0">
+                        <a:rPr lang="ru-RU" sz="1800" b="0" i="0" kern="1200" dirty="0">
                           <a:solidFill>
                             <a:schemeClr val="dk1"/>
                           </a:solidFill>
@@ -6995,7 +7843,7 @@
                         <a:t>0.2</a:t>
                       </a:r>
                       <a:r>
-                        <a:rPr lang="en-US" sz="1800" b="0" i="0" kern="1200" dirty="0" smtClean="0">
+                        <a:rPr lang="en-US" sz="1800" b="0" i="0" kern="1200" dirty="0">
                           <a:solidFill>
                             <a:schemeClr val="dk1"/>
                           </a:solidFill>
@@ -7017,7 +7865,7 @@
                     <a:lstStyle/>
                     <a:p>
                       <a:r>
-                        <a:rPr lang="ru-RU" sz="1800" b="0" i="0" kern="1200" dirty="0" smtClean="0">
+                        <a:rPr lang="ru-RU" sz="1800" b="0" i="0" kern="1200" dirty="0">
                           <a:solidFill>
                             <a:schemeClr val="dk1"/>
                           </a:solidFill>
@@ -7039,7 +7887,7 @@
                     <a:lstStyle/>
                     <a:p>
                       <a:r>
-                        <a:rPr lang="en-US" sz="1400" dirty="0" smtClean="0"/>
+                        <a:rPr lang="en-US" sz="1400" dirty="0"/>
                         <a:t>-</a:t>
                       </a:r>
                       <a:endParaRPr lang="ru-RU" sz="1400" dirty="0"/>
@@ -7053,7 +7901,7 @@
                     <a:lstStyle/>
                     <a:p>
                       <a:r>
-                        <a:rPr lang="en-US" sz="1400" dirty="0" smtClean="0"/>
+                        <a:rPr lang="en-US" sz="1400" dirty="0"/>
                         <a:t>-</a:t>
                       </a:r>
                       <a:endParaRPr lang="ru-RU" sz="1400" dirty="0"/>
@@ -7074,10 +7922,9 @@
                     <a:lstStyle/>
                     <a:p>
                       <a:r>
-                        <a:rPr lang="en-US" sz="1400" dirty="0" smtClean="0"/>
+                        <a:rPr lang="en-US" sz="1400" dirty="0"/>
                         <a:t>SVM_v6</a:t>
                       </a:r>
-                      <a:endParaRPr lang="en-US" sz="1400" dirty="0" smtClean="0"/>
                     </a:p>
                   </a:txBody>
                   <a:tcPr/>
@@ -7105,7 +7952,7 @@
                         <a:defRPr/>
                       </a:pPr>
                       <a:r>
-                        <a:rPr kumimoji="0" lang="en-US" sz="1400" b="0" i="0" u="none" strike="noStrike" kern="1200" cap="none" spc="0" normalizeH="0" baseline="0" noProof="0" dirty="0" smtClean="0">
+                        <a:rPr kumimoji="0" lang="en-US" sz="1400" b="0" i="0" u="none" strike="noStrike" kern="1200" cap="none" spc="0" normalizeH="0" baseline="0" noProof="0" dirty="0">
                           <a:ln>
                             <a:noFill/>
                           </a:ln>
@@ -7145,7 +7992,7 @@
                     <a:lstStyle/>
                     <a:p>
                       <a:r>
-                        <a:rPr lang="en-US" sz="1400" dirty="0" smtClean="0"/>
+                        <a:rPr lang="en-US" sz="1400" dirty="0"/>
                         <a:t>884</a:t>
                       </a:r>
                       <a:endParaRPr lang="ru-RU" sz="1400" dirty="0"/>
@@ -7159,7 +8006,7 @@
                     <a:lstStyle/>
                     <a:p>
                       <a:r>
-                        <a:rPr lang="ru-RU" sz="1800" b="0" i="0" kern="1200" dirty="0" smtClean="0">
+                        <a:rPr lang="ru-RU" sz="1800" b="0" i="0" kern="1200" dirty="0">
                           <a:solidFill>
                             <a:schemeClr val="dk1"/>
                           </a:solidFill>
@@ -7171,7 +8018,7 @@
                         <a:t>0.26</a:t>
                       </a:r>
                       <a:r>
-                        <a:rPr lang="en-US" sz="1800" b="0" i="0" kern="1200" dirty="0" smtClean="0">
+                        <a:rPr lang="en-US" sz="1800" b="0" i="0" kern="1200" dirty="0">
                           <a:solidFill>
                             <a:schemeClr val="dk1"/>
                           </a:solidFill>
@@ -7193,7 +8040,7 @@
                     <a:lstStyle/>
                     <a:p>
                       <a:r>
-                        <a:rPr lang="ru-RU" sz="1800" b="0" i="0" kern="1200" dirty="0" smtClean="0">
+                        <a:rPr lang="ru-RU" sz="1800" b="0" i="0" kern="1200" dirty="0">
                           <a:solidFill>
                             <a:schemeClr val="dk1"/>
                           </a:solidFill>
@@ -7205,7 +8052,7 @@
                         <a:t>0.63</a:t>
                       </a:r>
                       <a:r>
-                        <a:rPr lang="en-US" sz="1800" b="0" i="0" kern="1200" dirty="0" smtClean="0">
+                        <a:rPr lang="en-US" sz="1800" b="0" i="0" kern="1200" dirty="0">
                           <a:solidFill>
                             <a:schemeClr val="dk1"/>
                           </a:solidFill>
@@ -7227,7 +8074,7 @@
                     <a:lstStyle/>
                     <a:p>
                       <a:r>
-                        <a:rPr lang="en-US" sz="1400" dirty="0" smtClean="0"/>
+                        <a:rPr lang="en-US" sz="1400" dirty="0"/>
                         <a:t>-</a:t>
                       </a:r>
                       <a:endParaRPr lang="ru-RU" sz="1400" dirty="0"/>
@@ -7241,7 +8088,7 @@
                     <a:lstStyle/>
                     <a:p>
                       <a:r>
-                        <a:rPr lang="en-US" sz="1400" dirty="0" smtClean="0"/>
+                        <a:rPr lang="en-US" sz="1400" dirty="0"/>
                         <a:t>-</a:t>
                       </a:r>
                       <a:endParaRPr lang="ru-RU" sz="1400" dirty="0"/>
@@ -7288,183 +8135,8 @@
           <a:lstStyle/>
           <a:p>
             <a:r>
-              <a:rPr lang="en-US" dirty="0" smtClean="0"/>
+              <a:rPr lang="en-US" dirty="0"/>
               <a:t>Models Results - Overall</a:t>
-            </a:r>
-            <a:endParaRPr lang="en-RU" dirty="0"/>
-          </a:p>
-        </p:txBody>
-      </p:sp>
-      <p:sp>
-        <p:nvSpPr>
-          <p:cNvPr id="6" name="Slide Number Placeholder 5">
-            <a:extLst>
-              <a:ext uri="{FF2B5EF4-FFF2-40B4-BE49-F238E27FC236}">
-                <a16:creationId xmlns:a16="http://schemas.microsoft.com/office/drawing/2014/main" id="{A95B88FF-E53E-9545-8CDF-71E8E96C9EA9}"/>
-              </a:ext>
-            </a:extLst>
-          </p:cNvPr>
-          <p:cNvSpPr>
-            <a:spLocks noGrp="1"/>
-          </p:cNvSpPr>
-          <p:nvPr>
-            <p:ph type="sldNum" sz="quarter" idx="12"/>
-          </p:nvPr>
-        </p:nvSpPr>
-        <p:spPr/>
-        <p:txBody>
-          <a:bodyPr/>
-          <a:lstStyle/>
-          <a:p>
-            <a:fld id="{21ABC42C-C6CC-47FC-904E-31573FDBB029}" type="slidenum">
-              <a:rPr lang="ru-RU" smtClean="0"/>
-              <a:pPr/>
-              <a:t>15</a:t>
-            </a:fld>
-            <a:endParaRPr lang="ru-RU"/>
-          </a:p>
-        </p:txBody>
-      </p:sp>
-      <p:sp>
-        <p:nvSpPr>
-          <p:cNvPr id="12" name="Footer Placeholder 4">
-            <a:extLst>
-              <a:ext uri="{FF2B5EF4-FFF2-40B4-BE49-F238E27FC236}">
-                <a16:creationId xmlns:a16="http://schemas.microsoft.com/office/drawing/2014/main" id="{201FF059-8AC8-674A-8327-1F90C932AD0D}"/>
-              </a:ext>
-            </a:extLst>
-          </p:cNvPr>
-          <p:cNvSpPr>
-            <a:spLocks noGrp="1"/>
-          </p:cNvSpPr>
-          <p:nvPr>
-            <p:ph type="ftr" sz="quarter" idx="11"/>
-          </p:nvPr>
-        </p:nvSpPr>
-        <p:spPr>
-          <a:xfrm>
-            <a:off x="192505" y="6492875"/>
-            <a:ext cx="3767667" cy="365125"/>
-          </a:xfrm>
-        </p:spPr>
-        <p:txBody>
-          <a:bodyPr/>
-          <a:lstStyle/>
-          <a:p>
-            <a:r>
-              <a:rPr lang="en-GB" dirty="0"/>
-              <a:t>T. Ramazyan, A. Levin, NRU HSE</a:t>
-            </a:r>
-            <a:endParaRPr lang="ru-RU" dirty="0"/>
-          </a:p>
-        </p:txBody>
-      </p:sp>
-      <p:sp>
-        <p:nvSpPr>
-          <p:cNvPr id="13" name="Date Placeholder 3">
-            <a:extLst>
-              <a:ext uri="{FF2B5EF4-FFF2-40B4-BE49-F238E27FC236}">
-                <a16:creationId xmlns:a16="http://schemas.microsoft.com/office/drawing/2014/main" id="{49239392-86EB-5144-A598-85DB177980C6}"/>
-              </a:ext>
-            </a:extLst>
-          </p:cNvPr>
-          <p:cNvSpPr>
-            <a:spLocks noGrp="1"/>
-          </p:cNvSpPr>
-          <p:nvPr>
-            <p:ph type="dt" sz="half" idx="10"/>
-          </p:nvPr>
-        </p:nvSpPr>
-        <p:spPr>
-          <a:xfrm>
-            <a:off x="5220393" y="6492875"/>
-            <a:ext cx="1751214" cy="365125"/>
-          </a:xfrm>
-        </p:spPr>
-        <p:txBody>
-          <a:bodyPr/>
-          <a:lstStyle/>
-          <a:p>
-            <a:r>
-              <a:rPr lang="en-US" dirty="0"/>
-              <a:t>01</a:t>
-            </a:r>
-            <a:r>
-              <a:rPr lang="ru-RU" dirty="0"/>
-              <a:t>.</a:t>
-            </a:r>
-            <a:r>
-              <a:rPr lang="en-US" dirty="0"/>
-              <a:t>10</a:t>
-            </a:r>
-            <a:r>
-              <a:rPr lang="ru-RU" dirty="0"/>
-              <a:t>.2020</a:t>
-            </a:r>
-          </a:p>
-        </p:txBody>
-      </p:sp>
-    </p:spTree>
-    <p:extLst>
-      <p:ext uri="{BB962C8B-B14F-4D97-AF65-F5344CB8AC3E}">
-        <p14:creationId xmlns:p14="http://schemas.microsoft.com/office/powerpoint/2010/main" val="1016082742"/>
-      </p:ext>
-    </p:extLst>
-  </p:cSld>
-  <p:clrMapOvr>
-    <a:masterClrMapping/>
-  </p:clrMapOvr>
-</p:sld>
-</file>
-
-<file path=ppt/slides/slide16.xml><?xml version="1.0" encoding="utf-8"?>
-<p:sld xmlns:a="http://schemas.openxmlformats.org/drawingml/2006/main" xmlns:r="http://schemas.openxmlformats.org/officeDocument/2006/relationships" xmlns:p="http://schemas.openxmlformats.org/presentationml/2006/main">
-  <p:cSld>
-    <p:spTree>
-      <p:nvGrpSpPr>
-        <p:cNvPr id="1" name=""/>
-        <p:cNvGrpSpPr/>
-        <p:nvPr/>
-      </p:nvGrpSpPr>
-      <p:grpSpPr>
-        <a:xfrm>
-          <a:off x="0" y="0"/>
-          <a:ext cx="0" cy="0"/>
-          <a:chOff x="0" y="0"/>
-          <a:chExt cx="0" cy="0"/>
-        </a:xfrm>
-      </p:grpSpPr>
-      <p:sp>
-        <p:nvSpPr>
-          <p:cNvPr id="3" name="Title 2">
-            <a:extLst>
-              <a:ext uri="{FF2B5EF4-FFF2-40B4-BE49-F238E27FC236}">
-                <a16:creationId xmlns:a16="http://schemas.microsoft.com/office/drawing/2014/main" id="{44321D2C-1D1D-2949-B6EB-DA2484D754D4}"/>
-              </a:ext>
-            </a:extLst>
-          </p:cNvPr>
-          <p:cNvSpPr>
-            <a:spLocks noGrp="1"/>
-          </p:cNvSpPr>
-          <p:nvPr>
-            <p:ph type="title"/>
-          </p:nvPr>
-        </p:nvSpPr>
-        <p:spPr>
-          <a:xfrm>
-            <a:off x="192505" y="368723"/>
-            <a:ext cx="11806990" cy="765843"/>
-          </a:xfrm>
-        </p:spPr>
-        <p:txBody>
-          <a:bodyPr>
-            <a:normAutofit/>
-          </a:bodyPr>
-          <a:lstStyle/>
-          <a:p>
-            <a:r>
-              <a:rPr lang="en-US" dirty="0" smtClean="0"/>
-              <a:t>Models Results – Vertices</a:t>
             </a:r>
             <a:endParaRPr lang="en-RU" dirty="0"/>
           </a:p>
@@ -7502,10 +8174,55 @@
       </p:sp>
       <p:sp>
         <p:nvSpPr>
-          <p:cNvPr id="12" name="Footer Placeholder 4">
-            <a:extLst>
-              <a:ext uri="{FF2B5EF4-FFF2-40B4-BE49-F238E27FC236}">
-                <a16:creationId xmlns:a16="http://schemas.microsoft.com/office/drawing/2014/main" id="{201FF059-8AC8-674A-8327-1F90C932AD0D}"/>
+          <p:cNvPr id="13" name="Date Placeholder 3">
+            <a:extLst>
+              <a:ext uri="{FF2B5EF4-FFF2-40B4-BE49-F238E27FC236}">
+                <a16:creationId xmlns:a16="http://schemas.microsoft.com/office/drawing/2014/main" id="{49239392-86EB-5144-A598-85DB177980C6}"/>
+              </a:ext>
+            </a:extLst>
+          </p:cNvPr>
+          <p:cNvSpPr>
+            <a:spLocks noGrp="1"/>
+          </p:cNvSpPr>
+          <p:nvPr>
+            <p:ph type="dt" sz="half" idx="10"/>
+          </p:nvPr>
+        </p:nvSpPr>
+        <p:spPr>
+          <a:xfrm>
+            <a:off x="5220393" y="6492875"/>
+            <a:ext cx="1751214" cy="365125"/>
+          </a:xfrm>
+        </p:spPr>
+        <p:txBody>
+          <a:bodyPr/>
+          <a:lstStyle/>
+          <a:p>
+            <a:r>
+              <a:rPr lang="en-US" dirty="0"/>
+              <a:t>01</a:t>
+            </a:r>
+            <a:r>
+              <a:rPr lang="ru-RU" dirty="0"/>
+              <a:t>.</a:t>
+            </a:r>
+            <a:r>
+              <a:rPr lang="en-US" dirty="0"/>
+              <a:t>10</a:t>
+            </a:r>
+            <a:r>
+              <a:rPr lang="ru-RU" dirty="0"/>
+              <a:t>.2020</a:t>
+            </a:r>
+          </a:p>
+        </p:txBody>
+      </p:sp>
+      <p:sp>
+        <p:nvSpPr>
+          <p:cNvPr id="7" name="Footer Placeholder 4">
+            <a:extLst>
+              <a:ext uri="{FF2B5EF4-FFF2-40B4-BE49-F238E27FC236}">
+                <a16:creationId xmlns:a16="http://schemas.microsoft.com/office/drawing/2014/main" id="{9426E93A-9E35-B746-BF03-2D952DC80078}"/>
               </a:ext>
             </a:extLst>
           </p:cNvPr>
@@ -7528,415 +8245,16 @@
           <a:p>
             <a:r>
               <a:rPr lang="en-GB" dirty="0"/>
-              <a:t>T. Ramazyan, A. Levin, NRU HSE</a:t>
+              <a:t>T. Ramazyan, A. Levin, et al., NRU HSE</a:t>
             </a:r>
             <a:endParaRPr lang="ru-RU" dirty="0"/>
           </a:p>
         </p:txBody>
       </p:sp>
-      <p:sp>
-        <p:nvSpPr>
-          <p:cNvPr id="13" name="Date Placeholder 3">
-            <a:extLst>
-              <a:ext uri="{FF2B5EF4-FFF2-40B4-BE49-F238E27FC236}">
-                <a16:creationId xmlns:a16="http://schemas.microsoft.com/office/drawing/2014/main" id="{49239392-86EB-5144-A598-85DB177980C6}"/>
-              </a:ext>
-            </a:extLst>
-          </p:cNvPr>
-          <p:cNvSpPr>
-            <a:spLocks noGrp="1"/>
-          </p:cNvSpPr>
-          <p:nvPr>
-            <p:ph type="dt" sz="half" idx="10"/>
-          </p:nvPr>
-        </p:nvSpPr>
-        <p:spPr>
-          <a:xfrm>
-            <a:off x="5220393" y="6492875"/>
-            <a:ext cx="1751214" cy="365125"/>
-          </a:xfrm>
-        </p:spPr>
-        <p:txBody>
-          <a:bodyPr/>
-          <a:lstStyle/>
-          <a:p>
-            <a:r>
-              <a:rPr lang="en-US" dirty="0"/>
-              <a:t>01</a:t>
-            </a:r>
-            <a:r>
-              <a:rPr lang="ru-RU" dirty="0"/>
-              <a:t>.</a:t>
-            </a:r>
-            <a:r>
-              <a:rPr lang="en-US" dirty="0"/>
-              <a:t>10</a:t>
-            </a:r>
-            <a:r>
-              <a:rPr lang="ru-RU" dirty="0"/>
-              <a:t>.2020</a:t>
-            </a:r>
-          </a:p>
-        </p:txBody>
-      </p:sp>
-      <p:pic>
-        <p:nvPicPr>
-          <p:cNvPr id="8" name="Объект 7"/>
-          <p:cNvPicPr>
-            <a:picLocks noGrp="1" noChangeAspect="1"/>
-          </p:cNvPicPr>
-          <p:nvPr>
-            <p:ph idx="1"/>
-          </p:nvPr>
-        </p:nvPicPr>
-        <p:blipFill>
-          <a:blip r:embed="rId2"/>
-          <a:stretch>
-            <a:fillRect/>
-          </a:stretch>
-        </p:blipFill>
-        <p:spPr>
-          <a:xfrm>
-            <a:off x="622201" y="2018227"/>
-            <a:ext cx="2076993" cy="3963437"/>
-          </a:xfrm>
-          <a:prstGeom prst="rect">
-            <a:avLst/>
-          </a:prstGeom>
-        </p:spPr>
-      </p:pic>
-      <p:pic>
-        <p:nvPicPr>
-          <p:cNvPr id="5" name="Рисунок 4"/>
-          <p:cNvPicPr>
-            <a:picLocks noChangeAspect="1"/>
-          </p:cNvPicPr>
-          <p:nvPr/>
-        </p:nvPicPr>
-        <p:blipFill>
-          <a:blip r:embed="rId3"/>
-          <a:stretch>
-            <a:fillRect/>
-          </a:stretch>
-        </p:blipFill>
-        <p:spPr>
-          <a:xfrm>
-            <a:off x="3470988" y="2013712"/>
-            <a:ext cx="2121676" cy="3962400"/>
-          </a:xfrm>
-          <a:prstGeom prst="rect">
-            <a:avLst/>
-          </a:prstGeom>
-        </p:spPr>
-      </p:pic>
-      <p:sp>
-        <p:nvSpPr>
-          <p:cNvPr id="9" name="TextBox 8"/>
-          <p:cNvSpPr txBox="1"/>
-          <p:nvPr/>
-        </p:nvSpPr>
-        <p:spPr>
-          <a:xfrm>
-            <a:off x="1124528" y="1246410"/>
-            <a:ext cx="955964" cy="369332"/>
-          </a:xfrm>
-          <a:prstGeom prst="rect">
-            <a:avLst/>
-          </a:prstGeom>
-          <a:noFill/>
-        </p:spPr>
-        <p:txBody>
-          <a:bodyPr wrap="square" rtlCol="0">
-            <a:spAutoFit/>
-          </a:bodyPr>
-          <a:lstStyle/>
-          <a:p>
-            <a:r>
-              <a:rPr lang="en-US" dirty="0" smtClean="0"/>
-              <a:t>SVM v5</a:t>
-            </a:r>
-            <a:endParaRPr lang="ru-RU" dirty="0"/>
-          </a:p>
-        </p:txBody>
-      </p:sp>
-      <p:sp>
-        <p:nvSpPr>
-          <p:cNvPr id="14" name="TextBox 13"/>
-          <p:cNvSpPr txBox="1"/>
-          <p:nvPr/>
-        </p:nvSpPr>
-        <p:spPr>
-          <a:xfrm>
-            <a:off x="3816851" y="1241895"/>
-            <a:ext cx="1313572" cy="369332"/>
-          </a:xfrm>
-          <a:prstGeom prst="rect">
-            <a:avLst/>
-          </a:prstGeom>
-          <a:noFill/>
-        </p:spPr>
-        <p:txBody>
-          <a:bodyPr wrap="square" rtlCol="0">
-            <a:spAutoFit/>
-          </a:bodyPr>
-          <a:lstStyle/>
-          <a:p>
-            <a:r>
-              <a:rPr lang="en-US" dirty="0" smtClean="0"/>
-              <a:t>Log </a:t>
-            </a:r>
-            <a:r>
-              <a:rPr lang="en-US" dirty="0" err="1" smtClean="0"/>
-              <a:t>Reg</a:t>
-            </a:r>
-            <a:r>
-              <a:rPr lang="en-US" dirty="0" smtClean="0"/>
-              <a:t> v5</a:t>
-            </a:r>
-            <a:endParaRPr lang="ru-RU" dirty="0"/>
-          </a:p>
-        </p:txBody>
-      </p:sp>
-      <p:pic>
-        <p:nvPicPr>
-          <p:cNvPr id="10" name="Рисунок 9"/>
-          <p:cNvPicPr>
-            <a:picLocks noChangeAspect="1"/>
-          </p:cNvPicPr>
-          <p:nvPr/>
-        </p:nvPicPr>
-        <p:blipFill>
-          <a:blip r:embed="rId4"/>
-          <a:stretch>
-            <a:fillRect/>
-          </a:stretch>
-        </p:blipFill>
-        <p:spPr>
-          <a:xfrm>
-            <a:off x="9345280" y="2009495"/>
-            <a:ext cx="1935090" cy="3966452"/>
-          </a:xfrm>
-          <a:prstGeom prst="rect">
-            <a:avLst/>
-          </a:prstGeom>
-        </p:spPr>
-      </p:pic>
-      <p:sp>
-        <p:nvSpPr>
-          <p:cNvPr id="15" name="TextBox 14"/>
-          <p:cNvSpPr txBox="1"/>
-          <p:nvPr/>
-        </p:nvSpPr>
-        <p:spPr>
-          <a:xfrm>
-            <a:off x="9639261" y="1255930"/>
-            <a:ext cx="1313572" cy="369332"/>
-          </a:xfrm>
-          <a:prstGeom prst="rect">
-            <a:avLst/>
-          </a:prstGeom>
-          <a:noFill/>
-        </p:spPr>
-        <p:txBody>
-          <a:bodyPr wrap="square" rtlCol="0">
-            <a:spAutoFit/>
-          </a:bodyPr>
-          <a:lstStyle/>
-          <a:p>
-            <a:r>
-              <a:rPr lang="en-US" dirty="0" smtClean="0"/>
-              <a:t>Log </a:t>
-            </a:r>
-            <a:r>
-              <a:rPr lang="en-US" dirty="0" err="1" smtClean="0"/>
-              <a:t>Reg</a:t>
-            </a:r>
-            <a:r>
-              <a:rPr lang="en-US" dirty="0" smtClean="0"/>
-              <a:t> v6</a:t>
-            </a:r>
-            <a:endParaRPr lang="ru-RU" dirty="0"/>
-          </a:p>
-        </p:txBody>
-      </p:sp>
-      <p:sp>
-        <p:nvSpPr>
-          <p:cNvPr id="16" name="TextBox 15"/>
-          <p:cNvSpPr txBox="1"/>
-          <p:nvPr/>
-        </p:nvSpPr>
-        <p:spPr>
-          <a:xfrm>
-            <a:off x="6926216" y="1252281"/>
-            <a:ext cx="955964" cy="369332"/>
-          </a:xfrm>
-          <a:prstGeom prst="rect">
-            <a:avLst/>
-          </a:prstGeom>
-          <a:noFill/>
-        </p:spPr>
-        <p:txBody>
-          <a:bodyPr wrap="square" rtlCol="0">
-            <a:spAutoFit/>
-          </a:bodyPr>
-          <a:lstStyle/>
-          <a:p>
-            <a:r>
-              <a:rPr lang="en-US" dirty="0" smtClean="0"/>
-              <a:t>SVM v6</a:t>
-            </a:r>
-            <a:endParaRPr lang="ru-RU" dirty="0"/>
-          </a:p>
-        </p:txBody>
-      </p:sp>
-      <p:sp>
-        <p:nvSpPr>
-          <p:cNvPr id="18" name="TextBox 17"/>
-          <p:cNvSpPr txBox="1"/>
-          <p:nvPr/>
-        </p:nvSpPr>
-        <p:spPr>
-          <a:xfrm>
-            <a:off x="815573" y="1651329"/>
-            <a:ext cx="1690251" cy="307777"/>
-          </a:xfrm>
-          <a:prstGeom prst="rect">
-            <a:avLst/>
-          </a:prstGeom>
-          <a:noFill/>
-        </p:spPr>
-        <p:txBody>
-          <a:bodyPr wrap="square" rtlCol="0">
-            <a:spAutoFit/>
-          </a:bodyPr>
-          <a:lstStyle/>
-          <a:p>
-            <a:r>
-              <a:rPr lang="en-US" sz="1400" dirty="0" smtClean="0"/>
-              <a:t>F1, Precision, Recall</a:t>
-            </a:r>
-            <a:endParaRPr lang="ru-RU" sz="1400" dirty="0"/>
-          </a:p>
-        </p:txBody>
-      </p:sp>
-      <p:sp>
-        <p:nvSpPr>
-          <p:cNvPr id="22" name="TextBox 21"/>
-          <p:cNvSpPr txBox="1"/>
-          <p:nvPr/>
-        </p:nvSpPr>
-        <p:spPr>
-          <a:xfrm>
-            <a:off x="3691614" y="1644381"/>
-            <a:ext cx="1690251" cy="307777"/>
-          </a:xfrm>
-          <a:prstGeom prst="rect">
-            <a:avLst/>
-          </a:prstGeom>
-          <a:noFill/>
-        </p:spPr>
-        <p:txBody>
-          <a:bodyPr wrap="square" rtlCol="0">
-            <a:spAutoFit/>
-          </a:bodyPr>
-          <a:lstStyle/>
-          <a:p>
-            <a:r>
-              <a:rPr lang="en-US" sz="1400" dirty="0" smtClean="0"/>
-              <a:t>F1, Precision, Recall</a:t>
-            </a:r>
-            <a:endParaRPr lang="ru-RU" sz="1400" dirty="0"/>
-          </a:p>
-        </p:txBody>
-      </p:sp>
-      <p:sp>
-        <p:nvSpPr>
-          <p:cNvPr id="23" name="TextBox 22"/>
-          <p:cNvSpPr txBox="1"/>
-          <p:nvPr/>
-        </p:nvSpPr>
-        <p:spPr>
-          <a:xfrm>
-            <a:off x="6575698" y="1611227"/>
-            <a:ext cx="1690251" cy="307777"/>
-          </a:xfrm>
-          <a:prstGeom prst="rect">
-            <a:avLst/>
-          </a:prstGeom>
-          <a:noFill/>
-        </p:spPr>
-        <p:txBody>
-          <a:bodyPr wrap="square" rtlCol="0">
-            <a:spAutoFit/>
-          </a:bodyPr>
-          <a:lstStyle/>
-          <a:p>
-            <a:r>
-              <a:rPr lang="en-US" sz="1400" dirty="0" smtClean="0"/>
-              <a:t>F1, Precision, Recall</a:t>
-            </a:r>
-            <a:endParaRPr lang="ru-RU" sz="1400" dirty="0"/>
-          </a:p>
-        </p:txBody>
-      </p:sp>
-      <p:sp>
-        <p:nvSpPr>
-          <p:cNvPr id="24" name="TextBox 23"/>
-          <p:cNvSpPr txBox="1"/>
-          <p:nvPr/>
-        </p:nvSpPr>
-        <p:spPr>
-          <a:xfrm>
-            <a:off x="9467548" y="1588045"/>
-            <a:ext cx="1690251" cy="307777"/>
-          </a:xfrm>
-          <a:prstGeom prst="rect">
-            <a:avLst/>
-          </a:prstGeom>
-          <a:noFill/>
-        </p:spPr>
-        <p:txBody>
-          <a:bodyPr wrap="square" rtlCol="0">
-            <a:spAutoFit/>
-          </a:bodyPr>
-          <a:lstStyle/>
-          <a:p>
-            <a:r>
-              <a:rPr lang="en-US" sz="1400" dirty="0" smtClean="0"/>
-              <a:t>F1, Precision, Recall</a:t>
-            </a:r>
-            <a:endParaRPr lang="ru-RU" sz="1400" dirty="0"/>
-          </a:p>
-        </p:txBody>
-      </p:sp>
-      <p:pic>
-        <p:nvPicPr>
-          <p:cNvPr id="25" name="Рисунок 24"/>
-          <p:cNvPicPr>
-            <a:picLocks noChangeAspect="1"/>
-          </p:cNvPicPr>
-          <p:nvPr/>
-        </p:nvPicPr>
-        <p:blipFill>
-          <a:blip r:embed="rId5"/>
-          <a:stretch>
-            <a:fillRect/>
-          </a:stretch>
-        </p:blipFill>
-        <p:spPr>
-          <a:xfrm>
-            <a:off x="6503190" y="2019422"/>
-            <a:ext cx="1844258" cy="3967076"/>
-          </a:xfrm>
-          <a:prstGeom prst="rect">
-            <a:avLst/>
-          </a:prstGeom>
-        </p:spPr>
-      </p:pic>
     </p:spTree>
     <p:extLst>
       <p:ext uri="{BB962C8B-B14F-4D97-AF65-F5344CB8AC3E}">
-        <p14:creationId xmlns:p14="http://schemas.microsoft.com/office/powerpoint/2010/main" val="2809612037"/>
+        <p14:creationId xmlns:p14="http://schemas.microsoft.com/office/powerpoint/2010/main" val="1016082742"/>
       </p:ext>
     </p:extLst>
   </p:cSld>
@@ -7965,24 +8283,24 @@
       </p:grpSpPr>
       <p:sp>
         <p:nvSpPr>
-          <p:cNvPr id="2" name="Content Placeholder 1">
-            <a:extLst>
-              <a:ext uri="{FF2B5EF4-FFF2-40B4-BE49-F238E27FC236}">
-                <a16:creationId xmlns:a16="http://schemas.microsoft.com/office/drawing/2014/main" id="{840F111B-D3AF-9C44-A9FF-CCAD09FB2394}"/>
-              </a:ext>
-            </a:extLst>
-          </p:cNvPr>
-          <p:cNvSpPr>
-            <a:spLocks noGrp="1"/>
-          </p:cNvSpPr>
-          <p:nvPr>
-            <p:ph idx="1"/>
-          </p:nvPr>
-        </p:nvSpPr>
-        <p:spPr>
-          <a:xfrm>
-            <a:off x="396663" y="1348110"/>
-            <a:ext cx="10834929" cy="4276313"/>
+          <p:cNvPr id="3" name="Title 2">
+            <a:extLst>
+              <a:ext uri="{FF2B5EF4-FFF2-40B4-BE49-F238E27FC236}">
+                <a16:creationId xmlns:a16="http://schemas.microsoft.com/office/drawing/2014/main" id="{44321D2C-1D1D-2949-B6EB-DA2484D754D4}"/>
+              </a:ext>
+            </a:extLst>
+          </p:cNvPr>
+          <p:cNvSpPr>
+            <a:spLocks noGrp="1"/>
+          </p:cNvSpPr>
+          <p:nvPr>
+            <p:ph type="title"/>
+          </p:nvPr>
+        </p:nvSpPr>
+        <p:spPr>
+          <a:xfrm>
+            <a:off x="192505" y="368723"/>
+            <a:ext cx="11806990" cy="765843"/>
           </a:xfrm>
         </p:spPr>
         <p:txBody>
@@ -7992,112 +8310,8 @@
           <a:lstStyle/>
           <a:p>
             <a:r>
-              <a:rPr lang="en-US" dirty="0" smtClean="0"/>
-              <a:t>To label more data by hand for deeper evaluation</a:t>
-            </a:r>
-          </a:p>
-          <a:p>
-            <a:r>
-              <a:rPr lang="en-US" dirty="0" smtClean="0"/>
-              <a:t>To continue adding keywords to the KG to </a:t>
-            </a:r>
-            <a:r>
-              <a:rPr lang="en-US" dirty="0" smtClean="0"/>
-              <a:t>increase F1 </a:t>
-            </a:r>
-            <a:r>
-              <a:rPr lang="en-US" dirty="0" smtClean="0"/>
-              <a:t>of classification models</a:t>
-            </a:r>
-          </a:p>
-          <a:p>
-            <a:r>
-              <a:rPr lang="en-US" dirty="0" smtClean="0"/>
-              <a:t>To add vertices to KG for more detailed analysis</a:t>
-            </a:r>
-            <a:endParaRPr lang="en-US" dirty="0" smtClean="0"/>
-          </a:p>
-          <a:p>
-            <a:r>
-              <a:rPr lang="en-US" dirty="0" smtClean="0"/>
-              <a:t>To analyze </a:t>
-            </a:r>
-            <a:r>
-              <a:rPr lang="en-US" dirty="0" smtClean="0"/>
-              <a:t>the KG with u</a:t>
-            </a:r>
-            <a:r>
-              <a:rPr lang="en-US" dirty="0" smtClean="0"/>
-              <a:t>nsupervised learning models</a:t>
-            </a:r>
-          </a:p>
-          <a:p>
-            <a:r>
-              <a:rPr lang="en-US" dirty="0" smtClean="0"/>
-              <a:t>To use Abstract </a:t>
-            </a:r>
-            <a:r>
-              <a:rPr lang="en-US" dirty="0"/>
-              <a:t>Syntax Trees (ASTs) </a:t>
-            </a:r>
-            <a:r>
-              <a:rPr lang="en-US" dirty="0" smtClean="0"/>
-              <a:t>which preserve </a:t>
-            </a:r>
-            <a:r>
-              <a:rPr lang="en-US" dirty="0"/>
-              <a:t>code </a:t>
-            </a:r>
-            <a:r>
-              <a:rPr lang="en-US" dirty="0" smtClean="0"/>
-              <a:t>semantics</a:t>
-            </a:r>
-            <a:r>
-              <a:rPr lang="en-US" dirty="0"/>
-              <a:t>, hence they might increase prediction </a:t>
-            </a:r>
-            <a:r>
-              <a:rPr lang="en-US" dirty="0" smtClean="0"/>
-              <a:t>quality</a:t>
-            </a:r>
-          </a:p>
-        </p:txBody>
-      </p:sp>
-      <p:sp>
-        <p:nvSpPr>
-          <p:cNvPr id="3" name="Title 2">
-            <a:extLst>
-              <a:ext uri="{FF2B5EF4-FFF2-40B4-BE49-F238E27FC236}">
-                <a16:creationId xmlns:a16="http://schemas.microsoft.com/office/drawing/2014/main" id="{44321D2C-1D1D-2949-B6EB-DA2484D754D4}"/>
-              </a:ext>
-            </a:extLst>
-          </p:cNvPr>
-          <p:cNvSpPr>
-            <a:spLocks noGrp="1"/>
-          </p:cNvSpPr>
-          <p:nvPr>
-            <p:ph type="title"/>
-          </p:nvPr>
-        </p:nvSpPr>
-        <p:spPr>
-          <a:xfrm>
-            <a:off x="192505" y="368723"/>
-            <a:ext cx="11806990" cy="765843"/>
-          </a:xfrm>
-        </p:spPr>
-        <p:txBody>
-          <a:bodyPr>
-            <a:normAutofit/>
-          </a:bodyPr>
-          <a:lstStyle/>
-          <a:p>
-            <a:r>
-              <a:rPr lang="en-RU" dirty="0"/>
-              <a:t>Future </a:t>
-            </a:r>
-            <a:r>
-              <a:rPr lang="en-RU" dirty="0" smtClean="0"/>
-              <a:t>Development</a:t>
+              <a:rPr lang="en-US" dirty="0"/>
+              <a:t>Models Results – Vertices</a:t>
             </a:r>
             <a:endParaRPr lang="en-RU" dirty="0"/>
           </a:p>
@@ -8135,10 +8349,409 @@
       </p:sp>
       <p:sp>
         <p:nvSpPr>
-          <p:cNvPr id="12" name="Footer Placeholder 4">
-            <a:extLst>
-              <a:ext uri="{FF2B5EF4-FFF2-40B4-BE49-F238E27FC236}">
-                <a16:creationId xmlns:a16="http://schemas.microsoft.com/office/drawing/2014/main" id="{201FF059-8AC8-674A-8327-1F90C932AD0D}"/>
+          <p:cNvPr id="13" name="Date Placeholder 3">
+            <a:extLst>
+              <a:ext uri="{FF2B5EF4-FFF2-40B4-BE49-F238E27FC236}">
+                <a16:creationId xmlns:a16="http://schemas.microsoft.com/office/drawing/2014/main" id="{49239392-86EB-5144-A598-85DB177980C6}"/>
+              </a:ext>
+            </a:extLst>
+          </p:cNvPr>
+          <p:cNvSpPr>
+            <a:spLocks noGrp="1"/>
+          </p:cNvSpPr>
+          <p:nvPr>
+            <p:ph type="dt" sz="half" idx="10"/>
+          </p:nvPr>
+        </p:nvSpPr>
+        <p:spPr>
+          <a:xfrm>
+            <a:off x="5220393" y="6492875"/>
+            <a:ext cx="1751214" cy="365125"/>
+          </a:xfrm>
+        </p:spPr>
+        <p:txBody>
+          <a:bodyPr/>
+          <a:lstStyle/>
+          <a:p>
+            <a:r>
+              <a:rPr lang="en-US" dirty="0"/>
+              <a:t>01</a:t>
+            </a:r>
+            <a:r>
+              <a:rPr lang="ru-RU" dirty="0"/>
+              <a:t>.</a:t>
+            </a:r>
+            <a:r>
+              <a:rPr lang="en-US" dirty="0"/>
+              <a:t>10</a:t>
+            </a:r>
+            <a:r>
+              <a:rPr lang="ru-RU" dirty="0"/>
+              <a:t>.2020</a:t>
+            </a:r>
+          </a:p>
+        </p:txBody>
+      </p:sp>
+      <p:pic>
+        <p:nvPicPr>
+          <p:cNvPr id="8" name="Объект 7"/>
+          <p:cNvPicPr>
+            <a:picLocks noGrp="1" noChangeAspect="1"/>
+          </p:cNvPicPr>
+          <p:nvPr>
+            <p:ph idx="1"/>
+          </p:nvPr>
+        </p:nvPicPr>
+        <p:blipFill>
+          <a:blip r:embed="rId2"/>
+          <a:stretch>
+            <a:fillRect/>
+          </a:stretch>
+        </p:blipFill>
+        <p:spPr>
+          <a:xfrm>
+            <a:off x="622201" y="2018227"/>
+            <a:ext cx="2076993" cy="3963437"/>
+          </a:xfrm>
+          <a:prstGeom prst="rect">
+            <a:avLst/>
+          </a:prstGeom>
+        </p:spPr>
+      </p:pic>
+      <p:pic>
+        <p:nvPicPr>
+          <p:cNvPr id="5" name="Рисунок 4"/>
+          <p:cNvPicPr>
+            <a:picLocks noChangeAspect="1"/>
+          </p:cNvPicPr>
+          <p:nvPr/>
+        </p:nvPicPr>
+        <p:blipFill>
+          <a:blip r:embed="rId3"/>
+          <a:stretch>
+            <a:fillRect/>
+          </a:stretch>
+        </p:blipFill>
+        <p:spPr>
+          <a:xfrm>
+            <a:off x="3470988" y="2013712"/>
+            <a:ext cx="2121676" cy="3962400"/>
+          </a:xfrm>
+          <a:prstGeom prst="rect">
+            <a:avLst/>
+          </a:prstGeom>
+        </p:spPr>
+      </p:pic>
+      <p:sp>
+        <p:nvSpPr>
+          <p:cNvPr id="9" name="TextBox 8"/>
+          <p:cNvSpPr txBox="1"/>
+          <p:nvPr/>
+        </p:nvSpPr>
+        <p:spPr>
+          <a:xfrm>
+            <a:off x="1124528" y="1246410"/>
+            <a:ext cx="955964" cy="369332"/>
+          </a:xfrm>
+          <a:prstGeom prst="rect">
+            <a:avLst/>
+          </a:prstGeom>
+          <a:noFill/>
+        </p:spPr>
+        <p:txBody>
+          <a:bodyPr wrap="square" rtlCol="0">
+            <a:spAutoFit/>
+          </a:bodyPr>
+          <a:lstStyle/>
+          <a:p>
+            <a:r>
+              <a:rPr lang="en-US" dirty="0"/>
+              <a:t>SVM v5</a:t>
+            </a:r>
+            <a:endParaRPr lang="ru-RU" dirty="0"/>
+          </a:p>
+        </p:txBody>
+      </p:sp>
+      <p:sp>
+        <p:nvSpPr>
+          <p:cNvPr id="14" name="TextBox 13"/>
+          <p:cNvSpPr txBox="1"/>
+          <p:nvPr/>
+        </p:nvSpPr>
+        <p:spPr>
+          <a:xfrm>
+            <a:off x="3816851" y="1241895"/>
+            <a:ext cx="1313572" cy="369332"/>
+          </a:xfrm>
+          <a:prstGeom prst="rect">
+            <a:avLst/>
+          </a:prstGeom>
+          <a:noFill/>
+        </p:spPr>
+        <p:txBody>
+          <a:bodyPr wrap="square" rtlCol="0">
+            <a:spAutoFit/>
+          </a:bodyPr>
+          <a:lstStyle/>
+          <a:p>
+            <a:r>
+              <a:rPr lang="en-US" dirty="0"/>
+              <a:t>Log </a:t>
+            </a:r>
+            <a:r>
+              <a:rPr lang="en-US" dirty="0" err="1"/>
+              <a:t>Reg</a:t>
+            </a:r>
+            <a:r>
+              <a:rPr lang="en-US" dirty="0"/>
+              <a:t> v5</a:t>
+            </a:r>
+            <a:endParaRPr lang="ru-RU" dirty="0"/>
+          </a:p>
+        </p:txBody>
+      </p:sp>
+      <p:pic>
+        <p:nvPicPr>
+          <p:cNvPr id="10" name="Рисунок 9"/>
+          <p:cNvPicPr>
+            <a:picLocks noChangeAspect="1"/>
+          </p:cNvPicPr>
+          <p:nvPr/>
+        </p:nvPicPr>
+        <p:blipFill>
+          <a:blip r:embed="rId4"/>
+          <a:stretch>
+            <a:fillRect/>
+          </a:stretch>
+        </p:blipFill>
+        <p:spPr>
+          <a:xfrm>
+            <a:off x="9345280" y="2009495"/>
+            <a:ext cx="1935090" cy="3966452"/>
+          </a:xfrm>
+          <a:prstGeom prst="rect">
+            <a:avLst/>
+          </a:prstGeom>
+        </p:spPr>
+      </p:pic>
+      <p:sp>
+        <p:nvSpPr>
+          <p:cNvPr id="15" name="TextBox 14"/>
+          <p:cNvSpPr txBox="1"/>
+          <p:nvPr/>
+        </p:nvSpPr>
+        <p:spPr>
+          <a:xfrm>
+            <a:off x="9639261" y="1255930"/>
+            <a:ext cx="1313572" cy="369332"/>
+          </a:xfrm>
+          <a:prstGeom prst="rect">
+            <a:avLst/>
+          </a:prstGeom>
+          <a:noFill/>
+        </p:spPr>
+        <p:txBody>
+          <a:bodyPr wrap="square" rtlCol="0">
+            <a:spAutoFit/>
+          </a:bodyPr>
+          <a:lstStyle/>
+          <a:p>
+            <a:r>
+              <a:rPr lang="en-US" dirty="0"/>
+              <a:t>Log </a:t>
+            </a:r>
+            <a:r>
+              <a:rPr lang="en-US" dirty="0" err="1"/>
+              <a:t>Reg</a:t>
+            </a:r>
+            <a:r>
+              <a:rPr lang="en-US" dirty="0"/>
+              <a:t> v6</a:t>
+            </a:r>
+            <a:endParaRPr lang="ru-RU" dirty="0"/>
+          </a:p>
+        </p:txBody>
+      </p:sp>
+      <p:sp>
+        <p:nvSpPr>
+          <p:cNvPr id="16" name="TextBox 15"/>
+          <p:cNvSpPr txBox="1"/>
+          <p:nvPr/>
+        </p:nvSpPr>
+        <p:spPr>
+          <a:xfrm>
+            <a:off x="6926216" y="1252281"/>
+            <a:ext cx="955964" cy="369332"/>
+          </a:xfrm>
+          <a:prstGeom prst="rect">
+            <a:avLst/>
+          </a:prstGeom>
+          <a:noFill/>
+        </p:spPr>
+        <p:txBody>
+          <a:bodyPr wrap="square" rtlCol="0">
+            <a:spAutoFit/>
+          </a:bodyPr>
+          <a:lstStyle/>
+          <a:p>
+            <a:r>
+              <a:rPr lang="en-US" dirty="0"/>
+              <a:t>SVM v6</a:t>
+            </a:r>
+            <a:endParaRPr lang="ru-RU" dirty="0"/>
+          </a:p>
+        </p:txBody>
+      </p:sp>
+      <p:sp>
+        <p:nvSpPr>
+          <p:cNvPr id="18" name="TextBox 17"/>
+          <p:cNvSpPr txBox="1"/>
+          <p:nvPr/>
+        </p:nvSpPr>
+        <p:spPr>
+          <a:xfrm>
+            <a:off x="815573" y="1651329"/>
+            <a:ext cx="1796998" cy="307777"/>
+          </a:xfrm>
+          <a:prstGeom prst="rect">
+            <a:avLst/>
+          </a:prstGeom>
+          <a:noFill/>
+        </p:spPr>
+        <p:txBody>
+          <a:bodyPr wrap="square" rtlCol="0">
+            <a:spAutoFit/>
+          </a:bodyPr>
+          <a:lstStyle/>
+          <a:p>
+            <a:r>
+              <a:rPr lang="en-US" sz="1400" dirty="0"/>
+              <a:t>F1, Precision, Recall</a:t>
+            </a:r>
+            <a:endParaRPr lang="ru-RU" sz="1400" dirty="0"/>
+          </a:p>
+        </p:txBody>
+      </p:sp>
+      <p:sp>
+        <p:nvSpPr>
+          <p:cNvPr id="22" name="TextBox 21"/>
+          <p:cNvSpPr txBox="1"/>
+          <p:nvPr/>
+        </p:nvSpPr>
+        <p:spPr>
+          <a:xfrm>
+            <a:off x="3691614" y="1644381"/>
+            <a:ext cx="1796998" cy="307777"/>
+          </a:xfrm>
+          <a:prstGeom prst="rect">
+            <a:avLst/>
+          </a:prstGeom>
+          <a:noFill/>
+        </p:spPr>
+        <p:txBody>
+          <a:bodyPr wrap="square" rtlCol="0">
+            <a:spAutoFit/>
+          </a:bodyPr>
+          <a:lstStyle/>
+          <a:p>
+            <a:r>
+              <a:rPr lang="en-US" sz="1400" dirty="0"/>
+              <a:t>F1, Precision, Recall</a:t>
+            </a:r>
+            <a:endParaRPr lang="ru-RU" sz="1400" dirty="0"/>
+          </a:p>
+        </p:txBody>
+      </p:sp>
+      <p:sp>
+        <p:nvSpPr>
+          <p:cNvPr id="23" name="TextBox 22"/>
+          <p:cNvSpPr txBox="1"/>
+          <p:nvPr/>
+        </p:nvSpPr>
+        <p:spPr>
+          <a:xfrm>
+            <a:off x="6575698" y="1611227"/>
+            <a:ext cx="1771750" cy="307777"/>
+          </a:xfrm>
+          <a:prstGeom prst="rect">
+            <a:avLst/>
+          </a:prstGeom>
+          <a:noFill/>
+        </p:spPr>
+        <p:txBody>
+          <a:bodyPr wrap="square" rtlCol="0">
+            <a:spAutoFit/>
+          </a:bodyPr>
+          <a:lstStyle/>
+          <a:p>
+            <a:r>
+              <a:rPr lang="en-US" sz="1400" dirty="0"/>
+              <a:t>F1, Precision, Recall</a:t>
+            </a:r>
+            <a:endParaRPr lang="ru-RU" sz="1400" dirty="0"/>
+          </a:p>
+        </p:txBody>
+      </p:sp>
+      <p:sp>
+        <p:nvSpPr>
+          <p:cNvPr id="24" name="TextBox 23"/>
+          <p:cNvSpPr txBox="1"/>
+          <p:nvPr/>
+        </p:nvSpPr>
+        <p:spPr>
+          <a:xfrm>
+            <a:off x="9467548" y="1588045"/>
+            <a:ext cx="1812822" cy="307777"/>
+          </a:xfrm>
+          <a:prstGeom prst="rect">
+            <a:avLst/>
+          </a:prstGeom>
+          <a:noFill/>
+        </p:spPr>
+        <p:txBody>
+          <a:bodyPr wrap="square" rtlCol="0">
+            <a:spAutoFit/>
+          </a:bodyPr>
+          <a:lstStyle/>
+          <a:p>
+            <a:r>
+              <a:rPr lang="en-US" sz="1400" dirty="0"/>
+              <a:t>F1, Precision, Recall</a:t>
+            </a:r>
+            <a:endParaRPr lang="ru-RU" sz="1400" dirty="0"/>
+          </a:p>
+        </p:txBody>
+      </p:sp>
+      <p:pic>
+        <p:nvPicPr>
+          <p:cNvPr id="25" name="Рисунок 24"/>
+          <p:cNvPicPr>
+            <a:picLocks noChangeAspect="1"/>
+          </p:cNvPicPr>
+          <p:nvPr/>
+        </p:nvPicPr>
+        <p:blipFill>
+          <a:blip r:embed="rId5"/>
+          <a:stretch>
+            <a:fillRect/>
+          </a:stretch>
+        </p:blipFill>
+        <p:spPr>
+          <a:xfrm>
+            <a:off x="6503190" y="2019422"/>
+            <a:ext cx="1844258" cy="3967076"/>
+          </a:xfrm>
+          <a:prstGeom prst="rect">
+            <a:avLst/>
+          </a:prstGeom>
+        </p:spPr>
+      </p:pic>
+      <p:sp>
+        <p:nvSpPr>
+          <p:cNvPr id="19" name="Footer Placeholder 4">
+            <a:extLst>
+              <a:ext uri="{FF2B5EF4-FFF2-40B4-BE49-F238E27FC236}">
+                <a16:creationId xmlns:a16="http://schemas.microsoft.com/office/drawing/2014/main" id="{269C8329-728C-CA40-A49A-1AB8C3287172}"/>
               </a:ext>
             </a:extLst>
           </p:cNvPr>
@@ -8161,61 +8774,16 @@
           <a:p>
             <a:r>
               <a:rPr lang="en-GB" dirty="0"/>
-              <a:t>T. Ramazyan, A. Levin, NRU HSE</a:t>
+              <a:t>T. Ramazyan, A. Levin, et al., NRU HSE</a:t>
             </a:r>
             <a:endParaRPr lang="ru-RU" dirty="0"/>
-          </a:p>
-        </p:txBody>
-      </p:sp>
-      <p:sp>
-        <p:nvSpPr>
-          <p:cNvPr id="13" name="Date Placeholder 3">
-            <a:extLst>
-              <a:ext uri="{FF2B5EF4-FFF2-40B4-BE49-F238E27FC236}">
-                <a16:creationId xmlns:a16="http://schemas.microsoft.com/office/drawing/2014/main" id="{49239392-86EB-5144-A598-85DB177980C6}"/>
-              </a:ext>
-            </a:extLst>
-          </p:cNvPr>
-          <p:cNvSpPr>
-            <a:spLocks noGrp="1"/>
-          </p:cNvSpPr>
-          <p:nvPr>
-            <p:ph type="dt" sz="half" idx="10"/>
-          </p:nvPr>
-        </p:nvSpPr>
-        <p:spPr>
-          <a:xfrm>
-            <a:off x="5220393" y="6492875"/>
-            <a:ext cx="1751214" cy="365125"/>
-          </a:xfrm>
-        </p:spPr>
-        <p:txBody>
-          <a:bodyPr/>
-          <a:lstStyle/>
-          <a:p>
-            <a:r>
-              <a:rPr lang="en-US" dirty="0"/>
-              <a:t>01</a:t>
-            </a:r>
-            <a:r>
-              <a:rPr lang="ru-RU" dirty="0"/>
-              <a:t>.</a:t>
-            </a:r>
-            <a:r>
-              <a:rPr lang="en-US" dirty="0"/>
-              <a:t>10</a:t>
-            </a:r>
-            <a:r>
-              <a:rPr lang="ru-RU" dirty="0"/>
-              <a:t>.2020</a:t>
-            </a:r>
           </a:p>
         </p:txBody>
       </p:sp>
     </p:spTree>
     <p:extLst>
       <p:ext uri="{BB962C8B-B14F-4D97-AF65-F5344CB8AC3E}">
-        <p14:creationId xmlns:p14="http://schemas.microsoft.com/office/powerpoint/2010/main" val="492463398"/>
+        <p14:creationId xmlns:p14="http://schemas.microsoft.com/office/powerpoint/2010/main" val="2809612037"/>
       </p:ext>
     </p:extLst>
   </p:cSld>
@@ -8270,90 +8838,33 @@
           </a:bodyPr>
           <a:lstStyle/>
           <a:p>
-            <a:endParaRPr lang="en-US" dirty="0" smtClean="0"/>
-          </a:p>
-          <a:p>
-            <a:r>
-              <a:rPr lang="en-US" dirty="0" smtClean="0"/>
-              <a:t>Created two datasets with by hand-labelling</a:t>
-            </a:r>
-          </a:p>
-          <a:p>
-            <a:r>
-              <a:rPr lang="en-US" dirty="0" smtClean="0"/>
-              <a:t>Collected the code snippets for the corpus from </a:t>
-            </a:r>
-            <a:r>
-              <a:rPr lang="en-US" dirty="0" err="1" smtClean="0"/>
-              <a:t>Kaggle</a:t>
-            </a:r>
-            <a:r>
-              <a:rPr lang="en-US" dirty="0" smtClean="0"/>
-              <a:t> and </a:t>
-            </a:r>
-            <a:r>
-              <a:rPr lang="en-US" dirty="0" err="1" smtClean="0"/>
-              <a:t>Github</a:t>
-            </a:r>
-            <a:endParaRPr lang="en-US" dirty="0"/>
-          </a:p>
-          <a:p>
-            <a:r>
-              <a:rPr lang="en-US" dirty="0" smtClean="0"/>
-              <a:t>Labeled </a:t>
-            </a:r>
-            <a:r>
-              <a:rPr lang="en-US" dirty="0"/>
-              <a:t>code snippets of the </a:t>
-            </a:r>
-            <a:r>
-              <a:rPr lang="en-US" dirty="0" smtClean="0"/>
-              <a:t>corpus with regex (F1 0.744)</a:t>
-            </a:r>
-            <a:endParaRPr lang="en-US" dirty="0"/>
-          </a:p>
-          <a:p>
-            <a:r>
-              <a:rPr lang="en-US" dirty="0" smtClean="0"/>
-              <a:t>Trained SVM (F1 </a:t>
-            </a:r>
-            <a:r>
-              <a:rPr lang="en-RU" dirty="0" smtClean="0"/>
-              <a:t>0.885</a:t>
-            </a:r>
-            <a:r>
-              <a:rPr lang="en-US" dirty="0" smtClean="0"/>
-              <a:t>) and Log </a:t>
-            </a:r>
-            <a:r>
-              <a:rPr lang="en-US" dirty="0" err="1" smtClean="0"/>
-              <a:t>Reg</a:t>
-            </a:r>
-            <a:r>
-              <a:rPr lang="en-US" dirty="0" smtClean="0"/>
-              <a:t> (F1 0.908) classification models</a:t>
-            </a:r>
-          </a:p>
-          <a:p>
-            <a:r>
-              <a:rPr lang="en-US" dirty="0" smtClean="0"/>
-              <a:t>Enhanced the </a:t>
-            </a:r>
-            <a:r>
-              <a:rPr lang="en-US" dirty="0"/>
-              <a:t>knowledge graph </a:t>
-            </a:r>
-            <a:r>
-              <a:rPr lang="en-US" dirty="0" smtClean="0"/>
-              <a:t>by hand using </a:t>
-            </a:r>
-            <a:r>
-              <a:rPr lang="en-US" dirty="0"/>
-              <a:t>the classifiers’ </a:t>
-            </a:r>
-            <a:r>
-              <a:rPr lang="en-US" dirty="0" smtClean="0"/>
-              <a:t>outputs</a:t>
+            <a:r>
+              <a:rPr lang="en-US" dirty="0"/>
+              <a:t>To label more data by hand for deeper evaluation</a:t>
+            </a:r>
+          </a:p>
+          <a:p>
+            <a:r>
+              <a:rPr lang="en-US" dirty="0"/>
+              <a:t>To continue adding keywords to the KG to increase F1 of classification models</a:t>
+            </a:r>
+          </a:p>
+          <a:p>
+            <a:r>
+              <a:rPr lang="en-US" dirty="0"/>
+              <a:t>To add vertices to KG for more detailed analysis</a:t>
+            </a:r>
+          </a:p>
+          <a:p>
+            <a:r>
+              <a:rPr lang="en-US" dirty="0"/>
+              <a:t>To analyze the KG with unsupervised learning models</a:t>
+            </a:r>
+          </a:p>
+          <a:p>
+            <a:r>
+              <a:rPr lang="en-US" dirty="0"/>
+              <a:t>To use Abstract Syntax Trees (ASTs) which preserve code semantics, hence they might increase prediction quality</a:t>
             </a:r>
           </a:p>
         </p:txBody>
@@ -8387,10 +8898,9 @@
           <a:lstStyle/>
           <a:p>
             <a:r>
-              <a:rPr lang="en-US" dirty="0" smtClean="0"/>
-              <a:t>Conclusion</a:t>
-            </a:r>
-            <a:endParaRPr lang="en-RU" dirty="0"/>
+              <a:rPr lang="en-RU" dirty="0"/>
+              <a:t>Future Development</a:t>
+            </a:r>
           </a:p>
         </p:txBody>
       </p:sp>
@@ -8426,10 +8936,55 @@
       </p:sp>
       <p:sp>
         <p:nvSpPr>
-          <p:cNvPr id="12" name="Footer Placeholder 4">
-            <a:extLst>
-              <a:ext uri="{FF2B5EF4-FFF2-40B4-BE49-F238E27FC236}">
-                <a16:creationId xmlns:a16="http://schemas.microsoft.com/office/drawing/2014/main" id="{201FF059-8AC8-674A-8327-1F90C932AD0D}"/>
+          <p:cNvPr id="13" name="Date Placeholder 3">
+            <a:extLst>
+              <a:ext uri="{FF2B5EF4-FFF2-40B4-BE49-F238E27FC236}">
+                <a16:creationId xmlns:a16="http://schemas.microsoft.com/office/drawing/2014/main" id="{49239392-86EB-5144-A598-85DB177980C6}"/>
+              </a:ext>
+            </a:extLst>
+          </p:cNvPr>
+          <p:cNvSpPr>
+            <a:spLocks noGrp="1"/>
+          </p:cNvSpPr>
+          <p:nvPr>
+            <p:ph type="dt" sz="half" idx="10"/>
+          </p:nvPr>
+        </p:nvSpPr>
+        <p:spPr>
+          <a:xfrm>
+            <a:off x="5220393" y="6492875"/>
+            <a:ext cx="1751214" cy="365125"/>
+          </a:xfrm>
+        </p:spPr>
+        <p:txBody>
+          <a:bodyPr/>
+          <a:lstStyle/>
+          <a:p>
+            <a:r>
+              <a:rPr lang="en-US" dirty="0"/>
+              <a:t>01</a:t>
+            </a:r>
+            <a:r>
+              <a:rPr lang="ru-RU" dirty="0"/>
+              <a:t>.</a:t>
+            </a:r>
+            <a:r>
+              <a:rPr lang="en-US" dirty="0"/>
+              <a:t>10</a:t>
+            </a:r>
+            <a:r>
+              <a:rPr lang="ru-RU" dirty="0"/>
+              <a:t>.2020</a:t>
+            </a:r>
+          </a:p>
+        </p:txBody>
+      </p:sp>
+      <p:sp>
+        <p:nvSpPr>
+          <p:cNvPr id="7" name="Footer Placeholder 4">
+            <a:extLst>
+              <a:ext uri="{FF2B5EF4-FFF2-40B4-BE49-F238E27FC236}">
+                <a16:creationId xmlns:a16="http://schemas.microsoft.com/office/drawing/2014/main" id="{906445CF-59F4-E442-A113-AED87DCB9C43}"/>
               </a:ext>
             </a:extLst>
           </p:cNvPr>
@@ -8452,61 +9007,16 @@
           <a:p>
             <a:r>
               <a:rPr lang="en-GB" dirty="0"/>
-              <a:t>T. Ramazyan, A. Levin, NRU HSE</a:t>
+              <a:t>T. Ramazyan, A. Levin, et al., NRU HSE</a:t>
             </a:r>
             <a:endParaRPr lang="ru-RU" dirty="0"/>
-          </a:p>
-        </p:txBody>
-      </p:sp>
-      <p:sp>
-        <p:nvSpPr>
-          <p:cNvPr id="13" name="Date Placeholder 3">
-            <a:extLst>
-              <a:ext uri="{FF2B5EF4-FFF2-40B4-BE49-F238E27FC236}">
-                <a16:creationId xmlns:a16="http://schemas.microsoft.com/office/drawing/2014/main" id="{49239392-86EB-5144-A598-85DB177980C6}"/>
-              </a:ext>
-            </a:extLst>
-          </p:cNvPr>
-          <p:cNvSpPr>
-            <a:spLocks noGrp="1"/>
-          </p:cNvSpPr>
-          <p:nvPr>
-            <p:ph type="dt" sz="half" idx="10"/>
-          </p:nvPr>
-        </p:nvSpPr>
-        <p:spPr>
-          <a:xfrm>
-            <a:off x="5220393" y="6492875"/>
-            <a:ext cx="1751214" cy="365125"/>
-          </a:xfrm>
-        </p:spPr>
-        <p:txBody>
-          <a:bodyPr/>
-          <a:lstStyle/>
-          <a:p>
-            <a:r>
-              <a:rPr lang="en-US" dirty="0"/>
-              <a:t>01</a:t>
-            </a:r>
-            <a:r>
-              <a:rPr lang="ru-RU" dirty="0"/>
-              <a:t>.</a:t>
-            </a:r>
-            <a:r>
-              <a:rPr lang="en-US" dirty="0"/>
-              <a:t>10</a:t>
-            </a:r>
-            <a:r>
-              <a:rPr lang="ru-RU" dirty="0"/>
-              <a:t>.2020</a:t>
-            </a:r>
           </a:p>
         </p:txBody>
       </p:sp>
     </p:spTree>
     <p:extLst>
       <p:ext uri="{BB962C8B-B14F-4D97-AF65-F5344CB8AC3E}">
-        <p14:creationId xmlns:p14="http://schemas.microsoft.com/office/powerpoint/2010/main" val="1108830904"/>
+        <p14:creationId xmlns:p14="http://schemas.microsoft.com/office/powerpoint/2010/main" val="492463398"/>
       </p:ext>
     </p:extLst>
   </p:cSld>
@@ -8535,54 +9045,244 @@
       </p:grpSpPr>
       <p:sp>
         <p:nvSpPr>
-          <p:cNvPr id="2" name="Title 1">
-            <a:extLst>
-              <a:ext uri="{FF2B5EF4-FFF2-40B4-BE49-F238E27FC236}">
-                <a16:creationId xmlns:a16="http://schemas.microsoft.com/office/drawing/2014/main" id="{A0D79D22-7949-6544-A49E-361186E06450}"/>
-              </a:ext>
-            </a:extLst>
-          </p:cNvPr>
-          <p:cNvSpPr>
-            <a:spLocks noGrp="1"/>
-          </p:cNvSpPr>
-          <p:nvPr>
-            <p:ph type="title"/>
-          </p:nvPr>
-        </p:nvSpPr>
-        <p:spPr/>
+          <p:cNvPr id="2" name="Content Placeholder 1">
+            <a:extLst>
+              <a:ext uri="{FF2B5EF4-FFF2-40B4-BE49-F238E27FC236}">
+                <a16:creationId xmlns:a16="http://schemas.microsoft.com/office/drawing/2014/main" id="{840F111B-D3AF-9C44-A9FF-CCAD09FB2394}"/>
+              </a:ext>
+            </a:extLst>
+          </p:cNvPr>
+          <p:cNvSpPr>
+            <a:spLocks noGrp="1"/>
+          </p:cNvSpPr>
+          <p:nvPr>
+            <p:ph idx="1"/>
+          </p:nvPr>
+        </p:nvSpPr>
+        <p:spPr>
+          <a:xfrm>
+            <a:off x="396663" y="1348110"/>
+            <a:ext cx="10834929" cy="4276313"/>
+          </a:xfrm>
+        </p:spPr>
         <p:txBody>
           <a:bodyPr>
             <a:normAutofit/>
           </a:bodyPr>
           <a:lstStyle/>
           <a:p>
+            <a:endParaRPr lang="en-US" dirty="0"/>
+          </a:p>
+          <a:p>
+            <a:r>
+              <a:rPr lang="en-US" dirty="0"/>
+              <a:t>Created two datasets with by hand-labelling</a:t>
+            </a:r>
+          </a:p>
+          <a:p>
+            <a:r>
+              <a:rPr lang="en-US" dirty="0"/>
+              <a:t>Collected the code snippets for the corpus from </a:t>
+            </a:r>
+            <a:r>
+              <a:rPr lang="en-US" dirty="0" err="1"/>
+              <a:t>Kaggle</a:t>
+            </a:r>
+            <a:r>
+              <a:rPr lang="en-US" dirty="0"/>
+              <a:t> and </a:t>
+            </a:r>
+            <a:r>
+              <a:rPr lang="en-US" dirty="0" err="1"/>
+              <a:t>Github</a:t>
+            </a:r>
+            <a:endParaRPr lang="en-US" dirty="0"/>
+          </a:p>
+          <a:p>
+            <a:r>
+              <a:rPr lang="en-US" dirty="0"/>
+              <a:t>Labeled code snippets of the corpus with regex (F1 0.744)</a:t>
+            </a:r>
+          </a:p>
+          <a:p>
+            <a:r>
+              <a:rPr lang="en-US" dirty="0"/>
+              <a:t>Trained SVM (F1 </a:t>
+            </a:r>
             <a:r>
               <a:rPr lang="en-RU" dirty="0"/>
-              <a:t>Final </a:t>
-            </a:r>
-            <a:r>
-              <a:rPr lang="en-RU" dirty="0" smtClean="0"/>
-              <a:t>Data</a:t>
-            </a:r>
-            <a:r>
-              <a:rPr lang="en-US" dirty="0" smtClean="0"/>
-              <a:t>s</a:t>
-            </a:r>
-            <a:r>
-              <a:rPr lang="en-RU" dirty="0" smtClean="0"/>
-              <a:t>ets </a:t>
-            </a:r>
-            <a:r>
-              <a:rPr lang="en-RU" dirty="0"/>
-              <a:t>and Models</a:t>
-            </a:r>
+              <a:t>0.885</a:t>
+            </a:r>
+            <a:r>
+              <a:rPr lang="en-US" dirty="0"/>
+              <a:t>) and Log </a:t>
+            </a:r>
+            <a:r>
+              <a:rPr lang="en-US" dirty="0" err="1"/>
+              <a:t>Reg</a:t>
+            </a:r>
+            <a:r>
+              <a:rPr lang="en-US" dirty="0"/>
+              <a:t> (F1 0.908) classification models</a:t>
+            </a:r>
+          </a:p>
+          <a:p>
+            <a:r>
+              <a:rPr lang="en-US" dirty="0"/>
+              <a:t>Enhanced the knowledge graph by hand using the classifiers’ outputs</a:t>
+            </a:r>
+          </a:p>
+        </p:txBody>
+      </p:sp>
+      <p:sp>
+        <p:nvSpPr>
+          <p:cNvPr id="3" name="Title 2">
+            <a:extLst>
+              <a:ext uri="{FF2B5EF4-FFF2-40B4-BE49-F238E27FC236}">
+                <a16:creationId xmlns:a16="http://schemas.microsoft.com/office/drawing/2014/main" id="{44321D2C-1D1D-2949-B6EB-DA2484D754D4}"/>
+              </a:ext>
+            </a:extLst>
+          </p:cNvPr>
+          <p:cNvSpPr>
+            <a:spLocks noGrp="1"/>
+          </p:cNvSpPr>
+          <p:nvPr>
+            <p:ph type="title"/>
+          </p:nvPr>
+        </p:nvSpPr>
+        <p:spPr>
+          <a:xfrm>
+            <a:off x="192505" y="368723"/>
+            <a:ext cx="11806990" cy="765843"/>
+          </a:xfrm>
+        </p:spPr>
+        <p:txBody>
+          <a:bodyPr>
+            <a:normAutofit/>
+          </a:bodyPr>
+          <a:lstStyle/>
+          <a:p>
+            <a:r>
+              <a:rPr lang="en-US" dirty="0"/>
+              <a:t>Conclusion</a:t>
+            </a:r>
+            <a:endParaRPr lang="en-RU" dirty="0"/>
+          </a:p>
+        </p:txBody>
+      </p:sp>
+      <p:sp>
+        <p:nvSpPr>
+          <p:cNvPr id="6" name="Slide Number Placeholder 5">
+            <a:extLst>
+              <a:ext uri="{FF2B5EF4-FFF2-40B4-BE49-F238E27FC236}">
+                <a16:creationId xmlns:a16="http://schemas.microsoft.com/office/drawing/2014/main" id="{A95B88FF-E53E-9545-8CDF-71E8E96C9EA9}"/>
+              </a:ext>
+            </a:extLst>
+          </p:cNvPr>
+          <p:cNvSpPr>
+            <a:spLocks noGrp="1"/>
+          </p:cNvSpPr>
+          <p:nvPr>
+            <p:ph type="sldNum" sz="quarter" idx="12"/>
+          </p:nvPr>
+        </p:nvSpPr>
+        <p:spPr/>
+        <p:txBody>
+          <a:bodyPr/>
+          <a:lstStyle/>
+          <a:p>
+            <a:fld id="{21ABC42C-C6CC-47FC-904E-31573FDBB029}" type="slidenum">
+              <a:rPr lang="ru-RU" smtClean="0"/>
+              <a:pPr/>
+              <a:t>19</a:t>
+            </a:fld>
+            <a:endParaRPr lang="ru-RU"/>
+          </a:p>
+        </p:txBody>
+      </p:sp>
+      <p:sp>
+        <p:nvSpPr>
+          <p:cNvPr id="13" name="Date Placeholder 3">
+            <a:extLst>
+              <a:ext uri="{FF2B5EF4-FFF2-40B4-BE49-F238E27FC236}">
+                <a16:creationId xmlns:a16="http://schemas.microsoft.com/office/drawing/2014/main" id="{49239392-86EB-5144-A598-85DB177980C6}"/>
+              </a:ext>
+            </a:extLst>
+          </p:cNvPr>
+          <p:cNvSpPr>
+            <a:spLocks noGrp="1"/>
+          </p:cNvSpPr>
+          <p:nvPr>
+            <p:ph type="dt" sz="half" idx="10"/>
+          </p:nvPr>
+        </p:nvSpPr>
+        <p:spPr>
+          <a:xfrm>
+            <a:off x="5220393" y="6492875"/>
+            <a:ext cx="1751214" cy="365125"/>
+          </a:xfrm>
+        </p:spPr>
+        <p:txBody>
+          <a:bodyPr/>
+          <a:lstStyle/>
+          <a:p>
+            <a:r>
+              <a:rPr lang="en-US" dirty="0"/>
+              <a:t>01</a:t>
+            </a:r>
+            <a:r>
+              <a:rPr lang="ru-RU" dirty="0"/>
+              <a:t>.</a:t>
+            </a:r>
+            <a:r>
+              <a:rPr lang="en-US" dirty="0"/>
+              <a:t>10</a:t>
+            </a:r>
+            <a:r>
+              <a:rPr lang="ru-RU" dirty="0"/>
+              <a:t>.2020</a:t>
+            </a:r>
+          </a:p>
+        </p:txBody>
+      </p:sp>
+      <p:sp>
+        <p:nvSpPr>
+          <p:cNvPr id="7" name="Footer Placeholder 4">
+            <a:extLst>
+              <a:ext uri="{FF2B5EF4-FFF2-40B4-BE49-F238E27FC236}">
+                <a16:creationId xmlns:a16="http://schemas.microsoft.com/office/drawing/2014/main" id="{38ED5DF1-B361-244B-8C7F-711C1B71D833}"/>
+              </a:ext>
+            </a:extLst>
+          </p:cNvPr>
+          <p:cNvSpPr>
+            <a:spLocks noGrp="1"/>
+          </p:cNvSpPr>
+          <p:nvPr>
+            <p:ph type="ftr" sz="quarter" idx="11"/>
+          </p:nvPr>
+        </p:nvSpPr>
+        <p:spPr>
+          <a:xfrm>
+            <a:off x="192505" y="6492875"/>
+            <a:ext cx="3767667" cy="365125"/>
+          </a:xfrm>
+        </p:spPr>
+        <p:txBody>
+          <a:bodyPr/>
+          <a:lstStyle/>
+          <a:p>
+            <a:r>
+              <a:rPr lang="en-GB" dirty="0"/>
+              <a:t>T. Ramazyan, A. Levin, et al., NRU HSE</a:t>
+            </a:r>
+            <a:endParaRPr lang="ru-RU" dirty="0"/>
           </a:p>
         </p:txBody>
       </p:sp>
     </p:spTree>
     <p:extLst>
       <p:ext uri="{BB962C8B-B14F-4D97-AF65-F5344CB8AC3E}">
-        <p14:creationId xmlns:p14="http://schemas.microsoft.com/office/powerpoint/2010/main" val="1675760640"/>
+        <p14:creationId xmlns:p14="http://schemas.microsoft.com/office/powerpoint/2010/main" val="1108830904"/>
       </p:ext>
     </p:extLst>
   </p:cSld>
@@ -8638,7 +9338,7 @@
           <a:lstStyle/>
           <a:p>
             <a:r>
-              <a:rPr lang="en-US" dirty="0" smtClean="0"/>
+              <a:rPr lang="en-US" dirty="0"/>
               <a:t>Main Goals and Plan</a:t>
             </a:r>
             <a:endParaRPr lang="en-RU" dirty="0"/>
@@ -8655,13 +9355,6 @@
   <p:clrMapOvr>
     <a:masterClrMapping/>
   </p:clrMapOvr>
-  <p:timing>
-    <p:tnLst>
-      <p:par>
-        <p:cTn id="1" dur="indefinite" restart="never" nodeType="tmRoot"/>
-      </p:par>
-    </p:tnLst>
-  </p:timing>
 </p:sld>
 </file>
 
@@ -8684,415 +9377,38 @@
       </p:grpSpPr>
       <p:sp>
         <p:nvSpPr>
-          <p:cNvPr id="2" name="Content Placeholder 1">
-            <a:extLst>
-              <a:ext uri="{FF2B5EF4-FFF2-40B4-BE49-F238E27FC236}">
-                <a16:creationId xmlns:a16="http://schemas.microsoft.com/office/drawing/2014/main" id="{840F111B-D3AF-9C44-A9FF-CCAD09FB2394}"/>
-              </a:ext>
-            </a:extLst>
-          </p:cNvPr>
-          <p:cNvSpPr>
-            <a:spLocks noGrp="1"/>
-          </p:cNvSpPr>
-          <p:nvPr>
-            <p:ph idx="1"/>
-          </p:nvPr>
-        </p:nvSpPr>
-        <p:spPr>
-          <a:xfrm>
-            <a:off x="192505" y="838035"/>
-            <a:ext cx="11504914" cy="5654840"/>
-          </a:xfrm>
-        </p:spPr>
+          <p:cNvPr id="2" name="Title 1">
+            <a:extLst>
+              <a:ext uri="{FF2B5EF4-FFF2-40B4-BE49-F238E27FC236}">
+                <a16:creationId xmlns:a16="http://schemas.microsoft.com/office/drawing/2014/main" id="{A0D79D22-7949-6544-A49E-361186E06450}"/>
+              </a:ext>
+            </a:extLst>
+          </p:cNvPr>
+          <p:cNvSpPr>
+            <a:spLocks noGrp="1"/>
+          </p:cNvSpPr>
+          <p:nvPr>
+            <p:ph type="title"/>
+          </p:nvPr>
+        </p:nvSpPr>
+        <p:spPr/>
         <p:txBody>
           <a:bodyPr>
-            <a:noAutofit/>
+            <a:normAutofit/>
           </a:bodyPr>
           <a:lstStyle/>
           <a:p>
-            <a:pPr>
-              <a:lnSpc>
-                <a:spcPct val="170000"/>
-              </a:lnSpc>
-            </a:pPr>
-            <a:r>
-              <a:rPr lang="en-GB" sz="1900" b="1" dirty="0" err="1">
-                <a:solidFill>
-                  <a:schemeClr val="tx2"/>
-                </a:solidFill>
-                <a:hlinkClick r:id="rId2">
-                  <a:extLst>
-                    <a:ext uri="{A12FA001-AC4F-418D-AE19-62706E023703}">
-                      <ahyp:hlinkClr xmlns:ahyp="http://schemas.microsoft.com/office/drawing/2018/hyperlinkcolor" xmlns="" val="tx"/>
-                    </a:ext>
-                  </a:extLst>
-                </a:hlinkClick>
-              </a:rPr>
-              <a:t>graph</a:t>
-            </a:r>
-            <a:r>
-              <a:rPr lang="en-GB" sz="1900" b="1" dirty="0" err="1">
-                <a:solidFill>
-                  <a:schemeClr val="tx2"/>
-                </a:solidFill>
-                <a:hlinkClick r:id="rId3">
-                  <a:extLst>
-                    <a:ext uri="{A12FA001-AC4F-418D-AE19-62706E023703}">
-                      <ahyp:hlinkClr xmlns:ahyp="http://schemas.microsoft.com/office/drawing/2018/hyperlinkcolor" xmlns="" val="tx"/>
-                    </a:ext>
-                  </a:extLst>
-                </a:hlinkClick>
-              </a:rPr>
-              <a:t>_v</a:t>
-            </a:r>
-            <a:r>
-              <a:rPr lang="en-GB" sz="1900" b="1" dirty="0">
-                <a:solidFill>
-                  <a:schemeClr val="tx2"/>
-                </a:solidFill>
-                <a:hlinkClick r:id="rId3">
-                  <a:extLst>
-                    <a:ext uri="{A12FA001-AC4F-418D-AE19-62706E023703}">
-                      <ahyp:hlinkClr xmlns:ahyp="http://schemas.microsoft.com/office/drawing/2018/hyperlinkcolor" xmlns="" val="tx"/>
-                    </a:ext>
-                  </a:extLst>
-                </a:hlinkClick>
-              </a:rPr>
-              <a:t>{X}</a:t>
-            </a:r>
-            <a:r>
-              <a:rPr lang="en-GB" sz="1900" b="1" dirty="0">
-                <a:solidFill>
-                  <a:schemeClr val="tx2"/>
-                </a:solidFill>
-                <a:hlinkClick r:id="rId2">
-                  <a:extLst>
-                    <a:ext uri="{A12FA001-AC4F-418D-AE19-62706E023703}">
-                      <ahyp:hlinkClr xmlns:ahyp="http://schemas.microsoft.com/office/drawing/2018/hyperlinkcolor" xmlns="" val="tx"/>
-                    </a:ext>
-                  </a:extLst>
-                </a:hlinkClick>
-              </a:rPr>
-              <a:t>.txt</a:t>
-            </a:r>
-            <a:r>
-              <a:rPr lang="en-GB" sz="1900" dirty="0">
-                <a:solidFill>
-                  <a:schemeClr val="tx2"/>
-                </a:solidFill>
-              </a:rPr>
-              <a:t> </a:t>
-            </a:r>
-            <a:r>
-              <a:rPr lang="en-GB" sz="1900" dirty="0"/>
-              <a:t>- source code semantic knowledge graph vertex with corresponding tags. </a:t>
-            </a:r>
-            <a:r>
-              <a:rPr lang="en-GB" sz="1900" b="1" dirty="0"/>
-              <a:t>X</a:t>
-            </a:r>
-            <a:r>
-              <a:rPr lang="en-GB" sz="1900" dirty="0"/>
-              <a:t> is the version of the graph.</a:t>
-            </a:r>
-          </a:p>
-          <a:p>
-            <a:pPr>
-              <a:lnSpc>
-                <a:spcPct val="170000"/>
-              </a:lnSpc>
-            </a:pPr>
-            <a:r>
-              <a:rPr lang="en-GB" sz="1900" dirty="0">
-                <a:solidFill>
-                  <a:schemeClr val="tx2"/>
-                </a:solidFill>
-                <a:hlinkClick r:id="rId4">
-                  <a:extLst>
-                    <a:ext uri="{A12FA001-AC4F-418D-AE19-62706E023703}">
-                      <ahyp:hlinkClr xmlns:ahyp="http://schemas.microsoft.com/office/drawing/2018/hyperlinkcolor" xmlns="" val="tx"/>
-                    </a:ext>
-                  </a:extLst>
-                </a:hlinkClick>
-              </a:rPr>
-              <a:t>kagglenotebooks_list.csv</a:t>
-            </a:r>
-            <a:r>
-              <a:rPr lang="en-GB" sz="1900" dirty="0"/>
-              <a:t> - a list of direct links to Kaggle-notebooks</a:t>
-            </a:r>
-          </a:p>
-          <a:p>
-            <a:pPr>
-              <a:lnSpc>
-                <a:spcPct val="170000"/>
-              </a:lnSpc>
-            </a:pPr>
-            <a:r>
-              <a:rPr lang="en-GB" sz="1900" b="1" dirty="0">
-                <a:solidFill>
-                  <a:schemeClr val="tx2"/>
-                </a:solidFill>
-                <a:hlinkClick r:id="rId3">
-                  <a:extLst>
-                    <a:ext uri="{A12FA001-AC4F-418D-AE19-62706E023703}">
-                      <ahyp:hlinkClr xmlns:ahyp="http://schemas.microsoft.com/office/drawing/2018/hyperlinkcolor" xmlns="" val="tx"/>
-                    </a:ext>
-                  </a:extLst>
-                </a:hlinkClick>
-              </a:rPr>
-              <a:t>code_blocks_regex_graph_v{X}.csv</a:t>
-            </a:r>
-            <a:r>
-              <a:rPr lang="en-GB" sz="1900" dirty="0"/>
-              <a:t> - </a:t>
-            </a:r>
-            <a:r>
-              <a:rPr lang="en-GB" sz="1900" dirty="0" err="1"/>
-              <a:t>code_blocks_clean.csv</a:t>
-            </a:r>
-            <a:r>
-              <a:rPr lang="en-GB" sz="1900" dirty="0"/>
-              <a:t>, with regex-labelling on the following tags. </a:t>
-            </a:r>
-            <a:r>
-              <a:rPr lang="en-GB" sz="1900" b="1" dirty="0"/>
-              <a:t>X</a:t>
-            </a:r>
-            <a:r>
-              <a:rPr lang="en-GB" sz="1900" dirty="0"/>
-              <a:t> is the version of the graph.</a:t>
-            </a:r>
-          </a:p>
-          <a:p>
-            <a:pPr>
-              <a:lnSpc>
-                <a:spcPct val="170000"/>
-              </a:lnSpc>
-            </a:pPr>
-            <a:r>
-              <a:rPr lang="en-GB" sz="1900" b="1" dirty="0">
-                <a:solidFill>
-                  <a:schemeClr val="tx2"/>
-                </a:solidFill>
-                <a:hlinkClick r:id="rId5">
-                  <a:extLst>
-                    <a:ext uri="{A12FA001-AC4F-418D-AE19-62706E023703}">
-                      <ahyp:hlinkClr xmlns:ahyp="http://schemas.microsoft.com/office/drawing/2018/hyperlinkcolor" xmlns="" val="tx"/>
-                    </a:ext>
-                  </a:extLst>
-                </a:hlinkClick>
-              </a:rPr>
-              <a:t>nl2ml_preprocessing_full.csv</a:t>
-            </a:r>
-            <a:r>
-              <a:rPr lang="en-GB" sz="1900" dirty="0"/>
-              <a:t> - NL2ML corpus collected by-hand, complete version</a:t>
-            </a:r>
-          </a:p>
-          <a:p>
-            <a:pPr>
-              <a:lnSpc>
-                <a:spcPct val="170000"/>
-              </a:lnSpc>
-            </a:pPr>
-            <a:r>
-              <a:rPr lang="en-GB" sz="1900" dirty="0">
-                <a:solidFill>
-                  <a:schemeClr val="tx2"/>
-                </a:solidFill>
-                <a:hlinkClick r:id="rId6">
-                  <a:extLst>
-                    <a:ext uri="{A12FA001-AC4F-418D-AE19-62706E023703}">
-                      <ahyp:hlinkClr xmlns:ahyp="http://schemas.microsoft.com/office/drawing/2018/hyperlinkcolor" xmlns="" val="tx"/>
-                    </a:ext>
-                  </a:extLst>
-                </a:hlinkClick>
-              </a:rPr>
-              <a:t>chunks_{X}_validate.csv</a:t>
-            </a:r>
-            <a:r>
-              <a:rPr lang="en-GB" sz="1900" dirty="0"/>
-              <a:t> - a dataset containing NL2ML + </a:t>
-            </a:r>
-            <a:r>
-              <a:rPr lang="en-GB" sz="1900" dirty="0" err="1"/>
-              <a:t>CoNaLa</a:t>
-            </a:r>
-            <a:r>
-              <a:rPr lang="en-GB" sz="1900" dirty="0"/>
-              <a:t> dataset divided for </a:t>
-            </a:r>
-            <a:r>
-              <a:rPr lang="en-GB" sz="1900" b="1" dirty="0"/>
-              <a:t>X</a:t>
-            </a:r>
-            <a:r>
-              <a:rPr lang="en-GB" sz="1900" dirty="0"/>
-              <a:t> rows in a chunk.</a:t>
-            </a:r>
-          </a:p>
-          <a:p>
-            <a:pPr>
-              <a:lnSpc>
-                <a:spcPct val="170000"/>
-              </a:lnSpc>
-            </a:pPr>
-            <a:r>
-              <a:rPr lang="en-GB" sz="1900" b="1" u="sng" dirty="0" err="1">
-                <a:solidFill>
-                  <a:schemeClr val="tx2"/>
-                </a:solidFill>
-              </a:rPr>
-              <a:t>github_raw.csv</a:t>
-            </a:r>
-            <a:r>
-              <a:rPr lang="en-GB" sz="1900" u="sng" dirty="0"/>
-              <a:t> </a:t>
-            </a:r>
-            <a:r>
-              <a:rPr lang="en-GB" sz="1900" dirty="0"/>
-              <a:t>- a dataset containing source code chunks, comments from these chunks and markdowns before the chunks from GitHub.</a:t>
-            </a:r>
-          </a:p>
-          <a:p>
-            <a:endParaRPr lang="en-RU" sz="1900" dirty="0"/>
-          </a:p>
-        </p:txBody>
-      </p:sp>
-      <p:sp>
-        <p:nvSpPr>
-          <p:cNvPr id="3" name="Title 2">
-            <a:extLst>
-              <a:ext uri="{FF2B5EF4-FFF2-40B4-BE49-F238E27FC236}">
-                <a16:creationId xmlns:a16="http://schemas.microsoft.com/office/drawing/2014/main" id="{44321D2C-1D1D-2949-B6EB-DA2484D754D4}"/>
-              </a:ext>
-            </a:extLst>
-          </p:cNvPr>
-          <p:cNvSpPr>
-            <a:spLocks noGrp="1"/>
-          </p:cNvSpPr>
-          <p:nvPr>
-            <p:ph type="title"/>
-          </p:nvPr>
-        </p:nvSpPr>
-        <p:spPr/>
-        <p:txBody>
-          <a:bodyPr/>
-          <a:lstStyle/>
-          <a:p>
             <a:r>
               <a:rPr lang="en-RU" dirty="0"/>
-              <a:t>Final Data Sets</a:t>
-            </a:r>
-          </a:p>
-        </p:txBody>
-      </p:sp>
-      <p:sp>
-        <p:nvSpPr>
-          <p:cNvPr id="6" name="Slide Number Placeholder 5">
-            <a:extLst>
-              <a:ext uri="{FF2B5EF4-FFF2-40B4-BE49-F238E27FC236}">
-                <a16:creationId xmlns:a16="http://schemas.microsoft.com/office/drawing/2014/main" id="{A95B88FF-E53E-9545-8CDF-71E8E96C9EA9}"/>
-              </a:ext>
-            </a:extLst>
-          </p:cNvPr>
-          <p:cNvSpPr>
-            <a:spLocks noGrp="1"/>
-          </p:cNvSpPr>
-          <p:nvPr>
-            <p:ph type="sldNum" sz="quarter" idx="12"/>
-          </p:nvPr>
-        </p:nvSpPr>
-        <p:spPr/>
-        <p:txBody>
-          <a:bodyPr/>
-          <a:lstStyle/>
-          <a:p>
-            <a:fld id="{21ABC42C-C6CC-47FC-904E-31573FDBB029}" type="slidenum">
-              <a:rPr lang="ru-RU" smtClean="0"/>
-              <a:pPr/>
-              <a:t>20</a:t>
-            </a:fld>
-            <a:endParaRPr lang="ru-RU"/>
-          </a:p>
-        </p:txBody>
-      </p:sp>
-      <p:sp>
-        <p:nvSpPr>
-          <p:cNvPr id="7" name="Footer Placeholder 4">
-            <a:extLst>
-              <a:ext uri="{FF2B5EF4-FFF2-40B4-BE49-F238E27FC236}">
-                <a16:creationId xmlns:a16="http://schemas.microsoft.com/office/drawing/2014/main" id="{4CA0DB20-8A1C-2043-8BA6-AFDB39184405}"/>
-              </a:ext>
-            </a:extLst>
-          </p:cNvPr>
-          <p:cNvSpPr>
-            <a:spLocks noGrp="1"/>
-          </p:cNvSpPr>
-          <p:nvPr>
-            <p:ph type="ftr" sz="quarter" idx="11"/>
-          </p:nvPr>
-        </p:nvSpPr>
-        <p:spPr>
-          <a:xfrm>
-            <a:off x="192505" y="6492875"/>
-            <a:ext cx="3767667" cy="365125"/>
-          </a:xfrm>
-        </p:spPr>
-        <p:txBody>
-          <a:bodyPr/>
-          <a:lstStyle/>
-          <a:p>
-            <a:r>
-              <a:rPr lang="en-GB" dirty="0"/>
-              <a:t>T. Ramazyan, A. Levin, NRU HSE</a:t>
-            </a:r>
-            <a:endParaRPr lang="ru-RU" dirty="0"/>
-          </a:p>
-        </p:txBody>
-      </p:sp>
-      <p:sp>
-        <p:nvSpPr>
-          <p:cNvPr id="8" name="Date Placeholder 3">
-            <a:extLst>
-              <a:ext uri="{FF2B5EF4-FFF2-40B4-BE49-F238E27FC236}">
-                <a16:creationId xmlns:a16="http://schemas.microsoft.com/office/drawing/2014/main" id="{B15A8861-C323-094C-A4CF-DC8EC0E6CE1E}"/>
-              </a:ext>
-            </a:extLst>
-          </p:cNvPr>
-          <p:cNvSpPr>
-            <a:spLocks noGrp="1"/>
-          </p:cNvSpPr>
-          <p:nvPr>
-            <p:ph type="dt" sz="half" idx="10"/>
-          </p:nvPr>
-        </p:nvSpPr>
-        <p:spPr>
-          <a:xfrm>
-            <a:off x="5220393" y="6492875"/>
-            <a:ext cx="1751214" cy="365125"/>
-          </a:xfrm>
-        </p:spPr>
-        <p:txBody>
-          <a:bodyPr/>
-          <a:lstStyle/>
-          <a:p>
-            <a:r>
-              <a:rPr lang="en-US" dirty="0"/>
-              <a:t>01</a:t>
-            </a:r>
-            <a:r>
-              <a:rPr lang="ru-RU" dirty="0"/>
-              <a:t>.</a:t>
-            </a:r>
-            <a:r>
-              <a:rPr lang="en-US" dirty="0"/>
-              <a:t>10</a:t>
-            </a:r>
-            <a:r>
-              <a:rPr lang="ru-RU" dirty="0"/>
-              <a:t>.2020</a:t>
+              <a:t>Final Data</a:t>
+            </a:r>
+            <a:r>
+              <a:rPr lang="en-US" dirty="0"/>
+              <a:t>s</a:t>
+            </a:r>
+            <a:r>
+              <a:rPr lang="en-RU" dirty="0"/>
+              <a:t>ets and Models</a:t>
             </a:r>
           </a:p>
         </p:txBody>
@@ -9100,7 +9416,7 @@
     </p:spTree>
     <p:extLst>
       <p:ext uri="{BB962C8B-B14F-4D97-AF65-F5344CB8AC3E}">
-        <p14:creationId xmlns:p14="http://schemas.microsoft.com/office/powerpoint/2010/main" val="3450075680"/>
+        <p14:creationId xmlns:p14="http://schemas.microsoft.com/office/powerpoint/2010/main" val="1675760640"/>
       </p:ext>
     </p:extLst>
   </p:cSld>
@@ -9132,7 +9448,7 @@
           <p:cNvPr id="2" name="Content Placeholder 1">
             <a:extLst>
               <a:ext uri="{FF2B5EF4-FFF2-40B4-BE49-F238E27FC236}">
-                <a16:creationId xmlns:a16="http://schemas.microsoft.com/office/drawing/2014/main" id="{885F3CD7-32E3-F14F-A50C-3604D7BB3B71}"/>
+                <a16:creationId xmlns:a16="http://schemas.microsoft.com/office/drawing/2014/main" id="{840F111B-D3AF-9C44-A9FF-CCAD09FB2394}"/>
               </a:ext>
             </a:extLst>
           </p:cNvPr>
@@ -9143,105 +9459,265 @@
             <p:ph idx="1"/>
           </p:nvPr>
         </p:nvSpPr>
-        <p:spPr/>
-        <p:txBody>
-          <a:bodyPr/>
+        <p:spPr>
+          <a:xfrm>
+            <a:off x="192505" y="838035"/>
+            <a:ext cx="11504914" cy="5654840"/>
+          </a:xfrm>
+        </p:spPr>
+        <p:txBody>
+          <a:bodyPr>
+            <a:noAutofit/>
+          </a:bodyPr>
           <a:lstStyle/>
           <a:p>
-            <a:r>
-              <a:rPr lang="en-GB" dirty="0"/>
-              <a:t>Clone the repository: https://</a:t>
-            </a:r>
-            <a:r>
-              <a:rPr lang="en-GB" dirty="0" err="1"/>
-              <a:t>gitlab.com</a:t>
-            </a:r>
-            <a:r>
-              <a:rPr lang="en-GB" dirty="0"/>
-              <a:t>/lambda-</a:t>
-            </a:r>
-            <a:r>
-              <a:rPr lang="en-GB" dirty="0" err="1"/>
-              <a:t>hse</a:t>
-            </a:r>
-            <a:r>
-              <a:rPr lang="en-GB" dirty="0"/>
-              <a:t>/nl2ml</a:t>
-            </a:r>
-          </a:p>
-          <a:p>
-            <a:r>
-              <a:rPr lang="en-GB" dirty="0"/>
-              <a:t>Install DVC from </a:t>
-            </a:r>
-            <a:r>
-              <a:rPr lang="en-GB" dirty="0">
-                <a:hlinkClick r:id="rId2"/>
+            <a:pPr>
+              <a:lnSpc>
+                <a:spcPct val="170000"/>
+              </a:lnSpc>
+            </a:pPr>
+            <a:r>
+              <a:rPr lang="en-GB" sz="1900" b="1" dirty="0" err="1">
+                <a:solidFill>
+                  <a:schemeClr val="tx2"/>
+                </a:solidFill>
+                <a:hlinkClick r:id="rId2">
+                  <a:extLst>
+                    <a:ext uri="{A12FA001-AC4F-418D-AE19-62706E023703}">
+                      <ahyp:hlinkClr xmlns:ahyp="http://schemas.microsoft.com/office/drawing/2018/hyperlinkcolor" val="tx"/>
+                    </a:ext>
+                  </a:extLst>
+                </a:hlinkClick>
               </a:rPr>
-              <a:t>https://dvc.org/doc/install</a:t>
-            </a:r>
-            <a:endParaRPr lang="en-GB" dirty="0"/>
-          </a:p>
-          <a:p>
-            <a:r>
-              <a:rPr lang="en-GB" dirty="0"/>
-              <a:t>Do </a:t>
-            </a:r>
-            <a:r>
-              <a:rPr lang="en-GB" b="1" dirty="0" err="1">
+              <a:t>graph</a:t>
+            </a:r>
+            <a:r>
+              <a:rPr lang="en-GB" sz="1900" b="1" dirty="0" err="1">
+                <a:solidFill>
+                  <a:schemeClr val="tx2"/>
+                </a:solidFill>
+                <a:hlinkClick r:id="rId3">
+                  <a:extLst>
+                    <a:ext uri="{A12FA001-AC4F-418D-AE19-62706E023703}">
+                      <ahyp:hlinkClr xmlns:ahyp="http://schemas.microsoft.com/office/drawing/2018/hyperlinkcolor" val="tx"/>
+                    </a:ext>
+                  </a:extLst>
+                </a:hlinkClick>
+              </a:rPr>
+              <a:t>_v</a:t>
+            </a:r>
+            <a:r>
+              <a:rPr lang="en-GB" sz="1900" b="1" dirty="0">
+                <a:solidFill>
+                  <a:schemeClr val="tx2"/>
+                </a:solidFill>
+                <a:hlinkClick r:id="rId3">
+                  <a:extLst>
+                    <a:ext uri="{A12FA001-AC4F-418D-AE19-62706E023703}">
+                      <ahyp:hlinkClr xmlns:ahyp="http://schemas.microsoft.com/office/drawing/2018/hyperlinkcolor" val="tx"/>
+                    </a:ext>
+                  </a:extLst>
+                </a:hlinkClick>
+              </a:rPr>
+              <a:t>{X}</a:t>
+            </a:r>
+            <a:r>
+              <a:rPr lang="en-GB" sz="1900" b="1" dirty="0">
+                <a:solidFill>
+                  <a:schemeClr val="tx2"/>
+                </a:solidFill>
+                <a:hlinkClick r:id="rId2">
+                  <a:extLst>
+                    <a:ext uri="{A12FA001-AC4F-418D-AE19-62706E023703}">
+                      <ahyp:hlinkClr xmlns:ahyp="http://schemas.microsoft.com/office/drawing/2018/hyperlinkcolor" val="tx"/>
+                    </a:ext>
+                  </a:extLst>
+                </a:hlinkClick>
+              </a:rPr>
+              <a:t>.txt</a:t>
+            </a:r>
+            <a:r>
+              <a:rPr lang="en-GB" sz="1900" dirty="0">
                 <a:solidFill>
                   <a:schemeClr val="tx2"/>
                 </a:solidFill>
               </a:rPr>
-              <a:t>dvc</a:t>
-            </a:r>
-            <a:r>
-              <a:rPr lang="en-GB" b="1" dirty="0">
+              <a:t> </a:t>
+            </a:r>
+            <a:r>
+              <a:rPr lang="en-GB" sz="1900" dirty="0"/>
+              <a:t>- source code semantic knowledge graph vertex with corresponding tags. </a:t>
+            </a:r>
+            <a:r>
+              <a:rPr lang="en-GB" sz="1900" b="1" dirty="0"/>
+              <a:t>X</a:t>
+            </a:r>
+            <a:r>
+              <a:rPr lang="en-GB" sz="1900" dirty="0"/>
+              <a:t> is the version of the graph.</a:t>
+            </a:r>
+          </a:p>
+          <a:p>
+            <a:pPr>
+              <a:lnSpc>
+                <a:spcPct val="170000"/>
+              </a:lnSpc>
+            </a:pPr>
+            <a:r>
+              <a:rPr lang="en-GB" sz="1900" dirty="0">
+                <a:solidFill>
+                  <a:schemeClr val="tx2"/>
+                </a:solidFill>
+                <a:hlinkClick r:id="rId4">
+                  <a:extLst>
+                    <a:ext uri="{A12FA001-AC4F-418D-AE19-62706E023703}">
+                      <ahyp:hlinkClr xmlns:ahyp="http://schemas.microsoft.com/office/drawing/2018/hyperlinkcolor" val="tx"/>
+                    </a:ext>
+                  </a:extLst>
+                </a:hlinkClick>
+              </a:rPr>
+              <a:t>kagglenotebooks_list.csv</a:t>
+            </a:r>
+            <a:r>
+              <a:rPr lang="en-GB" sz="1900" dirty="0"/>
+              <a:t> - a list of direct links to Kaggle-notebooks</a:t>
+            </a:r>
+          </a:p>
+          <a:p>
+            <a:pPr>
+              <a:lnSpc>
+                <a:spcPct val="170000"/>
+              </a:lnSpc>
+            </a:pPr>
+            <a:r>
+              <a:rPr lang="en-GB" sz="1900" b="1" dirty="0">
+                <a:solidFill>
+                  <a:schemeClr val="tx2"/>
+                </a:solidFill>
+                <a:hlinkClick r:id="rId3">
+                  <a:extLst>
+                    <a:ext uri="{A12FA001-AC4F-418D-AE19-62706E023703}">
+                      <ahyp:hlinkClr xmlns:ahyp="http://schemas.microsoft.com/office/drawing/2018/hyperlinkcolor" val="tx"/>
+                    </a:ext>
+                  </a:extLst>
+                </a:hlinkClick>
+              </a:rPr>
+              <a:t>code_blocks_regex_graph_v{X}.csv</a:t>
+            </a:r>
+            <a:r>
+              <a:rPr lang="en-GB" sz="1900" dirty="0"/>
+              <a:t> - </a:t>
+            </a:r>
+            <a:r>
+              <a:rPr lang="en-GB" sz="1900" dirty="0" err="1"/>
+              <a:t>code_blocks_clean.csv</a:t>
+            </a:r>
+            <a:r>
+              <a:rPr lang="en-GB" sz="1900" dirty="0"/>
+              <a:t>, with regex-labelling on the following tags. </a:t>
+            </a:r>
+            <a:r>
+              <a:rPr lang="en-GB" sz="1900" b="1" dirty="0"/>
+              <a:t>X</a:t>
+            </a:r>
+            <a:r>
+              <a:rPr lang="en-GB" sz="1900" dirty="0"/>
+              <a:t> is the version of the graph.</a:t>
+            </a:r>
+          </a:p>
+          <a:p>
+            <a:pPr>
+              <a:lnSpc>
+                <a:spcPct val="170000"/>
+              </a:lnSpc>
+            </a:pPr>
+            <a:r>
+              <a:rPr lang="en-GB" sz="1900" b="1" dirty="0">
+                <a:solidFill>
+                  <a:schemeClr val="tx2"/>
+                </a:solidFill>
+                <a:hlinkClick r:id="rId5">
+                  <a:extLst>
+                    <a:ext uri="{A12FA001-AC4F-418D-AE19-62706E023703}">
+                      <ahyp:hlinkClr xmlns:ahyp="http://schemas.microsoft.com/office/drawing/2018/hyperlinkcolor" val="tx"/>
+                    </a:ext>
+                  </a:extLst>
+                </a:hlinkClick>
+              </a:rPr>
+              <a:t>nl2ml_preprocessing_full.csv</a:t>
+            </a:r>
+            <a:r>
+              <a:rPr lang="en-GB" sz="1900" dirty="0"/>
+              <a:t> - NL2ML corpus collected by-hand, complete version</a:t>
+            </a:r>
+          </a:p>
+          <a:p>
+            <a:pPr>
+              <a:lnSpc>
+                <a:spcPct val="170000"/>
+              </a:lnSpc>
+            </a:pPr>
+            <a:r>
+              <a:rPr lang="en-GB" sz="1900" dirty="0">
+                <a:solidFill>
+                  <a:schemeClr val="tx2"/>
+                </a:solidFill>
+                <a:hlinkClick r:id="rId6">
+                  <a:extLst>
+                    <a:ext uri="{A12FA001-AC4F-418D-AE19-62706E023703}">
+                      <ahyp:hlinkClr xmlns:ahyp="http://schemas.microsoft.com/office/drawing/2018/hyperlinkcolor" val="tx"/>
+                    </a:ext>
+                  </a:extLst>
+                </a:hlinkClick>
+              </a:rPr>
+              <a:t>chunks_{X}_validate.csv</a:t>
+            </a:r>
+            <a:r>
+              <a:rPr lang="en-GB" sz="1900" dirty="0"/>
+              <a:t> - a dataset containing NL2ML + </a:t>
+            </a:r>
+            <a:r>
+              <a:rPr lang="en-GB" sz="1900" dirty="0" err="1"/>
+              <a:t>CoNaLa</a:t>
+            </a:r>
+            <a:r>
+              <a:rPr lang="en-GB" sz="1900" dirty="0"/>
+              <a:t> dataset divided for </a:t>
+            </a:r>
+            <a:r>
+              <a:rPr lang="en-GB" sz="1900" b="1" dirty="0"/>
+              <a:t>X</a:t>
+            </a:r>
+            <a:r>
+              <a:rPr lang="en-GB" sz="1900" dirty="0"/>
+              <a:t> rows in a chunk.</a:t>
+            </a:r>
+          </a:p>
+          <a:p>
+            <a:pPr>
+              <a:lnSpc>
+                <a:spcPct val="170000"/>
+              </a:lnSpc>
+            </a:pPr>
+            <a:r>
+              <a:rPr lang="en-GB" sz="1900" b="1" u="sng" dirty="0" err="1">
                 <a:solidFill>
                   <a:schemeClr val="tx2"/>
                 </a:solidFill>
               </a:rPr>
-              <a:t> pull </a:t>
-            </a:r>
-            <a:r>
-              <a:rPr lang="en-GB" dirty="0"/>
-              <a:t>or </a:t>
-            </a:r>
-            <a:r>
-              <a:rPr lang="en-GB" b="1" dirty="0" err="1">
-                <a:solidFill>
-                  <a:schemeClr val="tx2"/>
-                </a:solidFill>
-              </a:rPr>
-              <a:t>dvc</a:t>
-            </a:r>
-            <a:r>
-              <a:rPr lang="en-GB" b="1" dirty="0">
-                <a:solidFill>
-                  <a:schemeClr val="tx2"/>
-                </a:solidFill>
-              </a:rPr>
-              <a:t> pull </a:t>
-            </a:r>
-            <a:r>
-              <a:rPr lang="en-GB" b="1" dirty="0" smtClean="0">
-                <a:solidFill>
-                  <a:schemeClr val="tx2"/>
-                </a:solidFill>
-              </a:rPr>
-              <a:t>data models </a:t>
-            </a:r>
-            <a:r>
-              <a:rPr lang="en-GB" dirty="0"/>
-              <a:t>if you are interested only in the data</a:t>
-            </a:r>
-            <a:endParaRPr lang="ru-RU" dirty="0"/>
-          </a:p>
-          <a:p>
-            <a:pPr marL="309600" indent="0">
-              <a:buNone/>
-            </a:pPr>
-            <a:endParaRPr lang="ru-RU" dirty="0"/>
+              <a:t>github_raw.csv</a:t>
+            </a:r>
+            <a:r>
+              <a:rPr lang="en-GB" sz="1900" u="sng" dirty="0"/>
+              <a:t> </a:t>
+            </a:r>
+            <a:r>
+              <a:rPr lang="en-GB" sz="1900" dirty="0"/>
+              <a:t>- a dataset containing source code chunks, comments from these chunks and markdowns before the chunks from GitHub.</a:t>
+            </a:r>
+          </a:p>
+          <a:p>
+            <a:endParaRPr lang="en-RU" sz="1900" dirty="0"/>
           </a:p>
         </p:txBody>
       </p:sp>
@@ -9250,7 +9726,7 @@
           <p:cNvPr id="3" name="Title 2">
             <a:extLst>
               <a:ext uri="{FF2B5EF4-FFF2-40B4-BE49-F238E27FC236}">
-                <a16:creationId xmlns:a16="http://schemas.microsoft.com/office/drawing/2014/main" id="{D482727E-8510-5F4B-8904-4D776FCF3B82}"/>
+                <a16:creationId xmlns:a16="http://schemas.microsoft.com/office/drawing/2014/main" id="{44321D2C-1D1D-2949-B6EB-DA2484D754D4}"/>
               </a:ext>
             </a:extLst>
           </p:cNvPr>
@@ -9267,41 +9743,9 @@
           <a:lstStyle/>
           <a:p>
             <a:r>
-              <a:rPr lang="en-US" dirty="0">
-                <a:cs typeface="Myanmar Text" panose="020B0502040204020203" pitchFamily="34" charset="0"/>
-              </a:rPr>
-              <a:t>How does one get these data sets and models?</a:t>
-            </a:r>
-            <a:endParaRPr lang="en-RU" dirty="0"/>
-          </a:p>
-        </p:txBody>
-      </p:sp>
-      <p:sp>
-        <p:nvSpPr>
-          <p:cNvPr id="5" name="Footer Placeholder 4">
-            <a:extLst>
-              <a:ext uri="{FF2B5EF4-FFF2-40B4-BE49-F238E27FC236}">
-                <a16:creationId xmlns:a16="http://schemas.microsoft.com/office/drawing/2014/main" id="{2245831C-8ED2-6B41-B3D1-67B8994A1381}"/>
-              </a:ext>
-            </a:extLst>
-          </p:cNvPr>
-          <p:cNvSpPr>
-            <a:spLocks noGrp="1"/>
-          </p:cNvSpPr>
-          <p:nvPr>
-            <p:ph type="ftr" sz="quarter" idx="11"/>
-          </p:nvPr>
-        </p:nvSpPr>
-        <p:spPr/>
-        <p:txBody>
-          <a:bodyPr/>
-          <a:lstStyle/>
-          <a:p>
-            <a:r>
-              <a:rPr lang="en-GB" dirty="0"/>
-              <a:t>T. Ramazyan, A. Levin, NRU HSE</a:t>
-            </a:r>
-            <a:endParaRPr lang="ru-RU" dirty="0"/>
+              <a:rPr lang="en-RU" dirty="0"/>
+              <a:t>Final Data Sets</a:t>
+            </a:r>
           </a:p>
         </p:txBody>
       </p:sp>
@@ -9310,7 +9754,7 @@
           <p:cNvPr id="6" name="Slide Number Placeholder 5">
             <a:extLst>
               <a:ext uri="{FF2B5EF4-FFF2-40B4-BE49-F238E27FC236}">
-                <a16:creationId xmlns:a16="http://schemas.microsoft.com/office/drawing/2014/main" id="{1B345C92-D62A-F244-BEA6-C1F0B7F0F79B}"/>
+                <a16:creationId xmlns:a16="http://schemas.microsoft.com/office/drawing/2014/main" id="{A95B88FF-E53E-9545-8CDF-71E8E96C9EA9}"/>
               </a:ext>
             </a:extLst>
           </p:cNvPr>
@@ -9337,10 +9781,10 @@
       </p:sp>
       <p:sp>
         <p:nvSpPr>
-          <p:cNvPr id="7" name="Date Placeholder 3">
-            <a:extLst>
-              <a:ext uri="{FF2B5EF4-FFF2-40B4-BE49-F238E27FC236}">
-                <a16:creationId xmlns:a16="http://schemas.microsoft.com/office/drawing/2014/main" id="{1590D993-3B2D-894E-BF04-27F41BC5B26B}"/>
+          <p:cNvPr id="8" name="Date Placeholder 3">
+            <a:extLst>
+              <a:ext uri="{FF2B5EF4-FFF2-40B4-BE49-F238E27FC236}">
+                <a16:creationId xmlns:a16="http://schemas.microsoft.com/office/drawing/2014/main" id="{B15A8861-C323-094C-A4CF-DC8EC0E6CE1E}"/>
               </a:ext>
             </a:extLst>
           </p:cNvPr>
@@ -9377,13 +9821,47 @@
               <a:rPr lang="ru-RU" dirty="0"/>
               <a:t>.2020</a:t>
             </a:r>
+          </a:p>
+        </p:txBody>
+      </p:sp>
+      <p:sp>
+        <p:nvSpPr>
+          <p:cNvPr id="9" name="Footer Placeholder 4">
+            <a:extLst>
+              <a:ext uri="{FF2B5EF4-FFF2-40B4-BE49-F238E27FC236}">
+                <a16:creationId xmlns:a16="http://schemas.microsoft.com/office/drawing/2014/main" id="{D2E31F14-BC9C-B848-8915-7B547363A934}"/>
+              </a:ext>
+            </a:extLst>
+          </p:cNvPr>
+          <p:cNvSpPr>
+            <a:spLocks noGrp="1"/>
+          </p:cNvSpPr>
+          <p:nvPr>
+            <p:ph type="ftr" sz="quarter" idx="11"/>
+          </p:nvPr>
+        </p:nvSpPr>
+        <p:spPr>
+          <a:xfrm>
+            <a:off x="192505" y="6492875"/>
+            <a:ext cx="3767667" cy="365125"/>
+          </a:xfrm>
+        </p:spPr>
+        <p:txBody>
+          <a:bodyPr/>
+          <a:lstStyle/>
+          <a:p>
+            <a:r>
+              <a:rPr lang="en-GB" dirty="0"/>
+              <a:t>T. Ramazyan, A. Levin, et al., NRU HSE</a:t>
+            </a:r>
+            <a:endParaRPr lang="ru-RU" dirty="0"/>
           </a:p>
         </p:txBody>
       </p:sp>
     </p:spTree>
     <p:extLst>
       <p:ext uri="{BB962C8B-B14F-4D97-AF65-F5344CB8AC3E}">
-        <p14:creationId xmlns:p14="http://schemas.microsoft.com/office/powerpoint/2010/main" val="2968278583"/>
+        <p14:creationId xmlns:p14="http://schemas.microsoft.com/office/powerpoint/2010/main" val="3450075680"/>
       </p:ext>
     </p:extLst>
   </p:cSld>
@@ -9412,6 +9890,286 @@
       </p:grpSpPr>
       <p:sp>
         <p:nvSpPr>
+          <p:cNvPr id="2" name="Content Placeholder 1">
+            <a:extLst>
+              <a:ext uri="{FF2B5EF4-FFF2-40B4-BE49-F238E27FC236}">
+                <a16:creationId xmlns:a16="http://schemas.microsoft.com/office/drawing/2014/main" id="{885F3CD7-32E3-F14F-A50C-3604D7BB3B71}"/>
+              </a:ext>
+            </a:extLst>
+          </p:cNvPr>
+          <p:cNvSpPr>
+            <a:spLocks noGrp="1"/>
+          </p:cNvSpPr>
+          <p:nvPr>
+            <p:ph idx="1"/>
+          </p:nvPr>
+        </p:nvSpPr>
+        <p:spPr/>
+        <p:txBody>
+          <a:bodyPr/>
+          <a:lstStyle/>
+          <a:p>
+            <a:r>
+              <a:rPr lang="en-GB" dirty="0"/>
+              <a:t>Clone the repository: https://</a:t>
+            </a:r>
+            <a:r>
+              <a:rPr lang="en-GB" dirty="0" err="1"/>
+              <a:t>gitlab.com</a:t>
+            </a:r>
+            <a:r>
+              <a:rPr lang="en-GB" dirty="0"/>
+              <a:t>/lambda-</a:t>
+            </a:r>
+            <a:r>
+              <a:rPr lang="en-GB" dirty="0" err="1"/>
+              <a:t>hse</a:t>
+            </a:r>
+            <a:r>
+              <a:rPr lang="en-GB" dirty="0"/>
+              <a:t>/nl2ml</a:t>
+            </a:r>
+          </a:p>
+          <a:p>
+            <a:r>
+              <a:rPr lang="en-GB" dirty="0"/>
+              <a:t>Install DVC from </a:t>
+            </a:r>
+            <a:r>
+              <a:rPr lang="en-GB" dirty="0">
+                <a:hlinkClick r:id="rId2"/>
+              </a:rPr>
+              <a:t>https://dvc.org/doc/install</a:t>
+            </a:r>
+            <a:endParaRPr lang="en-GB" dirty="0"/>
+          </a:p>
+          <a:p>
+            <a:r>
+              <a:rPr lang="en-GB" dirty="0"/>
+              <a:t>Do </a:t>
+            </a:r>
+            <a:r>
+              <a:rPr lang="en-GB" b="1" dirty="0" err="1">
+                <a:solidFill>
+                  <a:schemeClr val="tx2"/>
+                </a:solidFill>
+              </a:rPr>
+              <a:t>dvc</a:t>
+            </a:r>
+            <a:r>
+              <a:rPr lang="en-GB" b="1" dirty="0">
+                <a:solidFill>
+                  <a:schemeClr val="tx2"/>
+                </a:solidFill>
+              </a:rPr>
+              <a:t> pull </a:t>
+            </a:r>
+            <a:r>
+              <a:rPr lang="en-GB" dirty="0"/>
+              <a:t>or </a:t>
+            </a:r>
+            <a:r>
+              <a:rPr lang="en-GB" b="1" dirty="0" err="1">
+                <a:solidFill>
+                  <a:schemeClr val="tx2"/>
+                </a:solidFill>
+              </a:rPr>
+              <a:t>dvc</a:t>
+            </a:r>
+            <a:r>
+              <a:rPr lang="en-GB" b="1" dirty="0">
+                <a:solidFill>
+                  <a:schemeClr val="tx2"/>
+                </a:solidFill>
+              </a:rPr>
+              <a:t> pull data models </a:t>
+            </a:r>
+            <a:r>
+              <a:rPr lang="en-GB" dirty="0"/>
+              <a:t>if you are interested only in the data</a:t>
+            </a:r>
+            <a:endParaRPr lang="ru-RU" dirty="0"/>
+          </a:p>
+          <a:p>
+            <a:pPr marL="309600" indent="0">
+              <a:buNone/>
+            </a:pPr>
+            <a:endParaRPr lang="ru-RU" dirty="0"/>
+          </a:p>
+        </p:txBody>
+      </p:sp>
+      <p:sp>
+        <p:nvSpPr>
+          <p:cNvPr id="3" name="Title 2">
+            <a:extLst>
+              <a:ext uri="{FF2B5EF4-FFF2-40B4-BE49-F238E27FC236}">
+                <a16:creationId xmlns:a16="http://schemas.microsoft.com/office/drawing/2014/main" id="{D482727E-8510-5F4B-8904-4D776FCF3B82}"/>
+              </a:ext>
+            </a:extLst>
+          </p:cNvPr>
+          <p:cNvSpPr>
+            <a:spLocks noGrp="1"/>
+          </p:cNvSpPr>
+          <p:nvPr>
+            <p:ph type="title"/>
+          </p:nvPr>
+        </p:nvSpPr>
+        <p:spPr/>
+        <p:txBody>
+          <a:bodyPr/>
+          <a:lstStyle/>
+          <a:p>
+            <a:r>
+              <a:rPr lang="en-US" dirty="0">
+                <a:cs typeface="Myanmar Text" panose="020B0502040204020203" pitchFamily="34" charset="0"/>
+              </a:rPr>
+              <a:t>How does one get these data sets and models?</a:t>
+            </a:r>
+            <a:endParaRPr lang="en-RU" dirty="0"/>
+          </a:p>
+        </p:txBody>
+      </p:sp>
+      <p:sp>
+        <p:nvSpPr>
+          <p:cNvPr id="6" name="Slide Number Placeholder 5">
+            <a:extLst>
+              <a:ext uri="{FF2B5EF4-FFF2-40B4-BE49-F238E27FC236}">
+                <a16:creationId xmlns:a16="http://schemas.microsoft.com/office/drawing/2014/main" id="{1B345C92-D62A-F244-BEA6-C1F0B7F0F79B}"/>
+              </a:ext>
+            </a:extLst>
+          </p:cNvPr>
+          <p:cNvSpPr>
+            <a:spLocks noGrp="1"/>
+          </p:cNvSpPr>
+          <p:nvPr>
+            <p:ph type="sldNum" sz="quarter" idx="12"/>
+          </p:nvPr>
+        </p:nvSpPr>
+        <p:spPr/>
+        <p:txBody>
+          <a:bodyPr/>
+          <a:lstStyle/>
+          <a:p>
+            <a:fld id="{21ABC42C-C6CC-47FC-904E-31573FDBB029}" type="slidenum">
+              <a:rPr lang="ru-RU" smtClean="0"/>
+              <a:pPr/>
+              <a:t>22</a:t>
+            </a:fld>
+            <a:endParaRPr lang="ru-RU"/>
+          </a:p>
+        </p:txBody>
+      </p:sp>
+      <p:sp>
+        <p:nvSpPr>
+          <p:cNvPr id="7" name="Date Placeholder 3">
+            <a:extLst>
+              <a:ext uri="{FF2B5EF4-FFF2-40B4-BE49-F238E27FC236}">
+                <a16:creationId xmlns:a16="http://schemas.microsoft.com/office/drawing/2014/main" id="{1590D993-3B2D-894E-BF04-27F41BC5B26B}"/>
+              </a:ext>
+            </a:extLst>
+          </p:cNvPr>
+          <p:cNvSpPr>
+            <a:spLocks noGrp="1"/>
+          </p:cNvSpPr>
+          <p:nvPr>
+            <p:ph type="dt" sz="half" idx="10"/>
+          </p:nvPr>
+        </p:nvSpPr>
+        <p:spPr>
+          <a:xfrm>
+            <a:off x="5220393" y="6492875"/>
+            <a:ext cx="1751214" cy="365125"/>
+          </a:xfrm>
+        </p:spPr>
+        <p:txBody>
+          <a:bodyPr/>
+          <a:lstStyle/>
+          <a:p>
+            <a:r>
+              <a:rPr lang="en-US" dirty="0"/>
+              <a:t>01</a:t>
+            </a:r>
+            <a:r>
+              <a:rPr lang="ru-RU" dirty="0"/>
+              <a:t>.</a:t>
+            </a:r>
+            <a:r>
+              <a:rPr lang="en-US" dirty="0"/>
+              <a:t>10</a:t>
+            </a:r>
+            <a:r>
+              <a:rPr lang="ru-RU" dirty="0"/>
+              <a:t>.2020</a:t>
+            </a:r>
+          </a:p>
+        </p:txBody>
+      </p:sp>
+      <p:sp>
+        <p:nvSpPr>
+          <p:cNvPr id="8" name="Footer Placeholder 4">
+            <a:extLst>
+              <a:ext uri="{FF2B5EF4-FFF2-40B4-BE49-F238E27FC236}">
+                <a16:creationId xmlns:a16="http://schemas.microsoft.com/office/drawing/2014/main" id="{6200DAB2-C3F8-0345-8013-B78D0229A3D0}"/>
+              </a:ext>
+            </a:extLst>
+          </p:cNvPr>
+          <p:cNvSpPr>
+            <a:spLocks noGrp="1"/>
+          </p:cNvSpPr>
+          <p:nvPr>
+            <p:ph type="ftr" sz="quarter" idx="11"/>
+          </p:nvPr>
+        </p:nvSpPr>
+        <p:spPr>
+          <a:xfrm>
+            <a:off x="192505" y="6492875"/>
+            <a:ext cx="3767667" cy="365125"/>
+          </a:xfrm>
+        </p:spPr>
+        <p:txBody>
+          <a:bodyPr/>
+          <a:lstStyle/>
+          <a:p>
+            <a:r>
+              <a:rPr lang="en-GB" dirty="0"/>
+              <a:t>T. Ramazyan, A. Levin, et al., NRU HSE</a:t>
+            </a:r>
+            <a:endParaRPr lang="ru-RU" dirty="0"/>
+          </a:p>
+        </p:txBody>
+      </p:sp>
+    </p:spTree>
+    <p:extLst>
+      <p:ext uri="{BB962C8B-B14F-4D97-AF65-F5344CB8AC3E}">
+        <p14:creationId xmlns:p14="http://schemas.microsoft.com/office/powerpoint/2010/main" val="2968278583"/>
+      </p:ext>
+    </p:extLst>
+  </p:cSld>
+  <p:clrMapOvr>
+    <a:masterClrMapping/>
+  </p:clrMapOvr>
+</p:sld>
+</file>
+
+<file path=ppt/slides/slide23.xml><?xml version="1.0" encoding="utf-8"?>
+<p:sld xmlns:a="http://schemas.openxmlformats.org/drawingml/2006/main" xmlns:r="http://schemas.openxmlformats.org/officeDocument/2006/relationships" xmlns:p="http://schemas.openxmlformats.org/presentationml/2006/main">
+  <p:cSld>
+    <p:spTree>
+      <p:nvGrpSpPr>
+        <p:cNvPr id="1" name=""/>
+        <p:cNvGrpSpPr/>
+        <p:nvPr/>
+      </p:nvGrpSpPr>
+      <p:grpSpPr>
+        <a:xfrm>
+          <a:off x="0" y="0"/>
+          <a:ext cx="0" cy="0"/>
+          <a:chOff x="0" y="0"/>
+          <a:chExt cx="0" cy="0"/>
+        </a:xfrm>
+      </p:grpSpPr>
+      <p:sp>
+        <p:nvSpPr>
           <p:cNvPr id="2" name="Title 1">
             <a:extLst>
               <a:ext uri="{FF2B5EF4-FFF2-40B4-BE49-F238E27FC236}">
@@ -9434,7 +10192,7 @@
           <a:lstStyle/>
           <a:p>
             <a:r>
-              <a:rPr lang="en-US" dirty="0" smtClean="0"/>
+              <a:rPr lang="en-US" dirty="0"/>
               <a:t>Thank you for the attention!</a:t>
             </a:r>
             <a:endParaRPr lang="en-RU" dirty="0"/>
@@ -9492,21 +10250,16 @@
           <a:bodyPr/>
           <a:lstStyle/>
           <a:p>
-            <a:endParaRPr lang="en-GB" dirty="0" smtClean="0"/>
-          </a:p>
-          <a:p>
-            <a:endParaRPr lang="en-GB" dirty="0" smtClean="0"/>
-          </a:p>
-          <a:p>
-            <a:r>
-              <a:rPr lang="en-GB" dirty="0" smtClean="0"/>
-              <a:t>To collect a </a:t>
-            </a:r>
-            <a:r>
-              <a:rPr lang="en-GB" dirty="0" smtClean="0"/>
-              <a:t>corpus of ML-source code snippets with labelling</a:t>
-            </a:r>
             <a:endParaRPr lang="en-GB" dirty="0"/>
+          </a:p>
+          <a:p>
+            <a:endParaRPr lang="en-GB" dirty="0"/>
+          </a:p>
+          <a:p>
+            <a:r>
+              <a:rPr lang="en-GB" dirty="0"/>
+              <a:t>To collect a corpus of ML-source code snippets with labelling</a:t>
+            </a:r>
           </a:p>
           <a:p>
             <a:pPr marL="309600" indent="0">
@@ -9516,7 +10269,7 @@
           </a:p>
           <a:p>
             <a:r>
-              <a:rPr lang="en-GB" dirty="0" smtClean="0"/>
+              <a:rPr lang="en-GB" dirty="0"/>
               <a:t>To build source code generative models (seq2seq) based on short natural language description</a:t>
             </a:r>
           </a:p>
@@ -9549,16 +10302,10 @@
           <a:lstStyle/>
           <a:p>
             <a:r>
-              <a:rPr lang="en-US" dirty="0" smtClean="0">
+              <a:rPr lang="en-US" dirty="0">
                 <a:cs typeface="Myanmar Text" panose="020B0502040204020203" pitchFamily="34" charset="0"/>
               </a:rPr>
-              <a:t>G</a:t>
-            </a:r>
-            <a:r>
-              <a:rPr lang="en-US" dirty="0" smtClean="0">
-                <a:cs typeface="Myanmar Text" panose="020B0502040204020203" pitchFamily="34" charset="0"/>
-              </a:rPr>
-              <a:t>oals</a:t>
+              <a:t>Goals</a:t>
             </a:r>
             <a:endParaRPr lang="en-RU" dirty="0"/>
           </a:p>
@@ -9622,7 +10369,7 @@
           <a:p>
             <a:r>
               <a:rPr lang="en-GB" dirty="0"/>
-              <a:t>T. Ramazyan, A. Levin, NRU HSE</a:t>
+              <a:t>T. Ramazyan, A. Levin, et al., NRU HSE</a:t>
             </a:r>
             <a:endParaRPr lang="ru-RU" dirty="0"/>
           </a:p>
@@ -9683,13 +10430,6 @@
   <p:clrMapOvr>
     <a:masterClrMapping/>
   </p:clrMapOvr>
-  <p:timing>
-    <p:tnLst>
-      <p:par>
-        <p:cTn id="1" dur="indefinite" restart="never" nodeType="tmRoot"/>
-      </p:par>
-    </p:tnLst>
-  </p:timing>
 </p:sld>
 </file>
 
@@ -9732,48 +10472,37 @@
           <a:lstStyle/>
           <a:p>
             <a:r>
-              <a:rPr lang="en-US" dirty="0" smtClean="0"/>
+              <a:rPr lang="en-US" dirty="0"/>
               <a:t>To collect data for the corpus</a:t>
             </a:r>
-            <a:endParaRPr lang="en-US" dirty="0"/>
-          </a:p>
-          <a:p>
-            <a:r>
-              <a:rPr lang="en-US" dirty="0" smtClean="0"/>
+          </a:p>
+          <a:p>
+            <a:r>
+              <a:rPr lang="en-US" dirty="0"/>
               <a:t>To label code snippets of the corpus</a:t>
             </a:r>
-            <a:endParaRPr lang="en-US" dirty="0"/>
-          </a:p>
-          <a:p>
-            <a:r>
-              <a:rPr lang="en-US" dirty="0" smtClean="0"/>
+          </a:p>
+          <a:p>
+            <a:r>
+              <a:rPr lang="en-US" dirty="0"/>
               <a:t>To train classification models</a:t>
             </a:r>
           </a:p>
           <a:p>
             <a:r>
-              <a:rPr lang="en-US" dirty="0" smtClean="0"/>
-              <a:t>To enhance </a:t>
-            </a:r>
-            <a:r>
-              <a:rPr lang="en-US" dirty="0"/>
-              <a:t>the knowledge </a:t>
-            </a:r>
-            <a:r>
-              <a:rPr lang="en-US" dirty="0" smtClean="0"/>
-              <a:t>graph using the classifiers’ outputs</a:t>
-            </a:r>
-          </a:p>
-          <a:p>
-            <a:r>
-              <a:rPr lang="en-US" dirty="0" smtClean="0"/>
+              <a:rPr lang="en-US" dirty="0"/>
+              <a:t>To enhance the knowledge graph using the classifiers’ outputs</a:t>
+            </a:r>
+          </a:p>
+          <a:p>
+            <a:r>
+              <a:rPr lang="en-US" dirty="0"/>
               <a:t>To build a final version of NL2ML-corpus</a:t>
             </a:r>
-            <a:endParaRPr lang="en-US" dirty="0"/>
-          </a:p>
-          <a:p>
-            <a:r>
-              <a:rPr lang="en-US" dirty="0" smtClean="0"/>
+          </a:p>
+          <a:p>
+            <a:r>
+              <a:rPr lang="en-US" dirty="0"/>
               <a:t>To train generative models</a:t>
             </a:r>
           </a:p>
@@ -9806,7 +10535,7 @@
           <a:lstStyle/>
           <a:p>
             <a:r>
-              <a:rPr lang="en-US" dirty="0" smtClean="0">
+              <a:rPr lang="en-US" dirty="0">
                 <a:cs typeface="Myanmar Text" panose="020B0502040204020203" pitchFamily="34" charset="0"/>
               </a:rPr>
               <a:t>Plan</a:t>
@@ -9847,10 +10576,55 @@
       </p:sp>
       <p:sp>
         <p:nvSpPr>
-          <p:cNvPr id="7" name="Footer Placeholder 4">
-            <a:extLst>
-              <a:ext uri="{FF2B5EF4-FFF2-40B4-BE49-F238E27FC236}">
-                <a16:creationId xmlns:a16="http://schemas.microsoft.com/office/drawing/2014/main" id="{E47BA302-FA5A-DF4D-8A25-34F27D8F103B}"/>
+          <p:cNvPr id="8" name="Date Placeholder 3">
+            <a:extLst>
+              <a:ext uri="{FF2B5EF4-FFF2-40B4-BE49-F238E27FC236}">
+                <a16:creationId xmlns:a16="http://schemas.microsoft.com/office/drawing/2014/main" id="{C07ECB64-CAD3-1941-922C-B24BD3CC742F}"/>
+              </a:ext>
+            </a:extLst>
+          </p:cNvPr>
+          <p:cNvSpPr>
+            <a:spLocks noGrp="1"/>
+          </p:cNvSpPr>
+          <p:nvPr>
+            <p:ph type="dt" sz="half" idx="10"/>
+          </p:nvPr>
+        </p:nvSpPr>
+        <p:spPr>
+          <a:xfrm>
+            <a:off x="5220393" y="6492875"/>
+            <a:ext cx="1751214" cy="365125"/>
+          </a:xfrm>
+        </p:spPr>
+        <p:txBody>
+          <a:bodyPr/>
+          <a:lstStyle/>
+          <a:p>
+            <a:r>
+              <a:rPr lang="en-US" dirty="0"/>
+              <a:t>01</a:t>
+            </a:r>
+            <a:r>
+              <a:rPr lang="ru-RU" dirty="0"/>
+              <a:t>.</a:t>
+            </a:r>
+            <a:r>
+              <a:rPr lang="en-US" dirty="0"/>
+              <a:t>10</a:t>
+            </a:r>
+            <a:r>
+              <a:rPr lang="ru-RU" dirty="0"/>
+              <a:t>.2020</a:t>
+            </a:r>
+          </a:p>
+        </p:txBody>
+      </p:sp>
+      <p:sp>
+        <p:nvSpPr>
+          <p:cNvPr id="10" name="Footer Placeholder 4">
+            <a:extLst>
+              <a:ext uri="{FF2B5EF4-FFF2-40B4-BE49-F238E27FC236}">
+                <a16:creationId xmlns:a16="http://schemas.microsoft.com/office/drawing/2014/main" id="{14D7E5C0-B706-DA44-B109-960C975C68E9}"/>
               </a:ext>
             </a:extLst>
           </p:cNvPr>
@@ -9873,54 +10647,9 @@
           <a:p>
             <a:r>
               <a:rPr lang="en-GB" dirty="0"/>
-              <a:t>T. Ramazyan, A. Levin, NRU HSE</a:t>
+              <a:t>T. Ramazyan, A. Levin, et al., NRU HSE</a:t>
             </a:r>
             <a:endParaRPr lang="ru-RU" dirty="0"/>
-          </a:p>
-        </p:txBody>
-      </p:sp>
-      <p:sp>
-        <p:nvSpPr>
-          <p:cNvPr id="8" name="Date Placeholder 3">
-            <a:extLst>
-              <a:ext uri="{FF2B5EF4-FFF2-40B4-BE49-F238E27FC236}">
-                <a16:creationId xmlns:a16="http://schemas.microsoft.com/office/drawing/2014/main" id="{C07ECB64-CAD3-1941-922C-B24BD3CC742F}"/>
-              </a:ext>
-            </a:extLst>
-          </p:cNvPr>
-          <p:cNvSpPr>
-            <a:spLocks noGrp="1"/>
-          </p:cNvSpPr>
-          <p:nvPr>
-            <p:ph type="dt" sz="half" idx="10"/>
-          </p:nvPr>
-        </p:nvSpPr>
-        <p:spPr>
-          <a:xfrm>
-            <a:off x="5220393" y="6492875"/>
-            <a:ext cx="1751214" cy="365125"/>
-          </a:xfrm>
-        </p:spPr>
-        <p:txBody>
-          <a:bodyPr/>
-          <a:lstStyle/>
-          <a:p>
-            <a:r>
-              <a:rPr lang="en-US" dirty="0"/>
-              <a:t>01</a:t>
-            </a:r>
-            <a:r>
-              <a:rPr lang="ru-RU" dirty="0"/>
-              <a:t>.</a:t>
-            </a:r>
-            <a:r>
-              <a:rPr lang="en-US" dirty="0"/>
-              <a:t>10</a:t>
-            </a:r>
-            <a:r>
-              <a:rPr lang="ru-RU" dirty="0"/>
-              <a:t>.2020</a:t>
-            </a:r>
           </a:p>
         </p:txBody>
       </p:sp>
@@ -9934,13 +10663,6 @@
   <p:clrMapOvr>
     <a:masterClrMapping/>
   </p:clrMapOvr>
-  <p:timing>
-    <p:tnLst>
-      <p:par>
-        <p:cTn id="1" dur="indefinite" restart="never" nodeType="tmRoot"/>
-      </p:par>
-    </p:tnLst>
-  </p:timing>
 </p:sld>
 </file>
 
@@ -9985,12 +10707,8 @@
           <a:lstStyle/>
           <a:p>
             <a:r>
-              <a:rPr lang="en-RU" dirty="0" smtClean="0"/>
-              <a:t>Knowledge </a:t>
-            </a:r>
-            <a:r>
               <a:rPr lang="en-RU" dirty="0"/>
-              <a:t>Graph</a:t>
+              <a:t>Knowledge Graph</a:t>
             </a:r>
           </a:p>
         </p:txBody>
@@ -10005,13 +10723,6 @@
   <p:clrMapOvr>
     <a:masterClrMapping/>
   </p:clrMapOvr>
-  <p:timing>
-    <p:tnLst>
-      <p:par>
-        <p:cTn id="1" dur="indefinite" restart="never" nodeType="tmRoot"/>
-      </p:par>
-    </p:tnLst>
-  </p:timing>
 </p:sld>
 </file>
 
@@ -10064,56 +10775,46 @@
               <a:buNone/>
             </a:pPr>
             <a:r>
-              <a:rPr lang="en-US" dirty="0" smtClean="0"/>
-              <a:t>A graph-description </a:t>
-            </a:r>
-            <a:r>
-              <a:rPr lang="en-US" dirty="0"/>
-              <a:t>of a ML </a:t>
-            </a:r>
-            <a:r>
-              <a:rPr lang="en-US" dirty="0" smtClean="0"/>
-              <a:t>pipeline:</a:t>
+              <a:rPr lang="en-US" dirty="0"/>
+              <a:t>A graph-description of a ML pipeline:</a:t>
             </a:r>
           </a:p>
           <a:p>
             <a:pPr lvl="1"/>
             <a:r>
-              <a:rPr lang="en-US" dirty="0" smtClean="0"/>
+              <a:rPr lang="en-US" dirty="0"/>
               <a:t>Each vertex  is a high-level part of ML-pipeline</a:t>
             </a:r>
           </a:p>
           <a:p>
             <a:pPr lvl="1"/>
             <a:r>
-              <a:rPr lang="en-US" dirty="0" smtClean="0"/>
+              <a:rPr lang="en-US" dirty="0"/>
               <a:t>Each vertex has by-hand collected keywords</a:t>
             </a:r>
           </a:p>
           <a:p>
             <a:pPr lvl="1"/>
             <a:r>
-              <a:rPr lang="en-US" dirty="0" smtClean="0"/>
+              <a:rPr lang="en-US" dirty="0"/>
               <a:t>Keywords are used for regex-labelling</a:t>
             </a:r>
           </a:p>
           <a:p>
             <a:pPr lvl="1"/>
             <a:r>
-              <a:rPr lang="en-US" dirty="0" smtClean="0"/>
+              <a:rPr lang="en-US" dirty="0"/>
               <a:t>Regex-labelling are used as targets for classification models</a:t>
             </a:r>
-            <a:endParaRPr lang="en-US" dirty="0"/>
           </a:p>
           <a:p>
             <a:pPr marL="309600" indent="0">
               <a:buNone/>
             </a:pPr>
             <a:r>
-              <a:rPr lang="en-US" dirty="0" smtClean="0"/>
+              <a:rPr lang="en-US" dirty="0"/>
               <a:t>Examples:</a:t>
             </a:r>
-            <a:endParaRPr lang="en-US" dirty="0" smtClean="0"/>
           </a:p>
         </p:txBody>
       </p:sp>
@@ -10140,14 +10841,10 @@
           <a:p>
             <a:r>
               <a:rPr lang="en-RU" dirty="0"/>
-              <a:t>Knowledge </a:t>
-            </a:r>
-            <a:r>
-              <a:rPr lang="en-RU" dirty="0" smtClean="0"/>
-              <a:t>Graph</a:t>
-            </a:r>
-            <a:r>
-              <a:rPr lang="en-US" dirty="0" smtClean="0"/>
+              <a:t>Knowledge Graph</a:t>
+            </a:r>
+            <a:r>
+              <a:rPr lang="en-US" dirty="0"/>
               <a:t> (KG)</a:t>
             </a:r>
             <a:endParaRPr lang="en-RU" dirty="0"/>
@@ -10254,40 +10951,6 @@
           </a:prstGeom>
         </p:spPr>
       </p:pic>
-      <p:sp>
-        <p:nvSpPr>
-          <p:cNvPr id="8" name="Footer Placeholder 4">
-            <a:extLst>
-              <a:ext uri="{FF2B5EF4-FFF2-40B4-BE49-F238E27FC236}">
-                <a16:creationId xmlns:a16="http://schemas.microsoft.com/office/drawing/2014/main" id="{3F62FE38-D092-7F48-92F5-7FC4BF9FBF6D}"/>
-              </a:ext>
-            </a:extLst>
-          </p:cNvPr>
-          <p:cNvSpPr>
-            <a:spLocks noGrp="1"/>
-          </p:cNvSpPr>
-          <p:nvPr>
-            <p:ph type="ftr" sz="quarter" idx="11"/>
-          </p:nvPr>
-        </p:nvSpPr>
-        <p:spPr>
-          <a:xfrm>
-            <a:off x="192505" y="6492875"/>
-            <a:ext cx="3767667" cy="365125"/>
-          </a:xfrm>
-        </p:spPr>
-        <p:txBody>
-          <a:bodyPr/>
-          <a:lstStyle/>
-          <a:p>
-            <a:r>
-              <a:rPr lang="en-GB" dirty="0"/>
-              <a:t>T. Ramazyan, A. Levin, NRU HSE</a:t>
-            </a:r>
-            <a:endParaRPr lang="ru-RU" dirty="0"/>
-          </a:p>
-        </p:txBody>
-      </p:sp>
       <p:pic>
         <p:nvPicPr>
           <p:cNvPr id="10" name="Рисунок 9"/>
@@ -10346,6 +11009,40 @@
           </a:ln>
         </p:spPr>
       </p:pic>
+      <p:sp>
+        <p:nvSpPr>
+          <p:cNvPr id="11" name="Footer Placeholder 4">
+            <a:extLst>
+              <a:ext uri="{FF2B5EF4-FFF2-40B4-BE49-F238E27FC236}">
+                <a16:creationId xmlns:a16="http://schemas.microsoft.com/office/drawing/2014/main" id="{988A5565-09A2-C743-A88C-1A71682331D8}"/>
+              </a:ext>
+            </a:extLst>
+          </p:cNvPr>
+          <p:cNvSpPr>
+            <a:spLocks noGrp="1"/>
+          </p:cNvSpPr>
+          <p:nvPr>
+            <p:ph type="ftr" sz="quarter" idx="11"/>
+          </p:nvPr>
+        </p:nvSpPr>
+        <p:spPr>
+          <a:xfrm>
+            <a:off x="192505" y="6492875"/>
+            <a:ext cx="3767667" cy="365125"/>
+          </a:xfrm>
+        </p:spPr>
+        <p:txBody>
+          <a:bodyPr/>
+          <a:lstStyle/>
+          <a:p>
+            <a:r>
+              <a:rPr lang="en-GB" dirty="0"/>
+              <a:t>T. Ramazyan, A. Levin, et al., NRU HSE</a:t>
+            </a:r>
+            <a:endParaRPr lang="ru-RU" dirty="0"/>
+          </a:p>
+        </p:txBody>
+      </p:sp>
     </p:spTree>
     <p:extLst>
       <p:ext uri="{BB962C8B-B14F-4D97-AF65-F5344CB8AC3E}">
@@ -10356,13 +11053,6 @@
   <p:clrMapOvr>
     <a:masterClrMapping/>
   </p:clrMapOvr>
-  <p:timing>
-    <p:tnLst>
-      <p:par>
-        <p:cTn id="1" dur="indefinite" restart="never" nodeType="tmRoot"/>
-      </p:par>
-    </p:tnLst>
-  </p:timing>
 </p:sld>
 </file>
 
@@ -10423,13 +11113,6 @@
   <p:clrMapOvr>
     <a:masterClrMapping/>
   </p:clrMapOvr>
-  <p:timing>
-    <p:tnLst>
-      <p:par>
-        <p:cTn id="1" dur="indefinite" restart="never" nodeType="tmRoot"/>
-      </p:par>
-    </p:tnLst>
-  </p:timing>
 </p:sld>
 </file>
 
@@ -10479,37 +11162,17 @@
           <a:lstStyle/>
           <a:p>
             <a:r>
-              <a:rPr lang="en-US" dirty="0" smtClean="0">
-                <a:cs typeface="Myanmar Text" panose="020B0502040204020203" pitchFamily="34" charset="0"/>
-              </a:rPr>
-              <a:t>Fully manual collected validation </a:t>
-            </a:r>
-            <a:r>
               <a:rPr lang="en-US" dirty="0">
                 <a:cs typeface="Myanmar Text" panose="020B0502040204020203" pitchFamily="34" charset="0"/>
               </a:rPr>
-              <a:t>s</a:t>
-            </a:r>
-            <a:r>
-              <a:rPr lang="en-US" dirty="0" smtClean="0">
-                <a:cs typeface="Myanmar Text" panose="020B0502040204020203" pitchFamily="34" charset="0"/>
-              </a:rPr>
-              <a:t>et</a:t>
-            </a:r>
-            <a:endParaRPr lang="en-GB" dirty="0" smtClean="0"/>
-          </a:p>
-          <a:p>
-            <a:r>
-              <a:rPr lang="en-GB" dirty="0" smtClean="0"/>
-              <a:t>Hand-selected </a:t>
-            </a:r>
+              <a:t>Fully manual collected validation set</a:t>
+            </a:r>
+            <a:endParaRPr lang="en-GB" dirty="0"/>
+          </a:p>
+          <a:p>
             <a:r>
               <a:rPr lang="en-GB" dirty="0"/>
-              <a:t>methods and algorithms for image, text, speech and table preprocessing, i.e. for one of the KG </a:t>
-            </a:r>
-            <a:r>
-              <a:rPr lang="en-GB" dirty="0" smtClean="0"/>
-              <a:t>vertices</a:t>
+              <a:t>Hand-selected methods and algorithms for image, text, speech and table preprocessing, i.e. for one of the KG vertices</a:t>
             </a:r>
             <a:endParaRPr lang="en-RU" dirty="0"/>
           </a:p>
@@ -10559,19 +11222,11 @@
             </a:pPr>
             <a:r>
               <a:rPr lang="en-RU" dirty="0"/>
-              <a:t>Data </a:t>
-            </a:r>
-            <a:r>
-              <a:rPr lang="en-RU" dirty="0" smtClean="0"/>
-              <a:t>format</a:t>
-            </a:r>
-            <a:r>
-              <a:rPr lang="en-US" dirty="0" smtClean="0"/>
-              <a:t> (image</a:t>
-            </a:r>
-            <a:r>
-              <a:rPr lang="en-US" dirty="0" smtClean="0"/>
-              <a:t>/text/speech/table)</a:t>
+              <a:t>Data format</a:t>
+            </a:r>
+            <a:r>
+              <a:rPr lang="en-US" dirty="0"/>
+              <a:t> (image/text/speech/table)</a:t>
             </a:r>
             <a:endParaRPr lang="en-RU" dirty="0"/>
           </a:p>
@@ -10584,10 +11239,9 @@
               <a:buChar char="§"/>
             </a:pPr>
             <a:r>
-              <a:rPr lang="en-RU" dirty="0" smtClean="0"/>
+              <a:rPr lang="en-RU" dirty="0"/>
               <a:t>Source</a:t>
             </a:r>
-            <a:endParaRPr lang="en-RU" dirty="0"/>
           </a:p>
           <a:p>
             <a:pPr lvl="1">
@@ -10611,11 +11265,11 @@
               <a:buChar char="§"/>
             </a:pPr>
             <a:r>
-              <a:rPr lang="en-RU" dirty="0" smtClean="0"/>
+              <a:rPr lang="en-RU" dirty="0"/>
               <a:t>Wiki</a:t>
             </a:r>
             <a:r>
-              <a:rPr lang="en-US" dirty="0" smtClean="0"/>
+              <a:rPr lang="en-US" dirty="0"/>
               <a:t> Link</a:t>
             </a:r>
             <a:endParaRPr lang="en-RU" dirty="0"/>
@@ -10629,11 +11283,11 @@
               <a:buChar char="§"/>
             </a:pPr>
             <a:r>
-              <a:rPr lang="en-RU" dirty="0" smtClean="0"/>
+              <a:rPr lang="en-RU" dirty="0"/>
               <a:t>Tags</a:t>
             </a:r>
             <a:r>
-              <a:rPr lang="en-US" dirty="0" smtClean="0"/>
+              <a:rPr lang="en-US" dirty="0"/>
               <a:t> (short description)</a:t>
             </a:r>
             <a:endParaRPr lang="en-RU" dirty="0"/>
@@ -10644,14 +11298,14 @@
               <a:t>Number of instances: </a:t>
             </a:r>
             <a:r>
-              <a:rPr lang="ru-RU" dirty="0" smtClean="0"/>
+              <a:rPr lang="ru-RU" dirty="0"/>
               <a:t>413</a:t>
             </a:r>
-            <a:endParaRPr lang="en-US" dirty="0" smtClean="0"/>
-          </a:p>
-          <a:p>
-            <a:r>
-              <a:rPr lang="en-US" dirty="0" smtClean="0"/>
+            <a:endParaRPr lang="en-US" dirty="0"/>
+          </a:p>
+          <a:p>
+            <a:r>
+              <a:rPr lang="en-US" dirty="0"/>
               <a:t>Final dataset – nl2ml.csv</a:t>
             </a:r>
             <a:endParaRPr lang="en-RU" dirty="0"/>
@@ -10680,7 +11334,7 @@
           <a:lstStyle/>
           <a:p>
             <a:r>
-              <a:rPr lang="en-US" dirty="0" smtClean="0"/>
+              <a:rPr lang="en-US" dirty="0"/>
               <a:t>Preprocessing Dataset</a:t>
             </a:r>
             <a:endParaRPr lang="en-RU" dirty="0"/>
@@ -10719,10 +11373,55 @@
       </p:sp>
       <p:sp>
         <p:nvSpPr>
-          <p:cNvPr id="7" name="Footer Placeholder 4">
-            <a:extLst>
-              <a:ext uri="{FF2B5EF4-FFF2-40B4-BE49-F238E27FC236}">
-                <a16:creationId xmlns:a16="http://schemas.microsoft.com/office/drawing/2014/main" id="{0529B928-D05C-E746-9547-42E7446DA590}"/>
+          <p:cNvPr id="8" name="Date Placeholder 3">
+            <a:extLst>
+              <a:ext uri="{FF2B5EF4-FFF2-40B4-BE49-F238E27FC236}">
+                <a16:creationId xmlns:a16="http://schemas.microsoft.com/office/drawing/2014/main" id="{F268F396-C677-114A-B4A8-E3837B655B2F}"/>
+              </a:ext>
+            </a:extLst>
+          </p:cNvPr>
+          <p:cNvSpPr>
+            <a:spLocks noGrp="1"/>
+          </p:cNvSpPr>
+          <p:nvPr>
+            <p:ph type="dt" sz="half" idx="10"/>
+          </p:nvPr>
+        </p:nvSpPr>
+        <p:spPr>
+          <a:xfrm>
+            <a:off x="5220393" y="6492875"/>
+            <a:ext cx="1751214" cy="365125"/>
+          </a:xfrm>
+        </p:spPr>
+        <p:txBody>
+          <a:bodyPr/>
+          <a:lstStyle/>
+          <a:p>
+            <a:r>
+              <a:rPr lang="en-US" dirty="0"/>
+              <a:t>01</a:t>
+            </a:r>
+            <a:r>
+              <a:rPr lang="ru-RU" dirty="0"/>
+              <a:t>.</a:t>
+            </a:r>
+            <a:r>
+              <a:rPr lang="en-US" dirty="0"/>
+              <a:t>10</a:t>
+            </a:r>
+            <a:r>
+              <a:rPr lang="ru-RU" dirty="0"/>
+              <a:t>.2020</a:t>
+            </a:r>
+          </a:p>
+        </p:txBody>
+      </p:sp>
+      <p:sp>
+        <p:nvSpPr>
+          <p:cNvPr id="9" name="Footer Placeholder 4">
+            <a:extLst>
+              <a:ext uri="{FF2B5EF4-FFF2-40B4-BE49-F238E27FC236}">
+                <a16:creationId xmlns:a16="http://schemas.microsoft.com/office/drawing/2014/main" id="{87A856FD-A6C9-4842-A862-9680A9160BF7}"/>
               </a:ext>
             </a:extLst>
           </p:cNvPr>
@@ -10745,54 +11444,9 @@
           <a:p>
             <a:r>
               <a:rPr lang="en-GB" dirty="0"/>
-              <a:t>T. Ramazyan, A. Levin, NRU HSE</a:t>
+              <a:t>T. Ramazyan, A. Levin, et al., NRU HSE</a:t>
             </a:r>
             <a:endParaRPr lang="ru-RU" dirty="0"/>
-          </a:p>
-        </p:txBody>
-      </p:sp>
-      <p:sp>
-        <p:nvSpPr>
-          <p:cNvPr id="8" name="Date Placeholder 3">
-            <a:extLst>
-              <a:ext uri="{FF2B5EF4-FFF2-40B4-BE49-F238E27FC236}">
-                <a16:creationId xmlns:a16="http://schemas.microsoft.com/office/drawing/2014/main" id="{F268F396-C677-114A-B4A8-E3837B655B2F}"/>
-              </a:ext>
-            </a:extLst>
-          </p:cNvPr>
-          <p:cNvSpPr>
-            <a:spLocks noGrp="1"/>
-          </p:cNvSpPr>
-          <p:nvPr>
-            <p:ph type="dt" sz="half" idx="10"/>
-          </p:nvPr>
-        </p:nvSpPr>
-        <p:spPr>
-          <a:xfrm>
-            <a:off x="5220393" y="6492875"/>
-            <a:ext cx="1751214" cy="365125"/>
-          </a:xfrm>
-        </p:spPr>
-        <p:txBody>
-          <a:bodyPr/>
-          <a:lstStyle/>
-          <a:p>
-            <a:r>
-              <a:rPr lang="en-US" dirty="0"/>
-              <a:t>01</a:t>
-            </a:r>
-            <a:r>
-              <a:rPr lang="ru-RU" dirty="0"/>
-              <a:t>.</a:t>
-            </a:r>
-            <a:r>
-              <a:rPr lang="en-US" dirty="0"/>
-              <a:t>10</a:t>
-            </a:r>
-            <a:r>
-              <a:rPr lang="ru-RU" dirty="0"/>
-              <a:t>.2020</a:t>
-            </a:r>
           </a:p>
         </p:txBody>
       </p:sp>
@@ -10806,13 +11460,6 @@
   <p:clrMapOvr>
     <a:masterClrMapping/>
   </p:clrMapOvr>
-  <p:timing>
-    <p:tnLst>
-      <p:par>
-        <p:cTn id="1" dur="indefinite" restart="never" nodeType="tmRoot"/>
-      </p:par>
-    </p:tnLst>
-  </p:timing>
 </p:sld>
 </file>
 
@@ -10851,7 +11498,7 @@
         </p:nvSpPr>
         <p:spPr>
           <a:xfrm>
-            <a:off x="838200" y="939338"/>
+            <a:off x="301450" y="806031"/>
             <a:ext cx="10515600" cy="5245938"/>
           </a:xfrm>
         </p:spPr>
@@ -10874,14 +11521,10 @@
             </a:pPr>
             <a:r>
               <a:rPr lang="en-RU" dirty="0"/>
-              <a:t>Excessive amount of publicly available </a:t>
-            </a:r>
-            <a:r>
-              <a:rPr lang="en-RU" dirty="0" smtClean="0"/>
-              <a:t>Python notebooks</a:t>
-            </a:r>
-            <a:r>
-              <a:rPr lang="en-US" dirty="0" smtClean="0"/>
+              <a:t>Excessive amount of publicly available Python notebooks</a:t>
+            </a:r>
+            <a:r>
+              <a:rPr lang="en-US" dirty="0"/>
               <a:t> with ML-code</a:t>
             </a:r>
             <a:endParaRPr lang="en-RU" dirty="0"/>
@@ -10937,40 +11580,27 @@
               <a:buChar char="§"/>
             </a:pPr>
             <a:r>
-              <a:rPr lang="en-US" dirty="0" smtClean="0"/>
-              <a:t>In-code </a:t>
-            </a:r>
-            <a:r>
-              <a:rPr lang="en-US" dirty="0"/>
-              <a:t>C</a:t>
-            </a:r>
-            <a:r>
-              <a:rPr lang="en-US" dirty="0" smtClean="0"/>
-              <a:t>omments</a:t>
+              <a:rPr lang="en-US" dirty="0"/>
+              <a:t>In-code Comments</a:t>
             </a:r>
             <a:endParaRPr lang="en-RU" dirty="0"/>
           </a:p>
           <a:p>
             <a:r>
               <a:rPr lang="en-US" dirty="0"/>
-              <a:t>Number of instances: </a:t>
-            </a:r>
-            <a:r>
-              <a:rPr lang="en-US" dirty="0" smtClean="0"/>
-              <a:t>overall – </a:t>
-            </a:r>
-            <a:r>
-              <a:rPr lang="en-RU" dirty="0" smtClean="0"/>
+              <a:t>Number of instances: overall – </a:t>
+            </a:r>
+            <a:r>
+              <a:rPr lang="en-RU" dirty="0"/>
               <a:t>254397, unique – 225566</a:t>
             </a:r>
-            <a:endParaRPr lang="en-US" dirty="0" smtClean="0"/>
-          </a:p>
-          <a:p>
-            <a:r>
-              <a:rPr lang="en-US" dirty="0" smtClean="0"/>
+            <a:endParaRPr lang="en-US" dirty="0"/>
+          </a:p>
+          <a:p>
+            <a:r>
+              <a:rPr lang="en-US" dirty="0"/>
               <a:t>Final dataset – code_blocks_clean.csv</a:t>
             </a:r>
-            <a:endParaRPr lang="en-US" dirty="0" smtClean="0"/>
           </a:p>
         </p:txBody>
       </p:sp>
@@ -10990,26 +11620,27 @@
             <p:ph type="title"/>
           </p:nvPr>
         </p:nvSpPr>
-        <p:spPr/>
+        <p:spPr>
+          <a:xfrm>
+            <a:off x="192505" y="278670"/>
+            <a:ext cx="11806990" cy="765843"/>
+          </a:xfrm>
+        </p:spPr>
         <p:txBody>
           <a:bodyPr/>
           <a:lstStyle/>
           <a:p>
             <a:r>
-              <a:rPr lang="en-RU" dirty="0" smtClean="0"/>
+              <a:rPr lang="en-RU" dirty="0"/>
               <a:t>Code</a:t>
             </a:r>
             <a:r>
-              <a:rPr lang="en-US" dirty="0" smtClean="0"/>
+              <a:rPr lang="en-US" dirty="0"/>
               <a:t> snippets</a:t>
             </a:r>
             <a:r>
-              <a:rPr lang="en-RU" dirty="0" smtClean="0"/>
-              <a:t> </a:t>
-            </a:r>
-            <a:r>
               <a:rPr lang="en-RU" dirty="0"/>
-              <a:t>from Kaggle</a:t>
+              <a:t> from Kaggle</a:t>
             </a:r>
           </a:p>
         </p:txBody>
@@ -11046,10 +11677,55 @@
       </p:sp>
       <p:sp>
         <p:nvSpPr>
-          <p:cNvPr id="7" name="Footer Placeholder 4">
-            <a:extLst>
-              <a:ext uri="{FF2B5EF4-FFF2-40B4-BE49-F238E27FC236}">
-                <a16:creationId xmlns:a16="http://schemas.microsoft.com/office/drawing/2014/main" id="{DFDB8BC4-F6F8-8F4E-8B25-B78C8ECDCD37}"/>
+          <p:cNvPr id="8" name="Date Placeholder 3">
+            <a:extLst>
+              <a:ext uri="{FF2B5EF4-FFF2-40B4-BE49-F238E27FC236}">
+                <a16:creationId xmlns:a16="http://schemas.microsoft.com/office/drawing/2014/main" id="{D18FF25E-8221-5141-89E1-2596A04BEFED}"/>
+              </a:ext>
+            </a:extLst>
+          </p:cNvPr>
+          <p:cNvSpPr>
+            <a:spLocks noGrp="1"/>
+          </p:cNvSpPr>
+          <p:nvPr>
+            <p:ph type="dt" sz="half" idx="10"/>
+          </p:nvPr>
+        </p:nvSpPr>
+        <p:spPr>
+          <a:xfrm>
+            <a:off x="5220393" y="6492875"/>
+            <a:ext cx="1751214" cy="365125"/>
+          </a:xfrm>
+        </p:spPr>
+        <p:txBody>
+          <a:bodyPr/>
+          <a:lstStyle/>
+          <a:p>
+            <a:r>
+              <a:rPr lang="en-US" dirty="0"/>
+              <a:t>01</a:t>
+            </a:r>
+            <a:r>
+              <a:rPr lang="ru-RU" dirty="0"/>
+              <a:t>.</a:t>
+            </a:r>
+            <a:r>
+              <a:rPr lang="en-US" dirty="0"/>
+              <a:t>10</a:t>
+            </a:r>
+            <a:r>
+              <a:rPr lang="ru-RU" dirty="0"/>
+              <a:t>.2020</a:t>
+            </a:r>
+          </a:p>
+        </p:txBody>
+      </p:sp>
+      <p:sp>
+        <p:nvSpPr>
+          <p:cNvPr id="9" name="Footer Placeholder 4">
+            <a:extLst>
+              <a:ext uri="{FF2B5EF4-FFF2-40B4-BE49-F238E27FC236}">
+                <a16:creationId xmlns:a16="http://schemas.microsoft.com/office/drawing/2014/main" id="{1E7352CA-4A42-3948-B234-7BC4E4925F3B}"/>
               </a:ext>
             </a:extLst>
           </p:cNvPr>
@@ -11072,54 +11748,9 @@
           <a:p>
             <a:r>
               <a:rPr lang="en-GB" dirty="0"/>
-              <a:t>T. Ramazyan, A. Levin, NRU HSE</a:t>
+              <a:t>T. Ramazyan, A. Levin, et al., NRU HSE</a:t>
             </a:r>
             <a:endParaRPr lang="ru-RU" dirty="0"/>
-          </a:p>
-        </p:txBody>
-      </p:sp>
-      <p:sp>
-        <p:nvSpPr>
-          <p:cNvPr id="8" name="Date Placeholder 3">
-            <a:extLst>
-              <a:ext uri="{FF2B5EF4-FFF2-40B4-BE49-F238E27FC236}">
-                <a16:creationId xmlns:a16="http://schemas.microsoft.com/office/drawing/2014/main" id="{D18FF25E-8221-5141-89E1-2596A04BEFED}"/>
-              </a:ext>
-            </a:extLst>
-          </p:cNvPr>
-          <p:cNvSpPr>
-            <a:spLocks noGrp="1"/>
-          </p:cNvSpPr>
-          <p:nvPr>
-            <p:ph type="dt" sz="half" idx="10"/>
-          </p:nvPr>
-        </p:nvSpPr>
-        <p:spPr>
-          <a:xfrm>
-            <a:off x="5220393" y="6492875"/>
-            <a:ext cx="1751214" cy="365125"/>
-          </a:xfrm>
-        </p:spPr>
-        <p:txBody>
-          <a:bodyPr/>
-          <a:lstStyle/>
-          <a:p>
-            <a:r>
-              <a:rPr lang="en-US" dirty="0"/>
-              <a:t>01</a:t>
-            </a:r>
-            <a:r>
-              <a:rPr lang="ru-RU" dirty="0"/>
-              <a:t>.</a:t>
-            </a:r>
-            <a:r>
-              <a:rPr lang="en-US" dirty="0"/>
-              <a:t>10</a:t>
-            </a:r>
-            <a:r>
-              <a:rPr lang="ru-RU" dirty="0"/>
-              <a:t>.2020</a:t>
-            </a:r>
           </a:p>
         </p:txBody>
       </p:sp>
@@ -11642,6 +12273,12 @@
 </file>
 
 <file path=customXml/item2.xml><?xml version="1.0" encoding="utf-8"?>
+<p:properties xmlns:p="http://schemas.microsoft.com/office/2006/metadata/properties" xmlns:xsi="http://www.w3.org/2001/XMLSchema-instance" xmlns:pc="http://schemas.microsoft.com/office/infopath/2007/PartnerControls">
+  <documentManagement/>
+</p:properties>
+</file>
+
+<file path=customXml/item3.xml><?xml version="1.0" encoding="utf-8"?>
 <ct:contentTypeSchema xmlns:ct="http://schemas.microsoft.com/office/2006/metadata/contentType" xmlns:ma="http://schemas.microsoft.com/office/2006/metadata/properties/metaAttributes" ct:_="" ma:_="" ma:contentTypeName="Документ" ma:contentTypeID="0x0101008F92DA508495354898BAAA65F78C1E56" ma:contentTypeVersion="2" ma:contentTypeDescription="Создание документа." ma:contentTypeScope="" ma:versionID="81b1a881905ec1e446a9a94e9eb6fc8d">
   <xsd:schema xmlns:xsd="http://www.w3.org/2001/XMLSchema" xmlns:xs="http://www.w3.org/2001/XMLSchema" xmlns:p="http://schemas.microsoft.com/office/2006/metadata/properties" xmlns:ns2="d258768f-595e-4f2e-bb13-e4a347c6cd1e" targetNamespace="http://schemas.microsoft.com/office/2006/metadata/properties" ma:root="true" ma:fieldsID="09709213625c3507324bf92500a85a69" ns2:_="">
     <xsd:import namespace="d258768f-595e-4f2e-bb13-e4a347c6cd1e"/>
@@ -11773,12 +12410,6 @@
 </ct:contentTypeSchema>
 </file>
 
-<file path=customXml/item3.xml><?xml version="1.0" encoding="utf-8"?>
-<p:properties xmlns:p="http://schemas.microsoft.com/office/2006/metadata/properties" xmlns:xsi="http://www.w3.org/2001/XMLSchema-instance" xmlns:pc="http://schemas.microsoft.com/office/infopath/2007/PartnerControls">
-  <documentManagement/>
-</p:properties>
-</file>
-
 <file path=customXml/itemProps1.xml><?xml version="1.0" encoding="utf-8"?>
 <ds:datastoreItem xmlns:ds="http://schemas.openxmlformats.org/officeDocument/2006/customXml" ds:itemID="{F9DCFF4E-7731-4E81-AB1D-41746E451C23}">
   <ds:schemaRefs>
@@ -11788,6 +12419,15 @@
 </file>
 
 <file path=customXml/itemProps2.xml><?xml version="1.0" encoding="utf-8"?>
+<ds:datastoreItem xmlns:ds="http://schemas.openxmlformats.org/officeDocument/2006/customXml" ds:itemID="{35B40442-68EA-4285-AAFD-0966C47C499C}">
+  <ds:schemaRefs>
+    <ds:schemaRef ds:uri="http://schemas.microsoft.com/office/2006/metadata/properties"/>
+    <ds:schemaRef ds:uri="http://schemas.microsoft.com/office/infopath/2007/PartnerControls"/>
+  </ds:schemaRefs>
+</ds:datastoreItem>
+</file>
+
+<file path=customXml/itemProps3.xml><?xml version="1.0" encoding="utf-8"?>
 <ds:datastoreItem xmlns:ds="http://schemas.openxmlformats.org/officeDocument/2006/customXml" ds:itemID="{B24C533A-F944-4775-A310-9570272E09F1}">
   <ds:schemaRefs>
     <ds:schemaRef ds:uri="http://schemas.microsoft.com/office/2006/metadata/contentType"/>
@@ -11803,13 +12443,4 @@
     <ds:schemaRef ds:uri="http://schemas.microsoft.com/internal/obd"/>
   </ds:schemaRefs>
 </ds:datastoreItem>
-</file>
-
-<file path=customXml/itemProps3.xml><?xml version="1.0" encoding="utf-8"?>
-<ds:datastoreItem xmlns:ds="http://schemas.openxmlformats.org/officeDocument/2006/customXml" ds:itemID="{35B40442-68EA-4285-AAFD-0966C47C499C}">
-  <ds:schemaRefs>
-    <ds:schemaRef ds:uri="http://schemas.microsoft.com/office/2006/metadata/properties"/>
-    <ds:schemaRef ds:uri="http://schemas.microsoft.com/office/infopath/2007/PartnerControls"/>
-  </ds:schemaRefs>
-</ds:datastoreItem>
 </file>
--- a/nl2ml.pptx
+++ b/nl2ml.pptx
@@ -4644,7 +4644,27 @@
               <a:rPr lang="en-US" sz="1800" dirty="0">
                 <a:latin typeface="Myriad Pro" panose="020B0503030403020204" pitchFamily="34" charset="0"/>
               </a:rPr>
-              <a:t>Kirill Gelvan, Mikhail Kuznetsov</a:t>
+              <a:t>Kirill Gelvan, Mikhail </a:t>
+            </a:r>
+            <a:r>
+              <a:rPr lang="en-US" sz="1800" dirty="0" err="1">
+                <a:latin typeface="Myriad Pro" panose="020B0503030403020204" pitchFamily="34" charset="0"/>
+              </a:rPr>
+              <a:t>Kuznetsov</a:t>
+            </a:r>
+            <a:r>
+              <a:rPr lang="ru-RU" sz="1800" dirty="0">
+                <a:latin typeface="Myriad Pro" panose="020B0503030403020204" pitchFamily="34" charset="0"/>
+              </a:rPr>
+              <a:t>, </a:t>
+            </a:r>
+            <a:r>
+              <a:rPr lang="en-GB" sz="1800" dirty="0"/>
+              <a:t>Dmitry </a:t>
+            </a:r>
+            <a:r>
+              <a:rPr lang="en-GB" sz="1800" dirty="0" err="1"/>
+              <a:t>Fedorovichev</a:t>
             </a:r>
             <a:r>
               <a:rPr lang="en-US" sz="1800" baseline="30000" dirty="0">
@@ -5020,7 +5040,7 @@
             <p:ph idx="1"/>
             <p:extLst>
               <p:ext uri="{D42A27DB-BD31-4B8C-83A1-F6EECF244321}">
-                <p14:modId xmlns:p14="http://schemas.microsoft.com/office/powerpoint/2010/main" val="2164847659"/>
+                <p14:modId xmlns:p14="http://schemas.microsoft.com/office/powerpoint/2010/main" val="2617458880"/>
               </p:ext>
             </p:extLst>
           </p:nvPr>
@@ -5656,7 +5676,7 @@
                       </a:pPr>
                       <a:r>
                         <a:rPr lang="en-RU" dirty="0"/>
-                        <a:t>194`974</a:t>
+                        <a:t>&lt;194`974</a:t>
                       </a:r>
                     </a:p>
                   </a:txBody>
@@ -5670,7 +5690,7 @@
                       <a:pPr algn="ctr"/>
                       <a:r>
                         <a:rPr lang="en-RU" dirty="0"/>
-                        <a:t>86.44</a:t>
+                        <a:t>&lt;86.44</a:t>
                       </a:r>
                     </a:p>
                   </a:txBody>
@@ -12264,18 +12284,18 @@
 </file>
 
 <file path=customXml/item1.xml><?xml version="1.0" encoding="utf-8"?>
+<p:properties xmlns:p="http://schemas.microsoft.com/office/2006/metadata/properties" xmlns:xsi="http://www.w3.org/2001/XMLSchema-instance" xmlns:pc="http://schemas.microsoft.com/office/infopath/2007/PartnerControls">
+  <documentManagement/>
+</p:properties>
+</file>
+
+<file path=customXml/item2.xml><?xml version="1.0" encoding="utf-8"?>
 <?mso-contentType ?>
 <FormTemplates xmlns="http://schemas.microsoft.com/sharepoint/v3/contenttype/forms">
   <Display>DocumentLibraryForm</Display>
   <Edit>DocumentLibraryForm</Edit>
   <New>DocumentLibraryForm</New>
 </FormTemplates>
-</file>
-
-<file path=customXml/item2.xml><?xml version="1.0" encoding="utf-8"?>
-<p:properties xmlns:p="http://schemas.microsoft.com/office/2006/metadata/properties" xmlns:xsi="http://www.w3.org/2001/XMLSchema-instance" xmlns:pc="http://schemas.microsoft.com/office/infopath/2007/PartnerControls">
-  <documentManagement/>
-</p:properties>
 </file>
 
 <file path=customXml/item3.xml><?xml version="1.0" encoding="utf-8"?>
@@ -12411,18 +12431,18 @@
 </file>
 
 <file path=customXml/itemProps1.xml><?xml version="1.0" encoding="utf-8"?>
-<ds:datastoreItem xmlns:ds="http://schemas.openxmlformats.org/officeDocument/2006/customXml" ds:itemID="{F9DCFF4E-7731-4E81-AB1D-41746E451C23}">
+<ds:datastoreItem xmlns:ds="http://schemas.openxmlformats.org/officeDocument/2006/customXml" ds:itemID="{35B40442-68EA-4285-AAFD-0966C47C499C}">
   <ds:schemaRefs>
-    <ds:schemaRef ds:uri="http://schemas.microsoft.com/sharepoint/v3/contenttype/forms"/>
+    <ds:schemaRef ds:uri="http://schemas.microsoft.com/office/2006/metadata/properties"/>
+    <ds:schemaRef ds:uri="http://schemas.microsoft.com/office/infopath/2007/PartnerControls"/>
   </ds:schemaRefs>
 </ds:datastoreItem>
 </file>
 
 <file path=customXml/itemProps2.xml><?xml version="1.0" encoding="utf-8"?>
-<ds:datastoreItem xmlns:ds="http://schemas.openxmlformats.org/officeDocument/2006/customXml" ds:itemID="{35B40442-68EA-4285-AAFD-0966C47C499C}">
+<ds:datastoreItem xmlns:ds="http://schemas.openxmlformats.org/officeDocument/2006/customXml" ds:itemID="{F9DCFF4E-7731-4E81-AB1D-41746E451C23}">
   <ds:schemaRefs>
-    <ds:schemaRef ds:uri="http://schemas.microsoft.com/office/2006/metadata/properties"/>
-    <ds:schemaRef ds:uri="http://schemas.microsoft.com/office/infopath/2007/PartnerControls"/>
+    <ds:schemaRef ds:uri="http://schemas.microsoft.com/sharepoint/v3/contenttype/forms"/>
   </ds:schemaRefs>
 </ds:datastoreItem>
 </file>

--- a/nl2ml.pptx
+++ b/nl2ml.pptx
@@ -5040,14 +5040,14 @@
             <p:ph idx="1"/>
             <p:extLst>
               <p:ext uri="{D42A27DB-BD31-4B8C-83A1-F6EECF244321}">
-                <p14:modId xmlns:p14="http://schemas.microsoft.com/office/powerpoint/2010/main" val="2617458880"/>
+                <p14:modId xmlns:p14="http://schemas.microsoft.com/office/powerpoint/2010/main" val="3857595033"/>
               </p:ext>
             </p:extLst>
           </p:nvPr>
         </p:nvGraphicFramePr>
         <p:xfrm>
           <a:off x="838200" y="1417638"/>
-          <a:ext cx="10515597" cy="4079240"/>
+          <a:ext cx="10515597" cy="4450080"/>
         </p:xfrm>
         <a:graphic>
           <a:graphicData uri="http://schemas.openxmlformats.org/drawingml/2006/table">
@@ -5699,6 +5699,71 @@
                 <a:extLst>
                   <a:ext uri="{0D108BD9-81ED-4DB2-BD59-A6C34878D82A}">
                     <a16:rowId xmlns:a16="http://schemas.microsoft.com/office/drawing/2014/main" val="1587283863"/>
+                  </a:ext>
+                </a:extLst>
+              </a:tr>
+              <a:tr h="370840">
+                <a:tc>
+                  <a:txBody>
+                    <a:bodyPr/>
+                    <a:lstStyle/>
+                    <a:p>
+                      <a:pPr algn="ctr"/>
+                      <a:r>
+                        <a:rPr lang="en-RU" dirty="0"/>
+                        <a:t>Reality</a:t>
+                      </a:r>
+                    </a:p>
+                  </a:txBody>
+                  <a:tcPr/>
+                </a:tc>
+                <a:tc>
+                  <a:txBody>
+                    <a:bodyPr/>
+                    <a:lstStyle/>
+                    <a:p>
+                      <a:pPr marL="0" marR="0" lvl="0" indent="0" algn="ctr" defTabSz="914400" rtl="0" eaLnBrk="1" fontAlgn="auto" latinLnBrk="0" hangingPunct="1">
+                        <a:lnSpc>
+                          <a:spcPct val="100000"/>
+                        </a:lnSpc>
+                        <a:spcBef>
+                          <a:spcPts val="0"/>
+                        </a:spcBef>
+                        <a:spcAft>
+                          <a:spcPts val="0"/>
+                        </a:spcAft>
+                        <a:buClrTx/>
+                        <a:buSzTx/>
+                        <a:buFontTx/>
+                        <a:buNone/>
+                        <a:tabLst/>
+                        <a:defRPr/>
+                      </a:pPr>
+                      <a:r>
+                        <a:rPr lang="en-RU" dirty="0"/>
+                        <a:t>137`424</a:t>
+                      </a:r>
+                    </a:p>
+                  </a:txBody>
+                  <a:tcPr/>
+                </a:tc>
+                <a:tc>
+                  <a:txBody>
+                    <a:bodyPr/>
+                    <a:lstStyle/>
+                    <a:p>
+                      <a:pPr algn="ctr"/>
+                      <a:r>
+                        <a:rPr lang="en-RU" dirty="0"/>
+                        <a:t>60.92</a:t>
+                      </a:r>
+                    </a:p>
+                  </a:txBody>
+                  <a:tcPr/>
+                </a:tc>
+                <a:extLst>
+                  <a:ext uri="{0D108BD9-81ED-4DB2-BD59-A6C34878D82A}">
+                    <a16:rowId xmlns:a16="http://schemas.microsoft.com/office/drawing/2014/main" val="699789896"/>
                   </a:ext>
                 </a:extLst>
               </a:tr>
@@ -12284,18 +12349,18 @@
 </file>
 
 <file path=customXml/item1.xml><?xml version="1.0" encoding="utf-8"?>
-<p:properties xmlns:p="http://schemas.microsoft.com/office/2006/metadata/properties" xmlns:xsi="http://www.w3.org/2001/XMLSchema-instance" xmlns:pc="http://schemas.microsoft.com/office/infopath/2007/PartnerControls">
-  <documentManagement/>
-</p:properties>
-</file>
-
-<file path=customXml/item2.xml><?xml version="1.0" encoding="utf-8"?>
 <?mso-contentType ?>
 <FormTemplates xmlns="http://schemas.microsoft.com/sharepoint/v3/contenttype/forms">
   <Display>DocumentLibraryForm</Display>
   <Edit>DocumentLibraryForm</Edit>
   <New>DocumentLibraryForm</New>
 </FormTemplates>
+</file>
+
+<file path=customXml/item2.xml><?xml version="1.0" encoding="utf-8"?>
+<p:properties xmlns:p="http://schemas.microsoft.com/office/2006/metadata/properties" xmlns:xsi="http://www.w3.org/2001/XMLSchema-instance" xmlns:pc="http://schemas.microsoft.com/office/infopath/2007/PartnerControls">
+  <documentManagement/>
+</p:properties>
 </file>
 
 <file path=customXml/item3.xml><?xml version="1.0" encoding="utf-8"?>
@@ -12431,18 +12496,18 @@
 </file>
 
 <file path=customXml/itemProps1.xml><?xml version="1.0" encoding="utf-8"?>
-<ds:datastoreItem xmlns:ds="http://schemas.openxmlformats.org/officeDocument/2006/customXml" ds:itemID="{35B40442-68EA-4285-AAFD-0966C47C499C}">
+<ds:datastoreItem xmlns:ds="http://schemas.openxmlformats.org/officeDocument/2006/customXml" ds:itemID="{F9DCFF4E-7731-4E81-AB1D-41746E451C23}">
   <ds:schemaRefs>
-    <ds:schemaRef ds:uri="http://schemas.microsoft.com/office/2006/metadata/properties"/>
-    <ds:schemaRef ds:uri="http://schemas.microsoft.com/office/infopath/2007/PartnerControls"/>
+    <ds:schemaRef ds:uri="http://schemas.microsoft.com/sharepoint/v3/contenttype/forms"/>
   </ds:schemaRefs>
 </ds:datastoreItem>
 </file>
 
 <file path=customXml/itemProps2.xml><?xml version="1.0" encoding="utf-8"?>
-<ds:datastoreItem xmlns:ds="http://schemas.openxmlformats.org/officeDocument/2006/customXml" ds:itemID="{F9DCFF4E-7731-4E81-AB1D-41746E451C23}">
+<ds:datastoreItem xmlns:ds="http://schemas.openxmlformats.org/officeDocument/2006/customXml" ds:itemID="{35B40442-68EA-4285-AAFD-0966C47C499C}">
   <ds:schemaRefs>
-    <ds:schemaRef ds:uri="http://schemas.microsoft.com/sharepoint/v3/contenttype/forms"/>
+    <ds:schemaRef ds:uri="http://schemas.microsoft.com/office/2006/metadata/properties"/>
+    <ds:schemaRef ds:uri="http://schemas.microsoft.com/office/infopath/2007/PartnerControls"/>
   </ds:schemaRefs>
 </ds:datastoreItem>
 </file>

--- a/nl2ml.pptx
+++ b/nl2ml.pptx
@@ -5,32 +5,33 @@
     <p:sldMasterId id="2147483648" r:id="rId4"/>
   </p:sldMasterIdLst>
   <p:notesMasterIdLst>
-    <p:notesMasterId r:id="rId28"/>
+    <p:notesMasterId r:id="rId29"/>
   </p:notesMasterIdLst>
   <p:sldIdLst>
     <p:sldId id="265" r:id="rId5"/>
     <p:sldId id="262" r:id="rId6"/>
     <p:sldId id="261" r:id="rId7"/>
     <p:sldId id="276" r:id="rId8"/>
-    <p:sldId id="277" r:id="rId9"/>
-    <p:sldId id="266" r:id="rId10"/>
-    <p:sldId id="267" r:id="rId11"/>
-    <p:sldId id="268" r:id="rId12"/>
-    <p:sldId id="269" r:id="rId13"/>
-    <p:sldId id="284" r:id="rId14"/>
-    <p:sldId id="270" r:id="rId15"/>
-    <p:sldId id="281" r:id="rId16"/>
-    <p:sldId id="271" r:id="rId17"/>
-    <p:sldId id="272" r:id="rId18"/>
-    <p:sldId id="278" r:id="rId19"/>
-    <p:sldId id="275" r:id="rId20"/>
-    <p:sldId id="283" r:id="rId21"/>
-    <p:sldId id="279" r:id="rId22"/>
-    <p:sldId id="280" r:id="rId23"/>
-    <p:sldId id="273" r:id="rId24"/>
-    <p:sldId id="263" r:id="rId25"/>
-    <p:sldId id="274" r:id="rId26"/>
-    <p:sldId id="282" r:id="rId27"/>
+    <p:sldId id="285" r:id="rId9"/>
+    <p:sldId id="277" r:id="rId10"/>
+    <p:sldId id="266" r:id="rId11"/>
+    <p:sldId id="267" r:id="rId12"/>
+    <p:sldId id="268" r:id="rId13"/>
+    <p:sldId id="269" r:id="rId14"/>
+    <p:sldId id="284" r:id="rId15"/>
+    <p:sldId id="270" r:id="rId16"/>
+    <p:sldId id="281" r:id="rId17"/>
+    <p:sldId id="271" r:id="rId18"/>
+    <p:sldId id="272" r:id="rId19"/>
+    <p:sldId id="278" r:id="rId20"/>
+    <p:sldId id="275" r:id="rId21"/>
+    <p:sldId id="283" r:id="rId22"/>
+    <p:sldId id="279" r:id="rId23"/>
+    <p:sldId id="280" r:id="rId24"/>
+    <p:sldId id="273" r:id="rId25"/>
+    <p:sldId id="263" r:id="rId26"/>
+    <p:sldId id="274" r:id="rId27"/>
+    <p:sldId id="282" r:id="rId28"/>
   </p:sldIdLst>
   <p:sldSz cx="12192000" cy="6858000"/>
   <p:notesSz cx="6858000" cy="9144000"/>
@@ -4918,6 +4919,130 @@
       </p:grpSpPr>
       <p:sp>
         <p:nvSpPr>
+          <p:cNvPr id="2" name="Content Placeholder 1">
+            <a:extLst>
+              <a:ext uri="{FF2B5EF4-FFF2-40B4-BE49-F238E27FC236}">
+                <a16:creationId xmlns:a16="http://schemas.microsoft.com/office/drawing/2014/main" id="{885F3CD7-32E3-F14F-A50C-3604D7BB3B71}"/>
+              </a:ext>
+            </a:extLst>
+          </p:cNvPr>
+          <p:cNvSpPr>
+            <a:spLocks noGrp="1"/>
+          </p:cNvSpPr>
+          <p:nvPr>
+            <p:ph idx="1"/>
+          </p:nvPr>
+        </p:nvSpPr>
+        <p:spPr>
+          <a:xfrm>
+            <a:off x="301450" y="806031"/>
+            <a:ext cx="10515600" cy="5245938"/>
+          </a:xfrm>
+        </p:spPr>
+        <p:txBody>
+          <a:bodyPr/>
+          <a:lstStyle/>
+          <a:p>
+            <a:r>
+              <a:rPr lang="en-RU" dirty="0"/>
+              <a:t>Why Kaggle?</a:t>
+            </a:r>
+          </a:p>
+          <a:p>
+            <a:pPr lvl="1">
+              <a:buClr>
+                <a:schemeClr val="tx2"/>
+              </a:buClr>
+              <a:buFont typeface="Wingdings" pitchFamily="2" charset="2"/>
+              <a:buChar char="§"/>
+            </a:pPr>
+            <a:r>
+              <a:rPr lang="en-RU" dirty="0"/>
+              <a:t>Excessive amount of publicly available Python notebooks</a:t>
+            </a:r>
+            <a:r>
+              <a:rPr lang="en-US" dirty="0"/>
+              <a:t> with ML-code</a:t>
+            </a:r>
+            <a:endParaRPr lang="en-RU" dirty="0"/>
+          </a:p>
+          <a:p>
+            <a:pPr lvl="1">
+              <a:buClr>
+                <a:schemeClr val="tx2"/>
+              </a:buClr>
+              <a:buFont typeface="Wingdings" pitchFamily="2" charset="2"/>
+              <a:buChar char="§"/>
+            </a:pPr>
+            <a:r>
+              <a:rPr lang="en-RU" dirty="0"/>
+              <a:t>Kaggle API</a:t>
+            </a:r>
+          </a:p>
+          <a:p>
+            <a:r>
+              <a:rPr lang="en-RU" dirty="0"/>
+              <a:t>Parser pulls out code-description pairs.</a:t>
+            </a:r>
+          </a:p>
+          <a:p>
+            <a:r>
+              <a:rPr lang="en-RU" dirty="0"/>
+              <a:t>Each instance has the following features:</a:t>
+            </a:r>
+          </a:p>
+          <a:p>
+            <a:pPr lvl="1">
+              <a:buClr>
+                <a:schemeClr val="tx2"/>
+              </a:buClr>
+              <a:buFont typeface="Wingdings" pitchFamily="2" charset="2"/>
+              <a:buChar char="§"/>
+            </a:pPr>
+            <a:r>
+              <a:rPr lang="en-GB" dirty="0"/>
+              <a:t>C</a:t>
+            </a:r>
+            <a:r>
+              <a:rPr lang="en-RU" dirty="0"/>
+              <a:t>ode</a:t>
+            </a:r>
+          </a:p>
+          <a:p>
+            <a:pPr lvl="1">
+              <a:buClr>
+                <a:schemeClr val="tx2"/>
+              </a:buClr>
+              <a:buFont typeface="Wingdings" pitchFamily="2" charset="2"/>
+              <a:buChar char="§"/>
+            </a:pPr>
+            <a:r>
+              <a:rPr lang="en-US" dirty="0"/>
+              <a:t>In-code Comments</a:t>
+            </a:r>
+            <a:endParaRPr lang="en-RU" dirty="0"/>
+          </a:p>
+          <a:p>
+            <a:r>
+              <a:rPr lang="en-US" dirty="0"/>
+              <a:t>Number of instances: overall – </a:t>
+            </a:r>
+            <a:r>
+              <a:rPr lang="en-RU" dirty="0"/>
+              <a:t>254397, unique – 225566</a:t>
+            </a:r>
+            <a:endParaRPr lang="en-US" dirty="0"/>
+          </a:p>
+          <a:p>
+            <a:r>
+              <a:rPr lang="en-US" dirty="0"/>
+              <a:t>Final dataset – code_blocks_clean.csv</a:t>
+            </a:r>
+          </a:p>
+        </p:txBody>
+      </p:sp>
+      <p:sp>
+        <p:nvSpPr>
           <p:cNvPr id="3" name="Title 2">
             <a:extLst>
               <a:ext uri="{FF2B5EF4-FFF2-40B4-BE49-F238E27FC236}">
@@ -4944,7 +5069,15 @@
           <a:p>
             <a:r>
               <a:rPr lang="en-RU" dirty="0"/>
-              <a:t>Kaggle Dataset Statistics</a:t>
+              <a:t>Code</a:t>
+            </a:r>
+            <a:r>
+              <a:rPr lang="en-US" dirty="0"/>
+              <a:t> snippets</a:t>
+            </a:r>
+            <a:r>
+              <a:rPr lang="en-RU" dirty="0"/>
+              <a:t> from Kaggle</a:t>
             </a:r>
           </a:p>
         </p:txBody>
@@ -4974,6 +5107,178 @@
               <a:rPr lang="ru-RU" smtClean="0"/>
               <a:pPr/>
               <a:t>10</a:t>
+            </a:fld>
+            <a:endParaRPr lang="ru-RU"/>
+          </a:p>
+        </p:txBody>
+      </p:sp>
+      <p:sp>
+        <p:nvSpPr>
+          <p:cNvPr id="8" name="Date Placeholder 3">
+            <a:extLst>
+              <a:ext uri="{FF2B5EF4-FFF2-40B4-BE49-F238E27FC236}">
+                <a16:creationId xmlns:a16="http://schemas.microsoft.com/office/drawing/2014/main" id="{D18FF25E-8221-5141-89E1-2596A04BEFED}"/>
+              </a:ext>
+            </a:extLst>
+          </p:cNvPr>
+          <p:cNvSpPr>
+            <a:spLocks noGrp="1"/>
+          </p:cNvSpPr>
+          <p:nvPr>
+            <p:ph type="dt" sz="half" idx="10"/>
+          </p:nvPr>
+        </p:nvSpPr>
+        <p:spPr>
+          <a:xfrm>
+            <a:off x="5220393" y="6492875"/>
+            <a:ext cx="1751214" cy="365125"/>
+          </a:xfrm>
+        </p:spPr>
+        <p:txBody>
+          <a:bodyPr/>
+          <a:lstStyle/>
+          <a:p>
+            <a:r>
+              <a:rPr lang="en-US" dirty="0"/>
+              <a:t>01</a:t>
+            </a:r>
+            <a:r>
+              <a:rPr lang="ru-RU" dirty="0"/>
+              <a:t>.</a:t>
+            </a:r>
+            <a:r>
+              <a:rPr lang="en-US" dirty="0"/>
+              <a:t>10</a:t>
+            </a:r>
+            <a:r>
+              <a:rPr lang="ru-RU" dirty="0"/>
+              <a:t>.2020</a:t>
+            </a:r>
+          </a:p>
+        </p:txBody>
+      </p:sp>
+      <p:sp>
+        <p:nvSpPr>
+          <p:cNvPr id="9" name="Footer Placeholder 4">
+            <a:extLst>
+              <a:ext uri="{FF2B5EF4-FFF2-40B4-BE49-F238E27FC236}">
+                <a16:creationId xmlns:a16="http://schemas.microsoft.com/office/drawing/2014/main" id="{1E7352CA-4A42-3948-B234-7BC4E4925F3B}"/>
+              </a:ext>
+            </a:extLst>
+          </p:cNvPr>
+          <p:cNvSpPr>
+            <a:spLocks noGrp="1"/>
+          </p:cNvSpPr>
+          <p:nvPr>
+            <p:ph type="ftr" sz="quarter" idx="11"/>
+          </p:nvPr>
+        </p:nvSpPr>
+        <p:spPr>
+          <a:xfrm>
+            <a:off x="192505" y="6492875"/>
+            <a:ext cx="3767667" cy="365125"/>
+          </a:xfrm>
+        </p:spPr>
+        <p:txBody>
+          <a:bodyPr/>
+          <a:lstStyle/>
+          <a:p>
+            <a:r>
+              <a:rPr lang="en-GB" dirty="0"/>
+              <a:t>T. Ramazyan, A. Levin, et al., NRU HSE</a:t>
+            </a:r>
+            <a:endParaRPr lang="ru-RU" dirty="0"/>
+          </a:p>
+        </p:txBody>
+      </p:sp>
+    </p:spTree>
+    <p:extLst>
+      <p:ext uri="{BB962C8B-B14F-4D97-AF65-F5344CB8AC3E}">
+        <p14:creationId xmlns:p14="http://schemas.microsoft.com/office/powerpoint/2010/main" val="3114124307"/>
+      </p:ext>
+    </p:extLst>
+  </p:cSld>
+  <p:clrMapOvr>
+    <a:masterClrMapping/>
+  </p:clrMapOvr>
+</p:sld>
+</file>
+
+<file path=ppt/slides/slide11.xml><?xml version="1.0" encoding="utf-8"?>
+<p:sld xmlns:a="http://schemas.openxmlformats.org/drawingml/2006/main" xmlns:r="http://schemas.openxmlformats.org/officeDocument/2006/relationships" xmlns:p="http://schemas.openxmlformats.org/presentationml/2006/main">
+  <p:cSld>
+    <p:spTree>
+      <p:nvGrpSpPr>
+        <p:cNvPr id="1" name=""/>
+        <p:cNvGrpSpPr/>
+        <p:nvPr/>
+      </p:nvGrpSpPr>
+      <p:grpSpPr>
+        <a:xfrm>
+          <a:off x="0" y="0"/>
+          <a:ext cx="0" cy="0"/>
+          <a:chOff x="0" y="0"/>
+          <a:chExt cx="0" cy="0"/>
+        </a:xfrm>
+      </p:grpSpPr>
+      <p:sp>
+        <p:nvSpPr>
+          <p:cNvPr id="3" name="Title 2">
+            <a:extLst>
+              <a:ext uri="{FF2B5EF4-FFF2-40B4-BE49-F238E27FC236}">
+                <a16:creationId xmlns:a16="http://schemas.microsoft.com/office/drawing/2014/main" id="{D482727E-8510-5F4B-8904-4D776FCF3B82}"/>
+              </a:ext>
+            </a:extLst>
+          </p:cNvPr>
+          <p:cNvSpPr>
+            <a:spLocks noGrp="1"/>
+          </p:cNvSpPr>
+          <p:nvPr>
+            <p:ph type="title"/>
+          </p:nvPr>
+        </p:nvSpPr>
+        <p:spPr>
+          <a:xfrm>
+            <a:off x="192505" y="278670"/>
+            <a:ext cx="11806990" cy="765843"/>
+          </a:xfrm>
+        </p:spPr>
+        <p:txBody>
+          <a:bodyPr/>
+          <a:lstStyle/>
+          <a:p>
+            <a:r>
+              <a:rPr lang="en-RU" dirty="0"/>
+              <a:t>Kaggle Dataset Statistics</a:t>
+            </a:r>
+          </a:p>
+        </p:txBody>
+      </p:sp>
+      <p:sp>
+        <p:nvSpPr>
+          <p:cNvPr id="6" name="Slide Number Placeholder 5">
+            <a:extLst>
+              <a:ext uri="{FF2B5EF4-FFF2-40B4-BE49-F238E27FC236}">
+                <a16:creationId xmlns:a16="http://schemas.microsoft.com/office/drawing/2014/main" id="{1B345C92-D62A-F244-BEA6-C1F0B7F0F79B}"/>
+              </a:ext>
+            </a:extLst>
+          </p:cNvPr>
+          <p:cNvSpPr>
+            <a:spLocks noGrp="1"/>
+          </p:cNvSpPr>
+          <p:nvPr>
+            <p:ph type="sldNum" sz="quarter" idx="12"/>
+          </p:nvPr>
+        </p:nvSpPr>
+        <p:spPr/>
+        <p:txBody>
+          <a:bodyPr/>
+          <a:lstStyle/>
+          <a:p>
+            <a:fld id="{21ABC42C-C6CC-47FC-904E-31573FDBB029}" type="slidenum">
+              <a:rPr lang="ru-RU" smtClean="0"/>
+              <a:pPr/>
+              <a:t>11</a:t>
             </a:fld>
             <a:endParaRPr lang="ru-RU"/>
           </a:p>
@@ -5818,319 +6123,6 @@
 </p:sld>
 </file>
 
-<file path=ppt/slides/slide11.xml><?xml version="1.0" encoding="utf-8"?>
-<p:sld xmlns:a="http://schemas.openxmlformats.org/drawingml/2006/main" xmlns:r="http://schemas.openxmlformats.org/officeDocument/2006/relationships" xmlns:p="http://schemas.openxmlformats.org/presentationml/2006/main">
-  <p:cSld>
-    <p:spTree>
-      <p:nvGrpSpPr>
-        <p:cNvPr id="1" name=""/>
-        <p:cNvGrpSpPr/>
-        <p:nvPr/>
-      </p:nvGrpSpPr>
-      <p:grpSpPr>
-        <a:xfrm>
-          <a:off x="0" y="0"/>
-          <a:ext cx="0" cy="0"/>
-          <a:chOff x="0" y="0"/>
-          <a:chExt cx="0" cy="0"/>
-        </a:xfrm>
-      </p:grpSpPr>
-      <p:sp>
-        <p:nvSpPr>
-          <p:cNvPr id="2" name="Content Placeholder 1">
-            <a:extLst>
-              <a:ext uri="{FF2B5EF4-FFF2-40B4-BE49-F238E27FC236}">
-                <a16:creationId xmlns:a16="http://schemas.microsoft.com/office/drawing/2014/main" id="{885F3CD7-32E3-F14F-A50C-3604D7BB3B71}"/>
-              </a:ext>
-            </a:extLst>
-          </p:cNvPr>
-          <p:cNvSpPr>
-            <a:spLocks noGrp="1"/>
-          </p:cNvSpPr>
-          <p:nvPr>
-            <p:ph idx="1"/>
-          </p:nvPr>
-        </p:nvSpPr>
-        <p:spPr>
-          <a:xfrm>
-            <a:off x="838200" y="939338"/>
-            <a:ext cx="10515600" cy="5237625"/>
-          </a:xfrm>
-        </p:spPr>
-        <p:txBody>
-          <a:bodyPr/>
-          <a:lstStyle/>
-          <a:p>
-            <a:r>
-              <a:rPr lang="en-RU" dirty="0"/>
-              <a:t>Parser pulls out code-description pairs.</a:t>
-            </a:r>
-          </a:p>
-          <a:p>
-            <a:r>
-              <a:rPr lang="en-RU" dirty="0"/>
-              <a:t>Each instance has the following features:</a:t>
-            </a:r>
-          </a:p>
-          <a:p>
-            <a:pPr lvl="1">
-              <a:buClr>
-                <a:schemeClr val="tx2"/>
-              </a:buClr>
-              <a:buFont typeface="Wingdings" pitchFamily="2" charset="2"/>
-              <a:buChar char="§"/>
-            </a:pPr>
-            <a:r>
-              <a:rPr lang="en-US" dirty="0"/>
-              <a:t>User</a:t>
-            </a:r>
-          </a:p>
-          <a:p>
-            <a:pPr lvl="1">
-              <a:buClr>
-                <a:schemeClr val="tx2"/>
-              </a:buClr>
-              <a:buFont typeface="Wingdings" pitchFamily="2" charset="2"/>
-              <a:buChar char="§"/>
-            </a:pPr>
-            <a:r>
-              <a:rPr lang="en-US" dirty="0"/>
-              <a:t>Repo</a:t>
-            </a:r>
-          </a:p>
-          <a:p>
-            <a:pPr lvl="1">
-              <a:buClr>
-                <a:schemeClr val="tx2"/>
-              </a:buClr>
-              <a:buFont typeface="Wingdings" pitchFamily="2" charset="2"/>
-              <a:buChar char="§"/>
-            </a:pPr>
-            <a:r>
-              <a:rPr lang="en-US" dirty="0"/>
-              <a:t>File path</a:t>
-            </a:r>
-          </a:p>
-          <a:p>
-            <a:pPr lvl="1">
-              <a:buClr>
-                <a:schemeClr val="tx2"/>
-              </a:buClr>
-              <a:buFont typeface="Wingdings" pitchFamily="2" charset="2"/>
-              <a:buChar char="§"/>
-            </a:pPr>
-            <a:r>
-              <a:rPr lang="en-US" dirty="0"/>
-              <a:t>Code</a:t>
-            </a:r>
-            <a:endParaRPr lang="en-RU" dirty="0"/>
-          </a:p>
-          <a:p>
-            <a:pPr lvl="1">
-              <a:buClr>
-                <a:schemeClr val="tx2"/>
-              </a:buClr>
-              <a:buFont typeface="Wingdings" pitchFamily="2" charset="2"/>
-              <a:buChar char="§"/>
-            </a:pPr>
-            <a:r>
-              <a:rPr lang="en-US" dirty="0"/>
-              <a:t>In-code </a:t>
-            </a:r>
-            <a:r>
-              <a:rPr lang="en-RU" dirty="0"/>
-              <a:t>Comments</a:t>
-            </a:r>
-          </a:p>
-          <a:p>
-            <a:r>
-              <a:rPr lang="en-US" dirty="0"/>
-              <a:t>Number of instances: overall – </a:t>
-            </a:r>
-            <a:r>
-              <a:rPr lang="en-RU" dirty="0"/>
-              <a:t>249542, unique – 167353</a:t>
-            </a:r>
-            <a:endParaRPr lang="en-US" dirty="0"/>
-          </a:p>
-          <a:p>
-            <a:r>
-              <a:rPr lang="en-US" dirty="0"/>
-              <a:t>Final dataset - github_raw.csv</a:t>
-            </a:r>
-            <a:endParaRPr lang="en-RU" dirty="0"/>
-          </a:p>
-        </p:txBody>
-      </p:sp>
-      <p:sp>
-        <p:nvSpPr>
-          <p:cNvPr id="3" name="Title 2">
-            <a:extLst>
-              <a:ext uri="{FF2B5EF4-FFF2-40B4-BE49-F238E27FC236}">
-                <a16:creationId xmlns:a16="http://schemas.microsoft.com/office/drawing/2014/main" id="{D482727E-8510-5F4B-8904-4D776FCF3B82}"/>
-              </a:ext>
-            </a:extLst>
-          </p:cNvPr>
-          <p:cNvSpPr>
-            <a:spLocks noGrp="1"/>
-          </p:cNvSpPr>
-          <p:nvPr>
-            <p:ph type="title"/>
-          </p:nvPr>
-        </p:nvSpPr>
-        <p:spPr/>
-        <p:txBody>
-          <a:bodyPr/>
-          <a:lstStyle/>
-          <a:p>
-            <a:r>
-              <a:rPr lang="en-US" dirty="0">
-                <a:cs typeface="Myanmar Text" panose="020B0502040204020203" pitchFamily="34" charset="0"/>
-              </a:rPr>
-              <a:t>Code </a:t>
-            </a:r>
-            <a:r>
-              <a:rPr lang="en-US" dirty="0"/>
-              <a:t>snippets</a:t>
-            </a:r>
-            <a:r>
-              <a:rPr lang="en-US" dirty="0">
-                <a:cs typeface="Myanmar Text" panose="020B0502040204020203" pitchFamily="34" charset="0"/>
-              </a:rPr>
-              <a:t> from </a:t>
-            </a:r>
-            <a:r>
-              <a:rPr lang="en-US" dirty="0" err="1">
-                <a:cs typeface="Myanmar Text" panose="020B0502040204020203" pitchFamily="34" charset="0"/>
-              </a:rPr>
-              <a:t>Github</a:t>
-            </a:r>
-            <a:endParaRPr lang="en-RU" dirty="0"/>
-          </a:p>
-        </p:txBody>
-      </p:sp>
-      <p:sp>
-        <p:nvSpPr>
-          <p:cNvPr id="6" name="Slide Number Placeholder 5">
-            <a:extLst>
-              <a:ext uri="{FF2B5EF4-FFF2-40B4-BE49-F238E27FC236}">
-                <a16:creationId xmlns:a16="http://schemas.microsoft.com/office/drawing/2014/main" id="{1B345C92-D62A-F244-BEA6-C1F0B7F0F79B}"/>
-              </a:ext>
-            </a:extLst>
-          </p:cNvPr>
-          <p:cNvSpPr>
-            <a:spLocks noGrp="1"/>
-          </p:cNvSpPr>
-          <p:nvPr>
-            <p:ph type="sldNum" sz="quarter" idx="12"/>
-          </p:nvPr>
-        </p:nvSpPr>
-        <p:spPr/>
-        <p:txBody>
-          <a:bodyPr/>
-          <a:lstStyle/>
-          <a:p>
-            <a:fld id="{21ABC42C-C6CC-47FC-904E-31573FDBB029}" type="slidenum">
-              <a:rPr lang="ru-RU" smtClean="0"/>
-              <a:pPr/>
-              <a:t>11</a:t>
-            </a:fld>
-            <a:endParaRPr lang="ru-RU"/>
-          </a:p>
-        </p:txBody>
-      </p:sp>
-      <p:sp>
-        <p:nvSpPr>
-          <p:cNvPr id="7" name="Date Placeholder 3">
-            <a:extLst>
-              <a:ext uri="{FF2B5EF4-FFF2-40B4-BE49-F238E27FC236}">
-                <a16:creationId xmlns:a16="http://schemas.microsoft.com/office/drawing/2014/main" id="{4E959F51-7FF2-7645-B32D-F1C0A864942B}"/>
-              </a:ext>
-            </a:extLst>
-          </p:cNvPr>
-          <p:cNvSpPr>
-            <a:spLocks noGrp="1"/>
-          </p:cNvSpPr>
-          <p:nvPr>
-            <p:ph type="dt" sz="half" idx="10"/>
-          </p:nvPr>
-        </p:nvSpPr>
-        <p:spPr>
-          <a:xfrm>
-            <a:off x="5220393" y="6492875"/>
-            <a:ext cx="1751214" cy="365125"/>
-          </a:xfrm>
-        </p:spPr>
-        <p:txBody>
-          <a:bodyPr/>
-          <a:lstStyle/>
-          <a:p>
-            <a:r>
-              <a:rPr lang="en-US" dirty="0"/>
-              <a:t>01</a:t>
-            </a:r>
-            <a:r>
-              <a:rPr lang="ru-RU" dirty="0"/>
-              <a:t>.</a:t>
-            </a:r>
-            <a:r>
-              <a:rPr lang="en-US" dirty="0"/>
-              <a:t>10</a:t>
-            </a:r>
-            <a:r>
-              <a:rPr lang="ru-RU" dirty="0"/>
-              <a:t>.2020</a:t>
-            </a:r>
-          </a:p>
-        </p:txBody>
-      </p:sp>
-      <p:sp>
-        <p:nvSpPr>
-          <p:cNvPr id="8" name="Footer Placeholder 4">
-            <a:extLst>
-              <a:ext uri="{FF2B5EF4-FFF2-40B4-BE49-F238E27FC236}">
-                <a16:creationId xmlns:a16="http://schemas.microsoft.com/office/drawing/2014/main" id="{C685D8EF-2851-D540-BBD0-631DDE2659A0}"/>
-              </a:ext>
-            </a:extLst>
-          </p:cNvPr>
-          <p:cNvSpPr>
-            <a:spLocks noGrp="1"/>
-          </p:cNvSpPr>
-          <p:nvPr>
-            <p:ph type="ftr" sz="quarter" idx="11"/>
-          </p:nvPr>
-        </p:nvSpPr>
-        <p:spPr>
-          <a:xfrm>
-            <a:off x="192505" y="6492875"/>
-            <a:ext cx="3767667" cy="365125"/>
-          </a:xfrm>
-        </p:spPr>
-        <p:txBody>
-          <a:bodyPr/>
-          <a:lstStyle/>
-          <a:p>
-            <a:r>
-              <a:rPr lang="en-GB" dirty="0"/>
-              <a:t>T. Ramazyan, A. Levin, et al., NRU HSE</a:t>
-            </a:r>
-            <a:endParaRPr lang="ru-RU" dirty="0"/>
-          </a:p>
-        </p:txBody>
-      </p:sp>
-    </p:spTree>
-    <p:extLst>
-      <p:ext uri="{BB962C8B-B14F-4D97-AF65-F5344CB8AC3E}">
-        <p14:creationId xmlns:p14="http://schemas.microsoft.com/office/powerpoint/2010/main" val="386230205"/>
-      </p:ext>
-    </p:extLst>
-  </p:cSld>
-  <p:clrMapOvr>
-    <a:masterClrMapping/>
-  </p:clrMapOvr>
-</p:sld>
-</file>
-
 <file path=ppt/slides/slide12.xml><?xml version="1.0" encoding="utf-8"?>
 <p:sld xmlns:a="http://schemas.openxmlformats.org/drawingml/2006/main" xmlns:r="http://schemas.openxmlformats.org/officeDocument/2006/relationships" xmlns:p="http://schemas.openxmlformats.org/presentationml/2006/main">
   <p:cSld>
@@ -6164,57 +6156,112 @@
             <p:ph idx="1"/>
           </p:nvPr>
         </p:nvSpPr>
-        <p:spPr/>
+        <p:spPr>
+          <a:xfrm>
+            <a:off x="838200" y="939338"/>
+            <a:ext cx="10515600" cy="5237625"/>
+          </a:xfrm>
+        </p:spPr>
         <p:txBody>
           <a:bodyPr/>
           <a:lstStyle/>
           <a:p>
             <a:r>
-              <a:rPr lang="en-US" dirty="0"/>
-              <a:t>Ground truth labelling</a:t>
-            </a:r>
-          </a:p>
-          <a:p>
-            <a:r>
-              <a:rPr lang="en-US" dirty="0"/>
-              <a:t>Validation set labeled by hand based on </a:t>
-            </a:r>
-            <a:r>
-              <a:rPr lang="en-US" dirty="0" err="1"/>
-              <a:t>Kaggle</a:t>
+              <a:rPr lang="en-RU" dirty="0"/>
+              <a:t>Parser pulls out code-description pairs.</a:t>
+            </a:r>
+          </a:p>
+          <a:p>
+            <a:r>
+              <a:rPr lang="en-RU" dirty="0"/>
+              <a:t>Each instance has the following features:</a:t>
+            </a:r>
+          </a:p>
+          <a:p>
+            <a:pPr lvl="1">
+              <a:buClr>
+                <a:schemeClr val="tx2"/>
+              </a:buClr>
+              <a:buFont typeface="Wingdings" pitchFamily="2" charset="2"/>
+              <a:buChar char="§"/>
+            </a:pPr>
+            <a:r>
+              <a:rPr lang="en-US" dirty="0"/>
+              <a:t>User</a:t>
+            </a:r>
+          </a:p>
+          <a:p>
+            <a:pPr lvl="1">
+              <a:buClr>
+                <a:schemeClr val="tx2"/>
+              </a:buClr>
+              <a:buFont typeface="Wingdings" pitchFamily="2" charset="2"/>
+              <a:buChar char="§"/>
+            </a:pPr>
+            <a:r>
+              <a:rPr lang="en-US" dirty="0"/>
+              <a:t>Repo</a:t>
+            </a:r>
+          </a:p>
+          <a:p>
+            <a:pPr lvl="1">
+              <a:buClr>
+                <a:schemeClr val="tx2"/>
+              </a:buClr>
+              <a:buFont typeface="Wingdings" pitchFamily="2" charset="2"/>
+              <a:buChar char="§"/>
+            </a:pPr>
+            <a:r>
+              <a:rPr lang="en-US" dirty="0"/>
+              <a:t>File path</a:t>
+            </a:r>
+          </a:p>
+          <a:p>
+            <a:pPr lvl="1">
+              <a:buClr>
+                <a:schemeClr val="tx2"/>
+              </a:buClr>
+              <a:buFont typeface="Wingdings" pitchFamily="2" charset="2"/>
+              <a:buChar char="§"/>
+            </a:pPr>
+            <a:r>
+              <a:rPr lang="en-US" dirty="0"/>
+              <a:t>Code</a:t>
+            </a:r>
+            <a:endParaRPr lang="en-RU" dirty="0"/>
+          </a:p>
+          <a:p>
+            <a:pPr lvl="1">
+              <a:buClr>
+                <a:schemeClr val="tx2"/>
+              </a:buClr>
+              <a:buFont typeface="Wingdings" pitchFamily="2" charset="2"/>
+              <a:buChar char="§"/>
+            </a:pPr>
+            <a:r>
+              <a:rPr lang="en-US" dirty="0"/>
+              <a:t>In-code </a:t>
+            </a:r>
+            <a:r>
+              <a:rPr lang="en-RU" dirty="0"/>
+              <a:t>Comments</a:t>
+            </a:r>
+          </a:p>
+          <a:p>
+            <a:r>
+              <a:rPr lang="en-US" dirty="0"/>
+              <a:t>Number of instances: overall – </a:t>
+            </a:r>
+            <a:r>
+              <a:rPr lang="en-RU" dirty="0"/>
+              <a:t>249542, unique – 167353</a:t>
             </a:r>
             <a:endParaRPr lang="en-US" dirty="0"/>
           </a:p>
           <a:p>
             <a:r>
               <a:rPr lang="en-US" dirty="0"/>
-              <a:t>Number of instances – 884 snippets</a:t>
-            </a:r>
-          </a:p>
-          <a:p>
-            <a:r>
-              <a:rPr lang="en-US" dirty="0"/>
-              <a:t>Each snippet belongs to only 1 vertex of the KG</a:t>
-            </a:r>
-          </a:p>
-          <a:p>
-            <a:r>
-              <a:rPr lang="en-US" dirty="0"/>
-              <a:t>100 snippets for every vertex (84 for “</a:t>
-            </a:r>
-            <a:r>
-              <a:rPr lang="en-US" dirty="0" err="1"/>
-              <a:t>data_export</a:t>
-            </a:r>
-            <a:r>
-              <a:rPr lang="en-US" dirty="0"/>
-              <a:t>”)</a:t>
-            </a:r>
-          </a:p>
-          <a:p>
-            <a:r>
-              <a:rPr lang="en-US" dirty="0"/>
-              <a:t>Final dataset - golden_884_set.csv</a:t>
+              <a:t>Final dataset - github_raw.csv</a:t>
             </a:r>
             <a:endParaRPr lang="en-RU" dirty="0"/>
           </a:p>
@@ -6245,7 +6292,23 @@
               <a:rPr lang="en-US" dirty="0">
                 <a:cs typeface="Myanmar Text" panose="020B0502040204020203" pitchFamily="34" charset="0"/>
               </a:rPr>
-              <a:t>Golden Set</a:t>
+              <a:t>Code </a:t>
+            </a:r>
+            <a:r>
+              <a:rPr lang="en-US" dirty="0"/>
+              <a:t>snippets</a:t>
+            </a:r>
+            <a:r>
+              <a:rPr lang="en-US" dirty="0">
+                <a:cs typeface="Myanmar Text" panose="020B0502040204020203" pitchFamily="34" charset="0"/>
+              </a:rPr>
+              <a:t> from </a:t>
+            </a:r>
+            <a:r>
+              <a:rPr lang="en-US" dirty="0" err="1">
+                <a:cs typeface="Myanmar Text" panose="020B0502040204020203" pitchFamily="34" charset="0"/>
+              </a:rPr>
+              <a:t>Github</a:t>
             </a:r>
             <a:endParaRPr lang="en-RU" dirty="0"/>
           </a:p>
@@ -6331,7 +6394,7 @@
           <p:cNvPr id="8" name="Footer Placeholder 4">
             <a:extLst>
               <a:ext uri="{FF2B5EF4-FFF2-40B4-BE49-F238E27FC236}">
-                <a16:creationId xmlns:a16="http://schemas.microsoft.com/office/drawing/2014/main" id="{4F52C3E2-F359-734F-96C1-D9D38D3026E3}"/>
+                <a16:creationId xmlns:a16="http://schemas.microsoft.com/office/drawing/2014/main" id="{C685D8EF-2851-D540-BBD0-631DDE2659A0}"/>
               </a:ext>
             </a:extLst>
           </p:cNvPr>
@@ -6363,7 +6426,7 @@
     </p:spTree>
     <p:extLst>
       <p:ext uri="{BB962C8B-B14F-4D97-AF65-F5344CB8AC3E}">
-        <p14:creationId xmlns:p14="http://schemas.microsoft.com/office/powerpoint/2010/main" val="1504268718"/>
+        <p14:creationId xmlns:p14="http://schemas.microsoft.com/office/powerpoint/2010/main" val="386230205"/>
       </p:ext>
     </p:extLst>
   </p:cSld>
@@ -6392,10 +6455,82 @@
       </p:grpSpPr>
       <p:sp>
         <p:nvSpPr>
-          <p:cNvPr id="2" name="Title 1">
-            <a:extLst>
-              <a:ext uri="{FF2B5EF4-FFF2-40B4-BE49-F238E27FC236}">
-                <a16:creationId xmlns:a16="http://schemas.microsoft.com/office/drawing/2014/main" id="{A0D79D22-7949-6544-A49E-361186E06450}"/>
+          <p:cNvPr id="2" name="Content Placeholder 1">
+            <a:extLst>
+              <a:ext uri="{FF2B5EF4-FFF2-40B4-BE49-F238E27FC236}">
+                <a16:creationId xmlns:a16="http://schemas.microsoft.com/office/drawing/2014/main" id="{885F3CD7-32E3-F14F-A50C-3604D7BB3B71}"/>
+              </a:ext>
+            </a:extLst>
+          </p:cNvPr>
+          <p:cNvSpPr>
+            <a:spLocks noGrp="1"/>
+          </p:cNvSpPr>
+          <p:nvPr>
+            <p:ph idx="1"/>
+          </p:nvPr>
+        </p:nvSpPr>
+        <p:spPr/>
+        <p:txBody>
+          <a:bodyPr/>
+          <a:lstStyle/>
+          <a:p>
+            <a:r>
+              <a:rPr lang="en-US" dirty="0"/>
+              <a:t>Ground truth labelling</a:t>
+            </a:r>
+          </a:p>
+          <a:p>
+            <a:r>
+              <a:rPr lang="en-US" dirty="0"/>
+              <a:t>Validation set labeled by hand based on </a:t>
+            </a:r>
+            <a:r>
+              <a:rPr lang="en-US" dirty="0" err="1"/>
+              <a:t>Kaggle</a:t>
+            </a:r>
+            <a:endParaRPr lang="en-US" dirty="0"/>
+          </a:p>
+          <a:p>
+            <a:r>
+              <a:rPr lang="en-US" dirty="0"/>
+              <a:t>Number of instances – 884 snippets</a:t>
+            </a:r>
+          </a:p>
+          <a:p>
+            <a:r>
+              <a:rPr lang="en-US" dirty="0"/>
+              <a:t>Each snippet belongs to only 1 vertex of the KG</a:t>
+            </a:r>
+          </a:p>
+          <a:p>
+            <a:r>
+              <a:rPr lang="en-US" dirty="0"/>
+              <a:t>100 snippets for every vertex (84 for “</a:t>
+            </a:r>
+            <a:r>
+              <a:rPr lang="en-US" dirty="0" err="1"/>
+              <a:t>data_export</a:t>
+            </a:r>
+            <a:r>
+              <a:rPr lang="en-US" dirty="0"/>
+              <a:t>”)</a:t>
+            </a:r>
+          </a:p>
+          <a:p>
+            <a:r>
+              <a:rPr lang="en-US" dirty="0"/>
+              <a:t>Final dataset - golden_884_set.csv</a:t>
+            </a:r>
+            <a:endParaRPr lang="en-RU" dirty="0"/>
+          </a:p>
+        </p:txBody>
+      </p:sp>
+      <p:sp>
+        <p:nvSpPr>
+          <p:cNvPr id="3" name="Title 2">
+            <a:extLst>
+              <a:ext uri="{FF2B5EF4-FFF2-40B4-BE49-F238E27FC236}">
+                <a16:creationId xmlns:a16="http://schemas.microsoft.com/office/drawing/2014/main" id="{D482727E-8510-5F4B-8904-4D776FCF3B82}"/>
               </a:ext>
             </a:extLst>
           </p:cNvPr>
@@ -6408,30 +6543,132 @@
         </p:nvSpPr>
         <p:spPr/>
         <p:txBody>
-          <a:bodyPr>
-            <a:normAutofit fontScale="90000"/>
-          </a:bodyPr>
+          <a:bodyPr/>
           <a:lstStyle/>
           <a:p>
             <a:r>
-              <a:rPr lang="en-RU" dirty="0"/>
-              <a:t>Code Classification</a:t>
-            </a:r>
-            <a:br>
-              <a:rPr lang="en-US" dirty="0"/>
-            </a:br>
-            <a:r>
-              <a:rPr lang="en-US" dirty="0"/>
-              <a:t>(auto-labelling)</a:t>
+              <a:rPr lang="en-US" dirty="0">
+                <a:cs typeface="Myanmar Text" panose="020B0502040204020203" pitchFamily="34" charset="0"/>
+              </a:rPr>
+              <a:t>Golden Set</a:t>
             </a:r>
             <a:endParaRPr lang="en-RU" dirty="0"/>
+          </a:p>
+        </p:txBody>
+      </p:sp>
+      <p:sp>
+        <p:nvSpPr>
+          <p:cNvPr id="6" name="Slide Number Placeholder 5">
+            <a:extLst>
+              <a:ext uri="{FF2B5EF4-FFF2-40B4-BE49-F238E27FC236}">
+                <a16:creationId xmlns:a16="http://schemas.microsoft.com/office/drawing/2014/main" id="{1B345C92-D62A-F244-BEA6-C1F0B7F0F79B}"/>
+              </a:ext>
+            </a:extLst>
+          </p:cNvPr>
+          <p:cNvSpPr>
+            <a:spLocks noGrp="1"/>
+          </p:cNvSpPr>
+          <p:nvPr>
+            <p:ph type="sldNum" sz="quarter" idx="12"/>
+          </p:nvPr>
+        </p:nvSpPr>
+        <p:spPr/>
+        <p:txBody>
+          <a:bodyPr/>
+          <a:lstStyle/>
+          <a:p>
+            <a:fld id="{21ABC42C-C6CC-47FC-904E-31573FDBB029}" type="slidenum">
+              <a:rPr lang="ru-RU" smtClean="0"/>
+              <a:pPr/>
+              <a:t>13</a:t>
+            </a:fld>
+            <a:endParaRPr lang="ru-RU"/>
+          </a:p>
+        </p:txBody>
+      </p:sp>
+      <p:sp>
+        <p:nvSpPr>
+          <p:cNvPr id="7" name="Date Placeholder 3">
+            <a:extLst>
+              <a:ext uri="{FF2B5EF4-FFF2-40B4-BE49-F238E27FC236}">
+                <a16:creationId xmlns:a16="http://schemas.microsoft.com/office/drawing/2014/main" id="{4E959F51-7FF2-7645-B32D-F1C0A864942B}"/>
+              </a:ext>
+            </a:extLst>
+          </p:cNvPr>
+          <p:cNvSpPr>
+            <a:spLocks noGrp="1"/>
+          </p:cNvSpPr>
+          <p:nvPr>
+            <p:ph type="dt" sz="half" idx="10"/>
+          </p:nvPr>
+        </p:nvSpPr>
+        <p:spPr>
+          <a:xfrm>
+            <a:off x="5220393" y="6492875"/>
+            <a:ext cx="1751214" cy="365125"/>
+          </a:xfrm>
+        </p:spPr>
+        <p:txBody>
+          <a:bodyPr/>
+          <a:lstStyle/>
+          <a:p>
+            <a:r>
+              <a:rPr lang="en-US" dirty="0"/>
+              <a:t>01</a:t>
+            </a:r>
+            <a:r>
+              <a:rPr lang="ru-RU" dirty="0"/>
+              <a:t>.</a:t>
+            </a:r>
+            <a:r>
+              <a:rPr lang="en-US" dirty="0"/>
+              <a:t>10</a:t>
+            </a:r>
+            <a:r>
+              <a:rPr lang="ru-RU" dirty="0"/>
+              <a:t>.2020</a:t>
+            </a:r>
+          </a:p>
+        </p:txBody>
+      </p:sp>
+      <p:sp>
+        <p:nvSpPr>
+          <p:cNvPr id="8" name="Footer Placeholder 4">
+            <a:extLst>
+              <a:ext uri="{FF2B5EF4-FFF2-40B4-BE49-F238E27FC236}">
+                <a16:creationId xmlns:a16="http://schemas.microsoft.com/office/drawing/2014/main" id="{4F52C3E2-F359-734F-96C1-D9D38D3026E3}"/>
+              </a:ext>
+            </a:extLst>
+          </p:cNvPr>
+          <p:cNvSpPr>
+            <a:spLocks noGrp="1"/>
+          </p:cNvSpPr>
+          <p:nvPr>
+            <p:ph type="ftr" sz="quarter" idx="11"/>
+          </p:nvPr>
+        </p:nvSpPr>
+        <p:spPr>
+          <a:xfrm>
+            <a:off x="192505" y="6492875"/>
+            <a:ext cx="3767667" cy="365125"/>
+          </a:xfrm>
+        </p:spPr>
+        <p:txBody>
+          <a:bodyPr/>
+          <a:lstStyle/>
+          <a:p>
+            <a:r>
+              <a:rPr lang="en-GB" dirty="0"/>
+              <a:t>T. Ramazyan, A. Levin, et al., NRU HSE</a:t>
+            </a:r>
+            <a:endParaRPr lang="ru-RU" dirty="0"/>
           </a:p>
         </p:txBody>
       </p:sp>
     </p:spTree>
     <p:extLst>
       <p:ext uri="{BB962C8B-B14F-4D97-AF65-F5344CB8AC3E}">
-        <p14:creationId xmlns:p14="http://schemas.microsoft.com/office/powerpoint/2010/main" val="811290956"/>
+        <p14:creationId xmlns:p14="http://schemas.microsoft.com/office/powerpoint/2010/main" val="1504268718"/>
       </p:ext>
     </p:extLst>
   </p:cSld>
@@ -6460,386 +6697,46 @@
       </p:grpSpPr>
       <p:sp>
         <p:nvSpPr>
-          <p:cNvPr id="2" name="Content Placeholder 1">
-            <a:extLst>
-              <a:ext uri="{FF2B5EF4-FFF2-40B4-BE49-F238E27FC236}">
-                <a16:creationId xmlns:a16="http://schemas.microsoft.com/office/drawing/2014/main" id="{840F111B-D3AF-9C44-A9FF-CCAD09FB2394}"/>
-              </a:ext>
-            </a:extLst>
-          </p:cNvPr>
-          <p:cNvSpPr>
-            <a:spLocks noGrp="1"/>
-          </p:cNvSpPr>
-          <p:nvPr>
-            <p:ph idx="1"/>
-          </p:nvPr>
-        </p:nvSpPr>
-        <p:spPr>
-          <a:xfrm>
-            <a:off x="312146" y="979387"/>
-            <a:ext cx="6359438" cy="5509890"/>
-          </a:xfrm>
-        </p:spPr>
+          <p:cNvPr id="2" name="Title 1">
+            <a:extLst>
+              <a:ext uri="{FF2B5EF4-FFF2-40B4-BE49-F238E27FC236}">
+                <a16:creationId xmlns:a16="http://schemas.microsoft.com/office/drawing/2014/main" id="{A0D79D22-7949-6544-A49E-361186E06450}"/>
+              </a:ext>
+            </a:extLst>
+          </p:cNvPr>
+          <p:cNvSpPr>
+            <a:spLocks noGrp="1"/>
+          </p:cNvSpPr>
+          <p:nvPr>
+            <p:ph type="title"/>
+          </p:nvPr>
+        </p:nvSpPr>
+        <p:spPr/>
         <p:txBody>
           <a:bodyPr>
-            <a:normAutofit/>
+            <a:normAutofit fontScale="90000"/>
           </a:bodyPr>
           <a:lstStyle/>
           <a:p>
             <a:r>
-              <a:rPr lang="en-US" dirty="0"/>
-              <a:t>Targets – regex-labels</a:t>
-            </a:r>
-          </a:p>
-          <a:p>
-            <a:r>
-              <a:rPr lang="en-RU" dirty="0"/>
-              <a:t>Models: SVM and Log</a:t>
-            </a:r>
-            <a:r>
-              <a:rPr lang="en-US" dirty="0" err="1"/>
-              <a:t>istic</a:t>
-            </a:r>
-            <a:r>
-              <a:rPr lang="en-US" dirty="0"/>
-              <a:t> </a:t>
-            </a:r>
-            <a:r>
-              <a:rPr lang="en-RU" dirty="0"/>
-              <a:t>Reg</a:t>
-            </a:r>
-            <a:r>
-              <a:rPr lang="en-US" dirty="0" err="1"/>
-              <a:t>ression</a:t>
-            </a:r>
-            <a:endParaRPr lang="en-RU" dirty="0"/>
-          </a:p>
-          <a:p>
-            <a:r>
-              <a:rPr lang="en-RU" dirty="0"/>
-              <a:t>Metric: </a:t>
-            </a:r>
-            <a:r>
-              <a:rPr lang="en-US" dirty="0"/>
-              <a:t>Accuracy, </a:t>
-            </a:r>
-            <a:r>
-              <a:rPr lang="en-RU" dirty="0"/>
-              <a:t>F1</a:t>
-            </a:r>
-            <a:r>
-              <a:rPr lang="en-US" dirty="0"/>
-              <a:t>-</a:t>
-            </a:r>
-            <a:r>
-              <a:rPr lang="en-RU" dirty="0"/>
-              <a:t>score</a:t>
-            </a:r>
-            <a:r>
-              <a:rPr lang="en-US" dirty="0"/>
-              <a:t> (weighted)</a:t>
-            </a:r>
-            <a:endParaRPr lang="en-RU" dirty="0"/>
-          </a:p>
-          <a:p>
-            <a:r>
-              <a:rPr lang="en-RU" dirty="0"/>
-              <a:t>Vectorizer: </a:t>
-            </a:r>
-            <a:r>
-              <a:rPr lang="en-US" dirty="0"/>
-              <a:t>TF-IDF</a:t>
-            </a:r>
-            <a:endParaRPr lang="en-RU" dirty="0"/>
-          </a:p>
-          <a:p>
-            <a:endParaRPr lang="en-RU" dirty="0"/>
-          </a:p>
-          <a:p>
-            <a:pPr marL="309600" indent="0">
-              <a:buNone/>
-            </a:pPr>
-            <a:endParaRPr lang="en-US" dirty="0"/>
-          </a:p>
-          <a:p>
-            <a:pPr marL="309600" indent="0">
-              <a:buNone/>
-            </a:pPr>
-            <a:r>
-              <a:rPr lang="en-US" dirty="0"/>
-              <a:t>Scores on the test set (targets – regex-labels)</a:t>
-            </a:r>
-          </a:p>
-          <a:p>
-            <a:r>
-              <a:rPr lang="en-RU" dirty="0"/>
-              <a:t>SVM</a:t>
-            </a:r>
-            <a:r>
-              <a:rPr lang="en-US" dirty="0"/>
-              <a:t> v6</a:t>
-            </a:r>
-            <a:r>
-              <a:rPr lang="en-RU" dirty="0"/>
-              <a:t>: 0.885</a:t>
-            </a:r>
-          </a:p>
-          <a:p>
-            <a:r>
-              <a:rPr lang="en-RU" dirty="0"/>
-              <a:t>LogReg</a:t>
-            </a:r>
-            <a:r>
-              <a:rPr lang="en-US" dirty="0"/>
-              <a:t> v6</a:t>
-            </a:r>
-            <a:r>
-              <a:rPr lang="en-RU" dirty="0"/>
-              <a:t>: 0.908</a:t>
-            </a:r>
-          </a:p>
-          <a:p>
-            <a:endParaRPr lang="en-RU" dirty="0"/>
-          </a:p>
-          <a:p>
-            <a:endParaRPr lang="en-RU" dirty="0"/>
-          </a:p>
-        </p:txBody>
-      </p:sp>
-      <p:sp>
-        <p:nvSpPr>
-          <p:cNvPr id="3" name="Title 2">
-            <a:extLst>
-              <a:ext uri="{FF2B5EF4-FFF2-40B4-BE49-F238E27FC236}">
-                <a16:creationId xmlns:a16="http://schemas.microsoft.com/office/drawing/2014/main" id="{44321D2C-1D1D-2949-B6EB-DA2484D754D4}"/>
-              </a:ext>
-            </a:extLst>
-          </p:cNvPr>
-          <p:cNvSpPr>
-            <a:spLocks noGrp="1"/>
-          </p:cNvSpPr>
-          <p:nvPr>
-            <p:ph type="title"/>
-          </p:nvPr>
-        </p:nvSpPr>
-        <p:spPr>
-          <a:xfrm>
-            <a:off x="192505" y="368723"/>
-            <a:ext cx="11806990" cy="765843"/>
-          </a:xfrm>
-        </p:spPr>
-        <p:txBody>
-          <a:bodyPr>
-            <a:normAutofit/>
-          </a:bodyPr>
-          <a:lstStyle/>
-          <a:p>
-            <a:r>
               <a:rPr lang="en-RU" dirty="0"/>
               <a:t>Code Classification</a:t>
             </a:r>
-            <a:r>
-              <a:rPr lang="en-US" dirty="0"/>
-              <a:t> (auto-labelling)</a:t>
+            <a:br>
+              <a:rPr lang="en-US" dirty="0"/>
+            </a:br>
+            <a:r>
+              <a:rPr lang="en-US" dirty="0"/>
+              <a:t>(auto-labelling)</a:t>
             </a:r>
             <a:endParaRPr lang="en-RU" dirty="0"/>
-          </a:p>
-        </p:txBody>
-      </p:sp>
-      <p:sp>
-        <p:nvSpPr>
-          <p:cNvPr id="6" name="Slide Number Placeholder 5">
-            <a:extLst>
-              <a:ext uri="{FF2B5EF4-FFF2-40B4-BE49-F238E27FC236}">
-                <a16:creationId xmlns:a16="http://schemas.microsoft.com/office/drawing/2014/main" id="{A95B88FF-E53E-9545-8CDF-71E8E96C9EA9}"/>
-              </a:ext>
-            </a:extLst>
-          </p:cNvPr>
-          <p:cNvSpPr>
-            <a:spLocks noGrp="1"/>
-          </p:cNvSpPr>
-          <p:nvPr>
-            <p:ph type="sldNum" sz="quarter" idx="12"/>
-          </p:nvPr>
-        </p:nvSpPr>
-        <p:spPr/>
-        <p:txBody>
-          <a:bodyPr/>
-          <a:lstStyle/>
-          <a:p>
-            <a:fld id="{21ABC42C-C6CC-47FC-904E-31573FDBB029}" type="slidenum">
-              <a:rPr lang="ru-RU" smtClean="0"/>
-              <a:pPr/>
-              <a:t>14</a:t>
-            </a:fld>
-            <a:endParaRPr lang="ru-RU"/>
-          </a:p>
-        </p:txBody>
-      </p:sp>
-      <p:sp>
-        <p:nvSpPr>
-          <p:cNvPr id="8" name="Rectangle 7">
-            <a:extLst>
-              <a:ext uri="{FF2B5EF4-FFF2-40B4-BE49-F238E27FC236}">
-                <a16:creationId xmlns:a16="http://schemas.microsoft.com/office/drawing/2014/main" id="{AE2A29E9-9673-5543-ABBC-6767A0517169}"/>
-              </a:ext>
-            </a:extLst>
-          </p:cNvPr>
-          <p:cNvSpPr/>
-          <p:nvPr/>
-        </p:nvSpPr>
-        <p:spPr>
-          <a:xfrm>
-            <a:off x="192505" y="3504790"/>
-            <a:ext cx="4900829" cy="769441"/>
-          </a:xfrm>
-          <a:prstGeom prst="rect">
-            <a:avLst/>
-          </a:prstGeom>
-        </p:spPr>
-        <p:txBody>
-          <a:bodyPr wrap="none">
-            <a:spAutoFit/>
-          </a:bodyPr>
-          <a:lstStyle/>
-          <a:p>
-            <a:r>
-              <a:rPr lang="en-RU" sz="4400" dirty="0">
-                <a:solidFill>
-                  <a:schemeClr val="tx2"/>
-                </a:solidFill>
-              </a:rPr>
-              <a:t>Classification </a:t>
-            </a:r>
-            <a:r>
-              <a:rPr lang="en-US" sz="4400" dirty="0">
-                <a:solidFill>
-                  <a:schemeClr val="tx2"/>
-                </a:solidFill>
-              </a:rPr>
-              <a:t>Scores</a:t>
-            </a:r>
-            <a:endParaRPr lang="en-RU" sz="4400" dirty="0">
-              <a:solidFill>
-                <a:schemeClr val="tx2"/>
-              </a:solidFill>
-            </a:endParaRPr>
-          </a:p>
-        </p:txBody>
-      </p:sp>
-      <p:pic>
-        <p:nvPicPr>
-          <p:cNvPr id="10" name="Picture 9" descr="Diagram, shape&#10;&#10;Description automatically generated">
-            <a:extLst>
-              <a:ext uri="{FF2B5EF4-FFF2-40B4-BE49-F238E27FC236}">
-                <a16:creationId xmlns:a16="http://schemas.microsoft.com/office/drawing/2014/main" id="{D1A2318C-6294-314C-9BDA-7FEA4D6340E4}"/>
-              </a:ext>
-            </a:extLst>
-          </p:cNvPr>
-          <p:cNvPicPr>
-            <a:picLocks noChangeAspect="1"/>
-          </p:cNvPicPr>
-          <p:nvPr/>
-        </p:nvPicPr>
-        <p:blipFill>
-          <a:blip r:embed="rId2"/>
-          <a:stretch>
-            <a:fillRect/>
-          </a:stretch>
-        </p:blipFill>
-        <p:spPr>
-          <a:xfrm>
-            <a:off x="8593174" y="142756"/>
-            <a:ext cx="2605177" cy="6350119"/>
-          </a:xfrm>
-          <a:prstGeom prst="rect">
-            <a:avLst/>
-          </a:prstGeom>
-        </p:spPr>
-      </p:pic>
-      <p:sp>
-        <p:nvSpPr>
-          <p:cNvPr id="13" name="Date Placeholder 3">
-            <a:extLst>
-              <a:ext uri="{FF2B5EF4-FFF2-40B4-BE49-F238E27FC236}">
-                <a16:creationId xmlns:a16="http://schemas.microsoft.com/office/drawing/2014/main" id="{49239392-86EB-5144-A598-85DB177980C6}"/>
-              </a:ext>
-            </a:extLst>
-          </p:cNvPr>
-          <p:cNvSpPr>
-            <a:spLocks noGrp="1"/>
-          </p:cNvSpPr>
-          <p:nvPr>
-            <p:ph type="dt" sz="half" idx="10"/>
-          </p:nvPr>
-        </p:nvSpPr>
-        <p:spPr>
-          <a:xfrm>
-            <a:off x="5220393" y="6492875"/>
-            <a:ext cx="1751214" cy="365125"/>
-          </a:xfrm>
-        </p:spPr>
-        <p:txBody>
-          <a:bodyPr/>
-          <a:lstStyle/>
-          <a:p>
-            <a:r>
-              <a:rPr lang="en-US" dirty="0"/>
-              <a:t>01</a:t>
-            </a:r>
-            <a:r>
-              <a:rPr lang="ru-RU" dirty="0"/>
-              <a:t>.</a:t>
-            </a:r>
-            <a:r>
-              <a:rPr lang="en-US" dirty="0"/>
-              <a:t>10</a:t>
-            </a:r>
-            <a:r>
-              <a:rPr lang="ru-RU" dirty="0"/>
-              <a:t>.2020</a:t>
-            </a:r>
-          </a:p>
-        </p:txBody>
-      </p:sp>
-      <p:sp>
-        <p:nvSpPr>
-          <p:cNvPr id="9" name="Footer Placeholder 4">
-            <a:extLst>
-              <a:ext uri="{FF2B5EF4-FFF2-40B4-BE49-F238E27FC236}">
-                <a16:creationId xmlns:a16="http://schemas.microsoft.com/office/drawing/2014/main" id="{C5B6C92D-357C-CC4D-8D94-A1764E367F2C}"/>
-              </a:ext>
-            </a:extLst>
-          </p:cNvPr>
-          <p:cNvSpPr>
-            <a:spLocks noGrp="1"/>
-          </p:cNvSpPr>
-          <p:nvPr>
-            <p:ph type="ftr" sz="quarter" idx="11"/>
-          </p:nvPr>
-        </p:nvSpPr>
-        <p:spPr>
-          <a:xfrm>
-            <a:off x="192505" y="6492875"/>
-            <a:ext cx="3767667" cy="365125"/>
-          </a:xfrm>
-        </p:spPr>
-        <p:txBody>
-          <a:bodyPr/>
-          <a:lstStyle/>
-          <a:p>
-            <a:r>
-              <a:rPr lang="en-GB" dirty="0"/>
-              <a:t>T. Ramazyan, A. Levin, et al., NRU HSE</a:t>
-            </a:r>
-            <a:endParaRPr lang="ru-RU" dirty="0"/>
           </a:p>
         </p:txBody>
       </p:sp>
     </p:spTree>
     <p:extLst>
       <p:ext uri="{BB962C8B-B14F-4D97-AF65-F5344CB8AC3E}">
-        <p14:creationId xmlns:p14="http://schemas.microsoft.com/office/powerpoint/2010/main" val="643880559"/>
+        <p14:creationId xmlns:p14="http://schemas.microsoft.com/office/powerpoint/2010/main" val="811290956"/>
       </p:ext>
     </p:extLst>
   </p:cSld>
@@ -6868,6 +6765,414 @@
       </p:grpSpPr>
       <p:sp>
         <p:nvSpPr>
+          <p:cNvPr id="2" name="Content Placeholder 1">
+            <a:extLst>
+              <a:ext uri="{FF2B5EF4-FFF2-40B4-BE49-F238E27FC236}">
+                <a16:creationId xmlns:a16="http://schemas.microsoft.com/office/drawing/2014/main" id="{840F111B-D3AF-9C44-A9FF-CCAD09FB2394}"/>
+              </a:ext>
+            </a:extLst>
+          </p:cNvPr>
+          <p:cNvSpPr>
+            <a:spLocks noGrp="1"/>
+          </p:cNvSpPr>
+          <p:nvPr>
+            <p:ph idx="1"/>
+          </p:nvPr>
+        </p:nvSpPr>
+        <p:spPr>
+          <a:xfrm>
+            <a:off x="312146" y="979387"/>
+            <a:ext cx="6359438" cy="5509890"/>
+          </a:xfrm>
+        </p:spPr>
+        <p:txBody>
+          <a:bodyPr>
+            <a:normAutofit/>
+          </a:bodyPr>
+          <a:lstStyle/>
+          <a:p>
+            <a:r>
+              <a:rPr lang="en-US" dirty="0"/>
+              <a:t>Targets – regex-labels</a:t>
+            </a:r>
+          </a:p>
+          <a:p>
+            <a:r>
+              <a:rPr lang="en-RU" dirty="0"/>
+              <a:t>Models: SVM and Log</a:t>
+            </a:r>
+            <a:r>
+              <a:rPr lang="en-US" dirty="0" err="1"/>
+              <a:t>istic</a:t>
+            </a:r>
+            <a:r>
+              <a:rPr lang="en-US" dirty="0"/>
+              <a:t> </a:t>
+            </a:r>
+            <a:r>
+              <a:rPr lang="en-RU" dirty="0"/>
+              <a:t>Reg</a:t>
+            </a:r>
+            <a:r>
+              <a:rPr lang="en-US" dirty="0" err="1"/>
+              <a:t>ression</a:t>
+            </a:r>
+            <a:endParaRPr lang="en-RU" dirty="0"/>
+          </a:p>
+          <a:p>
+            <a:r>
+              <a:rPr lang="en-RU" dirty="0"/>
+              <a:t>Metric: </a:t>
+            </a:r>
+            <a:r>
+              <a:rPr lang="en-US" dirty="0"/>
+              <a:t>Accuracy, </a:t>
+            </a:r>
+            <a:r>
+              <a:rPr lang="en-RU" dirty="0"/>
+              <a:t>F1</a:t>
+            </a:r>
+            <a:r>
+              <a:rPr lang="en-US" dirty="0"/>
+              <a:t>-</a:t>
+            </a:r>
+            <a:r>
+              <a:rPr lang="en-RU" dirty="0"/>
+              <a:t>score</a:t>
+            </a:r>
+            <a:r>
+              <a:rPr lang="en-US" dirty="0"/>
+              <a:t> (weighted)</a:t>
+            </a:r>
+            <a:endParaRPr lang="en-RU" dirty="0"/>
+          </a:p>
+          <a:p>
+            <a:r>
+              <a:rPr lang="en-RU" dirty="0"/>
+              <a:t>Vectorizer: </a:t>
+            </a:r>
+            <a:r>
+              <a:rPr lang="en-US" dirty="0"/>
+              <a:t>TF-IDF</a:t>
+            </a:r>
+            <a:endParaRPr lang="en-RU" dirty="0"/>
+          </a:p>
+          <a:p>
+            <a:endParaRPr lang="en-RU" dirty="0"/>
+          </a:p>
+          <a:p>
+            <a:pPr marL="309600" indent="0">
+              <a:buNone/>
+            </a:pPr>
+            <a:endParaRPr lang="en-US" dirty="0"/>
+          </a:p>
+          <a:p>
+            <a:pPr marL="309600" indent="0">
+              <a:buNone/>
+            </a:pPr>
+            <a:r>
+              <a:rPr lang="en-US" dirty="0"/>
+              <a:t>Scores on the test set (targets – regex-labels)</a:t>
+            </a:r>
+          </a:p>
+          <a:p>
+            <a:r>
+              <a:rPr lang="en-RU" dirty="0"/>
+              <a:t>SVM</a:t>
+            </a:r>
+            <a:r>
+              <a:rPr lang="en-US" dirty="0"/>
+              <a:t> v6</a:t>
+            </a:r>
+            <a:r>
+              <a:rPr lang="en-RU" dirty="0"/>
+              <a:t>: 0.885</a:t>
+            </a:r>
+          </a:p>
+          <a:p>
+            <a:r>
+              <a:rPr lang="en-RU" dirty="0"/>
+              <a:t>LogReg</a:t>
+            </a:r>
+            <a:r>
+              <a:rPr lang="en-US" dirty="0"/>
+              <a:t> v6</a:t>
+            </a:r>
+            <a:r>
+              <a:rPr lang="en-RU" dirty="0"/>
+              <a:t>: 0.908</a:t>
+            </a:r>
+          </a:p>
+          <a:p>
+            <a:endParaRPr lang="en-RU" dirty="0"/>
+          </a:p>
+          <a:p>
+            <a:endParaRPr lang="en-RU" dirty="0"/>
+          </a:p>
+        </p:txBody>
+      </p:sp>
+      <p:sp>
+        <p:nvSpPr>
+          <p:cNvPr id="3" name="Title 2">
+            <a:extLst>
+              <a:ext uri="{FF2B5EF4-FFF2-40B4-BE49-F238E27FC236}">
+                <a16:creationId xmlns:a16="http://schemas.microsoft.com/office/drawing/2014/main" id="{44321D2C-1D1D-2949-B6EB-DA2484D754D4}"/>
+              </a:ext>
+            </a:extLst>
+          </p:cNvPr>
+          <p:cNvSpPr>
+            <a:spLocks noGrp="1"/>
+          </p:cNvSpPr>
+          <p:nvPr>
+            <p:ph type="title"/>
+          </p:nvPr>
+        </p:nvSpPr>
+        <p:spPr>
+          <a:xfrm>
+            <a:off x="192505" y="368723"/>
+            <a:ext cx="11806990" cy="765843"/>
+          </a:xfrm>
+        </p:spPr>
+        <p:txBody>
+          <a:bodyPr>
+            <a:normAutofit/>
+          </a:bodyPr>
+          <a:lstStyle/>
+          <a:p>
+            <a:r>
+              <a:rPr lang="en-RU" dirty="0"/>
+              <a:t>Code Classification</a:t>
+            </a:r>
+            <a:r>
+              <a:rPr lang="en-US" dirty="0"/>
+              <a:t> (auto-labelling)</a:t>
+            </a:r>
+            <a:endParaRPr lang="en-RU" dirty="0"/>
+          </a:p>
+        </p:txBody>
+      </p:sp>
+      <p:sp>
+        <p:nvSpPr>
+          <p:cNvPr id="6" name="Slide Number Placeholder 5">
+            <a:extLst>
+              <a:ext uri="{FF2B5EF4-FFF2-40B4-BE49-F238E27FC236}">
+                <a16:creationId xmlns:a16="http://schemas.microsoft.com/office/drawing/2014/main" id="{A95B88FF-E53E-9545-8CDF-71E8E96C9EA9}"/>
+              </a:ext>
+            </a:extLst>
+          </p:cNvPr>
+          <p:cNvSpPr>
+            <a:spLocks noGrp="1"/>
+          </p:cNvSpPr>
+          <p:nvPr>
+            <p:ph type="sldNum" sz="quarter" idx="12"/>
+          </p:nvPr>
+        </p:nvSpPr>
+        <p:spPr/>
+        <p:txBody>
+          <a:bodyPr/>
+          <a:lstStyle/>
+          <a:p>
+            <a:fld id="{21ABC42C-C6CC-47FC-904E-31573FDBB029}" type="slidenum">
+              <a:rPr lang="ru-RU" smtClean="0"/>
+              <a:pPr/>
+              <a:t>15</a:t>
+            </a:fld>
+            <a:endParaRPr lang="ru-RU"/>
+          </a:p>
+        </p:txBody>
+      </p:sp>
+      <p:sp>
+        <p:nvSpPr>
+          <p:cNvPr id="8" name="Rectangle 7">
+            <a:extLst>
+              <a:ext uri="{FF2B5EF4-FFF2-40B4-BE49-F238E27FC236}">
+                <a16:creationId xmlns:a16="http://schemas.microsoft.com/office/drawing/2014/main" id="{AE2A29E9-9673-5543-ABBC-6767A0517169}"/>
+              </a:ext>
+            </a:extLst>
+          </p:cNvPr>
+          <p:cNvSpPr/>
+          <p:nvPr/>
+        </p:nvSpPr>
+        <p:spPr>
+          <a:xfrm>
+            <a:off x="192505" y="3504790"/>
+            <a:ext cx="4900829" cy="769441"/>
+          </a:xfrm>
+          <a:prstGeom prst="rect">
+            <a:avLst/>
+          </a:prstGeom>
+        </p:spPr>
+        <p:txBody>
+          <a:bodyPr wrap="none">
+            <a:spAutoFit/>
+          </a:bodyPr>
+          <a:lstStyle/>
+          <a:p>
+            <a:r>
+              <a:rPr lang="en-RU" sz="4400" dirty="0">
+                <a:solidFill>
+                  <a:schemeClr val="tx2"/>
+                </a:solidFill>
+              </a:rPr>
+              <a:t>Classification </a:t>
+            </a:r>
+            <a:r>
+              <a:rPr lang="en-US" sz="4400" dirty="0">
+                <a:solidFill>
+                  <a:schemeClr val="tx2"/>
+                </a:solidFill>
+              </a:rPr>
+              <a:t>Scores</a:t>
+            </a:r>
+            <a:endParaRPr lang="en-RU" sz="4400" dirty="0">
+              <a:solidFill>
+                <a:schemeClr val="tx2"/>
+              </a:solidFill>
+            </a:endParaRPr>
+          </a:p>
+        </p:txBody>
+      </p:sp>
+      <p:pic>
+        <p:nvPicPr>
+          <p:cNvPr id="10" name="Picture 9" descr="Diagram, shape&#10;&#10;Description automatically generated">
+            <a:extLst>
+              <a:ext uri="{FF2B5EF4-FFF2-40B4-BE49-F238E27FC236}">
+                <a16:creationId xmlns:a16="http://schemas.microsoft.com/office/drawing/2014/main" id="{D1A2318C-6294-314C-9BDA-7FEA4D6340E4}"/>
+              </a:ext>
+            </a:extLst>
+          </p:cNvPr>
+          <p:cNvPicPr>
+            <a:picLocks noChangeAspect="1"/>
+          </p:cNvPicPr>
+          <p:nvPr/>
+        </p:nvPicPr>
+        <p:blipFill>
+          <a:blip r:embed="rId2"/>
+          <a:stretch>
+            <a:fillRect/>
+          </a:stretch>
+        </p:blipFill>
+        <p:spPr>
+          <a:xfrm>
+            <a:off x="8593174" y="142756"/>
+            <a:ext cx="2605177" cy="6350119"/>
+          </a:xfrm>
+          <a:prstGeom prst="rect">
+            <a:avLst/>
+          </a:prstGeom>
+        </p:spPr>
+      </p:pic>
+      <p:sp>
+        <p:nvSpPr>
+          <p:cNvPr id="13" name="Date Placeholder 3">
+            <a:extLst>
+              <a:ext uri="{FF2B5EF4-FFF2-40B4-BE49-F238E27FC236}">
+                <a16:creationId xmlns:a16="http://schemas.microsoft.com/office/drawing/2014/main" id="{49239392-86EB-5144-A598-85DB177980C6}"/>
+              </a:ext>
+            </a:extLst>
+          </p:cNvPr>
+          <p:cNvSpPr>
+            <a:spLocks noGrp="1"/>
+          </p:cNvSpPr>
+          <p:nvPr>
+            <p:ph type="dt" sz="half" idx="10"/>
+          </p:nvPr>
+        </p:nvSpPr>
+        <p:spPr>
+          <a:xfrm>
+            <a:off x="5220393" y="6492875"/>
+            <a:ext cx="1751214" cy="365125"/>
+          </a:xfrm>
+        </p:spPr>
+        <p:txBody>
+          <a:bodyPr/>
+          <a:lstStyle/>
+          <a:p>
+            <a:r>
+              <a:rPr lang="en-US" dirty="0"/>
+              <a:t>01</a:t>
+            </a:r>
+            <a:r>
+              <a:rPr lang="ru-RU" dirty="0"/>
+              <a:t>.</a:t>
+            </a:r>
+            <a:r>
+              <a:rPr lang="en-US" dirty="0"/>
+              <a:t>10</a:t>
+            </a:r>
+            <a:r>
+              <a:rPr lang="ru-RU" dirty="0"/>
+              <a:t>.2020</a:t>
+            </a:r>
+          </a:p>
+        </p:txBody>
+      </p:sp>
+      <p:sp>
+        <p:nvSpPr>
+          <p:cNvPr id="9" name="Footer Placeholder 4">
+            <a:extLst>
+              <a:ext uri="{FF2B5EF4-FFF2-40B4-BE49-F238E27FC236}">
+                <a16:creationId xmlns:a16="http://schemas.microsoft.com/office/drawing/2014/main" id="{C5B6C92D-357C-CC4D-8D94-A1764E367F2C}"/>
+              </a:ext>
+            </a:extLst>
+          </p:cNvPr>
+          <p:cNvSpPr>
+            <a:spLocks noGrp="1"/>
+          </p:cNvSpPr>
+          <p:nvPr>
+            <p:ph type="ftr" sz="quarter" idx="11"/>
+          </p:nvPr>
+        </p:nvSpPr>
+        <p:spPr>
+          <a:xfrm>
+            <a:off x="192505" y="6492875"/>
+            <a:ext cx="3767667" cy="365125"/>
+          </a:xfrm>
+        </p:spPr>
+        <p:txBody>
+          <a:bodyPr/>
+          <a:lstStyle/>
+          <a:p>
+            <a:r>
+              <a:rPr lang="en-GB" dirty="0"/>
+              <a:t>T. Ramazyan, A. Levin, et al., NRU HSE</a:t>
+            </a:r>
+            <a:endParaRPr lang="ru-RU" dirty="0"/>
+          </a:p>
+        </p:txBody>
+      </p:sp>
+    </p:spTree>
+    <p:extLst>
+      <p:ext uri="{BB962C8B-B14F-4D97-AF65-F5344CB8AC3E}">
+        <p14:creationId xmlns:p14="http://schemas.microsoft.com/office/powerpoint/2010/main" val="643880559"/>
+      </p:ext>
+    </p:extLst>
+  </p:cSld>
+  <p:clrMapOvr>
+    <a:masterClrMapping/>
+  </p:clrMapOvr>
+</p:sld>
+</file>
+
+<file path=ppt/slides/slide16.xml><?xml version="1.0" encoding="utf-8"?>
+<p:sld xmlns:a="http://schemas.openxmlformats.org/drawingml/2006/main" xmlns:r="http://schemas.openxmlformats.org/officeDocument/2006/relationships" xmlns:p="http://schemas.openxmlformats.org/presentationml/2006/main">
+  <p:cSld>
+    <p:spTree>
+      <p:nvGrpSpPr>
+        <p:cNvPr id="1" name=""/>
+        <p:cNvGrpSpPr/>
+        <p:nvPr/>
+      </p:nvGrpSpPr>
+      <p:grpSpPr>
+        <a:xfrm>
+          <a:off x="0" y="0"/>
+          <a:ext cx="0" cy="0"/>
+          <a:chOff x="0" y="0"/>
+          <a:chExt cx="0" cy="0"/>
+        </a:xfrm>
+      </p:grpSpPr>
+      <p:sp>
+        <p:nvSpPr>
           <p:cNvPr id="2" name="Title 1">
             <a:extLst>
               <a:ext uri="{FF2B5EF4-FFF2-40B4-BE49-F238E27FC236}">
@@ -6910,7 +7215,7 @@
 </p:sld>
 </file>
 
-<file path=ppt/slides/slide16.xml><?xml version="1.0" encoding="utf-8"?>
+<file path=ppt/slides/slide17.xml><?xml version="1.0" encoding="utf-8"?>
 <p:sld xmlns:a="http://schemas.openxmlformats.org/drawingml/2006/main" xmlns:r="http://schemas.openxmlformats.org/officeDocument/2006/relationships" xmlns:p="http://schemas.openxmlformats.org/presentationml/2006/main">
   <p:cSld>
     <p:spTree>
@@ -8251,7 +8556,7 @@
             <a:fld id="{21ABC42C-C6CC-47FC-904E-31573FDBB029}" type="slidenum">
               <a:rPr lang="ru-RU" smtClean="0"/>
               <a:pPr/>
-              <a:t>16</a:t>
+              <a:t>17</a:t>
             </a:fld>
             <a:endParaRPr lang="ru-RU"/>
           </a:p>
@@ -8349,7 +8654,7 @@
 </p:sld>
 </file>
 
-<file path=ppt/slides/slide17.xml><?xml version="1.0" encoding="utf-8"?>
+<file path=ppt/slides/slide18.xml><?xml version="1.0" encoding="utf-8"?>
 <p:sld xmlns:a="http://schemas.openxmlformats.org/drawingml/2006/main" xmlns:r="http://schemas.openxmlformats.org/officeDocument/2006/relationships" xmlns:p="http://schemas.openxmlformats.org/presentationml/2006/main">
   <p:cSld>
     <p:spTree>
@@ -8426,7 +8731,7 @@
             <a:fld id="{21ABC42C-C6CC-47FC-904E-31573FDBB029}" type="slidenum">
               <a:rPr lang="ru-RU" smtClean="0"/>
               <a:pPr/>
-              <a:t>17</a:t>
+              <a:t>18</a:t>
             </a:fld>
             <a:endParaRPr lang="ru-RU"/>
           </a:p>
@@ -8878,239 +9183,6 @@
 </p:sld>
 </file>
 
-<file path=ppt/slides/slide18.xml><?xml version="1.0" encoding="utf-8"?>
-<p:sld xmlns:a="http://schemas.openxmlformats.org/drawingml/2006/main" xmlns:r="http://schemas.openxmlformats.org/officeDocument/2006/relationships" xmlns:p="http://schemas.openxmlformats.org/presentationml/2006/main">
-  <p:cSld>
-    <p:spTree>
-      <p:nvGrpSpPr>
-        <p:cNvPr id="1" name=""/>
-        <p:cNvGrpSpPr/>
-        <p:nvPr/>
-      </p:nvGrpSpPr>
-      <p:grpSpPr>
-        <a:xfrm>
-          <a:off x="0" y="0"/>
-          <a:ext cx="0" cy="0"/>
-          <a:chOff x="0" y="0"/>
-          <a:chExt cx="0" cy="0"/>
-        </a:xfrm>
-      </p:grpSpPr>
-      <p:sp>
-        <p:nvSpPr>
-          <p:cNvPr id="2" name="Content Placeholder 1">
-            <a:extLst>
-              <a:ext uri="{FF2B5EF4-FFF2-40B4-BE49-F238E27FC236}">
-                <a16:creationId xmlns:a16="http://schemas.microsoft.com/office/drawing/2014/main" id="{840F111B-D3AF-9C44-A9FF-CCAD09FB2394}"/>
-              </a:ext>
-            </a:extLst>
-          </p:cNvPr>
-          <p:cNvSpPr>
-            <a:spLocks noGrp="1"/>
-          </p:cNvSpPr>
-          <p:nvPr>
-            <p:ph idx="1"/>
-          </p:nvPr>
-        </p:nvSpPr>
-        <p:spPr>
-          <a:xfrm>
-            <a:off x="396663" y="1348110"/>
-            <a:ext cx="10834929" cy="4276313"/>
-          </a:xfrm>
-        </p:spPr>
-        <p:txBody>
-          <a:bodyPr>
-            <a:normAutofit/>
-          </a:bodyPr>
-          <a:lstStyle/>
-          <a:p>
-            <a:r>
-              <a:rPr lang="en-US" dirty="0"/>
-              <a:t>To label more data by hand for deeper evaluation</a:t>
-            </a:r>
-          </a:p>
-          <a:p>
-            <a:r>
-              <a:rPr lang="en-US" dirty="0"/>
-              <a:t>To continue adding keywords to the KG to increase F1 of classification models</a:t>
-            </a:r>
-          </a:p>
-          <a:p>
-            <a:r>
-              <a:rPr lang="en-US" dirty="0"/>
-              <a:t>To add vertices to KG for more detailed analysis</a:t>
-            </a:r>
-          </a:p>
-          <a:p>
-            <a:r>
-              <a:rPr lang="en-US" dirty="0"/>
-              <a:t>To analyze the KG with unsupervised learning models</a:t>
-            </a:r>
-          </a:p>
-          <a:p>
-            <a:r>
-              <a:rPr lang="en-US" dirty="0"/>
-              <a:t>To use Abstract Syntax Trees (ASTs) which preserve code semantics, hence they might increase prediction quality</a:t>
-            </a:r>
-          </a:p>
-        </p:txBody>
-      </p:sp>
-      <p:sp>
-        <p:nvSpPr>
-          <p:cNvPr id="3" name="Title 2">
-            <a:extLst>
-              <a:ext uri="{FF2B5EF4-FFF2-40B4-BE49-F238E27FC236}">
-                <a16:creationId xmlns:a16="http://schemas.microsoft.com/office/drawing/2014/main" id="{44321D2C-1D1D-2949-B6EB-DA2484D754D4}"/>
-              </a:ext>
-            </a:extLst>
-          </p:cNvPr>
-          <p:cNvSpPr>
-            <a:spLocks noGrp="1"/>
-          </p:cNvSpPr>
-          <p:nvPr>
-            <p:ph type="title"/>
-          </p:nvPr>
-        </p:nvSpPr>
-        <p:spPr>
-          <a:xfrm>
-            <a:off x="192505" y="368723"/>
-            <a:ext cx="11806990" cy="765843"/>
-          </a:xfrm>
-        </p:spPr>
-        <p:txBody>
-          <a:bodyPr>
-            <a:normAutofit/>
-          </a:bodyPr>
-          <a:lstStyle/>
-          <a:p>
-            <a:r>
-              <a:rPr lang="en-RU" dirty="0"/>
-              <a:t>Future Development</a:t>
-            </a:r>
-          </a:p>
-        </p:txBody>
-      </p:sp>
-      <p:sp>
-        <p:nvSpPr>
-          <p:cNvPr id="6" name="Slide Number Placeholder 5">
-            <a:extLst>
-              <a:ext uri="{FF2B5EF4-FFF2-40B4-BE49-F238E27FC236}">
-                <a16:creationId xmlns:a16="http://schemas.microsoft.com/office/drawing/2014/main" id="{A95B88FF-E53E-9545-8CDF-71E8E96C9EA9}"/>
-              </a:ext>
-            </a:extLst>
-          </p:cNvPr>
-          <p:cNvSpPr>
-            <a:spLocks noGrp="1"/>
-          </p:cNvSpPr>
-          <p:nvPr>
-            <p:ph type="sldNum" sz="quarter" idx="12"/>
-          </p:nvPr>
-        </p:nvSpPr>
-        <p:spPr/>
-        <p:txBody>
-          <a:bodyPr/>
-          <a:lstStyle/>
-          <a:p>
-            <a:fld id="{21ABC42C-C6CC-47FC-904E-31573FDBB029}" type="slidenum">
-              <a:rPr lang="ru-RU" smtClean="0"/>
-              <a:pPr/>
-              <a:t>18</a:t>
-            </a:fld>
-            <a:endParaRPr lang="ru-RU"/>
-          </a:p>
-        </p:txBody>
-      </p:sp>
-      <p:sp>
-        <p:nvSpPr>
-          <p:cNvPr id="13" name="Date Placeholder 3">
-            <a:extLst>
-              <a:ext uri="{FF2B5EF4-FFF2-40B4-BE49-F238E27FC236}">
-                <a16:creationId xmlns:a16="http://schemas.microsoft.com/office/drawing/2014/main" id="{49239392-86EB-5144-A598-85DB177980C6}"/>
-              </a:ext>
-            </a:extLst>
-          </p:cNvPr>
-          <p:cNvSpPr>
-            <a:spLocks noGrp="1"/>
-          </p:cNvSpPr>
-          <p:nvPr>
-            <p:ph type="dt" sz="half" idx="10"/>
-          </p:nvPr>
-        </p:nvSpPr>
-        <p:spPr>
-          <a:xfrm>
-            <a:off x="5220393" y="6492875"/>
-            <a:ext cx="1751214" cy="365125"/>
-          </a:xfrm>
-        </p:spPr>
-        <p:txBody>
-          <a:bodyPr/>
-          <a:lstStyle/>
-          <a:p>
-            <a:r>
-              <a:rPr lang="en-US" dirty="0"/>
-              <a:t>01</a:t>
-            </a:r>
-            <a:r>
-              <a:rPr lang="ru-RU" dirty="0"/>
-              <a:t>.</a:t>
-            </a:r>
-            <a:r>
-              <a:rPr lang="en-US" dirty="0"/>
-              <a:t>10</a:t>
-            </a:r>
-            <a:r>
-              <a:rPr lang="ru-RU" dirty="0"/>
-              <a:t>.2020</a:t>
-            </a:r>
-          </a:p>
-        </p:txBody>
-      </p:sp>
-      <p:sp>
-        <p:nvSpPr>
-          <p:cNvPr id="7" name="Footer Placeholder 4">
-            <a:extLst>
-              <a:ext uri="{FF2B5EF4-FFF2-40B4-BE49-F238E27FC236}">
-                <a16:creationId xmlns:a16="http://schemas.microsoft.com/office/drawing/2014/main" id="{906445CF-59F4-E442-A113-AED87DCB9C43}"/>
-              </a:ext>
-            </a:extLst>
-          </p:cNvPr>
-          <p:cNvSpPr>
-            <a:spLocks noGrp="1"/>
-          </p:cNvSpPr>
-          <p:nvPr>
-            <p:ph type="ftr" sz="quarter" idx="11"/>
-          </p:nvPr>
-        </p:nvSpPr>
-        <p:spPr>
-          <a:xfrm>
-            <a:off x="192505" y="6492875"/>
-            <a:ext cx="3767667" cy="365125"/>
-          </a:xfrm>
-        </p:spPr>
-        <p:txBody>
-          <a:bodyPr/>
-          <a:lstStyle/>
-          <a:p>
-            <a:r>
-              <a:rPr lang="en-GB" dirty="0"/>
-              <a:t>T. Ramazyan, A. Levin, et al., NRU HSE</a:t>
-            </a:r>
-            <a:endParaRPr lang="ru-RU" dirty="0"/>
-          </a:p>
-        </p:txBody>
-      </p:sp>
-    </p:spTree>
-    <p:extLst>
-      <p:ext uri="{BB962C8B-B14F-4D97-AF65-F5344CB8AC3E}">
-        <p14:creationId xmlns:p14="http://schemas.microsoft.com/office/powerpoint/2010/main" val="492463398"/>
-      </p:ext>
-    </p:extLst>
-  </p:cSld>
-  <p:clrMapOvr>
-    <a:masterClrMapping/>
-  </p:clrMapOvr>
-</p:sld>
-</file>
-
 <file path=ppt/slides/slide19.xml><?xml version="1.0" encoding="utf-8"?>
 <p:sld xmlns:a="http://schemas.openxmlformats.org/drawingml/2006/main" xmlns:r="http://schemas.openxmlformats.org/officeDocument/2006/relationships" xmlns:p="http://schemas.openxmlformats.org/presentationml/2006/main">
   <p:cSld>
@@ -9156,65 +9228,33 @@
           </a:bodyPr>
           <a:lstStyle/>
           <a:p>
-            <a:endParaRPr lang="en-US" dirty="0"/>
-          </a:p>
-          <a:p>
-            <a:r>
-              <a:rPr lang="en-US" dirty="0"/>
-              <a:t>Created two datasets with by hand-labelling</a:t>
-            </a:r>
-          </a:p>
-          <a:p>
-            <a:r>
-              <a:rPr lang="en-US" dirty="0"/>
-              <a:t>Collected the code snippets for the corpus from </a:t>
-            </a:r>
-            <a:r>
-              <a:rPr lang="en-US" dirty="0" err="1"/>
-              <a:t>Kaggle</a:t>
-            </a:r>
-            <a:r>
-              <a:rPr lang="en-US" dirty="0"/>
-              <a:t> and </a:t>
-            </a:r>
-            <a:r>
-              <a:rPr lang="en-US" dirty="0" err="1"/>
-              <a:t>Github</a:t>
-            </a:r>
-            <a:endParaRPr lang="en-US" dirty="0"/>
-          </a:p>
-          <a:p>
-            <a:r>
-              <a:rPr lang="en-US" dirty="0"/>
-              <a:t>Labeled code snippets of the corpus with regex (F1 0.744)</a:t>
-            </a:r>
-          </a:p>
-          <a:p>
-            <a:r>
-              <a:rPr lang="en-US" dirty="0"/>
-              <a:t>Trained SVM (F1 </a:t>
-            </a:r>
-            <a:r>
-              <a:rPr lang="en-RU" dirty="0"/>
-              <a:t>0.885</a:t>
-            </a:r>
-            <a:r>
-              <a:rPr lang="en-US" dirty="0"/>
-              <a:t>) and Log </a:t>
-            </a:r>
-            <a:r>
-              <a:rPr lang="en-US" dirty="0" err="1"/>
-              <a:t>Reg</a:t>
-            </a:r>
-            <a:r>
-              <a:rPr lang="en-US" dirty="0"/>
-              <a:t> (F1 0.908) classification models</a:t>
-            </a:r>
-          </a:p>
-          <a:p>
-            <a:r>
-              <a:rPr lang="en-US" dirty="0"/>
-              <a:t>Enhanced the knowledge graph by hand using the classifiers’ outputs</a:t>
+            <a:r>
+              <a:rPr lang="en-US" dirty="0"/>
+              <a:t>To label more data by hand for deeper evaluation</a:t>
+            </a:r>
+          </a:p>
+          <a:p>
+            <a:r>
+              <a:rPr lang="en-US" dirty="0"/>
+              <a:t>To continue adding keywords to the KG to increase F1 of classification models</a:t>
+            </a:r>
+          </a:p>
+          <a:p>
+            <a:r>
+              <a:rPr lang="en-US" dirty="0"/>
+              <a:t>To add vertices to KG for more detailed analysis</a:t>
+            </a:r>
+          </a:p>
+          <a:p>
+            <a:r>
+              <a:rPr lang="en-US" dirty="0"/>
+              <a:t>To analyze the KG with unsupervised learning models</a:t>
+            </a:r>
+          </a:p>
+          <a:p>
+            <a:r>
+              <a:rPr lang="en-US" dirty="0"/>
+              <a:t>To use Abstract Syntax Trees (ASTs) which preserve code semantics, hence they might increase prediction quality</a:t>
             </a:r>
           </a:p>
         </p:txBody>
@@ -9248,10 +9288,9 @@
           <a:lstStyle/>
           <a:p>
             <a:r>
-              <a:rPr lang="en-US" dirty="0"/>
-              <a:t>Conclusion</a:t>
-            </a:r>
-            <a:endParaRPr lang="en-RU" dirty="0"/>
+              <a:rPr lang="en-RU" dirty="0"/>
+              <a:t>Future Development</a:t>
+            </a:r>
           </a:p>
         </p:txBody>
       </p:sp>
@@ -9335,7 +9374,7 @@
           <p:cNvPr id="7" name="Footer Placeholder 4">
             <a:extLst>
               <a:ext uri="{FF2B5EF4-FFF2-40B4-BE49-F238E27FC236}">
-                <a16:creationId xmlns:a16="http://schemas.microsoft.com/office/drawing/2014/main" id="{38ED5DF1-B361-244B-8C7F-711C1B71D833}"/>
+                <a16:creationId xmlns:a16="http://schemas.microsoft.com/office/drawing/2014/main" id="{906445CF-59F4-E442-A113-AED87DCB9C43}"/>
               </a:ext>
             </a:extLst>
           </p:cNvPr>
@@ -9367,7 +9406,7 @@
     </p:spTree>
     <p:extLst>
       <p:ext uri="{BB962C8B-B14F-4D97-AF65-F5344CB8AC3E}">
-        <p14:creationId xmlns:p14="http://schemas.microsoft.com/office/powerpoint/2010/main" val="1108830904"/>
+        <p14:creationId xmlns:p14="http://schemas.microsoft.com/office/powerpoint/2010/main" val="492463398"/>
       </p:ext>
     </p:extLst>
   </p:cSld>
@@ -9462,46 +9501,244 @@
       </p:grpSpPr>
       <p:sp>
         <p:nvSpPr>
-          <p:cNvPr id="2" name="Title 1">
-            <a:extLst>
-              <a:ext uri="{FF2B5EF4-FFF2-40B4-BE49-F238E27FC236}">
-                <a16:creationId xmlns:a16="http://schemas.microsoft.com/office/drawing/2014/main" id="{A0D79D22-7949-6544-A49E-361186E06450}"/>
-              </a:ext>
-            </a:extLst>
-          </p:cNvPr>
-          <p:cNvSpPr>
-            <a:spLocks noGrp="1"/>
-          </p:cNvSpPr>
-          <p:nvPr>
-            <p:ph type="title"/>
-          </p:nvPr>
-        </p:nvSpPr>
-        <p:spPr/>
+          <p:cNvPr id="2" name="Content Placeholder 1">
+            <a:extLst>
+              <a:ext uri="{FF2B5EF4-FFF2-40B4-BE49-F238E27FC236}">
+                <a16:creationId xmlns:a16="http://schemas.microsoft.com/office/drawing/2014/main" id="{840F111B-D3AF-9C44-A9FF-CCAD09FB2394}"/>
+              </a:ext>
+            </a:extLst>
+          </p:cNvPr>
+          <p:cNvSpPr>
+            <a:spLocks noGrp="1"/>
+          </p:cNvSpPr>
+          <p:nvPr>
+            <p:ph idx="1"/>
+          </p:nvPr>
+        </p:nvSpPr>
+        <p:spPr>
+          <a:xfrm>
+            <a:off x="396663" y="1348110"/>
+            <a:ext cx="10834929" cy="4276313"/>
+          </a:xfrm>
+        </p:spPr>
         <p:txBody>
           <a:bodyPr>
             <a:normAutofit/>
           </a:bodyPr>
           <a:lstStyle/>
           <a:p>
+            <a:endParaRPr lang="en-US" dirty="0"/>
+          </a:p>
+          <a:p>
+            <a:r>
+              <a:rPr lang="en-US" dirty="0"/>
+              <a:t>Created two datasets with by hand-labelling</a:t>
+            </a:r>
+          </a:p>
+          <a:p>
+            <a:r>
+              <a:rPr lang="en-US" dirty="0"/>
+              <a:t>Collected the code snippets for the corpus from </a:t>
+            </a:r>
+            <a:r>
+              <a:rPr lang="en-US" dirty="0" err="1"/>
+              <a:t>Kaggle</a:t>
+            </a:r>
+            <a:r>
+              <a:rPr lang="en-US" dirty="0"/>
+              <a:t> and </a:t>
+            </a:r>
+            <a:r>
+              <a:rPr lang="en-US" dirty="0" err="1"/>
+              <a:t>Github</a:t>
+            </a:r>
+            <a:endParaRPr lang="en-US" dirty="0"/>
+          </a:p>
+          <a:p>
+            <a:r>
+              <a:rPr lang="en-US" dirty="0"/>
+              <a:t>Labeled code snippets of the corpus with regex (F1 0.744)</a:t>
+            </a:r>
+          </a:p>
+          <a:p>
+            <a:r>
+              <a:rPr lang="en-US" dirty="0"/>
+              <a:t>Trained SVM (F1 </a:t>
+            </a:r>
             <a:r>
               <a:rPr lang="en-RU" dirty="0"/>
-              <a:t>Final Data</a:t>
-            </a:r>
-            <a:r>
-              <a:rPr lang="en-US" dirty="0"/>
-              <a:t>s</a:t>
-            </a:r>
-            <a:r>
-              <a:rPr lang="en-RU" dirty="0"/>
-              <a:t>ets and Models</a:t>
-            </a:r>
+              <a:t>0.885</a:t>
+            </a:r>
+            <a:r>
+              <a:rPr lang="en-US" dirty="0"/>
+              <a:t>) and Log </a:t>
+            </a:r>
+            <a:r>
+              <a:rPr lang="en-US" dirty="0" err="1"/>
+              <a:t>Reg</a:t>
+            </a:r>
+            <a:r>
+              <a:rPr lang="en-US" dirty="0"/>
+              <a:t> (F1 0.908) classification models</a:t>
+            </a:r>
+          </a:p>
+          <a:p>
+            <a:r>
+              <a:rPr lang="en-US" dirty="0"/>
+              <a:t>Enhanced the knowledge graph by hand using the classifiers’ outputs</a:t>
+            </a:r>
+          </a:p>
+        </p:txBody>
+      </p:sp>
+      <p:sp>
+        <p:nvSpPr>
+          <p:cNvPr id="3" name="Title 2">
+            <a:extLst>
+              <a:ext uri="{FF2B5EF4-FFF2-40B4-BE49-F238E27FC236}">
+                <a16:creationId xmlns:a16="http://schemas.microsoft.com/office/drawing/2014/main" id="{44321D2C-1D1D-2949-B6EB-DA2484D754D4}"/>
+              </a:ext>
+            </a:extLst>
+          </p:cNvPr>
+          <p:cNvSpPr>
+            <a:spLocks noGrp="1"/>
+          </p:cNvSpPr>
+          <p:nvPr>
+            <p:ph type="title"/>
+          </p:nvPr>
+        </p:nvSpPr>
+        <p:spPr>
+          <a:xfrm>
+            <a:off x="192505" y="368723"/>
+            <a:ext cx="11806990" cy="765843"/>
+          </a:xfrm>
+        </p:spPr>
+        <p:txBody>
+          <a:bodyPr>
+            <a:normAutofit/>
+          </a:bodyPr>
+          <a:lstStyle/>
+          <a:p>
+            <a:r>
+              <a:rPr lang="en-US" dirty="0"/>
+              <a:t>Conclusion</a:t>
+            </a:r>
+            <a:endParaRPr lang="en-RU" dirty="0"/>
+          </a:p>
+        </p:txBody>
+      </p:sp>
+      <p:sp>
+        <p:nvSpPr>
+          <p:cNvPr id="6" name="Slide Number Placeholder 5">
+            <a:extLst>
+              <a:ext uri="{FF2B5EF4-FFF2-40B4-BE49-F238E27FC236}">
+                <a16:creationId xmlns:a16="http://schemas.microsoft.com/office/drawing/2014/main" id="{A95B88FF-E53E-9545-8CDF-71E8E96C9EA9}"/>
+              </a:ext>
+            </a:extLst>
+          </p:cNvPr>
+          <p:cNvSpPr>
+            <a:spLocks noGrp="1"/>
+          </p:cNvSpPr>
+          <p:nvPr>
+            <p:ph type="sldNum" sz="quarter" idx="12"/>
+          </p:nvPr>
+        </p:nvSpPr>
+        <p:spPr/>
+        <p:txBody>
+          <a:bodyPr/>
+          <a:lstStyle/>
+          <a:p>
+            <a:fld id="{21ABC42C-C6CC-47FC-904E-31573FDBB029}" type="slidenum">
+              <a:rPr lang="ru-RU" smtClean="0"/>
+              <a:pPr/>
+              <a:t>20</a:t>
+            </a:fld>
+            <a:endParaRPr lang="ru-RU"/>
+          </a:p>
+        </p:txBody>
+      </p:sp>
+      <p:sp>
+        <p:nvSpPr>
+          <p:cNvPr id="13" name="Date Placeholder 3">
+            <a:extLst>
+              <a:ext uri="{FF2B5EF4-FFF2-40B4-BE49-F238E27FC236}">
+                <a16:creationId xmlns:a16="http://schemas.microsoft.com/office/drawing/2014/main" id="{49239392-86EB-5144-A598-85DB177980C6}"/>
+              </a:ext>
+            </a:extLst>
+          </p:cNvPr>
+          <p:cNvSpPr>
+            <a:spLocks noGrp="1"/>
+          </p:cNvSpPr>
+          <p:nvPr>
+            <p:ph type="dt" sz="half" idx="10"/>
+          </p:nvPr>
+        </p:nvSpPr>
+        <p:spPr>
+          <a:xfrm>
+            <a:off x="5220393" y="6492875"/>
+            <a:ext cx="1751214" cy="365125"/>
+          </a:xfrm>
+        </p:spPr>
+        <p:txBody>
+          <a:bodyPr/>
+          <a:lstStyle/>
+          <a:p>
+            <a:r>
+              <a:rPr lang="en-US" dirty="0"/>
+              <a:t>01</a:t>
+            </a:r>
+            <a:r>
+              <a:rPr lang="ru-RU" dirty="0"/>
+              <a:t>.</a:t>
+            </a:r>
+            <a:r>
+              <a:rPr lang="en-US" dirty="0"/>
+              <a:t>10</a:t>
+            </a:r>
+            <a:r>
+              <a:rPr lang="ru-RU" dirty="0"/>
+              <a:t>.2020</a:t>
+            </a:r>
+          </a:p>
+        </p:txBody>
+      </p:sp>
+      <p:sp>
+        <p:nvSpPr>
+          <p:cNvPr id="7" name="Footer Placeholder 4">
+            <a:extLst>
+              <a:ext uri="{FF2B5EF4-FFF2-40B4-BE49-F238E27FC236}">
+                <a16:creationId xmlns:a16="http://schemas.microsoft.com/office/drawing/2014/main" id="{38ED5DF1-B361-244B-8C7F-711C1B71D833}"/>
+              </a:ext>
+            </a:extLst>
+          </p:cNvPr>
+          <p:cNvSpPr>
+            <a:spLocks noGrp="1"/>
+          </p:cNvSpPr>
+          <p:nvPr>
+            <p:ph type="ftr" sz="quarter" idx="11"/>
+          </p:nvPr>
+        </p:nvSpPr>
+        <p:spPr>
+          <a:xfrm>
+            <a:off x="192505" y="6492875"/>
+            <a:ext cx="3767667" cy="365125"/>
+          </a:xfrm>
+        </p:spPr>
+        <p:txBody>
+          <a:bodyPr/>
+          <a:lstStyle/>
+          <a:p>
+            <a:r>
+              <a:rPr lang="en-GB" dirty="0"/>
+              <a:t>T. Ramazyan, A. Levin, et al., NRU HSE</a:t>
+            </a:r>
+            <a:endParaRPr lang="ru-RU" dirty="0"/>
           </a:p>
         </p:txBody>
       </p:sp>
     </p:spTree>
     <p:extLst>
       <p:ext uri="{BB962C8B-B14F-4D97-AF65-F5344CB8AC3E}">
-        <p14:creationId xmlns:p14="http://schemas.microsoft.com/office/powerpoint/2010/main" val="1675760640"/>
+        <p14:creationId xmlns:p14="http://schemas.microsoft.com/office/powerpoint/2010/main" val="1108830904"/>
       </p:ext>
     </p:extLst>
   </p:cSld>
@@ -9530,423 +9767,46 @@
       </p:grpSpPr>
       <p:sp>
         <p:nvSpPr>
-          <p:cNvPr id="2" name="Content Placeholder 1">
-            <a:extLst>
-              <a:ext uri="{FF2B5EF4-FFF2-40B4-BE49-F238E27FC236}">
-                <a16:creationId xmlns:a16="http://schemas.microsoft.com/office/drawing/2014/main" id="{840F111B-D3AF-9C44-A9FF-CCAD09FB2394}"/>
-              </a:ext>
-            </a:extLst>
-          </p:cNvPr>
-          <p:cNvSpPr>
-            <a:spLocks noGrp="1"/>
-          </p:cNvSpPr>
-          <p:nvPr>
-            <p:ph idx="1"/>
-          </p:nvPr>
-        </p:nvSpPr>
-        <p:spPr>
-          <a:xfrm>
-            <a:off x="192505" y="838035"/>
-            <a:ext cx="11504914" cy="5654840"/>
-          </a:xfrm>
-        </p:spPr>
+          <p:cNvPr id="2" name="Title 1">
+            <a:extLst>
+              <a:ext uri="{FF2B5EF4-FFF2-40B4-BE49-F238E27FC236}">
+                <a16:creationId xmlns:a16="http://schemas.microsoft.com/office/drawing/2014/main" id="{A0D79D22-7949-6544-A49E-361186E06450}"/>
+              </a:ext>
+            </a:extLst>
+          </p:cNvPr>
+          <p:cNvSpPr>
+            <a:spLocks noGrp="1"/>
+          </p:cNvSpPr>
+          <p:nvPr>
+            <p:ph type="title"/>
+          </p:nvPr>
+        </p:nvSpPr>
+        <p:spPr/>
         <p:txBody>
           <a:bodyPr>
-            <a:noAutofit/>
+            <a:normAutofit/>
           </a:bodyPr>
           <a:lstStyle/>
           <a:p>
-            <a:pPr>
-              <a:lnSpc>
-                <a:spcPct val="170000"/>
-              </a:lnSpc>
-            </a:pPr>
-            <a:r>
-              <a:rPr lang="en-GB" sz="1900" b="1" dirty="0" err="1">
-                <a:solidFill>
-                  <a:schemeClr val="tx2"/>
-                </a:solidFill>
-                <a:hlinkClick r:id="rId2">
-                  <a:extLst>
-                    <a:ext uri="{A12FA001-AC4F-418D-AE19-62706E023703}">
-                      <ahyp:hlinkClr xmlns:ahyp="http://schemas.microsoft.com/office/drawing/2018/hyperlinkcolor" val="tx"/>
-                    </a:ext>
-                  </a:extLst>
-                </a:hlinkClick>
-              </a:rPr>
-              <a:t>graph</a:t>
-            </a:r>
-            <a:r>
-              <a:rPr lang="en-GB" sz="1900" b="1" dirty="0" err="1">
-                <a:solidFill>
-                  <a:schemeClr val="tx2"/>
-                </a:solidFill>
-                <a:hlinkClick r:id="rId3">
-                  <a:extLst>
-                    <a:ext uri="{A12FA001-AC4F-418D-AE19-62706E023703}">
-                      <ahyp:hlinkClr xmlns:ahyp="http://schemas.microsoft.com/office/drawing/2018/hyperlinkcolor" val="tx"/>
-                    </a:ext>
-                  </a:extLst>
-                </a:hlinkClick>
-              </a:rPr>
-              <a:t>_v</a:t>
-            </a:r>
-            <a:r>
-              <a:rPr lang="en-GB" sz="1900" b="1" dirty="0">
-                <a:solidFill>
-                  <a:schemeClr val="tx2"/>
-                </a:solidFill>
-                <a:hlinkClick r:id="rId3">
-                  <a:extLst>
-                    <a:ext uri="{A12FA001-AC4F-418D-AE19-62706E023703}">
-                      <ahyp:hlinkClr xmlns:ahyp="http://schemas.microsoft.com/office/drawing/2018/hyperlinkcolor" val="tx"/>
-                    </a:ext>
-                  </a:extLst>
-                </a:hlinkClick>
-              </a:rPr>
-              <a:t>{X}</a:t>
-            </a:r>
-            <a:r>
-              <a:rPr lang="en-GB" sz="1900" b="1" dirty="0">
-                <a:solidFill>
-                  <a:schemeClr val="tx2"/>
-                </a:solidFill>
-                <a:hlinkClick r:id="rId2">
-                  <a:extLst>
-                    <a:ext uri="{A12FA001-AC4F-418D-AE19-62706E023703}">
-                      <ahyp:hlinkClr xmlns:ahyp="http://schemas.microsoft.com/office/drawing/2018/hyperlinkcolor" val="tx"/>
-                    </a:ext>
-                  </a:extLst>
-                </a:hlinkClick>
-              </a:rPr>
-              <a:t>.txt</a:t>
-            </a:r>
-            <a:r>
-              <a:rPr lang="en-GB" sz="1900" dirty="0">
-                <a:solidFill>
-                  <a:schemeClr val="tx2"/>
-                </a:solidFill>
-              </a:rPr>
-              <a:t> </a:t>
-            </a:r>
-            <a:r>
-              <a:rPr lang="en-GB" sz="1900" dirty="0"/>
-              <a:t>- source code semantic knowledge graph vertex with corresponding tags. </a:t>
-            </a:r>
-            <a:r>
-              <a:rPr lang="en-GB" sz="1900" b="1" dirty="0"/>
-              <a:t>X</a:t>
-            </a:r>
-            <a:r>
-              <a:rPr lang="en-GB" sz="1900" dirty="0"/>
-              <a:t> is the version of the graph.</a:t>
-            </a:r>
-          </a:p>
-          <a:p>
-            <a:pPr>
-              <a:lnSpc>
-                <a:spcPct val="170000"/>
-              </a:lnSpc>
-            </a:pPr>
-            <a:r>
-              <a:rPr lang="en-GB" sz="1900" dirty="0">
-                <a:solidFill>
-                  <a:schemeClr val="tx2"/>
-                </a:solidFill>
-                <a:hlinkClick r:id="rId4">
-                  <a:extLst>
-                    <a:ext uri="{A12FA001-AC4F-418D-AE19-62706E023703}">
-                      <ahyp:hlinkClr xmlns:ahyp="http://schemas.microsoft.com/office/drawing/2018/hyperlinkcolor" val="tx"/>
-                    </a:ext>
-                  </a:extLst>
-                </a:hlinkClick>
-              </a:rPr>
-              <a:t>kagglenotebooks_list.csv</a:t>
-            </a:r>
-            <a:r>
-              <a:rPr lang="en-GB" sz="1900" dirty="0"/>
-              <a:t> - a list of direct links to Kaggle-notebooks</a:t>
-            </a:r>
-          </a:p>
-          <a:p>
-            <a:pPr>
-              <a:lnSpc>
-                <a:spcPct val="170000"/>
-              </a:lnSpc>
-            </a:pPr>
-            <a:r>
-              <a:rPr lang="en-GB" sz="1900" b="1" dirty="0">
-                <a:solidFill>
-                  <a:schemeClr val="tx2"/>
-                </a:solidFill>
-                <a:hlinkClick r:id="rId3">
-                  <a:extLst>
-                    <a:ext uri="{A12FA001-AC4F-418D-AE19-62706E023703}">
-                      <ahyp:hlinkClr xmlns:ahyp="http://schemas.microsoft.com/office/drawing/2018/hyperlinkcolor" val="tx"/>
-                    </a:ext>
-                  </a:extLst>
-                </a:hlinkClick>
-              </a:rPr>
-              <a:t>code_blocks_regex_graph_v{X}.csv</a:t>
-            </a:r>
-            <a:r>
-              <a:rPr lang="en-GB" sz="1900" dirty="0"/>
-              <a:t> - </a:t>
-            </a:r>
-            <a:r>
-              <a:rPr lang="en-GB" sz="1900" dirty="0" err="1"/>
-              <a:t>code_blocks_clean.csv</a:t>
-            </a:r>
-            <a:r>
-              <a:rPr lang="en-GB" sz="1900" dirty="0"/>
-              <a:t>, with regex-labelling on the following tags. </a:t>
-            </a:r>
-            <a:r>
-              <a:rPr lang="en-GB" sz="1900" b="1" dirty="0"/>
-              <a:t>X</a:t>
-            </a:r>
-            <a:r>
-              <a:rPr lang="en-GB" sz="1900" dirty="0"/>
-              <a:t> is the version of the graph.</a:t>
-            </a:r>
-          </a:p>
-          <a:p>
-            <a:pPr>
-              <a:lnSpc>
-                <a:spcPct val="170000"/>
-              </a:lnSpc>
-            </a:pPr>
-            <a:r>
-              <a:rPr lang="en-GB" sz="1900" b="1" dirty="0">
-                <a:solidFill>
-                  <a:schemeClr val="tx2"/>
-                </a:solidFill>
-                <a:hlinkClick r:id="rId5">
-                  <a:extLst>
-                    <a:ext uri="{A12FA001-AC4F-418D-AE19-62706E023703}">
-                      <ahyp:hlinkClr xmlns:ahyp="http://schemas.microsoft.com/office/drawing/2018/hyperlinkcolor" val="tx"/>
-                    </a:ext>
-                  </a:extLst>
-                </a:hlinkClick>
-              </a:rPr>
-              <a:t>nl2ml_preprocessing_full.csv</a:t>
-            </a:r>
-            <a:r>
-              <a:rPr lang="en-GB" sz="1900" dirty="0"/>
-              <a:t> - NL2ML corpus collected by-hand, complete version</a:t>
-            </a:r>
-          </a:p>
-          <a:p>
-            <a:pPr>
-              <a:lnSpc>
-                <a:spcPct val="170000"/>
-              </a:lnSpc>
-            </a:pPr>
-            <a:r>
-              <a:rPr lang="en-GB" sz="1900" dirty="0">
-                <a:solidFill>
-                  <a:schemeClr val="tx2"/>
-                </a:solidFill>
-                <a:hlinkClick r:id="rId6">
-                  <a:extLst>
-                    <a:ext uri="{A12FA001-AC4F-418D-AE19-62706E023703}">
-                      <ahyp:hlinkClr xmlns:ahyp="http://schemas.microsoft.com/office/drawing/2018/hyperlinkcolor" val="tx"/>
-                    </a:ext>
-                  </a:extLst>
-                </a:hlinkClick>
-              </a:rPr>
-              <a:t>chunks_{X}_validate.csv</a:t>
-            </a:r>
-            <a:r>
-              <a:rPr lang="en-GB" sz="1900" dirty="0"/>
-              <a:t> - a dataset containing NL2ML + </a:t>
-            </a:r>
-            <a:r>
-              <a:rPr lang="en-GB" sz="1900" dirty="0" err="1"/>
-              <a:t>CoNaLa</a:t>
-            </a:r>
-            <a:r>
-              <a:rPr lang="en-GB" sz="1900" dirty="0"/>
-              <a:t> dataset divided for </a:t>
-            </a:r>
-            <a:r>
-              <a:rPr lang="en-GB" sz="1900" b="1" dirty="0"/>
-              <a:t>X</a:t>
-            </a:r>
-            <a:r>
-              <a:rPr lang="en-GB" sz="1900" dirty="0"/>
-              <a:t> rows in a chunk.</a:t>
-            </a:r>
-          </a:p>
-          <a:p>
-            <a:pPr>
-              <a:lnSpc>
-                <a:spcPct val="170000"/>
-              </a:lnSpc>
-            </a:pPr>
-            <a:r>
-              <a:rPr lang="en-GB" sz="1900" b="1" u="sng" dirty="0" err="1">
-                <a:solidFill>
-                  <a:schemeClr val="tx2"/>
-                </a:solidFill>
-              </a:rPr>
-              <a:t>github_raw.csv</a:t>
-            </a:r>
-            <a:r>
-              <a:rPr lang="en-GB" sz="1900" u="sng" dirty="0"/>
-              <a:t> </a:t>
-            </a:r>
-            <a:r>
-              <a:rPr lang="en-GB" sz="1900" dirty="0"/>
-              <a:t>- a dataset containing source code chunks, comments from these chunks and markdowns before the chunks from GitHub.</a:t>
-            </a:r>
-          </a:p>
-          <a:p>
-            <a:endParaRPr lang="en-RU" sz="1900" dirty="0"/>
-          </a:p>
-        </p:txBody>
-      </p:sp>
-      <p:sp>
-        <p:nvSpPr>
-          <p:cNvPr id="3" name="Title 2">
-            <a:extLst>
-              <a:ext uri="{FF2B5EF4-FFF2-40B4-BE49-F238E27FC236}">
-                <a16:creationId xmlns:a16="http://schemas.microsoft.com/office/drawing/2014/main" id="{44321D2C-1D1D-2949-B6EB-DA2484D754D4}"/>
-              </a:ext>
-            </a:extLst>
-          </p:cNvPr>
-          <p:cNvSpPr>
-            <a:spLocks noGrp="1"/>
-          </p:cNvSpPr>
-          <p:nvPr>
-            <p:ph type="title"/>
-          </p:nvPr>
-        </p:nvSpPr>
-        <p:spPr/>
-        <p:txBody>
-          <a:bodyPr/>
-          <a:lstStyle/>
-          <a:p>
             <a:r>
               <a:rPr lang="en-RU" dirty="0"/>
-              <a:t>Final Data Sets</a:t>
-            </a:r>
-          </a:p>
-        </p:txBody>
-      </p:sp>
-      <p:sp>
-        <p:nvSpPr>
-          <p:cNvPr id="6" name="Slide Number Placeholder 5">
-            <a:extLst>
-              <a:ext uri="{FF2B5EF4-FFF2-40B4-BE49-F238E27FC236}">
-                <a16:creationId xmlns:a16="http://schemas.microsoft.com/office/drawing/2014/main" id="{A95B88FF-E53E-9545-8CDF-71E8E96C9EA9}"/>
-              </a:ext>
-            </a:extLst>
-          </p:cNvPr>
-          <p:cNvSpPr>
-            <a:spLocks noGrp="1"/>
-          </p:cNvSpPr>
-          <p:nvPr>
-            <p:ph type="sldNum" sz="quarter" idx="12"/>
-          </p:nvPr>
-        </p:nvSpPr>
-        <p:spPr/>
-        <p:txBody>
-          <a:bodyPr/>
-          <a:lstStyle/>
-          <a:p>
-            <a:fld id="{21ABC42C-C6CC-47FC-904E-31573FDBB029}" type="slidenum">
-              <a:rPr lang="ru-RU" smtClean="0"/>
-              <a:pPr/>
-              <a:t>21</a:t>
-            </a:fld>
-            <a:endParaRPr lang="ru-RU"/>
-          </a:p>
-        </p:txBody>
-      </p:sp>
-      <p:sp>
-        <p:nvSpPr>
-          <p:cNvPr id="8" name="Date Placeholder 3">
-            <a:extLst>
-              <a:ext uri="{FF2B5EF4-FFF2-40B4-BE49-F238E27FC236}">
-                <a16:creationId xmlns:a16="http://schemas.microsoft.com/office/drawing/2014/main" id="{B15A8861-C323-094C-A4CF-DC8EC0E6CE1E}"/>
-              </a:ext>
-            </a:extLst>
-          </p:cNvPr>
-          <p:cNvSpPr>
-            <a:spLocks noGrp="1"/>
-          </p:cNvSpPr>
-          <p:nvPr>
-            <p:ph type="dt" sz="half" idx="10"/>
-          </p:nvPr>
-        </p:nvSpPr>
-        <p:spPr>
-          <a:xfrm>
-            <a:off x="5220393" y="6492875"/>
-            <a:ext cx="1751214" cy="365125"/>
-          </a:xfrm>
-        </p:spPr>
-        <p:txBody>
-          <a:bodyPr/>
-          <a:lstStyle/>
-          <a:p>
-            <a:r>
-              <a:rPr lang="en-US" dirty="0"/>
-              <a:t>01</a:t>
-            </a:r>
-            <a:r>
-              <a:rPr lang="ru-RU" dirty="0"/>
-              <a:t>.</a:t>
-            </a:r>
-            <a:r>
-              <a:rPr lang="en-US" dirty="0"/>
-              <a:t>10</a:t>
-            </a:r>
-            <a:r>
-              <a:rPr lang="ru-RU" dirty="0"/>
-              <a:t>.2020</a:t>
-            </a:r>
-          </a:p>
-        </p:txBody>
-      </p:sp>
-      <p:sp>
-        <p:nvSpPr>
-          <p:cNvPr id="9" name="Footer Placeholder 4">
-            <a:extLst>
-              <a:ext uri="{FF2B5EF4-FFF2-40B4-BE49-F238E27FC236}">
-                <a16:creationId xmlns:a16="http://schemas.microsoft.com/office/drawing/2014/main" id="{D2E31F14-BC9C-B848-8915-7B547363A934}"/>
-              </a:ext>
-            </a:extLst>
-          </p:cNvPr>
-          <p:cNvSpPr>
-            <a:spLocks noGrp="1"/>
-          </p:cNvSpPr>
-          <p:nvPr>
-            <p:ph type="ftr" sz="quarter" idx="11"/>
-          </p:nvPr>
-        </p:nvSpPr>
-        <p:spPr>
-          <a:xfrm>
-            <a:off x="192505" y="6492875"/>
-            <a:ext cx="3767667" cy="365125"/>
-          </a:xfrm>
-        </p:spPr>
-        <p:txBody>
-          <a:bodyPr/>
-          <a:lstStyle/>
-          <a:p>
-            <a:r>
-              <a:rPr lang="en-GB" dirty="0"/>
-              <a:t>T. Ramazyan, A. Levin, et al., NRU HSE</a:t>
-            </a:r>
-            <a:endParaRPr lang="ru-RU" dirty="0"/>
+              <a:t>Final Data</a:t>
+            </a:r>
+            <a:r>
+              <a:rPr lang="en-US" dirty="0"/>
+              <a:t>s</a:t>
+            </a:r>
+            <a:r>
+              <a:rPr lang="en-RU" dirty="0"/>
+              <a:t>ets and Models</a:t>
+            </a:r>
           </a:p>
         </p:txBody>
       </p:sp>
     </p:spTree>
     <p:extLst>
       <p:ext uri="{BB962C8B-B14F-4D97-AF65-F5344CB8AC3E}">
-        <p14:creationId xmlns:p14="http://schemas.microsoft.com/office/powerpoint/2010/main" val="3450075680"/>
+        <p14:creationId xmlns:p14="http://schemas.microsoft.com/office/powerpoint/2010/main" val="1675760640"/>
       </p:ext>
     </p:extLst>
   </p:cSld>
@@ -9978,6 +9838,451 @@
           <p:cNvPr id="2" name="Content Placeholder 1">
             <a:extLst>
               <a:ext uri="{FF2B5EF4-FFF2-40B4-BE49-F238E27FC236}">
+                <a16:creationId xmlns:a16="http://schemas.microsoft.com/office/drawing/2014/main" id="{840F111B-D3AF-9C44-A9FF-CCAD09FB2394}"/>
+              </a:ext>
+            </a:extLst>
+          </p:cNvPr>
+          <p:cNvSpPr>
+            <a:spLocks noGrp="1"/>
+          </p:cNvSpPr>
+          <p:nvPr>
+            <p:ph idx="1"/>
+          </p:nvPr>
+        </p:nvSpPr>
+        <p:spPr>
+          <a:xfrm>
+            <a:off x="192505" y="838035"/>
+            <a:ext cx="11504914" cy="5654840"/>
+          </a:xfrm>
+        </p:spPr>
+        <p:txBody>
+          <a:bodyPr>
+            <a:noAutofit/>
+          </a:bodyPr>
+          <a:lstStyle/>
+          <a:p>
+            <a:pPr>
+              <a:lnSpc>
+                <a:spcPct val="170000"/>
+              </a:lnSpc>
+            </a:pPr>
+            <a:r>
+              <a:rPr lang="en-GB" sz="1900" b="1" dirty="0" err="1">
+                <a:solidFill>
+                  <a:schemeClr val="tx2"/>
+                </a:solidFill>
+                <a:hlinkClick r:id="rId2">
+                  <a:extLst>
+                    <a:ext uri="{A12FA001-AC4F-418D-AE19-62706E023703}">
+                      <ahyp:hlinkClr xmlns:ahyp="http://schemas.microsoft.com/office/drawing/2018/hyperlinkcolor" val="tx"/>
+                    </a:ext>
+                  </a:extLst>
+                </a:hlinkClick>
+              </a:rPr>
+              <a:t>graph</a:t>
+            </a:r>
+            <a:r>
+              <a:rPr lang="en-GB" sz="1900" b="1" dirty="0" err="1">
+                <a:solidFill>
+                  <a:schemeClr val="tx2"/>
+                </a:solidFill>
+                <a:hlinkClick r:id="rId3">
+                  <a:extLst>
+                    <a:ext uri="{A12FA001-AC4F-418D-AE19-62706E023703}">
+                      <ahyp:hlinkClr xmlns:ahyp="http://schemas.microsoft.com/office/drawing/2018/hyperlinkcolor" val="tx"/>
+                    </a:ext>
+                  </a:extLst>
+                </a:hlinkClick>
+              </a:rPr>
+              <a:t>_v</a:t>
+            </a:r>
+            <a:r>
+              <a:rPr lang="en-GB" sz="1900" b="1" dirty="0">
+                <a:solidFill>
+                  <a:schemeClr val="tx2"/>
+                </a:solidFill>
+                <a:hlinkClick r:id="rId3">
+                  <a:extLst>
+                    <a:ext uri="{A12FA001-AC4F-418D-AE19-62706E023703}">
+                      <ahyp:hlinkClr xmlns:ahyp="http://schemas.microsoft.com/office/drawing/2018/hyperlinkcolor" val="tx"/>
+                    </a:ext>
+                  </a:extLst>
+                </a:hlinkClick>
+              </a:rPr>
+              <a:t>{X}</a:t>
+            </a:r>
+            <a:r>
+              <a:rPr lang="en-GB" sz="1900" b="1" dirty="0">
+                <a:solidFill>
+                  <a:schemeClr val="tx2"/>
+                </a:solidFill>
+                <a:hlinkClick r:id="rId2">
+                  <a:extLst>
+                    <a:ext uri="{A12FA001-AC4F-418D-AE19-62706E023703}">
+                      <ahyp:hlinkClr xmlns:ahyp="http://schemas.microsoft.com/office/drawing/2018/hyperlinkcolor" val="tx"/>
+                    </a:ext>
+                  </a:extLst>
+                </a:hlinkClick>
+              </a:rPr>
+              <a:t>.txt</a:t>
+            </a:r>
+            <a:r>
+              <a:rPr lang="en-GB" sz="1900" dirty="0">
+                <a:solidFill>
+                  <a:schemeClr val="tx2"/>
+                </a:solidFill>
+              </a:rPr>
+              <a:t> </a:t>
+            </a:r>
+            <a:r>
+              <a:rPr lang="en-GB" sz="1900" dirty="0"/>
+              <a:t>- source code semantic knowledge graph vertex with corresponding tags. </a:t>
+            </a:r>
+            <a:r>
+              <a:rPr lang="en-GB" sz="1900" b="1" dirty="0"/>
+              <a:t>X</a:t>
+            </a:r>
+            <a:r>
+              <a:rPr lang="en-GB" sz="1900" dirty="0"/>
+              <a:t> is the version of the graph.</a:t>
+            </a:r>
+          </a:p>
+          <a:p>
+            <a:pPr>
+              <a:lnSpc>
+                <a:spcPct val="170000"/>
+              </a:lnSpc>
+            </a:pPr>
+            <a:r>
+              <a:rPr lang="en-GB" sz="1900" dirty="0">
+                <a:solidFill>
+                  <a:schemeClr val="tx2"/>
+                </a:solidFill>
+                <a:hlinkClick r:id="rId4">
+                  <a:extLst>
+                    <a:ext uri="{A12FA001-AC4F-418D-AE19-62706E023703}">
+                      <ahyp:hlinkClr xmlns:ahyp="http://schemas.microsoft.com/office/drawing/2018/hyperlinkcolor" val="tx"/>
+                    </a:ext>
+                  </a:extLst>
+                </a:hlinkClick>
+              </a:rPr>
+              <a:t>kagglenotebooks_list.csv</a:t>
+            </a:r>
+            <a:r>
+              <a:rPr lang="en-GB" sz="1900" dirty="0"/>
+              <a:t> - a list of direct links to Kaggle-notebooks</a:t>
+            </a:r>
+          </a:p>
+          <a:p>
+            <a:pPr>
+              <a:lnSpc>
+                <a:spcPct val="170000"/>
+              </a:lnSpc>
+            </a:pPr>
+            <a:r>
+              <a:rPr lang="en-GB" sz="1900" b="1" dirty="0">
+                <a:solidFill>
+                  <a:schemeClr val="tx2"/>
+                </a:solidFill>
+                <a:hlinkClick r:id="rId3">
+                  <a:extLst>
+                    <a:ext uri="{A12FA001-AC4F-418D-AE19-62706E023703}">
+                      <ahyp:hlinkClr xmlns:ahyp="http://schemas.microsoft.com/office/drawing/2018/hyperlinkcolor" val="tx"/>
+                    </a:ext>
+                  </a:extLst>
+                </a:hlinkClick>
+              </a:rPr>
+              <a:t>code_blocks_regex_graph_v{X}.csv</a:t>
+            </a:r>
+            <a:r>
+              <a:rPr lang="en-GB" sz="1900" dirty="0"/>
+              <a:t> - </a:t>
+            </a:r>
+            <a:r>
+              <a:rPr lang="en-GB" sz="1900" dirty="0" err="1"/>
+              <a:t>code_blocks_clean.csv</a:t>
+            </a:r>
+            <a:r>
+              <a:rPr lang="en-GB" sz="1900" dirty="0"/>
+              <a:t>, with regex-labelling on the following tags. </a:t>
+            </a:r>
+            <a:r>
+              <a:rPr lang="en-GB" sz="1900" b="1" dirty="0"/>
+              <a:t>X</a:t>
+            </a:r>
+            <a:r>
+              <a:rPr lang="en-GB" sz="1900" dirty="0"/>
+              <a:t> is the version of the graph.</a:t>
+            </a:r>
+          </a:p>
+          <a:p>
+            <a:pPr>
+              <a:lnSpc>
+                <a:spcPct val="170000"/>
+              </a:lnSpc>
+            </a:pPr>
+            <a:r>
+              <a:rPr lang="en-GB" sz="1900" b="1" dirty="0">
+                <a:solidFill>
+                  <a:schemeClr val="tx2"/>
+                </a:solidFill>
+                <a:hlinkClick r:id="rId5">
+                  <a:extLst>
+                    <a:ext uri="{A12FA001-AC4F-418D-AE19-62706E023703}">
+                      <ahyp:hlinkClr xmlns:ahyp="http://schemas.microsoft.com/office/drawing/2018/hyperlinkcolor" val="tx"/>
+                    </a:ext>
+                  </a:extLst>
+                </a:hlinkClick>
+              </a:rPr>
+              <a:t>nl2ml_preprocessing_full.csv</a:t>
+            </a:r>
+            <a:r>
+              <a:rPr lang="en-GB" sz="1900" dirty="0"/>
+              <a:t> - NL2ML corpus collected by-hand, complete version</a:t>
+            </a:r>
+          </a:p>
+          <a:p>
+            <a:pPr>
+              <a:lnSpc>
+                <a:spcPct val="170000"/>
+              </a:lnSpc>
+            </a:pPr>
+            <a:r>
+              <a:rPr lang="en-GB" sz="1900" dirty="0">
+                <a:solidFill>
+                  <a:schemeClr val="tx2"/>
+                </a:solidFill>
+                <a:hlinkClick r:id="rId6">
+                  <a:extLst>
+                    <a:ext uri="{A12FA001-AC4F-418D-AE19-62706E023703}">
+                      <ahyp:hlinkClr xmlns:ahyp="http://schemas.microsoft.com/office/drawing/2018/hyperlinkcolor" val="tx"/>
+                    </a:ext>
+                  </a:extLst>
+                </a:hlinkClick>
+              </a:rPr>
+              <a:t>chunks_{X}_validate.csv</a:t>
+            </a:r>
+            <a:r>
+              <a:rPr lang="en-GB" sz="1900" dirty="0"/>
+              <a:t> - a dataset containing NL2ML + </a:t>
+            </a:r>
+            <a:r>
+              <a:rPr lang="en-GB" sz="1900" dirty="0" err="1"/>
+              <a:t>CoNaLa</a:t>
+            </a:r>
+            <a:r>
+              <a:rPr lang="en-GB" sz="1900" dirty="0"/>
+              <a:t> dataset divided for </a:t>
+            </a:r>
+            <a:r>
+              <a:rPr lang="en-GB" sz="1900" b="1" dirty="0"/>
+              <a:t>X</a:t>
+            </a:r>
+            <a:r>
+              <a:rPr lang="en-GB" sz="1900" dirty="0"/>
+              <a:t> rows in a chunk.</a:t>
+            </a:r>
+          </a:p>
+          <a:p>
+            <a:pPr>
+              <a:lnSpc>
+                <a:spcPct val="170000"/>
+              </a:lnSpc>
+            </a:pPr>
+            <a:r>
+              <a:rPr lang="en-GB" sz="1900" b="1" u="sng" dirty="0" err="1">
+                <a:solidFill>
+                  <a:schemeClr val="tx2"/>
+                </a:solidFill>
+              </a:rPr>
+              <a:t>github_raw.csv</a:t>
+            </a:r>
+            <a:r>
+              <a:rPr lang="en-GB" sz="1900" u="sng" dirty="0"/>
+              <a:t> </a:t>
+            </a:r>
+            <a:r>
+              <a:rPr lang="en-GB" sz="1900" dirty="0"/>
+              <a:t>- a dataset containing source code chunks, comments from these chunks and markdowns before the chunks from GitHub.</a:t>
+            </a:r>
+          </a:p>
+          <a:p>
+            <a:endParaRPr lang="en-RU" sz="1900" dirty="0"/>
+          </a:p>
+        </p:txBody>
+      </p:sp>
+      <p:sp>
+        <p:nvSpPr>
+          <p:cNvPr id="3" name="Title 2">
+            <a:extLst>
+              <a:ext uri="{FF2B5EF4-FFF2-40B4-BE49-F238E27FC236}">
+                <a16:creationId xmlns:a16="http://schemas.microsoft.com/office/drawing/2014/main" id="{44321D2C-1D1D-2949-B6EB-DA2484D754D4}"/>
+              </a:ext>
+            </a:extLst>
+          </p:cNvPr>
+          <p:cNvSpPr>
+            <a:spLocks noGrp="1"/>
+          </p:cNvSpPr>
+          <p:nvPr>
+            <p:ph type="title"/>
+          </p:nvPr>
+        </p:nvSpPr>
+        <p:spPr/>
+        <p:txBody>
+          <a:bodyPr/>
+          <a:lstStyle/>
+          <a:p>
+            <a:r>
+              <a:rPr lang="en-RU" dirty="0"/>
+              <a:t>Final Data Sets</a:t>
+            </a:r>
+          </a:p>
+        </p:txBody>
+      </p:sp>
+      <p:sp>
+        <p:nvSpPr>
+          <p:cNvPr id="6" name="Slide Number Placeholder 5">
+            <a:extLst>
+              <a:ext uri="{FF2B5EF4-FFF2-40B4-BE49-F238E27FC236}">
+                <a16:creationId xmlns:a16="http://schemas.microsoft.com/office/drawing/2014/main" id="{A95B88FF-E53E-9545-8CDF-71E8E96C9EA9}"/>
+              </a:ext>
+            </a:extLst>
+          </p:cNvPr>
+          <p:cNvSpPr>
+            <a:spLocks noGrp="1"/>
+          </p:cNvSpPr>
+          <p:nvPr>
+            <p:ph type="sldNum" sz="quarter" idx="12"/>
+          </p:nvPr>
+        </p:nvSpPr>
+        <p:spPr/>
+        <p:txBody>
+          <a:bodyPr/>
+          <a:lstStyle/>
+          <a:p>
+            <a:fld id="{21ABC42C-C6CC-47FC-904E-31573FDBB029}" type="slidenum">
+              <a:rPr lang="ru-RU" smtClean="0"/>
+              <a:pPr/>
+              <a:t>22</a:t>
+            </a:fld>
+            <a:endParaRPr lang="ru-RU"/>
+          </a:p>
+        </p:txBody>
+      </p:sp>
+      <p:sp>
+        <p:nvSpPr>
+          <p:cNvPr id="8" name="Date Placeholder 3">
+            <a:extLst>
+              <a:ext uri="{FF2B5EF4-FFF2-40B4-BE49-F238E27FC236}">
+                <a16:creationId xmlns:a16="http://schemas.microsoft.com/office/drawing/2014/main" id="{B15A8861-C323-094C-A4CF-DC8EC0E6CE1E}"/>
+              </a:ext>
+            </a:extLst>
+          </p:cNvPr>
+          <p:cNvSpPr>
+            <a:spLocks noGrp="1"/>
+          </p:cNvSpPr>
+          <p:nvPr>
+            <p:ph type="dt" sz="half" idx="10"/>
+          </p:nvPr>
+        </p:nvSpPr>
+        <p:spPr>
+          <a:xfrm>
+            <a:off x="5220393" y="6492875"/>
+            <a:ext cx="1751214" cy="365125"/>
+          </a:xfrm>
+        </p:spPr>
+        <p:txBody>
+          <a:bodyPr/>
+          <a:lstStyle/>
+          <a:p>
+            <a:r>
+              <a:rPr lang="en-US" dirty="0"/>
+              <a:t>01</a:t>
+            </a:r>
+            <a:r>
+              <a:rPr lang="ru-RU" dirty="0"/>
+              <a:t>.</a:t>
+            </a:r>
+            <a:r>
+              <a:rPr lang="en-US" dirty="0"/>
+              <a:t>10</a:t>
+            </a:r>
+            <a:r>
+              <a:rPr lang="ru-RU" dirty="0"/>
+              <a:t>.2020</a:t>
+            </a:r>
+          </a:p>
+        </p:txBody>
+      </p:sp>
+      <p:sp>
+        <p:nvSpPr>
+          <p:cNvPr id="9" name="Footer Placeholder 4">
+            <a:extLst>
+              <a:ext uri="{FF2B5EF4-FFF2-40B4-BE49-F238E27FC236}">
+                <a16:creationId xmlns:a16="http://schemas.microsoft.com/office/drawing/2014/main" id="{D2E31F14-BC9C-B848-8915-7B547363A934}"/>
+              </a:ext>
+            </a:extLst>
+          </p:cNvPr>
+          <p:cNvSpPr>
+            <a:spLocks noGrp="1"/>
+          </p:cNvSpPr>
+          <p:nvPr>
+            <p:ph type="ftr" sz="quarter" idx="11"/>
+          </p:nvPr>
+        </p:nvSpPr>
+        <p:spPr>
+          <a:xfrm>
+            <a:off x="192505" y="6492875"/>
+            <a:ext cx="3767667" cy="365125"/>
+          </a:xfrm>
+        </p:spPr>
+        <p:txBody>
+          <a:bodyPr/>
+          <a:lstStyle/>
+          <a:p>
+            <a:r>
+              <a:rPr lang="en-GB" dirty="0"/>
+              <a:t>T. Ramazyan, A. Levin, et al., NRU HSE</a:t>
+            </a:r>
+            <a:endParaRPr lang="ru-RU" dirty="0"/>
+          </a:p>
+        </p:txBody>
+      </p:sp>
+    </p:spTree>
+    <p:extLst>
+      <p:ext uri="{BB962C8B-B14F-4D97-AF65-F5344CB8AC3E}">
+        <p14:creationId xmlns:p14="http://schemas.microsoft.com/office/powerpoint/2010/main" val="3450075680"/>
+      </p:ext>
+    </p:extLst>
+  </p:cSld>
+  <p:clrMapOvr>
+    <a:masterClrMapping/>
+  </p:clrMapOvr>
+</p:sld>
+</file>
+
+<file path=ppt/slides/slide23.xml><?xml version="1.0" encoding="utf-8"?>
+<p:sld xmlns:a="http://schemas.openxmlformats.org/drawingml/2006/main" xmlns:r="http://schemas.openxmlformats.org/officeDocument/2006/relationships" xmlns:p="http://schemas.openxmlformats.org/presentationml/2006/main">
+  <p:cSld>
+    <p:spTree>
+      <p:nvGrpSpPr>
+        <p:cNvPr id="1" name=""/>
+        <p:cNvGrpSpPr/>
+        <p:nvPr/>
+      </p:nvGrpSpPr>
+      <p:grpSpPr>
+        <a:xfrm>
+          <a:off x="0" y="0"/>
+          <a:ext cx="0" cy="0"/>
+          <a:chOff x="0" y="0"/>
+          <a:chExt cx="0" cy="0"/>
+        </a:xfrm>
+      </p:grpSpPr>
+      <p:sp>
+        <p:nvSpPr>
+          <p:cNvPr id="2" name="Content Placeholder 1">
+            <a:extLst>
+              <a:ext uri="{FF2B5EF4-FFF2-40B4-BE49-F238E27FC236}">
                 <a16:creationId xmlns:a16="http://schemas.microsoft.com/office/drawing/2014/main" id="{885F3CD7-32E3-F14F-A50C-3604D7BB3B71}"/>
               </a:ext>
             </a:extLst>
@@ -10138,7 +10443,7 @@
             <a:fld id="{21ABC42C-C6CC-47FC-904E-31573FDBB029}" type="slidenum">
               <a:rPr lang="ru-RU" smtClean="0"/>
               <a:pPr/>
-              <a:t>22</a:t>
+              <a:t>23</a:t>
             </a:fld>
             <a:endParaRPr lang="ru-RU"/>
           </a:p>
@@ -10236,7 +10541,7 @@
 </p:sld>
 </file>
 
-<file path=ppt/slides/slide23.xml><?xml version="1.0" encoding="utf-8"?>
+<file path=ppt/slides/slide24.xml><?xml version="1.0" encoding="utf-8"?>
 <p:sld xmlns:a="http://schemas.openxmlformats.org/drawingml/2006/main" xmlns:r="http://schemas.openxmlformats.org/officeDocument/2006/relationships" xmlns:p="http://schemas.openxmlformats.org/presentationml/2006/main">
   <p:cSld>
     <p:spTree>
@@ -10770,18 +11075,18 @@
       </p:grpSpPr>
       <p:sp>
         <p:nvSpPr>
-          <p:cNvPr id="2" name="Title 1">
-            <a:extLst>
-              <a:ext uri="{FF2B5EF4-FFF2-40B4-BE49-F238E27FC236}">
-                <a16:creationId xmlns:a16="http://schemas.microsoft.com/office/drawing/2014/main" id="{A0D79D22-7949-6544-A49E-361186E06450}"/>
-              </a:ext>
-            </a:extLst>
-          </p:cNvPr>
-          <p:cNvSpPr>
-            <a:spLocks noGrp="1"/>
-          </p:cNvSpPr>
-          <p:nvPr>
-            <p:ph type="title"/>
+          <p:cNvPr id="2" name="Content Placeholder 1">
+            <a:extLst>
+              <a:ext uri="{FF2B5EF4-FFF2-40B4-BE49-F238E27FC236}">
+                <a16:creationId xmlns:a16="http://schemas.microsoft.com/office/drawing/2014/main" id="{885F3CD7-32E3-F14F-A50C-3604D7BB3B71}"/>
+              </a:ext>
+            </a:extLst>
+          </p:cNvPr>
+          <p:cNvSpPr>
+            <a:spLocks noGrp="1"/>
+          </p:cNvSpPr>
+          <p:nvPr>
+            <p:ph idx="1"/>
           </p:nvPr>
         </p:nvSpPr>
         <p:spPr/>
@@ -10792,16 +11097,245 @@
           <a:lstStyle/>
           <a:p>
             <a:r>
-              <a:rPr lang="en-RU" dirty="0"/>
-              <a:t>Knowledge Graph</a:t>
-            </a:r>
+              <a:rPr lang="en-GB" dirty="0"/>
+              <a:t>Code Search Net  - https://</a:t>
+            </a:r>
+            <a:r>
+              <a:rPr lang="en-GB" dirty="0" err="1"/>
+              <a:t>github.com</a:t>
+            </a:r>
+            <a:r>
+              <a:rPr lang="en-GB" dirty="0"/>
+              <a:t>/</a:t>
+            </a:r>
+            <a:r>
+              <a:rPr lang="en-GB" dirty="0" err="1"/>
+              <a:t>github</a:t>
+            </a:r>
+            <a:r>
+              <a:rPr lang="en-GB" dirty="0"/>
+              <a:t>/</a:t>
+            </a:r>
+            <a:r>
+              <a:rPr lang="en-GB" dirty="0" err="1"/>
+              <a:t>CodeSearchNet</a:t>
+            </a:r>
+            <a:endParaRPr lang="en-GB" dirty="0"/>
+          </a:p>
+          <a:p>
+            <a:r>
+              <a:rPr lang="en-GB" dirty="0"/>
+              <a:t>Python 150k Dataset - </a:t>
+            </a:r>
+            <a:r>
+              <a:rPr lang="en-GB" dirty="0">
+                <a:hlinkClick r:id="rId2"/>
+              </a:rPr>
+              <a:t>https://eth-sri.github.io/py150</a:t>
+            </a:r>
+            <a:endParaRPr lang="en-GB" dirty="0"/>
+          </a:p>
+          <a:p>
+            <a:r>
+              <a:rPr lang="en-GB" dirty="0" err="1"/>
+              <a:t>CoNaLa</a:t>
+            </a:r>
+            <a:r>
+              <a:rPr lang="en-GB" dirty="0"/>
+              <a:t> - https://</a:t>
+            </a:r>
+            <a:r>
+              <a:rPr lang="en-GB" dirty="0" err="1"/>
+              <a:t>conala-corpus.github.io</a:t>
+            </a:r>
+            <a:r>
+              <a:rPr lang="en-GB" dirty="0"/>
+              <a:t>/</a:t>
+            </a:r>
+          </a:p>
+          <a:p>
+            <a:r>
+              <a:rPr lang="en-GB" dirty="0" err="1"/>
+              <a:t>StaQC</a:t>
+            </a:r>
+            <a:r>
+              <a:rPr lang="en-GB" dirty="0"/>
+              <a:t> - https://</a:t>
+            </a:r>
+            <a:r>
+              <a:rPr lang="en-GB" dirty="0" err="1"/>
+              <a:t>github.com</a:t>
+            </a:r>
+            <a:r>
+              <a:rPr lang="en-GB" dirty="0"/>
+              <a:t>/</a:t>
+            </a:r>
+            <a:r>
+              <a:rPr lang="en-GB" dirty="0" err="1"/>
+              <a:t>LittleYUYU</a:t>
+            </a:r>
+            <a:r>
+              <a:rPr lang="en-GB" dirty="0"/>
+              <a:t>/</a:t>
+            </a:r>
+            <a:r>
+              <a:rPr lang="en-GB" dirty="0" err="1"/>
+              <a:t>StackOverflow</a:t>
+            </a:r>
+            <a:r>
+              <a:rPr lang="en-GB" dirty="0"/>
+              <a:t>-Question-Code-Dataset</a:t>
+            </a:r>
+          </a:p>
+        </p:txBody>
+      </p:sp>
+      <p:sp>
+        <p:nvSpPr>
+          <p:cNvPr id="3" name="Title 2">
+            <a:extLst>
+              <a:ext uri="{FF2B5EF4-FFF2-40B4-BE49-F238E27FC236}">
+                <a16:creationId xmlns:a16="http://schemas.microsoft.com/office/drawing/2014/main" id="{D482727E-8510-5F4B-8904-4D776FCF3B82}"/>
+              </a:ext>
+            </a:extLst>
+          </p:cNvPr>
+          <p:cNvSpPr>
+            <a:spLocks noGrp="1"/>
+          </p:cNvSpPr>
+          <p:nvPr>
+            <p:ph type="title"/>
+          </p:nvPr>
+        </p:nvSpPr>
+        <p:spPr>
+          <a:xfrm>
+            <a:off x="192505" y="336498"/>
+            <a:ext cx="11806990" cy="765843"/>
+          </a:xfrm>
+        </p:spPr>
+        <p:txBody>
+          <a:bodyPr/>
+          <a:lstStyle/>
+          <a:p>
+            <a:r>
+              <a:rPr lang="en-US" dirty="0"/>
+              <a:t>Similar Corpora</a:t>
+            </a:r>
+            <a:endParaRPr lang="en-RU" dirty="0"/>
+          </a:p>
+        </p:txBody>
+      </p:sp>
+      <p:sp>
+        <p:nvSpPr>
+          <p:cNvPr id="6" name="Slide Number Placeholder 5">
+            <a:extLst>
+              <a:ext uri="{FF2B5EF4-FFF2-40B4-BE49-F238E27FC236}">
+                <a16:creationId xmlns:a16="http://schemas.microsoft.com/office/drawing/2014/main" id="{1B345C92-D62A-F244-BEA6-C1F0B7F0F79B}"/>
+              </a:ext>
+            </a:extLst>
+          </p:cNvPr>
+          <p:cNvSpPr>
+            <a:spLocks noGrp="1"/>
+          </p:cNvSpPr>
+          <p:nvPr>
+            <p:ph type="sldNum" sz="quarter" idx="12"/>
+          </p:nvPr>
+        </p:nvSpPr>
+        <p:spPr/>
+        <p:txBody>
+          <a:bodyPr/>
+          <a:lstStyle/>
+          <a:p>
+            <a:fld id="{21ABC42C-C6CC-47FC-904E-31573FDBB029}" type="slidenum">
+              <a:rPr lang="ru-RU" smtClean="0"/>
+              <a:pPr/>
+              <a:t>5</a:t>
+            </a:fld>
+            <a:endParaRPr lang="ru-RU"/>
+          </a:p>
+        </p:txBody>
+      </p:sp>
+      <p:sp>
+        <p:nvSpPr>
+          <p:cNvPr id="8" name="Date Placeholder 3">
+            <a:extLst>
+              <a:ext uri="{FF2B5EF4-FFF2-40B4-BE49-F238E27FC236}">
+                <a16:creationId xmlns:a16="http://schemas.microsoft.com/office/drawing/2014/main" id="{C07ECB64-CAD3-1941-922C-B24BD3CC742F}"/>
+              </a:ext>
+            </a:extLst>
+          </p:cNvPr>
+          <p:cNvSpPr>
+            <a:spLocks noGrp="1"/>
+          </p:cNvSpPr>
+          <p:nvPr>
+            <p:ph type="dt" sz="half" idx="10"/>
+          </p:nvPr>
+        </p:nvSpPr>
+        <p:spPr>
+          <a:xfrm>
+            <a:off x="5220393" y="6492875"/>
+            <a:ext cx="1751214" cy="365125"/>
+          </a:xfrm>
+        </p:spPr>
+        <p:txBody>
+          <a:bodyPr/>
+          <a:lstStyle/>
+          <a:p>
+            <a:r>
+              <a:rPr lang="en-US" dirty="0"/>
+              <a:t>01</a:t>
+            </a:r>
+            <a:r>
+              <a:rPr lang="ru-RU" dirty="0"/>
+              <a:t>.</a:t>
+            </a:r>
+            <a:r>
+              <a:rPr lang="en-US" dirty="0"/>
+              <a:t>10</a:t>
+            </a:r>
+            <a:r>
+              <a:rPr lang="ru-RU" dirty="0"/>
+              <a:t>.2020</a:t>
+            </a:r>
+          </a:p>
+        </p:txBody>
+      </p:sp>
+      <p:sp>
+        <p:nvSpPr>
+          <p:cNvPr id="10" name="Footer Placeholder 4">
+            <a:extLst>
+              <a:ext uri="{FF2B5EF4-FFF2-40B4-BE49-F238E27FC236}">
+                <a16:creationId xmlns:a16="http://schemas.microsoft.com/office/drawing/2014/main" id="{14D7E5C0-B706-DA44-B109-960C975C68E9}"/>
+              </a:ext>
+            </a:extLst>
+          </p:cNvPr>
+          <p:cNvSpPr>
+            <a:spLocks noGrp="1"/>
+          </p:cNvSpPr>
+          <p:nvPr>
+            <p:ph type="ftr" sz="quarter" idx="11"/>
+          </p:nvPr>
+        </p:nvSpPr>
+        <p:spPr>
+          <a:xfrm>
+            <a:off x="192505" y="6492875"/>
+            <a:ext cx="3767667" cy="365125"/>
+          </a:xfrm>
+        </p:spPr>
+        <p:txBody>
+          <a:bodyPr/>
+          <a:lstStyle/>
+          <a:p>
+            <a:r>
+              <a:rPr lang="en-GB" dirty="0"/>
+              <a:t>T. Ramazyan, A. Levin, et al., NRU HSE</a:t>
+            </a:r>
+            <a:endParaRPr lang="ru-RU" dirty="0"/>
           </a:p>
         </p:txBody>
       </p:sp>
     </p:spTree>
     <p:extLst>
       <p:ext uri="{BB962C8B-B14F-4D97-AF65-F5344CB8AC3E}">
-        <p14:creationId xmlns:p14="http://schemas.microsoft.com/office/powerpoint/2010/main" val="456051609"/>
+        <p14:creationId xmlns:p14="http://schemas.microsoft.com/office/powerpoint/2010/main" val="3144236264"/>
       </p:ext>
     </p:extLst>
   </p:cSld>
@@ -10830,6 +11364,66 @@
       </p:grpSpPr>
       <p:sp>
         <p:nvSpPr>
+          <p:cNvPr id="2" name="Title 1">
+            <a:extLst>
+              <a:ext uri="{FF2B5EF4-FFF2-40B4-BE49-F238E27FC236}">
+                <a16:creationId xmlns:a16="http://schemas.microsoft.com/office/drawing/2014/main" id="{A0D79D22-7949-6544-A49E-361186E06450}"/>
+              </a:ext>
+            </a:extLst>
+          </p:cNvPr>
+          <p:cNvSpPr>
+            <a:spLocks noGrp="1"/>
+          </p:cNvSpPr>
+          <p:nvPr>
+            <p:ph type="title"/>
+          </p:nvPr>
+        </p:nvSpPr>
+        <p:spPr/>
+        <p:txBody>
+          <a:bodyPr>
+            <a:normAutofit/>
+          </a:bodyPr>
+          <a:lstStyle/>
+          <a:p>
+            <a:r>
+              <a:rPr lang="en-RU" dirty="0"/>
+              <a:t>Knowledge Graph</a:t>
+            </a:r>
+          </a:p>
+        </p:txBody>
+      </p:sp>
+    </p:spTree>
+    <p:extLst>
+      <p:ext uri="{BB962C8B-B14F-4D97-AF65-F5344CB8AC3E}">
+        <p14:creationId xmlns:p14="http://schemas.microsoft.com/office/powerpoint/2010/main" val="456051609"/>
+      </p:ext>
+    </p:extLst>
+  </p:cSld>
+  <p:clrMapOvr>
+    <a:masterClrMapping/>
+  </p:clrMapOvr>
+</p:sld>
+</file>
+
+<file path=ppt/slides/slide7.xml><?xml version="1.0" encoding="utf-8"?>
+<p:sld xmlns:a="http://schemas.openxmlformats.org/drawingml/2006/main" xmlns:r="http://schemas.openxmlformats.org/officeDocument/2006/relationships" xmlns:p="http://schemas.openxmlformats.org/presentationml/2006/main">
+  <p:cSld>
+    <p:spTree>
+      <p:nvGrpSpPr>
+        <p:cNvPr id="1" name=""/>
+        <p:cNvGrpSpPr/>
+        <p:nvPr/>
+      </p:nvGrpSpPr>
+      <p:grpSpPr>
+        <a:xfrm>
+          <a:off x="0" y="0"/>
+          <a:ext cx="0" cy="0"/>
+          <a:chOff x="0" y="0"/>
+          <a:chExt cx="0" cy="0"/>
+        </a:xfrm>
+      </p:grpSpPr>
+      <p:sp>
+        <p:nvSpPr>
           <p:cNvPr id="2" name="Content Placeholder 1">
             <a:extLst>
               <a:ext uri="{FF2B5EF4-FFF2-40B4-BE49-F238E27FC236}">
@@ -11000,7 +11594,7 @@
             <a:fld id="{21ABC42C-C6CC-47FC-904E-31573FDBB029}" type="slidenum">
               <a:rPr lang="ru-RU" smtClean="0"/>
               <a:pPr/>
-              <a:t>6</a:t>
+              <a:t>7</a:t>
             </a:fld>
             <a:endParaRPr lang="ru-RU"/>
           </a:p>
@@ -11141,66 +11735,6 @@
 </p:sld>
 </file>
 
-<file path=ppt/slides/slide7.xml><?xml version="1.0" encoding="utf-8"?>
-<p:sld xmlns:a="http://schemas.openxmlformats.org/drawingml/2006/main" xmlns:r="http://schemas.openxmlformats.org/officeDocument/2006/relationships" xmlns:p="http://schemas.openxmlformats.org/presentationml/2006/main">
-  <p:cSld>
-    <p:spTree>
-      <p:nvGrpSpPr>
-        <p:cNvPr id="1" name=""/>
-        <p:cNvGrpSpPr/>
-        <p:nvPr/>
-      </p:nvGrpSpPr>
-      <p:grpSpPr>
-        <a:xfrm>
-          <a:off x="0" y="0"/>
-          <a:ext cx="0" cy="0"/>
-          <a:chOff x="0" y="0"/>
-          <a:chExt cx="0" cy="0"/>
-        </a:xfrm>
-      </p:grpSpPr>
-      <p:sp>
-        <p:nvSpPr>
-          <p:cNvPr id="2" name="Title 1">
-            <a:extLst>
-              <a:ext uri="{FF2B5EF4-FFF2-40B4-BE49-F238E27FC236}">
-                <a16:creationId xmlns:a16="http://schemas.microsoft.com/office/drawing/2014/main" id="{A0D79D22-7949-6544-A49E-361186E06450}"/>
-              </a:ext>
-            </a:extLst>
-          </p:cNvPr>
-          <p:cNvSpPr>
-            <a:spLocks noGrp="1"/>
-          </p:cNvSpPr>
-          <p:nvPr>
-            <p:ph type="title"/>
-          </p:nvPr>
-        </p:nvSpPr>
-        <p:spPr/>
-        <p:txBody>
-          <a:bodyPr>
-            <a:normAutofit/>
-          </a:bodyPr>
-          <a:lstStyle/>
-          <a:p>
-            <a:r>
-              <a:rPr lang="en-RU" dirty="0"/>
-              <a:t>Data Collection</a:t>
-            </a:r>
-          </a:p>
-        </p:txBody>
-      </p:sp>
-    </p:spTree>
-    <p:extLst>
-      <p:ext uri="{BB962C8B-B14F-4D97-AF65-F5344CB8AC3E}">
-        <p14:creationId xmlns:p14="http://schemas.microsoft.com/office/powerpoint/2010/main" val="228953882"/>
-      </p:ext>
-    </p:extLst>
-  </p:cSld>
-  <p:clrMapOvr>
-    <a:masterClrMapping/>
-  </p:clrMapOvr>
-</p:sld>
-</file>
-
 <file path=ppt/slides/slide8.xml><?xml version="1.0" encoding="utf-8"?>
 <p:sld xmlns:a="http://schemas.openxmlformats.org/drawingml/2006/main" xmlns:r="http://schemas.openxmlformats.org/officeDocument/2006/relationships" xmlns:p="http://schemas.openxmlformats.org/presentationml/2006/main">
   <p:cSld>
@@ -11220,325 +11754,38 @@
       </p:grpSpPr>
       <p:sp>
         <p:nvSpPr>
-          <p:cNvPr id="2" name="Content Placeholder 1">
-            <a:extLst>
-              <a:ext uri="{FF2B5EF4-FFF2-40B4-BE49-F238E27FC236}">
-                <a16:creationId xmlns:a16="http://schemas.microsoft.com/office/drawing/2014/main" id="{885F3CD7-32E3-F14F-A50C-3604D7BB3B71}"/>
-              </a:ext>
-            </a:extLst>
-          </p:cNvPr>
-          <p:cNvSpPr>
-            <a:spLocks noGrp="1"/>
-          </p:cNvSpPr>
-          <p:nvPr>
-            <p:ph idx="1"/>
-          </p:nvPr>
-        </p:nvSpPr>
-        <p:spPr>
-          <a:xfrm>
-            <a:off x="838200" y="1039091"/>
-            <a:ext cx="10515600" cy="5154498"/>
-          </a:xfrm>
-        </p:spPr>
+          <p:cNvPr id="2" name="Title 1">
+            <a:extLst>
+              <a:ext uri="{FF2B5EF4-FFF2-40B4-BE49-F238E27FC236}">
+                <a16:creationId xmlns:a16="http://schemas.microsoft.com/office/drawing/2014/main" id="{A0D79D22-7949-6544-A49E-361186E06450}"/>
+              </a:ext>
+            </a:extLst>
+          </p:cNvPr>
+          <p:cNvSpPr>
+            <a:spLocks noGrp="1"/>
+          </p:cNvSpPr>
+          <p:nvPr>
+            <p:ph type="title"/>
+          </p:nvPr>
+        </p:nvSpPr>
+        <p:spPr/>
         <p:txBody>
           <a:bodyPr>
-            <a:normAutofit fontScale="85000" lnSpcReduction="20000"/>
+            <a:normAutofit/>
           </a:bodyPr>
           <a:lstStyle/>
           <a:p>
             <a:r>
-              <a:rPr lang="en-US" dirty="0">
-                <a:cs typeface="Myanmar Text" panose="020B0502040204020203" pitchFamily="34" charset="0"/>
-              </a:rPr>
-              <a:t>Fully manual collected validation set</a:t>
-            </a:r>
-            <a:endParaRPr lang="en-GB" dirty="0"/>
-          </a:p>
-          <a:p>
-            <a:r>
-              <a:rPr lang="en-GB" dirty="0"/>
-              <a:t>Hand-selected methods and algorithms for image, text, speech and table preprocessing, i.e. for one of the KG vertices</a:t>
-            </a:r>
-            <a:endParaRPr lang="en-RU" dirty="0"/>
-          </a:p>
-          <a:p>
-            <a:r>
               <a:rPr lang="en-RU" dirty="0"/>
-              <a:t>Each instance has the following features:</a:t>
-            </a:r>
-          </a:p>
-          <a:p>
-            <a:pPr lvl="1">
-              <a:buClr>
-                <a:schemeClr val="tx2"/>
-              </a:buClr>
-              <a:buFont typeface="Wingdings" pitchFamily="2" charset="2"/>
-              <a:buChar char="§"/>
-            </a:pPr>
-            <a:r>
-              <a:rPr lang="en-GB" dirty="0"/>
-              <a:t>C</a:t>
-            </a:r>
-            <a:r>
-              <a:rPr lang="en-RU" dirty="0"/>
-              <a:t>ode</a:t>
-            </a:r>
-          </a:p>
-          <a:p>
-            <a:pPr lvl="1">
-              <a:buClr>
-                <a:schemeClr val="tx2"/>
-              </a:buClr>
-              <a:buFont typeface="Wingdings" pitchFamily="2" charset="2"/>
-              <a:buChar char="§"/>
-            </a:pPr>
-            <a:r>
-              <a:rPr lang="en-RU" dirty="0"/>
-              <a:t>Description</a:t>
-            </a:r>
-          </a:p>
-          <a:p>
-            <a:pPr lvl="1">
-              <a:buClr>
-                <a:schemeClr val="tx2"/>
-              </a:buClr>
-              <a:buFont typeface="Wingdings" pitchFamily="2" charset="2"/>
-              <a:buChar char="§"/>
-            </a:pPr>
-            <a:r>
-              <a:rPr lang="en-RU" dirty="0"/>
-              <a:t>Data format</a:t>
-            </a:r>
-            <a:r>
-              <a:rPr lang="en-US" dirty="0"/>
-              <a:t> (image/text/speech/table)</a:t>
-            </a:r>
-            <a:endParaRPr lang="en-RU" dirty="0"/>
-          </a:p>
-          <a:p>
-            <a:pPr lvl="1">
-              <a:buClr>
-                <a:schemeClr val="tx2"/>
-              </a:buClr>
-              <a:buFont typeface="Wingdings" pitchFamily="2" charset="2"/>
-              <a:buChar char="§"/>
-            </a:pPr>
-            <a:r>
-              <a:rPr lang="en-RU" dirty="0"/>
-              <a:t>Source</a:t>
-            </a:r>
-          </a:p>
-          <a:p>
-            <a:pPr lvl="1">
-              <a:buClr>
-                <a:schemeClr val="tx2"/>
-              </a:buClr>
-              <a:buFont typeface="Wingdings" pitchFamily="2" charset="2"/>
-              <a:buChar char="§"/>
-            </a:pPr>
-            <a:r>
-              <a:rPr lang="en-RU" dirty="0"/>
-              <a:t>Library</a:t>
-            </a:r>
-          </a:p>
-          <a:p>
-            <a:pPr lvl="1">
-              <a:buClr>
-                <a:schemeClr val="tx2"/>
-              </a:buClr>
-              <a:buFont typeface="Wingdings" pitchFamily="2" charset="2"/>
-              <a:buChar char="§"/>
-            </a:pPr>
-            <a:r>
-              <a:rPr lang="en-RU" dirty="0"/>
-              <a:t>Wiki</a:t>
-            </a:r>
-            <a:r>
-              <a:rPr lang="en-US" dirty="0"/>
-              <a:t> Link</a:t>
-            </a:r>
-            <a:endParaRPr lang="en-RU" dirty="0"/>
-          </a:p>
-          <a:p>
-            <a:pPr lvl="1">
-              <a:buClr>
-                <a:schemeClr val="tx2"/>
-              </a:buClr>
-              <a:buFont typeface="Wingdings" pitchFamily="2" charset="2"/>
-              <a:buChar char="§"/>
-            </a:pPr>
-            <a:r>
-              <a:rPr lang="en-RU" dirty="0"/>
-              <a:t>Tags</a:t>
-            </a:r>
-            <a:r>
-              <a:rPr lang="en-US" dirty="0"/>
-              <a:t> (short description)</a:t>
-            </a:r>
-            <a:endParaRPr lang="en-RU" dirty="0"/>
-          </a:p>
-          <a:p>
-            <a:r>
-              <a:rPr lang="en-US" dirty="0"/>
-              <a:t>Number of instances: </a:t>
-            </a:r>
-            <a:r>
-              <a:rPr lang="ru-RU" dirty="0"/>
-              <a:t>413</a:t>
-            </a:r>
-            <a:endParaRPr lang="en-US" dirty="0"/>
-          </a:p>
-          <a:p>
-            <a:r>
-              <a:rPr lang="en-US" dirty="0"/>
-              <a:t>Final dataset – nl2ml.csv</a:t>
-            </a:r>
-            <a:endParaRPr lang="en-RU" dirty="0"/>
-          </a:p>
-        </p:txBody>
-      </p:sp>
-      <p:sp>
-        <p:nvSpPr>
-          <p:cNvPr id="3" name="Title 2">
-            <a:extLst>
-              <a:ext uri="{FF2B5EF4-FFF2-40B4-BE49-F238E27FC236}">
-                <a16:creationId xmlns:a16="http://schemas.microsoft.com/office/drawing/2014/main" id="{D482727E-8510-5F4B-8904-4D776FCF3B82}"/>
-              </a:ext>
-            </a:extLst>
-          </p:cNvPr>
-          <p:cNvSpPr>
-            <a:spLocks noGrp="1"/>
-          </p:cNvSpPr>
-          <p:nvPr>
-            <p:ph type="title"/>
-          </p:nvPr>
-        </p:nvSpPr>
-        <p:spPr/>
-        <p:txBody>
-          <a:bodyPr/>
-          <a:lstStyle/>
-          <a:p>
-            <a:r>
-              <a:rPr lang="en-US" dirty="0"/>
-              <a:t>Preprocessing Dataset</a:t>
-            </a:r>
-            <a:endParaRPr lang="en-RU" dirty="0"/>
-          </a:p>
-        </p:txBody>
-      </p:sp>
-      <p:sp>
-        <p:nvSpPr>
-          <p:cNvPr id="6" name="Slide Number Placeholder 5">
-            <a:extLst>
-              <a:ext uri="{FF2B5EF4-FFF2-40B4-BE49-F238E27FC236}">
-                <a16:creationId xmlns:a16="http://schemas.microsoft.com/office/drawing/2014/main" id="{1B345C92-D62A-F244-BEA6-C1F0B7F0F79B}"/>
-              </a:ext>
-            </a:extLst>
-          </p:cNvPr>
-          <p:cNvSpPr>
-            <a:spLocks noGrp="1"/>
-          </p:cNvSpPr>
-          <p:nvPr>
-            <p:ph type="sldNum" sz="quarter" idx="12"/>
-          </p:nvPr>
-        </p:nvSpPr>
-        <p:spPr/>
-        <p:txBody>
-          <a:bodyPr/>
-          <a:lstStyle/>
-          <a:p>
-            <a:fld id="{21ABC42C-C6CC-47FC-904E-31573FDBB029}" type="slidenum">
-              <a:rPr lang="ru-RU" smtClean="0"/>
-              <a:pPr/>
-              <a:t>8</a:t>
-            </a:fld>
-            <a:endParaRPr lang="ru-RU"/>
-          </a:p>
-        </p:txBody>
-      </p:sp>
-      <p:sp>
-        <p:nvSpPr>
-          <p:cNvPr id="8" name="Date Placeholder 3">
-            <a:extLst>
-              <a:ext uri="{FF2B5EF4-FFF2-40B4-BE49-F238E27FC236}">
-                <a16:creationId xmlns:a16="http://schemas.microsoft.com/office/drawing/2014/main" id="{F268F396-C677-114A-B4A8-E3837B655B2F}"/>
-              </a:ext>
-            </a:extLst>
-          </p:cNvPr>
-          <p:cNvSpPr>
-            <a:spLocks noGrp="1"/>
-          </p:cNvSpPr>
-          <p:nvPr>
-            <p:ph type="dt" sz="half" idx="10"/>
-          </p:nvPr>
-        </p:nvSpPr>
-        <p:spPr>
-          <a:xfrm>
-            <a:off x="5220393" y="6492875"/>
-            <a:ext cx="1751214" cy="365125"/>
-          </a:xfrm>
-        </p:spPr>
-        <p:txBody>
-          <a:bodyPr/>
-          <a:lstStyle/>
-          <a:p>
-            <a:r>
-              <a:rPr lang="en-US" dirty="0"/>
-              <a:t>01</a:t>
-            </a:r>
-            <a:r>
-              <a:rPr lang="ru-RU" dirty="0"/>
-              <a:t>.</a:t>
-            </a:r>
-            <a:r>
-              <a:rPr lang="en-US" dirty="0"/>
-              <a:t>10</a:t>
-            </a:r>
-            <a:r>
-              <a:rPr lang="ru-RU" dirty="0"/>
-              <a:t>.2020</a:t>
-            </a:r>
-          </a:p>
-        </p:txBody>
-      </p:sp>
-      <p:sp>
-        <p:nvSpPr>
-          <p:cNvPr id="9" name="Footer Placeholder 4">
-            <a:extLst>
-              <a:ext uri="{FF2B5EF4-FFF2-40B4-BE49-F238E27FC236}">
-                <a16:creationId xmlns:a16="http://schemas.microsoft.com/office/drawing/2014/main" id="{87A856FD-A6C9-4842-A862-9680A9160BF7}"/>
-              </a:ext>
-            </a:extLst>
-          </p:cNvPr>
-          <p:cNvSpPr>
-            <a:spLocks noGrp="1"/>
-          </p:cNvSpPr>
-          <p:nvPr>
-            <p:ph type="ftr" sz="quarter" idx="11"/>
-          </p:nvPr>
-        </p:nvSpPr>
-        <p:spPr>
-          <a:xfrm>
-            <a:off x="192505" y="6492875"/>
-            <a:ext cx="3767667" cy="365125"/>
-          </a:xfrm>
-        </p:spPr>
-        <p:txBody>
-          <a:bodyPr/>
-          <a:lstStyle/>
-          <a:p>
-            <a:r>
-              <a:rPr lang="en-GB" dirty="0"/>
-              <a:t>T. Ramazyan, A. Levin, et al., NRU HSE</a:t>
-            </a:r>
-            <a:endParaRPr lang="ru-RU" dirty="0"/>
+              <a:t>Data Collection</a:t>
+            </a:r>
           </a:p>
         </p:txBody>
       </p:sp>
     </p:spTree>
     <p:extLst>
       <p:ext uri="{BB962C8B-B14F-4D97-AF65-F5344CB8AC3E}">
-        <p14:creationId xmlns:p14="http://schemas.microsoft.com/office/powerpoint/2010/main" val="1837853701"/>
+        <p14:creationId xmlns:p14="http://schemas.microsoft.com/office/powerpoint/2010/main" val="228953882"/>
       </p:ext>
     </p:extLst>
   </p:cSld>
@@ -11583,17 +11830,35 @@
         </p:nvSpPr>
         <p:spPr>
           <a:xfrm>
-            <a:off x="301450" y="806031"/>
-            <a:ext cx="10515600" cy="5245938"/>
+            <a:off x="838200" y="1039091"/>
+            <a:ext cx="10515600" cy="5154498"/>
           </a:xfrm>
         </p:spPr>
         <p:txBody>
-          <a:bodyPr/>
+          <a:bodyPr>
+            <a:normAutofit fontScale="85000" lnSpcReduction="20000"/>
+          </a:bodyPr>
           <a:lstStyle/>
           <a:p>
             <a:r>
+              <a:rPr lang="en-US" dirty="0">
+                <a:cs typeface="Myanmar Text" panose="020B0502040204020203" pitchFamily="34" charset="0"/>
+              </a:rPr>
+              <a:t>Fully manual collected validation set</a:t>
+            </a:r>
+            <a:endParaRPr lang="en-GB" dirty="0"/>
+          </a:p>
+          <a:p>
+            <a:r>
+              <a:rPr lang="en-GB" dirty="0"/>
+              <a:t>Hand-selected methods and algorithms for image, text, speech and table preprocessing, i.e. for one of the KG vertices</a:t>
+            </a:r>
+            <a:endParaRPr lang="en-RU" dirty="0"/>
+          </a:p>
+          <a:p>
+            <a:r>
               <a:rPr lang="en-RU" dirty="0"/>
-              <a:t>Why Kaggle?</a:t>
+              <a:t>Each instance has the following features:</a:t>
             </a:r>
           </a:p>
           <a:p>
@@ -11605,14 +11870,13 @@
               <a:buChar char="§"/>
             </a:pPr>
             <a:r>
+              <a:rPr lang="en-GB" dirty="0"/>
+              <a:t>C</a:t>
+            </a:r>
+            <a:r>
               <a:rPr lang="en-RU" dirty="0"/>
-              <a:t>Excessive amount of publicly available Python notebooks</a:t>
-            </a:r>
-            <a:r>
-              <a:rPr lang="en-US" dirty="0"/>
-              <a:t> with ML-code</a:t>
-            </a:r>
-            <a:endParaRPr lang="en-RU" dirty="0"/>
+              <a:t>ode</a:t>
+            </a:r>
           </a:p>
           <a:p>
             <a:pPr lvl="1">
@@ -11624,19 +11888,7 @@
             </a:pPr>
             <a:r>
               <a:rPr lang="en-RU" dirty="0"/>
-              <a:t>Kaggle API</a:t>
-            </a:r>
-          </a:p>
-          <a:p>
-            <a:r>
-              <a:rPr lang="en-RU" dirty="0"/>
-              <a:t>Parser pulls out code-description pairs.</a:t>
-            </a:r>
-          </a:p>
-          <a:p>
-            <a:r>
-              <a:rPr lang="en-RU" dirty="0"/>
-              <a:t>Each instance has the following features:</a:t>
+              <a:t>Description</a:t>
             </a:r>
           </a:p>
           <a:p>
@@ -11648,13 +11900,14 @@
               <a:buChar char="§"/>
             </a:pPr>
             <a:r>
-              <a:rPr lang="en-GB" dirty="0"/>
-              <a:t>C</a:t>
-            </a:r>
-            <a:r>
               <a:rPr lang="en-RU" dirty="0"/>
-              <a:t>ode</a:t>
-            </a:r>
+              <a:t>Data format</a:t>
+            </a:r>
+            <a:r>
+              <a:rPr lang="en-US" dirty="0"/>
+              <a:t> (image/text/speech/table)</a:t>
+            </a:r>
+            <a:endParaRPr lang="en-RU" dirty="0"/>
           </a:p>
           <a:p>
             <a:pPr lvl="1">
@@ -11665,27 +11918,76 @@
               <a:buChar char="§"/>
             </a:pPr>
             <a:r>
-              <a:rPr lang="en-US" dirty="0"/>
-              <a:t>In-code Comments</a:t>
+              <a:rPr lang="en-RU" dirty="0"/>
+              <a:t>Source</a:t>
+            </a:r>
+          </a:p>
+          <a:p>
+            <a:pPr lvl="1">
+              <a:buClr>
+                <a:schemeClr val="tx2"/>
+              </a:buClr>
+              <a:buFont typeface="Wingdings" pitchFamily="2" charset="2"/>
+              <a:buChar char="§"/>
+            </a:pPr>
+            <a:r>
+              <a:rPr lang="en-RU" dirty="0"/>
+              <a:t>Library</a:t>
+            </a:r>
+          </a:p>
+          <a:p>
+            <a:pPr lvl="1">
+              <a:buClr>
+                <a:schemeClr val="tx2"/>
+              </a:buClr>
+              <a:buFont typeface="Wingdings" pitchFamily="2" charset="2"/>
+              <a:buChar char="§"/>
+            </a:pPr>
+            <a:r>
+              <a:rPr lang="en-RU" dirty="0"/>
+              <a:t>Wiki</a:t>
+            </a:r>
+            <a:r>
+              <a:rPr lang="en-US" dirty="0"/>
+              <a:t> Link</a:t>
             </a:r>
             <a:endParaRPr lang="en-RU" dirty="0"/>
           </a:p>
           <a:p>
-            <a:r>
-              <a:rPr lang="en-US" dirty="0"/>
-              <a:t>Number of instances: overall – </a:t>
-            </a:r>
+            <a:pPr lvl="1">
+              <a:buClr>
+                <a:schemeClr val="tx2"/>
+              </a:buClr>
+              <a:buFont typeface="Wingdings" pitchFamily="2" charset="2"/>
+              <a:buChar char="§"/>
+            </a:pPr>
             <a:r>
               <a:rPr lang="en-RU" dirty="0"/>
-              <a:t>254397, unique – 225566</a:t>
+              <a:t>Tags</a:t>
+            </a:r>
+            <a:r>
+              <a:rPr lang="en-US" dirty="0"/>
+              <a:t> (short description)</a:t>
+            </a:r>
+            <a:endParaRPr lang="en-RU" dirty="0"/>
+          </a:p>
+          <a:p>
+            <a:r>
+              <a:rPr lang="en-US" dirty="0"/>
+              <a:t>Number of instances: </a:t>
+            </a:r>
+            <a:r>
+              <a:rPr lang="ru-RU" dirty="0"/>
+              <a:t>413</a:t>
             </a:r>
             <a:endParaRPr lang="en-US" dirty="0"/>
           </a:p>
           <a:p>
             <a:r>
               <a:rPr lang="en-US" dirty="0"/>
-              <a:t>Final dataset – code_blocks_clean.csv</a:t>
-            </a:r>
+              <a:t>Final dataset – nl2ml.csv</a:t>
+            </a:r>
+            <a:endParaRPr lang="en-RU" dirty="0"/>
           </a:p>
         </p:txBody>
       </p:sp>
@@ -11705,28 +12007,16 @@
             <p:ph type="title"/>
           </p:nvPr>
         </p:nvSpPr>
-        <p:spPr>
-          <a:xfrm>
-            <a:off x="192505" y="278670"/>
-            <a:ext cx="11806990" cy="765843"/>
-          </a:xfrm>
-        </p:spPr>
+        <p:spPr/>
         <p:txBody>
           <a:bodyPr/>
           <a:lstStyle/>
           <a:p>
             <a:r>
-              <a:rPr lang="en-RU" dirty="0"/>
-              <a:t>Code</a:t>
-            </a:r>
-            <a:r>
-              <a:rPr lang="en-US" dirty="0"/>
-              <a:t> snippets</a:t>
-            </a:r>
-            <a:r>
-              <a:rPr lang="en-RU" dirty="0"/>
-              <a:t> from Kaggle</a:t>
-            </a:r>
+              <a:rPr lang="en-US" dirty="0"/>
+              <a:t>Preprocessing Dataset</a:t>
+            </a:r>
+            <a:endParaRPr lang="en-RU" dirty="0"/>
           </a:p>
         </p:txBody>
       </p:sp>
@@ -11765,7 +12055,7 @@
           <p:cNvPr id="8" name="Date Placeholder 3">
             <a:extLst>
               <a:ext uri="{FF2B5EF4-FFF2-40B4-BE49-F238E27FC236}">
-                <a16:creationId xmlns:a16="http://schemas.microsoft.com/office/drawing/2014/main" id="{D18FF25E-8221-5141-89E1-2596A04BEFED}"/>
+                <a16:creationId xmlns:a16="http://schemas.microsoft.com/office/drawing/2014/main" id="{F268F396-C677-114A-B4A8-E3837B655B2F}"/>
               </a:ext>
             </a:extLst>
           </p:cNvPr>
@@ -11810,7 +12100,7 @@
           <p:cNvPr id="9" name="Footer Placeholder 4">
             <a:extLst>
               <a:ext uri="{FF2B5EF4-FFF2-40B4-BE49-F238E27FC236}">
-                <a16:creationId xmlns:a16="http://schemas.microsoft.com/office/drawing/2014/main" id="{1E7352CA-4A42-3948-B234-7BC4E4925F3B}"/>
+                <a16:creationId xmlns:a16="http://schemas.microsoft.com/office/drawing/2014/main" id="{87A856FD-A6C9-4842-A862-9680A9160BF7}"/>
               </a:ext>
             </a:extLst>
           </p:cNvPr>
@@ -11842,7 +12132,7 @@
     </p:spTree>
     <p:extLst>
       <p:ext uri="{BB962C8B-B14F-4D97-AF65-F5344CB8AC3E}">
-        <p14:creationId xmlns:p14="http://schemas.microsoft.com/office/powerpoint/2010/main" val="3114124307"/>
+        <p14:creationId xmlns:p14="http://schemas.microsoft.com/office/powerpoint/2010/main" val="1837853701"/>
       </p:ext>
     </p:extLst>
   </p:cSld>
@@ -12349,21 +12639,6 @@
 </file>
 
 <file path=customXml/item1.xml><?xml version="1.0" encoding="utf-8"?>
-<?mso-contentType ?>
-<FormTemplates xmlns="http://schemas.microsoft.com/sharepoint/v3/contenttype/forms">
-  <Display>DocumentLibraryForm</Display>
-  <Edit>DocumentLibraryForm</Edit>
-  <New>DocumentLibraryForm</New>
-</FormTemplates>
-</file>
-
-<file path=customXml/item2.xml><?xml version="1.0" encoding="utf-8"?>
-<p:properties xmlns:p="http://schemas.microsoft.com/office/2006/metadata/properties" xmlns:xsi="http://www.w3.org/2001/XMLSchema-instance" xmlns:pc="http://schemas.microsoft.com/office/infopath/2007/PartnerControls">
-  <documentManagement/>
-</p:properties>
-</file>
-
-<file path=customXml/item3.xml><?xml version="1.0" encoding="utf-8"?>
 <ct:contentTypeSchema xmlns:ct="http://schemas.microsoft.com/office/2006/metadata/contentType" xmlns:ma="http://schemas.microsoft.com/office/2006/metadata/properties/metaAttributes" ct:_="" ma:_="" ma:contentTypeName="Документ" ma:contentTypeID="0x0101008F92DA508495354898BAAA65F78C1E56" ma:contentTypeVersion="2" ma:contentTypeDescription="Создание документа." ma:contentTypeScope="" ma:versionID="81b1a881905ec1e446a9a94e9eb6fc8d">
   <xsd:schema xmlns:xsd="http://www.w3.org/2001/XMLSchema" xmlns:xs="http://www.w3.org/2001/XMLSchema" xmlns:p="http://schemas.microsoft.com/office/2006/metadata/properties" xmlns:ns2="d258768f-595e-4f2e-bb13-e4a347c6cd1e" targetNamespace="http://schemas.microsoft.com/office/2006/metadata/properties" ma:root="true" ma:fieldsID="09709213625c3507324bf92500a85a69" ns2:_="">
     <xsd:import namespace="d258768f-595e-4f2e-bb13-e4a347c6cd1e"/>
@@ -12495,24 +12770,22 @@
 </ct:contentTypeSchema>
 </file>
 
-<file path=customXml/itemProps1.xml><?xml version="1.0" encoding="utf-8"?>
-<ds:datastoreItem xmlns:ds="http://schemas.openxmlformats.org/officeDocument/2006/customXml" ds:itemID="{F9DCFF4E-7731-4E81-AB1D-41746E451C23}">
-  <ds:schemaRefs>
-    <ds:schemaRef ds:uri="http://schemas.microsoft.com/sharepoint/v3/contenttype/forms"/>
-  </ds:schemaRefs>
-</ds:datastoreItem>
+<file path=customXml/item2.xml><?xml version="1.0" encoding="utf-8"?>
+<p:properties xmlns:p="http://schemas.microsoft.com/office/2006/metadata/properties" xmlns:xsi="http://www.w3.org/2001/XMLSchema-instance" xmlns:pc="http://schemas.microsoft.com/office/infopath/2007/PartnerControls">
+  <documentManagement/>
+</p:properties>
 </file>
 
-<file path=customXml/itemProps2.xml><?xml version="1.0" encoding="utf-8"?>
-<ds:datastoreItem xmlns:ds="http://schemas.openxmlformats.org/officeDocument/2006/customXml" ds:itemID="{35B40442-68EA-4285-AAFD-0966C47C499C}">
-  <ds:schemaRefs>
-    <ds:schemaRef ds:uri="http://schemas.microsoft.com/office/2006/metadata/properties"/>
-    <ds:schemaRef ds:uri="http://schemas.microsoft.com/office/infopath/2007/PartnerControls"/>
-  </ds:schemaRefs>
-</ds:datastoreItem>
+<file path=customXml/item3.xml><?xml version="1.0" encoding="utf-8"?>
+<?mso-contentType ?>
+<FormTemplates xmlns="http://schemas.microsoft.com/sharepoint/v3/contenttype/forms">
+  <Display>DocumentLibraryForm</Display>
+  <Edit>DocumentLibraryForm</Edit>
+  <New>DocumentLibraryForm</New>
+</FormTemplates>
 </file>
 
-<file path=customXml/itemProps3.xml><?xml version="1.0" encoding="utf-8"?>
+<file path=customXml/itemProps1.xml><?xml version="1.0" encoding="utf-8"?>
 <ds:datastoreItem xmlns:ds="http://schemas.openxmlformats.org/officeDocument/2006/customXml" ds:itemID="{B24C533A-F944-4775-A310-9570272E09F1}">
   <ds:schemaRefs>
     <ds:schemaRef ds:uri="http://schemas.microsoft.com/office/2006/metadata/contentType"/>
@@ -12528,4 +12801,21 @@
     <ds:schemaRef ds:uri="http://schemas.microsoft.com/internal/obd"/>
   </ds:schemaRefs>
 </ds:datastoreItem>
+</file>
+
+<file path=customXml/itemProps2.xml><?xml version="1.0" encoding="utf-8"?>
+<ds:datastoreItem xmlns:ds="http://schemas.openxmlformats.org/officeDocument/2006/customXml" ds:itemID="{35B40442-68EA-4285-AAFD-0966C47C499C}">
+  <ds:schemaRefs>
+    <ds:schemaRef ds:uri="http://schemas.microsoft.com/office/2006/metadata/properties"/>
+    <ds:schemaRef ds:uri="http://schemas.microsoft.com/office/infopath/2007/PartnerControls"/>
+  </ds:schemaRefs>
+</ds:datastoreItem>
+</file>
+
+<file path=customXml/itemProps3.xml><?xml version="1.0" encoding="utf-8"?>
+<ds:datastoreItem xmlns:ds="http://schemas.openxmlformats.org/officeDocument/2006/customXml" ds:itemID="{F9DCFF4E-7731-4E81-AB1D-41746E451C23}">
+  <ds:schemaRefs>
+    <ds:schemaRef ds:uri="http://schemas.microsoft.com/sharepoint/v3/contenttype/forms"/>
+  </ds:schemaRefs>
+</ds:datastoreItem>
 </file>